--- a/論文/論文寫作期末報告.pptx
+++ b/論文/論文寫作期末報告.pptx
@@ -5,10 +5,10 @@
     <p:sldMasterId id="2147483648" r:id="rId1"/>
   </p:sldMasterIdLst>
   <p:notesMasterIdLst>
-    <p:notesMasterId r:id="rId47"/>
+    <p:notesMasterId r:id="rId48"/>
   </p:notesMasterIdLst>
   <p:handoutMasterIdLst>
-    <p:handoutMasterId r:id="rId48"/>
+    <p:handoutMasterId r:id="rId49"/>
   </p:handoutMasterIdLst>
   <p:sldIdLst>
     <p:sldId id="256" r:id="rId2"/>
@@ -48,14 +48,15 @@
     <p:sldId id="395" r:id="rId36"/>
     <p:sldId id="396" r:id="rId37"/>
     <p:sldId id="397" r:id="rId38"/>
-    <p:sldId id="356" r:id="rId39"/>
-    <p:sldId id="398" r:id="rId40"/>
-    <p:sldId id="399" r:id="rId41"/>
-    <p:sldId id="400" r:id="rId42"/>
-    <p:sldId id="401" r:id="rId43"/>
-    <p:sldId id="402" r:id="rId44"/>
-    <p:sldId id="403" r:id="rId45"/>
-    <p:sldId id="288" r:id="rId46"/>
+    <p:sldId id="404" r:id="rId39"/>
+    <p:sldId id="356" r:id="rId40"/>
+    <p:sldId id="398" r:id="rId41"/>
+    <p:sldId id="399" r:id="rId42"/>
+    <p:sldId id="400" r:id="rId43"/>
+    <p:sldId id="401" r:id="rId44"/>
+    <p:sldId id="402" r:id="rId45"/>
+    <p:sldId id="403" r:id="rId46"/>
+    <p:sldId id="288" r:id="rId47"/>
   </p:sldIdLst>
   <p:sldSz cx="9144000" cy="5143500" type="screen16x9"/>
   <p:notesSz cx="6858000" cy="9144000"/>
@@ -1576,6 +1577,16 @@
           <a:bodyPr/>
           <a:lstStyle/>
           <a:p>
+            <a:r>
+              <a:rPr lang="zh-TW" altLang="en-US" dirty="0" smtClean="0"/>
+              <a:t>語義分割的做法就是對影像中的每格像素進行分類，歸類每格像素的種類，從而進行區域劃分。語義分割需要分類每格像素的類別，進行精確的分割。</a:t>
+            </a:r>
+            <a:endParaRPr lang="en-US" altLang="zh-TW" dirty="0" smtClean="0"/>
+          </a:p>
+          <a:p>
+            <a:endParaRPr lang="en-US" altLang="zh-TW" dirty="0" smtClean="0"/>
+          </a:p>
+          <a:p>
             <a:pPr marL="0" marR="0" lvl="0" indent="0" algn="l" defTabSz="685800" rtl="0" eaLnBrk="1" fontAlgn="auto" latinLnBrk="0" hangingPunct="1">
               <a:lnSpc>
                 <a:spcPct val="100000"/>
@@ -1603,7 +1614,19 @@
                 <a:ea typeface="+mn-ea"/>
                 <a:cs typeface="+mn-cs"/>
               </a:rPr>
-              <a:t>深度學習在計算機視覺的領域有幾項重要的應用，如影像分類、物件偵測、圖像分割，其中圖像分割是針對圖片中的每格像素的種類去進行區域的分類，把相同的物件劃分在一起，此技術已應用於非常多產業，如生物醫學、自動駕駛等等。傳統的</a:t>
+              <a:t>傳統</a:t>
+            </a:r>
+            <a:r>
+              <a:rPr lang="zh-TW" altLang="zh-TW" sz="900" kern="1200" dirty="0" smtClean="0">
+                <a:solidFill>
+                  <a:schemeClr val="tx1"/>
+                </a:solidFill>
+                <a:effectLst/>
+                <a:latin typeface="+mn-lt"/>
+                <a:ea typeface="+mn-ea"/>
+                <a:cs typeface="+mn-cs"/>
+              </a:rPr>
+              <a:t>的</a:t>
             </a:r>
             <a:r>
               <a:rPr lang="en-US" altLang="zh-TW" sz="900" kern="1200" dirty="0" smtClean="0">
@@ -2307,31 +2330,7 @@
                 <a:ea typeface="+mn-ea"/>
                 <a:cs typeface="+mn-cs"/>
               </a:rPr>
-              <a:t>所提出。生成</a:t>
-            </a:r>
-            <a:r>
-              <a:rPr lang="zh-TW" altLang="zh-TW" sz="900" kern="1200" dirty="0" smtClean="0">
-                <a:solidFill>
-                  <a:schemeClr val="tx1"/>
-                </a:solidFill>
-                <a:effectLst/>
-                <a:latin typeface="+mn-lt"/>
-                <a:ea typeface="+mn-ea"/>
-                <a:cs typeface="+mn-cs"/>
-              </a:rPr>
-              <a:t>對抗為生</a:t>
-            </a:r>
-            <a:r>
-              <a:rPr lang="zh-TW" altLang="zh-TW" sz="900" kern="1200" dirty="0" smtClean="0">
-                <a:solidFill>
-                  <a:schemeClr val="tx1"/>
-                </a:solidFill>
-                <a:effectLst/>
-                <a:latin typeface="+mn-lt"/>
-                <a:ea typeface="+mn-ea"/>
-                <a:cs typeface="+mn-cs"/>
-              </a:rPr>
-              <a:t>成器</a:t>
+              <a:t>所提出。生成對抗為生成器</a:t>
             </a:r>
             <a:r>
               <a:rPr lang="en-US" altLang="zh-TW" sz="900" kern="1200" dirty="0" smtClean="0">
@@ -2491,7 +2490,31 @@
                 <a:ea typeface="+mn-ea"/>
                 <a:cs typeface="+mn-cs"/>
               </a:rPr>
-              <a:t>來生成新的假</a:t>
+              <a:t>來生成新的假圖</a:t>
+            </a:r>
+            <a:r>
+              <a:rPr lang="zh-TW" altLang="en-US" sz="900" kern="1200" dirty="0" smtClean="0">
+                <a:solidFill>
+                  <a:schemeClr val="tx1"/>
+                </a:solidFill>
+                <a:effectLst/>
+                <a:latin typeface="+mn-lt"/>
+                <a:ea typeface="+mn-ea"/>
+                <a:cs typeface="+mn-cs"/>
+              </a:rPr>
+              <a:t>，接著</a:t>
+            </a:r>
+            <a:r>
+              <a:rPr lang="zh-TW" altLang="en-US" sz="900" kern="1200" dirty="0" smtClean="0">
+                <a:solidFill>
+                  <a:schemeClr val="tx1"/>
+                </a:solidFill>
+                <a:effectLst/>
+                <a:latin typeface="+mn-lt"/>
+                <a:ea typeface="+mn-ea"/>
+                <a:cs typeface="+mn-cs"/>
+              </a:rPr>
+              <a:t>輸入至判別器</a:t>
             </a:r>
             <a:r>
               <a:rPr lang="zh-TW" altLang="zh-TW" sz="900" kern="1200" dirty="0" smtClean="0">
@@ -2503,7 +2526,31 @@
                 <a:ea typeface="+mn-ea"/>
                 <a:cs typeface="+mn-cs"/>
               </a:rPr>
-              <a:t>圖</a:t>
+              <a:t>，以欺騙判別器</a:t>
+            </a:r>
+            <a:r>
+              <a:rPr lang="en-US" altLang="zh-TW" sz="900" kern="1200" dirty="0" smtClean="0">
+                <a:solidFill>
+                  <a:schemeClr val="tx1"/>
+                </a:solidFill>
+                <a:effectLst/>
+                <a:latin typeface="+mn-lt"/>
+                <a:ea typeface="+mn-ea"/>
+                <a:cs typeface="+mn-cs"/>
+              </a:rPr>
+              <a:t>;</a:t>
+            </a:r>
+            <a:r>
+              <a:rPr lang="zh-TW" altLang="zh-TW" sz="900" kern="1200" dirty="0" smtClean="0">
+                <a:solidFill>
+                  <a:schemeClr val="tx1"/>
+                </a:solidFill>
+                <a:effectLst/>
+                <a:latin typeface="+mn-lt"/>
+                <a:ea typeface="+mn-ea"/>
+                <a:cs typeface="+mn-cs"/>
+              </a:rPr>
+              <a:t>判別器必須分辨出</a:t>
             </a:r>
             <a:r>
               <a:rPr lang="zh-TW" altLang="en-US" sz="900" kern="1200" dirty="0" smtClean="0">
@@ -2515,7 +2562,19 @@
                 <a:ea typeface="+mn-ea"/>
                 <a:cs typeface="+mn-cs"/>
               </a:rPr>
-              <a:t>，著</a:t>
+              <a:t>輸入的</a:t>
+            </a:r>
+            <a:r>
+              <a:rPr lang="zh-TW" altLang="zh-TW" sz="900" kern="1200" dirty="0" smtClean="0">
+                <a:solidFill>
+                  <a:schemeClr val="tx1"/>
+                </a:solidFill>
+                <a:effectLst/>
+                <a:latin typeface="+mn-lt"/>
+                <a:ea typeface="+mn-ea"/>
+                <a:cs typeface="+mn-cs"/>
+              </a:rPr>
+              <a:t>圖片是否為原圖片還是生成器生成出來的假圖片，並給予</a:t>
             </a:r>
             <a:r>
               <a:rPr lang="zh-TW" altLang="en-US" sz="900" kern="1200" dirty="0" smtClean="0">
@@ -2527,7 +2586,7 @@
                 <a:ea typeface="+mn-ea"/>
                 <a:cs typeface="+mn-cs"/>
               </a:rPr>
-              <a:t>輸入至</a:t>
+              <a:t>分數做為回饋，傳回生成器，生成器在利用此回饋，調整內部參數，將圖片生成的更像，接著再丟入判別</a:t>
             </a:r>
             <a:r>
               <a:rPr lang="zh-TW" altLang="en-US" sz="900" kern="1200" dirty="0" smtClean="0">
@@ -2539,7 +2598,19 @@
                 <a:ea typeface="+mn-ea"/>
                 <a:cs typeface="+mn-cs"/>
               </a:rPr>
-              <a:t>判別器</a:t>
+              <a:t>器作</a:t>
+            </a:r>
+            <a:r>
+              <a:rPr lang="zh-TW" altLang="en-US" sz="900" kern="1200" dirty="0" smtClean="0">
+                <a:solidFill>
+                  <a:schemeClr val="tx1"/>
+                </a:solidFill>
+                <a:effectLst/>
+                <a:latin typeface="+mn-lt"/>
+                <a:ea typeface="+mn-ea"/>
+                <a:cs typeface="+mn-cs"/>
+              </a:rPr>
+              <a:t>判別</a:t>
             </a:r>
             <a:r>
               <a:rPr lang="zh-TW" altLang="zh-TW" sz="900" kern="1200" dirty="0" smtClean="0">
@@ -2551,7 +2622,19 @@
                 <a:ea typeface="+mn-ea"/>
                 <a:cs typeface="+mn-cs"/>
               </a:rPr>
-              <a:t>，</a:t>
+              <a:t>。</a:t>
+            </a:r>
+            <a:r>
+              <a:rPr lang="zh-TW" altLang="en-US" sz="900" kern="1200" dirty="0" smtClean="0">
+                <a:solidFill>
+                  <a:schemeClr val="tx1"/>
+                </a:solidFill>
+                <a:effectLst/>
+                <a:latin typeface="+mn-lt"/>
+                <a:ea typeface="+mn-ea"/>
+                <a:cs typeface="+mn-cs"/>
+              </a:rPr>
+              <a:t>一直</a:t>
             </a:r>
             <a:r>
               <a:rPr lang="zh-TW" altLang="zh-TW" sz="900" kern="1200" dirty="0" smtClean="0">
@@ -2563,10 +2646,10 @@
                 <a:ea typeface="+mn-ea"/>
                 <a:cs typeface="+mn-cs"/>
               </a:rPr>
-              <a:t>以欺騙判別器</a:t>
-            </a:r>
-            <a:r>
-              <a:rPr lang="en-US" altLang="zh-TW" sz="900" kern="1200" dirty="0" smtClean="0">
+              <a:t>不斷循環此過程，在過程中兩邊皆會改進並增強自己的方法</a:t>
+            </a:r>
+            <a:r>
+              <a:rPr lang="zh-TW" altLang="en-US" sz="900" kern="1200" dirty="0" smtClean="0">
                 <a:solidFill>
                   <a:schemeClr val="tx1"/>
                 </a:solidFill>
@@ -2575,10 +2658,10 @@
                 <a:ea typeface="+mn-ea"/>
                 <a:cs typeface="+mn-cs"/>
               </a:rPr>
-              <a:t>;</a:t>
-            </a:r>
-            <a:r>
-              <a:rPr lang="zh-TW" altLang="zh-TW" sz="900" kern="1200" dirty="0" smtClean="0">
+              <a:t>，直到生成器沒辦法生成出更像的圖片，</a:t>
+            </a:r>
+            <a:r>
+              <a:rPr lang="zh-TW" altLang="en-US" sz="900" kern="1200" dirty="0" smtClean="0">
                 <a:solidFill>
                   <a:schemeClr val="tx1"/>
                 </a:solidFill>
@@ -2587,7 +2670,7 @@
                 <a:ea typeface="+mn-ea"/>
                 <a:cs typeface="+mn-cs"/>
               </a:rPr>
-              <a:t>判別器必須分辨出</a:t>
+              <a:t>判別器沒辦法</a:t>
             </a:r>
             <a:r>
               <a:rPr lang="zh-TW" altLang="en-US" sz="900" kern="1200" dirty="0" smtClean="0">
@@ -2599,103 +2682,7 @@
                 <a:ea typeface="+mn-ea"/>
                 <a:cs typeface="+mn-cs"/>
               </a:rPr>
-              <a:t>輸入的</a:t>
-            </a:r>
-            <a:r>
-              <a:rPr lang="zh-TW" altLang="zh-TW" sz="900" kern="1200" dirty="0" smtClean="0">
-                <a:solidFill>
-                  <a:schemeClr val="tx1"/>
-                </a:solidFill>
-                <a:effectLst/>
-                <a:latin typeface="+mn-lt"/>
-                <a:ea typeface="+mn-ea"/>
-                <a:cs typeface="+mn-cs"/>
-              </a:rPr>
-              <a:t>圖片是否為原圖片還是生成器生成出來的假圖片，並</a:t>
-            </a:r>
-            <a:r>
-              <a:rPr lang="zh-TW" altLang="zh-TW" sz="900" kern="1200" dirty="0" smtClean="0">
-                <a:solidFill>
-                  <a:schemeClr val="tx1"/>
-                </a:solidFill>
-                <a:effectLst/>
-                <a:latin typeface="+mn-lt"/>
-                <a:ea typeface="+mn-ea"/>
-                <a:cs typeface="+mn-cs"/>
-              </a:rPr>
-              <a:t>給予</a:t>
-            </a:r>
-            <a:r>
-              <a:rPr lang="zh-TW" altLang="en-US" sz="900" kern="1200" dirty="0" smtClean="0">
-                <a:solidFill>
-                  <a:schemeClr val="tx1"/>
-                </a:solidFill>
-                <a:effectLst/>
-                <a:latin typeface="+mn-lt"/>
-                <a:ea typeface="+mn-ea"/>
-                <a:cs typeface="+mn-cs"/>
-              </a:rPr>
-              <a:t>分數做為回饋，傳回生成器，生成器在利用此回饋，調整內部參數，將圖片生成的更像，接著再丟入判別器，在作判別</a:t>
-            </a:r>
-            <a:r>
-              <a:rPr lang="zh-TW" altLang="zh-TW" sz="900" kern="1200" dirty="0" smtClean="0">
-                <a:solidFill>
-                  <a:schemeClr val="tx1"/>
-                </a:solidFill>
-                <a:effectLst/>
-                <a:latin typeface="+mn-lt"/>
-                <a:ea typeface="+mn-ea"/>
-                <a:cs typeface="+mn-cs"/>
-              </a:rPr>
-              <a:t>。</a:t>
-            </a:r>
-            <a:r>
-              <a:rPr lang="zh-TW" altLang="en-US" sz="900" kern="1200" dirty="0" smtClean="0">
-                <a:solidFill>
-                  <a:schemeClr val="tx1"/>
-                </a:solidFill>
-                <a:effectLst/>
-                <a:latin typeface="+mn-lt"/>
-                <a:ea typeface="+mn-ea"/>
-                <a:cs typeface="+mn-cs"/>
-              </a:rPr>
-              <a:t>一直</a:t>
-            </a:r>
-            <a:r>
-              <a:rPr lang="zh-TW" altLang="zh-TW" sz="900" kern="1200" dirty="0" smtClean="0">
-                <a:solidFill>
-                  <a:schemeClr val="tx1"/>
-                </a:solidFill>
-                <a:effectLst/>
-                <a:latin typeface="+mn-lt"/>
-                <a:ea typeface="+mn-ea"/>
-                <a:cs typeface="+mn-cs"/>
-              </a:rPr>
-              <a:t>不斷</a:t>
-            </a:r>
-            <a:r>
-              <a:rPr lang="zh-TW" altLang="zh-TW" sz="900" kern="1200" dirty="0" smtClean="0">
-                <a:solidFill>
-                  <a:schemeClr val="tx1"/>
-                </a:solidFill>
-                <a:effectLst/>
-                <a:latin typeface="+mn-lt"/>
-                <a:ea typeface="+mn-ea"/>
-                <a:cs typeface="+mn-cs"/>
-              </a:rPr>
-              <a:t>循環此過程，在過程中兩邊皆會改進並增強自己的方法</a:t>
-            </a:r>
-            <a:r>
-              <a:rPr lang="zh-TW" altLang="en-US" sz="900" kern="1200" dirty="0" smtClean="0">
-                <a:solidFill>
-                  <a:schemeClr val="tx1"/>
-                </a:solidFill>
-                <a:effectLst/>
-                <a:latin typeface="+mn-lt"/>
-                <a:ea typeface="+mn-ea"/>
-                <a:cs typeface="+mn-cs"/>
-              </a:rPr>
-              <a:t>，直到生成器沒辦法生成出更像的圖片，判別氣沒辦法判別出圖片的真假。</a:t>
+              <a:t>判別出圖片的真假。</a:t>
             </a:r>
             <a:endParaRPr lang="en-US" altLang="zh-TW" sz="900" kern="1200" dirty="0" smtClean="0">
               <a:solidFill>
@@ -3110,55 +3097,7 @@
                 <a:ea typeface="+mn-ea"/>
                 <a:cs typeface="+mn-cs"/>
               </a:rPr>
-              <a:t>為什要用這個自動編碼器呢 因為在訓練圖片的過程 圖片的資料維度是非常大的，如果直接把原始資料進行訓練那會耗非常大的效能，</a:t>
-            </a:r>
-            <a:r>
-              <a:rPr lang="zh-TW" altLang="en-US" sz="900" kern="1200" dirty="0" smtClean="0">
-                <a:solidFill>
-                  <a:schemeClr val="tx1"/>
-                </a:solidFill>
-                <a:effectLst/>
-                <a:latin typeface="+mn-lt"/>
-                <a:ea typeface="+mn-ea"/>
-                <a:cs typeface="+mn-cs"/>
-              </a:rPr>
-              <a:t>所以他選擇在</a:t>
-            </a:r>
-            <a:r>
-              <a:rPr lang="zh-TW" altLang="en-US" sz="900" kern="1200" dirty="0" smtClean="0">
-                <a:solidFill>
-                  <a:schemeClr val="tx1"/>
-                </a:solidFill>
-                <a:effectLst/>
-                <a:latin typeface="+mn-lt"/>
-                <a:ea typeface="+mn-ea"/>
-                <a:cs typeface="+mn-cs"/>
-              </a:rPr>
-              <a:t>訓練前先壓縮資料，取出</a:t>
-            </a:r>
-            <a:r>
-              <a:rPr lang="zh-TW" altLang="en-US" sz="900" kern="1200" dirty="0" smtClean="0">
-                <a:solidFill>
-                  <a:schemeClr val="tx1"/>
-                </a:solidFill>
-                <a:effectLst/>
-                <a:latin typeface="+mn-lt"/>
-                <a:ea typeface="+mn-ea"/>
-                <a:cs typeface="+mn-cs"/>
-              </a:rPr>
-              <a:t>最資料的最精華，</a:t>
-            </a:r>
-            <a:r>
-              <a:rPr lang="zh-TW" altLang="en-US" sz="900" kern="1200" dirty="0" smtClean="0">
-                <a:solidFill>
-                  <a:schemeClr val="tx1"/>
-                </a:solidFill>
-                <a:effectLst/>
-                <a:latin typeface="+mn-lt"/>
-                <a:ea typeface="+mn-ea"/>
-                <a:cs typeface="+mn-cs"/>
-              </a:rPr>
-              <a:t>訓練完在解壓縮回去，這樣就能大大的節省效能，這也是自動編碼器的作用</a:t>
+              <a:t>為什要用這個自動編碼器呢 因為在訓練圖片的過程 圖片的資料維度是非常大的，如果直接把原始資料進行訓練那會耗非常大的效能，所以他選擇在訓練前先壓縮資料，取出最資料的最精華，訓練完在解壓縮回去，這樣就能大大的節省效能，這也是自動編碼器的作用</a:t>
             </a:r>
             <a:endParaRPr lang="zh-TW" altLang="zh-TW" sz="900" kern="1200" dirty="0" smtClean="0">
               <a:solidFill>
@@ -3273,7 +3212,7 @@
                 <a:ea typeface="+mn-ea"/>
                 <a:cs typeface="+mn-cs"/>
               </a:rPr>
-              <a:t>判別器為一個</a:t>
+              <a:t>判別器為一個任意的神經網路</a:t>
             </a:r>
             <a:r>
               <a:rPr lang="zh-TW" altLang="zh-TW" sz="900" kern="1200" dirty="0" smtClean="0">
@@ -3285,7 +3224,7 @@
                 <a:ea typeface="+mn-ea"/>
                 <a:cs typeface="+mn-cs"/>
               </a:rPr>
-              <a:t>任意的神經網路，對於圖片通常會使用卷積神經網路</a:t>
+              <a:t>，對於圖片通常會使用卷積神經網路</a:t>
             </a:r>
             <a:r>
               <a:rPr lang="en-US" altLang="zh-TW" sz="900" kern="1200" dirty="0" smtClean="0">
@@ -3357,31 +3296,7 @@
                 <a:ea typeface="+mn-ea"/>
                 <a:cs typeface="+mn-cs"/>
               </a:rPr>
-              <a:t>先將真實圖片資料給判別器做訓練，訓練出一個完整的神經網路，接著將生成器</a:t>
-            </a:r>
-            <a:r>
-              <a:rPr lang="zh-TW" altLang="en-US" sz="900" kern="1200" dirty="0" smtClean="0">
-                <a:solidFill>
-                  <a:schemeClr val="tx1"/>
-                </a:solidFill>
-                <a:effectLst/>
-                <a:latin typeface="+mn-lt"/>
-                <a:ea typeface="+mn-ea"/>
-                <a:cs typeface="+mn-cs"/>
-              </a:rPr>
-              <a:t>生成</a:t>
-            </a:r>
-            <a:r>
-              <a:rPr lang="zh-TW" altLang="en-US" sz="900" kern="1200" dirty="0" smtClean="0">
-                <a:solidFill>
-                  <a:schemeClr val="tx1"/>
-                </a:solidFill>
-                <a:effectLst/>
-                <a:latin typeface="+mn-lt"/>
-                <a:ea typeface="+mn-ea"/>
-                <a:cs typeface="+mn-cs"/>
-              </a:rPr>
-              <a:t>出來的假圖片丟入判別器進行判別。</a:t>
+              <a:t>先將真實圖片資料給判別器做訓練，訓練出一個完整的神經網路，接著將生成器生成出來的假圖片丟入判別器進行判別。</a:t>
             </a:r>
             <a:r>
               <a:rPr lang="zh-TW" altLang="zh-TW" sz="900" kern="1200" dirty="0" smtClean="0">
@@ -3440,7 +3355,7 @@
                 <a:ea typeface="+mn-ea"/>
                 <a:cs typeface="+mn-cs"/>
               </a:rPr>
-              <a:t>左下為生成對抗網路的簡單網路架構圖，首先第一次生成不知道要生成什麼東西，所以會先隨便給一個雜訊向量</a:t>
+              <a:t>左下為生成對抗網路的簡單網路架構圖，首先第一次生成不知道要生成什麼東西，所以會先隨便給一個向量</a:t>
             </a:r>
             <a:r>
               <a:rPr lang="en-US" altLang="zh-TW" sz="900" kern="1200" dirty="0" smtClean="0">
@@ -3464,31 +3379,7 @@
                 <a:ea typeface="+mn-ea"/>
                 <a:cs typeface="+mn-cs"/>
               </a:rPr>
-              <a:t>，輸入到生成器，生成器就先隨便幫你生成出一張假照片，在丟到已經吃過真實照片的神經網路判別器</a:t>
-            </a:r>
-            <a:r>
-              <a:rPr lang="zh-TW" altLang="en-US" sz="900" kern="1200" dirty="0" smtClean="0">
-                <a:solidFill>
-                  <a:schemeClr val="tx1"/>
-                </a:solidFill>
-                <a:effectLst/>
-                <a:latin typeface="+mn-lt"/>
-                <a:ea typeface="+mn-ea"/>
-                <a:cs typeface="+mn-cs"/>
-              </a:rPr>
-              <a:t>進行</a:t>
-            </a:r>
-            <a:r>
-              <a:rPr lang="zh-TW" altLang="en-US" sz="900" kern="1200" dirty="0" smtClean="0">
-                <a:solidFill>
-                  <a:schemeClr val="tx1"/>
-                </a:solidFill>
-                <a:effectLst/>
-                <a:latin typeface="+mn-lt"/>
-                <a:ea typeface="+mn-ea"/>
-                <a:cs typeface="+mn-cs"/>
-              </a:rPr>
-              <a:t>判別，判別器會根據假圖片與真圖片像不像回傳一個分數給生成器，生成器再由判別器給的回饋，調整參數，繼續生成，判別器也繼續判別，不斷循環這些過程，</a:t>
+              <a:t>，他會是一個雜訊，然後輸入到生成器，生成器就先隨便幫你生成出一張假照片，在丟到已經吃過真實照片的神經網路判別器進行判別，判別器會根據假圖片與真圖片像不像回傳一個分數給生成器，生成器再由判別器給的回饋，調整參數，繼續生成，判別器也繼續判別，不斷循環這些過程，</a:t>
             </a:r>
             <a:r>
               <a:rPr lang="zh-TW" altLang="zh-TW" sz="900" kern="1200" dirty="0" smtClean="0">
@@ -4878,7 +4769,55 @@
                 <a:ea typeface="+mn-ea"/>
                 <a:cs typeface="+mn-cs"/>
               </a:rPr>
-              <a:t>相似，但紋理部分與引導圖相似。因為室內設計圖是一種擁有多類別的影像，為了不讓圖片模糊，因此利用影像濾波器將影像銳化，抓出影像的邊界，通過濾波器還原回輸出圖像，以最大限度地保持模糊圖像的邊緣和細節，達到細節加強的效果。</a:t>
+              <a:t>相似，但紋理部分與引導圖相似。因為室內設計圖是一種擁有多類別的影像，為了不</a:t>
+            </a:r>
+            <a:r>
+              <a:rPr lang="zh-TW" altLang="zh-TW" sz="900" kern="1200" dirty="0" smtClean="0">
+                <a:solidFill>
+                  <a:schemeClr val="tx1"/>
+                </a:solidFill>
+                <a:effectLst/>
+                <a:latin typeface="+mn-lt"/>
+                <a:ea typeface="+mn-ea"/>
+                <a:cs typeface="+mn-cs"/>
+              </a:rPr>
+              <a:t>讓</a:t>
+            </a:r>
+            <a:r>
+              <a:rPr lang="zh-TW" altLang="en-US" sz="900" kern="1200" dirty="0" smtClean="0">
+                <a:solidFill>
+                  <a:schemeClr val="tx1"/>
+                </a:solidFill>
+                <a:effectLst/>
+                <a:latin typeface="+mn-lt"/>
+                <a:ea typeface="+mn-ea"/>
+                <a:cs typeface="+mn-cs"/>
+              </a:rPr>
+              <a:t>物件邊緣</a:t>
+            </a:r>
+            <a:r>
+              <a:rPr lang="zh-TW" altLang="zh-TW" sz="900" kern="1200" dirty="0" smtClean="0">
+                <a:solidFill>
+                  <a:schemeClr val="tx1"/>
+                </a:solidFill>
+                <a:effectLst/>
+                <a:latin typeface="+mn-lt"/>
+                <a:ea typeface="+mn-ea"/>
+                <a:cs typeface="+mn-cs"/>
+              </a:rPr>
+              <a:t>模糊</a:t>
+            </a:r>
+            <a:r>
+              <a:rPr lang="zh-TW" altLang="zh-TW" sz="900" kern="1200" dirty="0" smtClean="0">
+                <a:solidFill>
+                  <a:schemeClr val="tx1"/>
+                </a:solidFill>
+                <a:effectLst/>
+                <a:latin typeface="+mn-lt"/>
+                <a:ea typeface="+mn-ea"/>
+                <a:cs typeface="+mn-cs"/>
+              </a:rPr>
+              <a:t>，因此利用影像濾波器將影像銳化，抓出影像的邊界，通過濾波器還原回輸出圖像，以最大限度地保持模糊圖像的邊緣和細節，達到細節加強的效果。</a:t>
             </a:r>
             <a:endParaRPr lang="zh-TW" altLang="zh-TW" sz="900" kern="1200" dirty="0">
               <a:solidFill>
@@ -4989,174 +4928,6 @@
               <a:tabLst/>
               <a:defRPr/>
             </a:pPr>
-            <a:r>
-              <a:rPr lang="zh-TW" altLang="zh-TW" sz="900" kern="1200" dirty="0" smtClean="0">
-                <a:solidFill>
-                  <a:schemeClr val="tx1"/>
-                </a:solidFill>
-                <a:effectLst/>
-                <a:latin typeface="+mn-lt"/>
-                <a:ea typeface="+mn-ea"/>
-                <a:cs typeface="+mn-cs"/>
-              </a:rPr>
-              <a:t>引導影像濾波器</a:t>
-            </a:r>
-            <a:r>
-              <a:rPr lang="en-US" altLang="zh-TW" sz="900" kern="1200" dirty="0" smtClean="0">
-                <a:solidFill>
-                  <a:schemeClr val="tx1"/>
-                </a:solidFill>
-                <a:effectLst/>
-                <a:latin typeface="+mn-lt"/>
-                <a:ea typeface="+mn-ea"/>
-                <a:cs typeface="+mn-cs"/>
-              </a:rPr>
-              <a:t>(Guided Image Filter)</a:t>
-            </a:r>
-            <a:r>
-              <a:rPr lang="zh-TW" altLang="zh-TW" sz="900" kern="1200" dirty="0" smtClean="0">
-                <a:solidFill>
-                  <a:schemeClr val="tx1"/>
-                </a:solidFill>
-                <a:effectLst/>
-                <a:latin typeface="+mn-lt"/>
-                <a:ea typeface="+mn-ea"/>
-                <a:cs typeface="+mn-cs"/>
-              </a:rPr>
-              <a:t>為</a:t>
-            </a:r>
-            <a:r>
-              <a:rPr lang="en-US" altLang="zh-TW" sz="900" kern="1200" dirty="0" err="1" smtClean="0">
-                <a:solidFill>
-                  <a:schemeClr val="tx1"/>
-                </a:solidFill>
-                <a:effectLst/>
-                <a:latin typeface="+mn-lt"/>
-                <a:ea typeface="+mn-ea"/>
-                <a:cs typeface="+mn-cs"/>
-              </a:rPr>
-              <a:t>Kaiming</a:t>
-            </a:r>
-            <a:r>
-              <a:rPr lang="en-US" altLang="zh-TW" sz="900" kern="1200" dirty="0" smtClean="0">
-                <a:solidFill>
-                  <a:schemeClr val="tx1"/>
-                </a:solidFill>
-                <a:effectLst/>
-                <a:latin typeface="+mn-lt"/>
-                <a:ea typeface="+mn-ea"/>
-                <a:cs typeface="+mn-cs"/>
-              </a:rPr>
-              <a:t> He</a:t>
-            </a:r>
-            <a:r>
-              <a:rPr lang="zh-TW" altLang="zh-TW" sz="900" kern="1200" dirty="0" smtClean="0">
-                <a:solidFill>
-                  <a:schemeClr val="tx1"/>
-                </a:solidFill>
-                <a:effectLst/>
-                <a:latin typeface="+mn-lt"/>
-                <a:ea typeface="+mn-ea"/>
-                <a:cs typeface="+mn-cs"/>
-              </a:rPr>
-              <a:t>等人</a:t>
-            </a:r>
-            <a:r>
-              <a:rPr lang="en-US" altLang="zh-TW" sz="900" kern="1200" dirty="0" smtClean="0">
-                <a:solidFill>
-                  <a:schemeClr val="tx1"/>
-                </a:solidFill>
-                <a:effectLst/>
-                <a:latin typeface="+mn-lt"/>
-                <a:ea typeface="+mn-ea"/>
-                <a:cs typeface="+mn-cs"/>
-              </a:rPr>
-              <a:t>(2012)</a:t>
-            </a:r>
-            <a:r>
-              <a:rPr lang="zh-TW" altLang="zh-TW" sz="900" kern="1200" dirty="0" smtClean="0">
-                <a:solidFill>
-                  <a:schemeClr val="tx1"/>
-                </a:solidFill>
-                <a:effectLst/>
-                <a:latin typeface="+mn-lt"/>
-                <a:ea typeface="+mn-ea"/>
-                <a:cs typeface="+mn-cs"/>
-              </a:rPr>
-              <a:t>所提出。引導影像濾波器為一種能將影像保持平滑或是銳化的濾波器。能夠將影像清除雜訊，使得影像平滑化稱作低通濾波器，將影像銳化強化輪廓的稱為高通濾波器。引導影像濾波器即為一個需要引導圖的濾波器，引導濾波器的運作方式為通過一張引導圖對初始影像</a:t>
-            </a:r>
-            <a:r>
-              <a:rPr lang="en-US" altLang="zh-TW" sz="900" kern="1200" dirty="0" smtClean="0">
-                <a:solidFill>
-                  <a:schemeClr val="tx1"/>
-                </a:solidFill>
-                <a:effectLst/>
-                <a:latin typeface="+mn-lt"/>
-                <a:ea typeface="+mn-ea"/>
-                <a:cs typeface="+mn-cs"/>
-              </a:rPr>
-              <a:t>p(</a:t>
-            </a:r>
-            <a:r>
-              <a:rPr lang="zh-TW" altLang="zh-TW" sz="900" kern="1200" dirty="0" smtClean="0">
-                <a:solidFill>
-                  <a:schemeClr val="tx1"/>
-                </a:solidFill>
-                <a:effectLst/>
-                <a:latin typeface="+mn-lt"/>
-                <a:ea typeface="+mn-ea"/>
-                <a:cs typeface="+mn-cs"/>
-              </a:rPr>
-              <a:t>輸入影像</a:t>
-            </a:r>
-            <a:r>
-              <a:rPr lang="en-US" altLang="zh-TW" sz="900" kern="1200" dirty="0" smtClean="0">
-                <a:solidFill>
-                  <a:schemeClr val="tx1"/>
-                </a:solidFill>
-                <a:effectLst/>
-                <a:latin typeface="+mn-lt"/>
-                <a:ea typeface="+mn-ea"/>
-                <a:cs typeface="+mn-cs"/>
-              </a:rPr>
-              <a:t>)</a:t>
-            </a:r>
-            <a:r>
-              <a:rPr lang="zh-TW" altLang="zh-TW" sz="900" kern="1200" dirty="0" smtClean="0">
-                <a:solidFill>
-                  <a:schemeClr val="tx1"/>
-                </a:solidFill>
-                <a:effectLst/>
-                <a:latin typeface="+mn-lt"/>
-                <a:ea typeface="+mn-ea"/>
-                <a:cs typeface="+mn-cs"/>
-              </a:rPr>
-              <a:t>進行濾波的處理，使得最終輸出的影像大致上與初始影像</a:t>
-            </a:r>
-            <a:r>
-              <a:rPr lang="en-US" altLang="zh-TW" sz="900" kern="1200" dirty="0" smtClean="0">
-                <a:solidFill>
-                  <a:schemeClr val="tx1"/>
-                </a:solidFill>
-                <a:effectLst/>
-                <a:latin typeface="+mn-lt"/>
-                <a:ea typeface="+mn-ea"/>
-                <a:cs typeface="+mn-cs"/>
-              </a:rPr>
-              <a:t>p</a:t>
-            </a:r>
-            <a:r>
-              <a:rPr lang="zh-TW" altLang="zh-TW" sz="900" kern="1200" smtClean="0">
-                <a:solidFill>
-                  <a:schemeClr val="tx1"/>
-                </a:solidFill>
-                <a:effectLst/>
-                <a:latin typeface="+mn-lt"/>
-                <a:ea typeface="+mn-ea"/>
-                <a:cs typeface="+mn-cs"/>
-              </a:rPr>
-              <a:t>相似，但紋理部分與引導圖相似。因為室內設計圖是一種擁有多類別的影像，為了不讓圖片模糊，因此利用影像濾波器將影像銳化，抓出影像的邊界，通過濾波器還原回輸出圖像，以最大限度地保持模糊圖像的邊緣和細節，達到細節加強的效果。</a:t>
-            </a:r>
             <a:endParaRPr lang="zh-TW" altLang="zh-TW" sz="900" kern="1200" dirty="0">
               <a:solidFill>
                 <a:schemeClr val="tx1"/>
@@ -5527,6 +5298,18 @@
           <a:lstStyle/>
           <a:p>
             <a:r>
+              <a:rPr lang="zh-TW" altLang="en-US" sz="900" kern="1200" dirty="0" smtClean="0">
+                <a:solidFill>
+                  <a:schemeClr val="tx1"/>
+                </a:solidFill>
+                <a:effectLst/>
+                <a:latin typeface="+mn-lt"/>
+                <a:ea typeface="+mn-ea"/>
+                <a:cs typeface="+mn-cs"/>
+              </a:rPr>
+              <a:t>這是我的研究架構，</a:t>
+            </a:r>
+            <a:r>
               <a:rPr lang="zh-TW" altLang="zh-TW" sz="900" kern="1200" dirty="0" smtClean="0">
                 <a:solidFill>
                   <a:schemeClr val="tx1"/>
@@ -5536,7 +5319,67 @@
                 <a:ea typeface="+mn-ea"/>
                 <a:cs typeface="+mn-cs"/>
               </a:rPr>
-              <a:t>資料蒐集為三維模型與對應真實照片的蒐集方式，語義分割為增強資料及強化細節的運用，</a:t>
+              <a:t>資料</a:t>
+            </a:r>
+            <a:r>
+              <a:rPr lang="zh-TW" altLang="zh-TW" sz="900" kern="1200" dirty="0" smtClean="0">
+                <a:solidFill>
+                  <a:schemeClr val="tx1"/>
+                </a:solidFill>
+                <a:effectLst/>
+                <a:latin typeface="+mn-lt"/>
+                <a:ea typeface="+mn-ea"/>
+                <a:cs typeface="+mn-cs"/>
+              </a:rPr>
+              <a:t>蒐集</a:t>
+            </a:r>
+            <a:r>
+              <a:rPr lang="zh-TW" altLang="zh-TW" sz="900" kern="1200" dirty="0" smtClean="0">
+                <a:solidFill>
+                  <a:schemeClr val="tx1"/>
+                </a:solidFill>
+                <a:effectLst/>
+                <a:latin typeface="+mn-lt"/>
+                <a:ea typeface="+mn-ea"/>
+                <a:cs typeface="+mn-cs"/>
+              </a:rPr>
+              <a:t>為</a:t>
+            </a:r>
+            <a:r>
+              <a:rPr lang="zh-TW" altLang="en-US" sz="900" kern="1200" dirty="0" smtClean="0">
+                <a:solidFill>
+                  <a:schemeClr val="tx1"/>
+                </a:solidFill>
+                <a:effectLst/>
+                <a:latin typeface="+mn-lt"/>
+                <a:ea typeface="+mn-ea"/>
+                <a:cs typeface="+mn-cs"/>
+              </a:rPr>
+              <a:t>蒐集</a:t>
+            </a:r>
+            <a:r>
+              <a:rPr lang="zh-TW" altLang="zh-TW" sz="900" kern="1200" dirty="0" smtClean="0">
+                <a:solidFill>
+                  <a:schemeClr val="tx1"/>
+                </a:solidFill>
+                <a:effectLst/>
+                <a:latin typeface="+mn-lt"/>
+                <a:ea typeface="+mn-ea"/>
+                <a:cs typeface="+mn-cs"/>
+              </a:rPr>
+              <a:t>三</a:t>
+            </a:r>
+            <a:r>
+              <a:rPr lang="zh-TW" altLang="zh-TW" sz="900" kern="1200" dirty="0" smtClean="0">
+                <a:solidFill>
+                  <a:schemeClr val="tx1"/>
+                </a:solidFill>
+                <a:effectLst/>
+                <a:latin typeface="+mn-lt"/>
+                <a:ea typeface="+mn-ea"/>
+                <a:cs typeface="+mn-cs"/>
+              </a:rPr>
+              <a:t>維模型與對應真實照片的蒐集方式，語義分割為增強資料及強化細節的運用，</a:t>
             </a:r>
             <a:r>
               <a:rPr lang="zh-TW" altLang="en-US" sz="900" kern="1200" dirty="0" smtClean="0">
@@ -7207,7 +7050,7 @@
           <a:bodyPr/>
           <a:lstStyle/>
           <a:p>
-            <a:endParaRPr lang="zh-CN" altLang="en-US" dirty="0"/>
+            <a:endParaRPr lang="zh-CN" altLang="en-US"/>
           </a:p>
         </p:txBody>
       </p:sp>
@@ -7237,7 +7080,7 @@
     </p:spTree>
     <p:extLst>
       <p:ext uri="{BB962C8B-B14F-4D97-AF65-F5344CB8AC3E}">
-        <p14:creationId xmlns:p14="http://schemas.microsoft.com/office/powerpoint/2010/main" val="3048201022"/>
+        <p14:creationId xmlns:p14="http://schemas.microsoft.com/office/powerpoint/2010/main" val="3435951630"/>
       </p:ext>
     </p:extLst>
   </p:cSld>
@@ -7321,7 +7164,7 @@
     </p:spTree>
     <p:extLst>
       <p:ext uri="{BB962C8B-B14F-4D97-AF65-F5344CB8AC3E}">
-        <p14:creationId xmlns:p14="http://schemas.microsoft.com/office/powerpoint/2010/main" val="2419958076"/>
+        <p14:creationId xmlns:p14="http://schemas.microsoft.com/office/powerpoint/2010/main" val="3048201022"/>
       </p:ext>
     </p:extLst>
   </p:cSld>
@@ -7528,7 +7371,7 @@
     </p:spTree>
     <p:extLst>
       <p:ext uri="{BB962C8B-B14F-4D97-AF65-F5344CB8AC3E}">
-        <p14:creationId xmlns:p14="http://schemas.microsoft.com/office/powerpoint/2010/main" val="279701853"/>
+        <p14:creationId xmlns:p14="http://schemas.microsoft.com/office/powerpoint/2010/main" val="2419958076"/>
       </p:ext>
     </p:extLst>
   </p:cSld>
@@ -7612,7 +7455,7 @@
     </p:spTree>
     <p:extLst>
       <p:ext uri="{BB962C8B-B14F-4D97-AF65-F5344CB8AC3E}">
-        <p14:creationId xmlns:p14="http://schemas.microsoft.com/office/powerpoint/2010/main" val="162343320"/>
+        <p14:creationId xmlns:p14="http://schemas.microsoft.com/office/powerpoint/2010/main" val="279701853"/>
       </p:ext>
     </p:extLst>
   </p:cSld>
@@ -7696,7 +7539,7 @@
     </p:spTree>
     <p:extLst>
       <p:ext uri="{BB962C8B-B14F-4D97-AF65-F5344CB8AC3E}">
-        <p14:creationId xmlns:p14="http://schemas.microsoft.com/office/powerpoint/2010/main" val="2094422196"/>
+        <p14:creationId xmlns:p14="http://schemas.microsoft.com/office/powerpoint/2010/main" val="162343320"/>
       </p:ext>
     </p:extLst>
   </p:cSld>
@@ -7780,7 +7623,7 @@
     </p:spTree>
     <p:extLst>
       <p:ext uri="{BB962C8B-B14F-4D97-AF65-F5344CB8AC3E}">
-        <p14:creationId xmlns:p14="http://schemas.microsoft.com/office/powerpoint/2010/main" val="764569687"/>
+        <p14:creationId xmlns:p14="http://schemas.microsoft.com/office/powerpoint/2010/main" val="2094422196"/>
       </p:ext>
     </p:extLst>
   </p:cSld>
@@ -7864,7 +7707,7 @@
     </p:spTree>
     <p:extLst>
       <p:ext uri="{BB962C8B-B14F-4D97-AF65-F5344CB8AC3E}">
-        <p14:creationId xmlns:p14="http://schemas.microsoft.com/office/powerpoint/2010/main" val="2637513336"/>
+        <p14:creationId xmlns:p14="http://schemas.microsoft.com/office/powerpoint/2010/main" val="764569687"/>
       </p:ext>
     </p:extLst>
   </p:cSld>
@@ -7918,7 +7761,7 @@
           <a:bodyPr/>
           <a:lstStyle/>
           <a:p>
-            <a:endParaRPr lang="zh-CN" altLang="en-US"/>
+            <a:endParaRPr lang="zh-CN" altLang="en-US" dirty="0"/>
           </a:p>
         </p:txBody>
       </p:sp>
@@ -7940,6 +7783,90 @@
             <a:fld id="{A6837353-30EB-4A48-80EB-173D804AEFBD}" type="slidenum">
               <a:rPr lang="zh-CN" altLang="en-US" smtClean="0"/>
               <a:t>45</a:t>
+            </a:fld>
+            <a:endParaRPr lang="zh-CN" altLang="en-US"/>
+          </a:p>
+        </p:txBody>
+      </p:sp>
+    </p:spTree>
+    <p:extLst>
+      <p:ext uri="{BB962C8B-B14F-4D97-AF65-F5344CB8AC3E}">
+        <p14:creationId xmlns:p14="http://schemas.microsoft.com/office/powerpoint/2010/main" val="2637513336"/>
+      </p:ext>
+    </p:extLst>
+  </p:cSld>
+  <p:clrMapOvr>
+    <a:masterClrMapping/>
+  </p:clrMapOvr>
+</p:notes>
+</file>
+
+<file path=ppt/notesSlides/notesSlide46.xml><?xml version="1.0" encoding="utf-8"?>
+<p:notes xmlns:a="http://schemas.openxmlformats.org/drawingml/2006/main" xmlns:r="http://schemas.openxmlformats.org/officeDocument/2006/relationships" xmlns:p="http://schemas.openxmlformats.org/presentationml/2006/main">
+  <p:cSld>
+    <p:spTree>
+      <p:nvGrpSpPr>
+        <p:cNvPr id="1" name=""/>
+        <p:cNvGrpSpPr/>
+        <p:nvPr/>
+      </p:nvGrpSpPr>
+      <p:grpSpPr>
+        <a:xfrm>
+          <a:off x="0" y="0"/>
+          <a:ext cx="0" cy="0"/>
+          <a:chOff x="0" y="0"/>
+          <a:chExt cx="0" cy="0"/>
+        </a:xfrm>
+      </p:grpSpPr>
+      <p:sp>
+        <p:nvSpPr>
+          <p:cNvPr id="2" name="幻灯片图像占位符 1"/>
+          <p:cNvSpPr>
+            <a:spLocks noGrp="1" noRot="1" noChangeAspect="1"/>
+          </p:cNvSpPr>
+          <p:nvPr>
+            <p:ph type="sldImg"/>
+          </p:nvPr>
+        </p:nvSpPr>
+        <p:spPr/>
+      </p:sp>
+      <p:sp>
+        <p:nvSpPr>
+          <p:cNvPr id="3" name="备注占位符 2"/>
+          <p:cNvSpPr>
+            <a:spLocks noGrp="1"/>
+          </p:cNvSpPr>
+          <p:nvPr>
+            <p:ph type="body" idx="1"/>
+          </p:nvPr>
+        </p:nvSpPr>
+        <p:spPr/>
+        <p:txBody>
+          <a:bodyPr/>
+          <a:lstStyle/>
+          <a:p>
+            <a:endParaRPr lang="zh-CN" altLang="en-US"/>
+          </a:p>
+        </p:txBody>
+      </p:sp>
+      <p:sp>
+        <p:nvSpPr>
+          <p:cNvPr id="4" name="灯片编号占位符 3"/>
+          <p:cNvSpPr>
+            <a:spLocks noGrp="1"/>
+          </p:cNvSpPr>
+          <p:nvPr>
+            <p:ph type="sldNum" sz="quarter" idx="10"/>
+          </p:nvPr>
+        </p:nvSpPr>
+        <p:spPr/>
+        <p:txBody>
+          <a:bodyPr/>
+          <a:lstStyle/>
+          <a:p>
+            <a:fld id="{A6837353-30EB-4A48-80EB-173D804AEFBD}" type="slidenum">
+              <a:rPr lang="zh-CN" altLang="en-US" smtClean="0"/>
+              <a:t>46</a:t>
             </a:fld>
             <a:endParaRPr lang="zh-CN" altLang="en-US"/>
           </a:p>
@@ -8764,7 +8691,7 @@
                 <a:ea typeface="+mn-ea"/>
                 <a:cs typeface="+mn-cs"/>
               </a:rPr>
-              <a:t>可以看到右邊那張</a:t>
+              <a:t>可以看到右邊那張圖是用人工智慧生成出來的假照片，</a:t>
             </a:r>
             <a:r>
               <a:rPr lang="zh-TW" altLang="en-US" sz="900" kern="1200" dirty="0" smtClean="0">
@@ -8776,7 +8703,7 @@
                 <a:ea typeface="+mn-ea"/>
                 <a:cs typeface="+mn-cs"/>
               </a:rPr>
-              <a:t>圖是用</a:t>
+              <a:t>跟我們現在拍出來的的</a:t>
             </a:r>
             <a:r>
               <a:rPr lang="zh-TW" altLang="en-US" sz="900" kern="1200" dirty="0" smtClean="0">
@@ -8788,7 +8715,19 @@
                 <a:ea typeface="+mn-ea"/>
                 <a:cs typeface="+mn-cs"/>
               </a:rPr>
-              <a:t>人工智慧生成出來的假照片，</a:t>
+              <a:t>真實照片有</a:t>
+            </a:r>
+            <a:r>
+              <a:rPr lang="en-US" altLang="zh-TW" sz="900" kern="1200" dirty="0" smtClean="0">
+                <a:solidFill>
+                  <a:schemeClr val="tx1"/>
+                </a:solidFill>
+                <a:effectLst/>
+                <a:latin typeface="+mn-lt"/>
+                <a:ea typeface="+mn-ea"/>
+                <a:cs typeface="+mn-cs"/>
+              </a:rPr>
+              <a:t>87%</a:t>
             </a:r>
             <a:r>
               <a:rPr lang="zh-TW" altLang="en-US" sz="900" kern="1200" dirty="0" smtClean="0">
@@ -8800,7 +8739,7 @@
                 <a:ea typeface="+mn-ea"/>
                 <a:cs typeface="+mn-cs"/>
               </a:rPr>
-              <a:t>跟現在看到的真實照片</a:t>
+              <a:t>像，</a:t>
             </a:r>
             <a:r>
               <a:rPr lang="zh-TW" altLang="en-US" sz="900" kern="1200" dirty="0" smtClean="0">
@@ -8812,10 +8751,10 @@
                 <a:ea typeface="+mn-ea"/>
                 <a:cs typeface="+mn-cs"/>
               </a:rPr>
-              <a:t>有</a:t>
-            </a:r>
-            <a:r>
-              <a:rPr lang="en-US" altLang="zh-TW" sz="900" kern="1200" dirty="0" smtClean="0">
+              <a:t>而這是用生成對抗網路這項技術來完成得，</a:t>
+            </a:r>
+            <a:r>
+              <a:rPr lang="zh-TW" altLang="zh-TW" sz="900" kern="1200" dirty="0" smtClean="0">
                 <a:solidFill>
                   <a:schemeClr val="tx1"/>
                 </a:solidFill>
@@ -8824,7 +8763,19 @@
                 <a:ea typeface="+mn-ea"/>
                 <a:cs typeface="+mn-cs"/>
               </a:rPr>
-              <a:t>87%</a:t>
+              <a:t>但市面</a:t>
+            </a:r>
+            <a:r>
+              <a:rPr lang="zh-TW" altLang="zh-TW" sz="900" kern="1200" dirty="0" smtClean="0">
+                <a:solidFill>
+                  <a:schemeClr val="tx1"/>
+                </a:solidFill>
+                <a:effectLst/>
+                <a:latin typeface="+mn-lt"/>
+                <a:ea typeface="+mn-ea"/>
+                <a:cs typeface="+mn-cs"/>
+              </a:rPr>
+              <a:t>上</a:t>
             </a:r>
             <a:r>
               <a:rPr lang="zh-TW" altLang="en-US" sz="900" kern="1200" dirty="0" smtClean="0">
@@ -8836,79 +8787,7 @@
                 <a:ea typeface="+mn-ea"/>
                 <a:cs typeface="+mn-cs"/>
               </a:rPr>
-              <a:t>像</a:t>
-            </a:r>
-            <a:r>
-              <a:rPr lang="zh-TW" altLang="en-US" sz="900" kern="1200" dirty="0" smtClean="0">
-                <a:solidFill>
-                  <a:schemeClr val="tx1"/>
-                </a:solidFill>
-                <a:effectLst/>
-                <a:latin typeface="+mn-lt"/>
-                <a:ea typeface="+mn-ea"/>
-                <a:cs typeface="+mn-cs"/>
-              </a:rPr>
-              <a:t>，但也可以看得出左上右上還有許多模糊的地方，而這</a:t>
-            </a:r>
-            <a:r>
-              <a:rPr lang="zh-TW" altLang="en-US" sz="900" kern="1200" dirty="0" smtClean="0">
-                <a:solidFill>
-                  <a:schemeClr val="tx1"/>
-                </a:solidFill>
-                <a:effectLst/>
-                <a:latin typeface="+mn-lt"/>
-                <a:ea typeface="+mn-ea"/>
-                <a:cs typeface="+mn-cs"/>
-              </a:rPr>
-              <a:t>是</a:t>
-            </a:r>
-            <a:r>
-              <a:rPr lang="zh-TW" altLang="en-US" sz="900" kern="1200" dirty="0" smtClean="0">
-                <a:solidFill>
-                  <a:schemeClr val="tx1"/>
-                </a:solidFill>
-                <a:effectLst/>
-                <a:latin typeface="+mn-lt"/>
-                <a:ea typeface="+mn-ea"/>
-                <a:cs typeface="+mn-cs"/>
-              </a:rPr>
-              <a:t>用生成對抗網路這</a:t>
-            </a:r>
-            <a:r>
-              <a:rPr lang="zh-TW" altLang="en-US" sz="900" kern="1200" dirty="0" smtClean="0">
-                <a:solidFill>
-                  <a:schemeClr val="tx1"/>
-                </a:solidFill>
-                <a:effectLst/>
-                <a:latin typeface="+mn-lt"/>
-                <a:ea typeface="+mn-ea"/>
-                <a:cs typeface="+mn-cs"/>
-              </a:rPr>
-              <a:t>項技術來完成得，</a:t>
-            </a:r>
-            <a:r>
-              <a:rPr lang="zh-TW" altLang="zh-TW" sz="900" kern="1200" dirty="0" smtClean="0">
-                <a:solidFill>
-                  <a:schemeClr val="tx1"/>
-                </a:solidFill>
-                <a:effectLst/>
-                <a:latin typeface="+mn-lt"/>
-                <a:ea typeface="+mn-ea"/>
-                <a:cs typeface="+mn-cs"/>
-              </a:rPr>
-              <a:t>但市面上</a:t>
-            </a:r>
-            <a:r>
-              <a:rPr lang="en-US" altLang="zh-TW" sz="900" kern="1200" dirty="0" smtClean="0">
-                <a:solidFill>
-                  <a:schemeClr val="tx1"/>
-                </a:solidFill>
-                <a:effectLst/>
-                <a:latin typeface="+mn-lt"/>
-                <a:ea typeface="+mn-ea"/>
-                <a:cs typeface="+mn-cs"/>
-              </a:rPr>
-              <a:t>GAN</a:t>
+              <a:t>生成對抗網路</a:t>
             </a:r>
             <a:r>
               <a:rPr lang="zh-TW" altLang="zh-TW" sz="900" kern="1200" dirty="0" smtClean="0">
@@ -9209,7 +9088,55 @@
                 <a:ea typeface="+mn-ea"/>
                 <a:cs typeface="+mn-cs"/>
               </a:rPr>
-              <a:t>另外因室內設計的房間照片中會存在多個傢俱，屬於多物件類別的照片，因此此研究將嘗試在訓練前對圖片進行語義分割，將圖片中的前景如傢俱獨立分割出來，產生出新的圖片，目的是希望在訓練的過程連同前景物件也單獨抓出來訓練，將室內設計房間照片能夠保留所有前景物件，在訓練的過程較能夠還原所有前景，最後觀察實驗後的成果。</a:t>
+              <a:t>另外因室內設計的房間照片中會存在多個傢俱，屬於多物件類別的照片，因此此研究將嘗試在訓練前對圖片進行語義分割，將圖片中的前景如傢俱獨立分割出來，產生出新的圖片，目的是希望在訓練的過程連同前景物件也單獨抓出來訓練，將室內設計房間照片能夠保留所有前景</a:t>
+            </a:r>
+            <a:r>
+              <a:rPr lang="zh-TW" altLang="zh-TW" sz="900" kern="1200" dirty="0" smtClean="0">
+                <a:solidFill>
+                  <a:schemeClr val="tx1"/>
+                </a:solidFill>
+                <a:effectLst/>
+                <a:latin typeface="+mn-lt"/>
+                <a:ea typeface="+mn-ea"/>
+                <a:cs typeface="+mn-cs"/>
+              </a:rPr>
+              <a:t>物件</a:t>
+            </a:r>
+            <a:r>
+              <a:rPr lang="zh-TW" altLang="en-US" sz="900" kern="1200" dirty="0" smtClean="0">
+                <a:solidFill>
+                  <a:schemeClr val="tx1"/>
+                </a:solidFill>
+                <a:effectLst/>
+                <a:latin typeface="+mn-lt"/>
+                <a:ea typeface="+mn-ea"/>
+                <a:cs typeface="+mn-cs"/>
+              </a:rPr>
+              <a:t>，避免在訓練的過程中丟失家具等細節</a:t>
+            </a:r>
+            <a:r>
+              <a:rPr lang="zh-TW" altLang="zh-TW" sz="900" kern="1200" dirty="0" smtClean="0">
+                <a:solidFill>
+                  <a:schemeClr val="tx1"/>
+                </a:solidFill>
+                <a:effectLst/>
+                <a:latin typeface="+mn-lt"/>
+                <a:ea typeface="+mn-ea"/>
+                <a:cs typeface="+mn-cs"/>
+              </a:rPr>
+              <a:t>，</a:t>
+            </a:r>
+            <a:r>
+              <a:rPr lang="zh-TW" altLang="zh-TW" sz="900" kern="1200" dirty="0" smtClean="0">
+                <a:solidFill>
+                  <a:schemeClr val="tx1"/>
+                </a:solidFill>
+                <a:effectLst/>
+                <a:latin typeface="+mn-lt"/>
+                <a:ea typeface="+mn-ea"/>
+                <a:cs typeface="+mn-cs"/>
+              </a:rPr>
+              <a:t>在訓練的過程較能夠還原所有前景，最後觀察實驗後的成果。</a:t>
             </a:r>
           </a:p>
           <a:p>
@@ -12201,35 +12128,11 @@
             </a:pPr>
             <a:r>
               <a:rPr lang="en-US" altLang="zh-TW" sz="2000" dirty="0" smtClean="0"/>
-              <a:t>A</a:t>
-            </a:r>
-            <a:r>
-              <a:rPr lang="en-US" altLang="zh-TW" sz="2000" dirty="0" smtClean="0"/>
-              <a:t>.</a:t>
+              <a:t>A.</a:t>
             </a:r>
             <a:r>
               <a:rPr lang="zh-TW" altLang="en-US" sz="2000" dirty="0" smtClean="0"/>
-              <a:t> 訓練</a:t>
-            </a:r>
-            <a:r>
-              <a:rPr lang="zh-TW" altLang="en-US" sz="2000" dirty="0" smtClean="0"/>
-              <a:t>前加入語義分割</a:t>
-            </a:r>
-            <a:r>
-              <a:rPr lang="zh-TW" altLang="en-US" sz="2000" dirty="0" smtClean="0"/>
-              <a:t>，</a:t>
-            </a:r>
-            <a:r>
-              <a:rPr lang="zh-TW" altLang="en-US" sz="2000" dirty="0" smtClean="0"/>
-              <a:t>避免在訓練過程丟失細節</a:t>
-            </a:r>
-            <a:r>
-              <a:rPr lang="zh-TW" altLang="en-US" sz="2000" dirty="0" smtClean="0"/>
-              <a:t>，觀察訓練</a:t>
-            </a:r>
-            <a:r>
-              <a:rPr lang="zh-TW" altLang="en-US" sz="2000" dirty="0" smtClean="0"/>
-              <a:t>結果</a:t>
+              <a:t> 訓練前加入語義分割，避免在訓練過程丟失細節，觀察訓練結果</a:t>
             </a:r>
             <a:endParaRPr lang="en-US" altLang="zh-TW" sz="2000" dirty="0" smtClean="0"/>
           </a:p>
@@ -12241,11 +12144,7 @@
             </a:pPr>
             <a:r>
               <a:rPr lang="en-US" altLang="zh-TW" sz="2000" dirty="0" smtClean="0"/>
-              <a:t>B</a:t>
-            </a:r>
-            <a:r>
-              <a:rPr lang="en-US" altLang="zh-TW" sz="2000" dirty="0" smtClean="0"/>
-              <a:t>.</a:t>
+              <a:t>B.</a:t>
             </a:r>
             <a:r>
               <a:rPr lang="zh-TW" altLang="en-US" sz="2000" dirty="0" smtClean="0"/>
@@ -12285,19 +12184,11 @@
             </a:pPr>
             <a:r>
               <a:rPr lang="en-US" altLang="zh-TW" sz="2000" dirty="0" smtClean="0"/>
-              <a:t>C</a:t>
-            </a:r>
-            <a:r>
-              <a:rPr lang="en-US" altLang="zh-TW" sz="2000" dirty="0" smtClean="0"/>
-              <a:t>.</a:t>
+              <a:t>C.</a:t>
             </a:r>
             <a:r>
               <a:rPr lang="zh-TW" altLang="en-US" sz="2000" dirty="0" smtClean="0"/>
-              <a:t> </a:t>
-            </a:r>
-            <a:r>
-              <a:rPr lang="zh-TW" altLang="en-US" sz="2000" dirty="0" smtClean="0"/>
-              <a:t>使用</a:t>
+              <a:t> 使用</a:t>
             </a:r>
             <a:r>
               <a:rPr lang="zh-TW" altLang="en-US" sz="2000" dirty="0"/>
@@ -12305,11 +12196,7 @@
             </a:r>
             <a:r>
               <a:rPr lang="zh-TW" altLang="en-US" sz="2000" dirty="0" smtClean="0"/>
-              <a:t>將</a:t>
-            </a:r>
-            <a:r>
-              <a:rPr lang="zh-TW" altLang="en-US" sz="2000" dirty="0" smtClean="0"/>
-              <a:t>室內設計</a:t>
+              <a:t>將室內設計</a:t>
             </a:r>
             <a:r>
               <a:rPr lang="en-US" altLang="zh-TW" sz="2000" dirty="0" smtClean="0"/>
@@ -12720,7 +12607,7 @@
           <p:cNvPr id="11" name="表格 5">
             <a:extLst>
               <a:ext uri="{FF2B5EF4-FFF2-40B4-BE49-F238E27FC236}">
-                <a16:creationId xmlns="" xmlns:a16="http://schemas.microsoft.com/office/drawing/2014/main" id="{202A9B48-7C02-4B9F-A694-D9D167DDE433}"/>
+                <a16:creationId xmlns:a16="http://schemas.microsoft.com/office/drawing/2014/main" xmlns="" id="{202A9B48-7C02-4B9F-A694-D9D167DDE433}"/>
               </a:ext>
             </a:extLst>
           </p:cNvPr>
@@ -12747,14 +12634,14 @@
                 <a:gridCol w="4881957">
                   <a:extLst>
                     <a:ext uri="{9D8B030D-6E8A-4147-A177-3AD203B41FA5}">
-                      <a16:colId xmlns="" xmlns:a16="http://schemas.microsoft.com/office/drawing/2014/main" val="3498442498"/>
+                      <a16:colId xmlns:a16="http://schemas.microsoft.com/office/drawing/2014/main" xmlns="" val="3498442498"/>
                     </a:ext>
                   </a:extLst>
                 </a:gridCol>
                 <a:gridCol w="1495587">
                   <a:extLst>
                     <a:ext uri="{9D8B030D-6E8A-4147-A177-3AD203B41FA5}">
-                      <a16:colId xmlns="" xmlns:a16="http://schemas.microsoft.com/office/drawing/2014/main" val="2798367762"/>
+                      <a16:colId xmlns:a16="http://schemas.microsoft.com/office/drawing/2014/main" xmlns="" val="2798367762"/>
                     </a:ext>
                   </a:extLst>
                 </a:gridCol>
@@ -12775,31 +12662,7 @@
                           <a:ea typeface="+mn-ea"/>
                           <a:cs typeface="+mn-cs"/>
                         </a:rPr>
-                        <a:t>三維模型為一個物體以三維的方式表現，通常使用電腦或其他影像裝置進行顯示，顯示的物體可以是現實的物體，也可以是虛構的東西。現今三維模型已運用於許多產業，例如醫療行業製作器官的模型、電子遊戲業用於虛擬場景等</a:t>
-                      </a:r>
-                      <a:r>
-                        <a:rPr lang="zh-TW" altLang="zh-TW" sz="1400" kern="1200" dirty="0" smtClean="0">
-                          <a:solidFill>
-                            <a:schemeClr val="tx1"/>
-                          </a:solidFill>
-                          <a:effectLst/>
-                          <a:latin typeface="+mn-lt"/>
-                          <a:ea typeface="+mn-ea"/>
-                          <a:cs typeface="+mn-cs"/>
-                        </a:rPr>
-                        <a:t>，室內設計</a:t>
-                      </a:r>
-                      <a:r>
-                        <a:rPr lang="zh-TW" altLang="zh-TW" sz="1400" kern="1200" dirty="0" smtClean="0">
-                          <a:solidFill>
-                            <a:schemeClr val="tx1"/>
-                          </a:solidFill>
-                          <a:effectLst/>
-                          <a:latin typeface="+mn-lt"/>
-                          <a:ea typeface="+mn-ea"/>
-                          <a:cs typeface="+mn-cs"/>
-                        </a:rPr>
-                        <a:t>業也不例外</a:t>
+                        <a:t>三維模型為一個物體以三維的方式表現，通常使用電腦或其他影像裝置進行顯示，顯示的物體可以是現實的物體，也可以是虛構的東西。現今三維模型已運用於許多產業，例如醫療行業製作器官的模型、電子遊戲業用於虛擬場景等，室內設計業也不例外</a:t>
                       </a:r>
                       <a:endParaRPr lang="en-US" altLang="zh-TW" sz="1400" kern="1200" dirty="0" smtClean="0">
                         <a:solidFill>
@@ -12877,7 +12740,7 @@
                 </a:tc>
                 <a:extLst>
                   <a:ext uri="{0D108BD9-81ED-4DB2-BD59-A6C34878D82A}">
-                    <a16:rowId xmlns="" xmlns:a16="http://schemas.microsoft.com/office/drawing/2014/main" val="43767920"/>
+                    <a16:rowId xmlns:a16="http://schemas.microsoft.com/office/drawing/2014/main" xmlns="" val="43767920"/>
                   </a:ext>
                 </a:extLst>
               </a:tr>
@@ -12890,7 +12753,7 @@
           <p:cNvPr id="13" name="表格 5">
             <a:extLst>
               <a:ext uri="{FF2B5EF4-FFF2-40B4-BE49-F238E27FC236}">
-                <a16:creationId xmlns="" xmlns:a16="http://schemas.microsoft.com/office/drawing/2014/main" id="{202A9B48-7C02-4B9F-A694-D9D167DDE433}"/>
+                <a16:creationId xmlns:a16="http://schemas.microsoft.com/office/drawing/2014/main" xmlns="" id="{202A9B48-7C02-4B9F-A694-D9D167DDE433}"/>
               </a:ext>
             </a:extLst>
           </p:cNvPr>
@@ -12917,14 +12780,14 @@
                 <a:gridCol w="4881957">
                   <a:extLst>
                     <a:ext uri="{9D8B030D-6E8A-4147-A177-3AD203B41FA5}">
-                      <a16:colId xmlns="" xmlns:a16="http://schemas.microsoft.com/office/drawing/2014/main" val="3498442498"/>
+                      <a16:colId xmlns:a16="http://schemas.microsoft.com/office/drawing/2014/main" xmlns="" val="3498442498"/>
                     </a:ext>
                   </a:extLst>
                 </a:gridCol>
                 <a:gridCol w="1495587">
                   <a:extLst>
                     <a:ext uri="{9D8B030D-6E8A-4147-A177-3AD203B41FA5}">
-                      <a16:colId xmlns="" xmlns:a16="http://schemas.microsoft.com/office/drawing/2014/main" val="2798367762"/>
+                      <a16:colId xmlns:a16="http://schemas.microsoft.com/office/drawing/2014/main" xmlns="" val="2798367762"/>
                     </a:ext>
                   </a:extLst>
                 </a:gridCol>
@@ -13227,7 +13090,7 @@
                 </a:tc>
                 <a:extLst>
                   <a:ext uri="{0D108BD9-81ED-4DB2-BD59-A6C34878D82A}">
-                    <a16:rowId xmlns="" xmlns:a16="http://schemas.microsoft.com/office/drawing/2014/main" val="43767920"/>
+                    <a16:rowId xmlns:a16="http://schemas.microsoft.com/office/drawing/2014/main" xmlns="" val="43767920"/>
                   </a:ext>
                 </a:extLst>
               </a:tr>
@@ -13427,7 +13290,7 @@
           <p:cNvPr id="9" name="表格 5">
             <a:extLst>
               <a:ext uri="{FF2B5EF4-FFF2-40B4-BE49-F238E27FC236}">
-                <a16:creationId xmlns="" xmlns:a16="http://schemas.microsoft.com/office/drawing/2014/main" id="{202A9B48-7C02-4B9F-A694-D9D167DDE433}"/>
+                <a16:creationId xmlns:a16="http://schemas.microsoft.com/office/drawing/2014/main" xmlns="" id="{202A9B48-7C02-4B9F-A694-D9D167DDE433}"/>
               </a:ext>
             </a:extLst>
           </p:cNvPr>
@@ -13454,14 +13317,14 @@
                 <a:gridCol w="4881957">
                   <a:extLst>
                     <a:ext uri="{9D8B030D-6E8A-4147-A177-3AD203B41FA5}">
-                      <a16:colId xmlns="" xmlns:a16="http://schemas.microsoft.com/office/drawing/2014/main" val="3498442498"/>
+                      <a16:colId xmlns:a16="http://schemas.microsoft.com/office/drawing/2014/main" xmlns="" val="3498442498"/>
                     </a:ext>
                   </a:extLst>
                 </a:gridCol>
                 <a:gridCol w="1495587">
                   <a:extLst>
                     <a:ext uri="{9D8B030D-6E8A-4147-A177-3AD203B41FA5}">
-                      <a16:colId xmlns="" xmlns:a16="http://schemas.microsoft.com/office/drawing/2014/main" val="2798367762"/>
+                      <a16:colId xmlns:a16="http://schemas.microsoft.com/office/drawing/2014/main" xmlns="" val="2798367762"/>
                     </a:ext>
                   </a:extLst>
                 </a:gridCol>
@@ -13474,23 +13337,7 @@
                     <a:p>
                       <a:r>
                         <a:rPr lang="zh-TW" altLang="en-US" dirty="0" smtClean="0"/>
-                        <a:t>語義分割</a:t>
-                      </a:r>
-                      <a:r>
-                        <a:rPr lang="zh-TW" altLang="en-US" dirty="0" smtClean="0"/>
-                        <a:t>的做法</a:t>
-                      </a:r>
-                      <a:r>
-                        <a:rPr lang="zh-TW" altLang="en-US" dirty="0" smtClean="0"/>
-                        <a:t>就是對影像中的每格像素進行分類，歸類每格像素的種類，從而進行區域劃分。</a:t>
-                      </a:r>
-                      <a:r>
-                        <a:rPr lang="zh-TW" altLang="en-US" dirty="0" smtClean="0"/>
-                        <a:t>語義</a:t>
-                      </a:r>
-                      <a:r>
-                        <a:rPr lang="zh-TW" altLang="en-US" dirty="0" smtClean="0"/>
-                        <a:t>分割需要分類每格像素的類別，進行精確的分割。</a:t>
+                        <a:t>語義分割的做法就是對影像中的每格像素進行分類，歸類每格像素的種類，從而進行區域劃分。語義分割需要分類每格像素的類別，進行精確的分割。</a:t>
                       </a:r>
                       <a:endParaRPr lang="en-US" altLang="zh-TW" dirty="0" smtClean="0"/>
                     </a:p>
@@ -13598,7 +13445,7 @@
                 </a:tc>
                 <a:extLst>
                   <a:ext uri="{0D108BD9-81ED-4DB2-BD59-A6C34878D82A}">
-                    <a16:rowId xmlns="" xmlns:a16="http://schemas.microsoft.com/office/drawing/2014/main" val="43767920"/>
+                    <a16:rowId xmlns:a16="http://schemas.microsoft.com/office/drawing/2014/main" xmlns="" val="43767920"/>
                   </a:ext>
                 </a:extLst>
               </a:tr>
@@ -13798,7 +13645,7 @@
           <p:cNvPr id="6" name="表格 5">
             <a:extLst>
               <a:ext uri="{FF2B5EF4-FFF2-40B4-BE49-F238E27FC236}">
-                <a16:creationId xmlns="" xmlns:a16="http://schemas.microsoft.com/office/drawing/2014/main" id="{202A9B48-7C02-4B9F-A694-D9D167DDE433}"/>
+                <a16:creationId xmlns:a16="http://schemas.microsoft.com/office/drawing/2014/main" xmlns="" id="{202A9B48-7C02-4B9F-A694-D9D167DDE433}"/>
               </a:ext>
             </a:extLst>
           </p:cNvPr>
@@ -13825,14 +13672,14 @@
                 <a:gridCol w="4881957">
                   <a:extLst>
                     <a:ext uri="{9D8B030D-6E8A-4147-A177-3AD203B41FA5}">
-                      <a16:colId xmlns="" xmlns:a16="http://schemas.microsoft.com/office/drawing/2014/main" val="3498442498"/>
+                      <a16:colId xmlns:a16="http://schemas.microsoft.com/office/drawing/2014/main" xmlns="" val="3498442498"/>
                     </a:ext>
                   </a:extLst>
                 </a:gridCol>
                 <a:gridCol w="1495587">
                   <a:extLst>
                     <a:ext uri="{9D8B030D-6E8A-4147-A177-3AD203B41FA5}">
-                      <a16:colId xmlns="" xmlns:a16="http://schemas.microsoft.com/office/drawing/2014/main" val="2798367762"/>
+                      <a16:colId xmlns:a16="http://schemas.microsoft.com/office/drawing/2014/main" xmlns="" val="2798367762"/>
                     </a:ext>
                   </a:extLst>
                 </a:gridCol>
@@ -14013,7 +13860,7 @@
                 </a:tc>
                 <a:extLst>
                   <a:ext uri="{0D108BD9-81ED-4DB2-BD59-A6C34878D82A}">
-                    <a16:rowId xmlns="" xmlns:a16="http://schemas.microsoft.com/office/drawing/2014/main" val="43767920"/>
+                    <a16:rowId xmlns:a16="http://schemas.microsoft.com/office/drawing/2014/main" xmlns="" val="43767920"/>
                   </a:ext>
                 </a:extLst>
               </a:tr>
@@ -14109,17 +13956,7 @@
                 <a:cs typeface="+mn-ea"/>
                 <a:sym typeface="+mn-lt"/>
               </a:rPr>
-              <a:t>語義分割的</a:t>
-            </a:r>
-            <a:r>
-              <a:rPr lang="zh-TW" altLang="en-US" sz="2000" b="1" dirty="0" smtClean="0">
-                <a:solidFill>
-                  <a:srgbClr val="1B4367"/>
-                </a:solidFill>
-                <a:cs typeface="+mn-ea"/>
-                <a:sym typeface="+mn-lt"/>
-              </a:rPr>
-              <a:t>相關研究</a:t>
+              <a:t>語義分割的相關研究</a:t>
             </a:r>
             <a:endParaRPr lang="zh-CN" altLang="en-US" sz="2000" b="1" dirty="0">
               <a:solidFill>
@@ -14213,7 +14050,7 @@
           <p:cNvPr id="7" name="表格 5">
             <a:extLst>
               <a:ext uri="{FF2B5EF4-FFF2-40B4-BE49-F238E27FC236}">
-                <a16:creationId xmlns:a16="http://schemas.microsoft.com/office/drawing/2014/main" xmlns="" id="{202A9B48-7C02-4B9F-A694-D9D167DDE433}"/>
+                <a16:creationId xmlns="" xmlns:a16="http://schemas.microsoft.com/office/drawing/2014/main" id="{202A9B48-7C02-4B9F-A694-D9D167DDE433}"/>
               </a:ext>
             </a:extLst>
           </p:cNvPr>
@@ -14240,21 +14077,21 @@
                 <a:gridCol w="1439100">
                   <a:extLst>
                     <a:ext uri="{9D8B030D-6E8A-4147-A177-3AD203B41FA5}">
-                      <a16:colId xmlns:a16="http://schemas.microsoft.com/office/drawing/2014/main" xmlns="" val="1313235057"/>
+                      <a16:colId xmlns="" xmlns:a16="http://schemas.microsoft.com/office/drawing/2014/main" val="1313235057"/>
                     </a:ext>
                   </a:extLst>
                 </a:gridCol>
                 <a:gridCol w="2365537">
                   <a:extLst>
                     <a:ext uri="{9D8B030D-6E8A-4147-A177-3AD203B41FA5}">
-                      <a16:colId xmlns:a16="http://schemas.microsoft.com/office/drawing/2014/main" xmlns="" val="3498442498"/>
+                      <a16:colId xmlns="" xmlns:a16="http://schemas.microsoft.com/office/drawing/2014/main" val="3498442498"/>
                     </a:ext>
                   </a:extLst>
                 </a:gridCol>
                 <a:gridCol w="3597777">
                   <a:extLst>
                     <a:ext uri="{9D8B030D-6E8A-4147-A177-3AD203B41FA5}">
-                      <a16:colId xmlns:a16="http://schemas.microsoft.com/office/drawing/2014/main" xmlns="" val="2798367762"/>
+                      <a16:colId xmlns="" xmlns:a16="http://schemas.microsoft.com/office/drawing/2014/main" val="2798367762"/>
                     </a:ext>
                   </a:extLst>
                 </a:gridCol>
@@ -14406,7 +14243,7 @@
                 </a:tc>
                 <a:extLst>
                   <a:ext uri="{0D108BD9-81ED-4DB2-BD59-A6C34878D82A}">
-                    <a16:rowId xmlns:a16="http://schemas.microsoft.com/office/drawing/2014/main" xmlns="" val="43767920"/>
+                    <a16:rowId xmlns="" xmlns:a16="http://schemas.microsoft.com/office/drawing/2014/main" val="43767920"/>
                   </a:ext>
                 </a:extLst>
               </a:tr>
@@ -14612,7 +14449,7 @@
                 </a:tc>
                 <a:extLst>
                   <a:ext uri="{0D108BD9-81ED-4DB2-BD59-A6C34878D82A}">
-                    <a16:rowId xmlns:a16="http://schemas.microsoft.com/office/drawing/2014/main" xmlns="" val="881114521"/>
+                    <a16:rowId xmlns="" xmlns:a16="http://schemas.microsoft.com/office/drawing/2014/main" val="881114521"/>
                   </a:ext>
                 </a:extLst>
               </a:tr>
@@ -14774,7 +14611,7 @@
                 </a:tc>
                 <a:extLst>
                   <a:ext uri="{0D108BD9-81ED-4DB2-BD59-A6C34878D82A}">
-                    <a16:rowId xmlns:a16="http://schemas.microsoft.com/office/drawing/2014/main" xmlns="" val="3889943358"/>
+                    <a16:rowId xmlns="" xmlns:a16="http://schemas.microsoft.com/office/drawing/2014/main" val="3889943358"/>
                   </a:ext>
                 </a:extLst>
               </a:tr>
@@ -14891,7 +14728,7 @@
         <p:spPr>
           <a:xfrm>
             <a:off x="871788" y="1824167"/>
-            <a:ext cx="7162740" cy="1231106"/>
+            <a:ext cx="7162740" cy="1477328"/>
           </a:xfrm>
           <a:prstGeom prst="rect">
             <a:avLst/>
@@ -14910,124 +14747,139 @@
           <a:p>
             <a:r>
               <a:rPr lang="zh-TW" altLang="en-US" sz="1600" dirty="0" smtClean="0">
-                <a:latin typeface="微軟正黑體" panose="020B0604030504040204" pitchFamily="34" charset="-120"/>
-                <a:ea typeface="微軟正黑體" panose="020B0604030504040204" pitchFamily="34" charset="-120"/>
+                <a:latin typeface="+mn-ea"/>
               </a:rPr>
               <a:t>由 </a:t>
             </a:r>
             <a:r>
               <a:rPr lang="en-US" altLang="zh-TW" sz="1600" dirty="0">
-                <a:latin typeface="微軟正黑體" panose="020B0604030504040204" pitchFamily="34" charset="-120"/>
-                <a:ea typeface="微軟正黑體" panose="020B0604030504040204" pitchFamily="34" charset="-120"/>
+                <a:latin typeface="+mn-ea"/>
               </a:rPr>
               <a:t>Ian </a:t>
             </a:r>
             <a:r>
               <a:rPr lang="en-US" altLang="zh-TW" sz="1600" dirty="0" err="1" smtClean="0">
-                <a:latin typeface="微軟正黑體" panose="020B0604030504040204" pitchFamily="34" charset="-120"/>
-                <a:ea typeface="微軟正黑體" panose="020B0604030504040204" pitchFamily="34" charset="-120"/>
+                <a:latin typeface="+mn-ea"/>
               </a:rPr>
               <a:t>Goodfellow</a:t>
             </a:r>
             <a:r>
               <a:rPr lang="en-US" altLang="zh-TW" sz="1600" dirty="0" smtClean="0">
-                <a:latin typeface="微軟正黑體" panose="020B0604030504040204" pitchFamily="34" charset="-120"/>
-                <a:ea typeface="微軟正黑體" panose="020B0604030504040204" pitchFamily="34" charset="-120"/>
+                <a:latin typeface="+mn-ea"/>
               </a:rPr>
               <a:t>(2014)</a:t>
             </a:r>
             <a:r>
               <a:rPr lang="zh-TW" altLang="en-US" sz="1600" dirty="0" smtClean="0">
-                <a:latin typeface="微軟正黑體" panose="020B0604030504040204" pitchFamily="34" charset="-120"/>
-                <a:ea typeface="微軟正黑體" panose="020B0604030504040204" pitchFamily="34" charset="-120"/>
+                <a:latin typeface="+mn-ea"/>
               </a:rPr>
               <a:t>所提出</a:t>
             </a:r>
             <a:endParaRPr lang="en-US" altLang="zh-TW" sz="1600" dirty="0" smtClean="0">
-              <a:latin typeface="微軟正黑體" panose="020B0604030504040204" pitchFamily="34" charset="-120"/>
-              <a:ea typeface="微軟正黑體" panose="020B0604030504040204" pitchFamily="34" charset="-120"/>
+              <a:latin typeface="+mn-ea"/>
             </a:endParaRPr>
           </a:p>
           <a:p>
             <a:r>
               <a:rPr lang="zh-TW" altLang="en-US" sz="1600" dirty="0" smtClean="0">
-                <a:latin typeface="微軟正黑體" panose="020B0604030504040204" pitchFamily="34" charset="-120"/>
-                <a:ea typeface="微軟正黑體" panose="020B0604030504040204" pitchFamily="34" charset="-120"/>
+                <a:latin typeface="+mn-ea"/>
               </a:rPr>
               <a:t>簡稱</a:t>
             </a:r>
             <a:r>
+              <a:rPr lang="en-US" altLang="zh-TW" sz="1600" b="1" dirty="0" smtClean="0">
+                <a:latin typeface="+mn-ea"/>
+              </a:rPr>
+              <a:t>GAN</a:t>
+            </a:r>
+            <a:r>
               <a:rPr lang="en-US" altLang="zh-TW" sz="1600" dirty="0" smtClean="0">
-                <a:latin typeface="微軟正黑體" panose="020B0604030504040204" pitchFamily="34" charset="-120"/>
-                <a:ea typeface="微軟正黑體" panose="020B0604030504040204" pitchFamily="34" charset="-120"/>
-              </a:rPr>
-              <a:t>GAN(Generative </a:t>
+                <a:latin typeface="+mn-ea"/>
+              </a:rPr>
+              <a:t>(Generative </a:t>
             </a:r>
             <a:r>
               <a:rPr lang="en-US" altLang="zh-TW" sz="1600" dirty="0">
-                <a:latin typeface="微軟正黑體" panose="020B0604030504040204" pitchFamily="34" charset="-120"/>
-                <a:ea typeface="微軟正黑體" panose="020B0604030504040204" pitchFamily="34" charset="-120"/>
+                <a:latin typeface="+mn-ea"/>
               </a:rPr>
               <a:t>Adversarial </a:t>
             </a:r>
             <a:r>
               <a:rPr lang="en-US" altLang="zh-TW" sz="1600" dirty="0" smtClean="0">
-                <a:latin typeface="微軟正黑體" panose="020B0604030504040204" pitchFamily="34" charset="-120"/>
-                <a:ea typeface="微軟正黑體" panose="020B0604030504040204" pitchFamily="34" charset="-120"/>
-              </a:rPr>
-              <a:t>Network)</a:t>
-            </a:r>
+                <a:latin typeface="+mn-ea"/>
+              </a:rPr>
+              <a:t>Network</a:t>
+            </a:r>
+            <a:r>
+              <a:rPr lang="en-US" altLang="zh-TW" sz="1600" dirty="0" smtClean="0">
+                <a:latin typeface="+mn-ea"/>
+              </a:rPr>
+              <a:t>)</a:t>
+            </a:r>
+          </a:p>
+          <a:p>
+            <a:endParaRPr lang="en-US" altLang="zh-TW" sz="1600" dirty="0" smtClean="0">
+              <a:latin typeface="+mn-ea"/>
+            </a:endParaRPr>
           </a:p>
           <a:p>
             <a:r>
               <a:rPr lang="zh-TW" altLang="en-US" sz="1600" dirty="0" smtClean="0">
-                <a:latin typeface="微軟正黑體" panose="020B0604030504040204" pitchFamily="34" charset="-120"/>
-                <a:ea typeface="微軟正黑體" panose="020B0604030504040204" pitchFamily="34" charset="-120"/>
+                <a:latin typeface="+mn-ea"/>
               </a:rPr>
               <a:t>基本架構</a:t>
             </a:r>
             <a:r>
               <a:rPr lang="en-US" altLang="zh-TW" sz="1600" dirty="0" smtClean="0">
-                <a:latin typeface="微軟正黑體" panose="020B0604030504040204" pitchFamily="34" charset="-120"/>
-                <a:ea typeface="微軟正黑體" panose="020B0604030504040204" pitchFamily="34" charset="-120"/>
+                <a:latin typeface="+mn-ea"/>
               </a:rPr>
               <a:t>:</a:t>
             </a:r>
+            <a:endParaRPr lang="en-US" altLang="zh-TW" sz="1600" dirty="0" smtClean="0">
+              <a:latin typeface="+mn-ea"/>
+            </a:endParaRPr>
           </a:p>
           <a:p>
             <a:r>
               <a:rPr lang="zh-TW" altLang="en-US" sz="1600" dirty="0" smtClean="0">
-                <a:latin typeface="微軟正黑體" panose="020B0604030504040204" pitchFamily="34" charset="-120"/>
-                <a:ea typeface="微軟正黑體" panose="020B0604030504040204" pitchFamily="34" charset="-120"/>
+                <a:latin typeface="+mn-ea"/>
               </a:rPr>
               <a:t>生成器</a:t>
             </a:r>
             <a:r>
               <a:rPr lang="en-US" altLang="zh-TW" sz="1600" dirty="0" smtClean="0">
-                <a:latin typeface="微軟正黑體" panose="020B0604030504040204" pitchFamily="34" charset="-120"/>
-                <a:ea typeface="微軟正黑體" panose="020B0604030504040204" pitchFamily="34" charset="-120"/>
-              </a:rPr>
-              <a:t>(Generator)</a:t>
+                <a:latin typeface="+mn-ea"/>
+              </a:rPr>
+              <a:t>(</a:t>
+            </a:r>
+            <a:r>
+              <a:rPr lang="en-US" altLang="zh-TW" sz="1600" dirty="0" smtClean="0">
+                <a:latin typeface="+mn-ea"/>
+              </a:rPr>
+              <a:t>Generator</a:t>
+            </a:r>
+            <a:r>
+              <a:rPr lang="en-US" altLang="zh-TW" sz="1600" dirty="0" smtClean="0">
+                <a:latin typeface="+mn-ea"/>
+              </a:rPr>
+              <a:t>)</a:t>
             </a:r>
           </a:p>
           <a:p>
             <a:r>
               <a:rPr lang="zh-TW" altLang="en-US" sz="1600" dirty="0" smtClean="0">
-                <a:latin typeface="微軟正黑體" panose="020B0604030504040204" pitchFamily="34" charset="-120"/>
-                <a:ea typeface="微軟正黑體" panose="020B0604030504040204" pitchFamily="34" charset="-120"/>
+                <a:latin typeface="+mn-ea"/>
               </a:rPr>
               <a:t>判別器</a:t>
             </a:r>
             <a:r>
               <a:rPr lang="en-US" altLang="zh-TW" sz="1600" dirty="0" smtClean="0">
-                <a:latin typeface="微軟正黑體" panose="020B0604030504040204" pitchFamily="34" charset="-120"/>
-                <a:ea typeface="微軟正黑體" panose="020B0604030504040204" pitchFamily="34" charset="-120"/>
+                <a:latin typeface="+mn-ea"/>
               </a:rPr>
               <a:t>(Discriminator)</a:t>
             </a:r>
             <a:endParaRPr lang="zh-TW" altLang="zh-TW" sz="1600" dirty="0">
-              <a:latin typeface="微軟正黑體" panose="020B0604030504040204" pitchFamily="34" charset="-120"/>
-              <a:ea typeface="微軟正黑體" panose="020B0604030504040204" pitchFamily="34" charset="-120"/>
+              <a:latin typeface="+mn-ea"/>
             </a:endParaRPr>
           </a:p>
         </p:txBody>
@@ -15681,7 +15533,15 @@
             </a:r>
             <a:r>
               <a:rPr lang="zh-TW" altLang="en-US" sz="1600" dirty="0" smtClean="0"/>
-              <a:t>將低微度資料解壓縮回原始維度</a:t>
+              <a:t>將</a:t>
+            </a:r>
+            <a:r>
+              <a:rPr lang="zh-TW" altLang="en-US" sz="1600" dirty="0" smtClean="0"/>
+              <a:t>低維度</a:t>
+            </a:r>
+            <a:r>
+              <a:rPr lang="zh-TW" altLang="en-US" sz="1600" dirty="0" smtClean="0"/>
+              <a:t>資料解壓縮回原始維度</a:t>
             </a:r>
             <a:endParaRPr lang="zh-TW" altLang="zh-TW" sz="1600" dirty="0"/>
           </a:p>
@@ -17432,17 +17292,7 @@
                 <a:cs typeface="+mn-ea"/>
                 <a:sym typeface="+mn-lt"/>
               </a:rPr>
-              <a:t>條件式生成對抗網路的</a:t>
-            </a:r>
-            <a:r>
-              <a:rPr lang="zh-TW" altLang="en-US" sz="2000" b="1" dirty="0" smtClean="0">
-                <a:solidFill>
-                  <a:srgbClr val="1B4367"/>
-                </a:solidFill>
-                <a:cs typeface="+mn-ea"/>
-                <a:sym typeface="+mn-lt"/>
-              </a:rPr>
-              <a:t>相關</a:t>
+              <a:t>條件式生成對抗網路的相關</a:t>
             </a:r>
             <a:r>
               <a:rPr lang="zh-TW" altLang="en-US" sz="2000" b="1" dirty="0">
@@ -17580,7 +17430,7 @@
           <p:cNvPr id="6" name="表格 5">
             <a:extLst>
               <a:ext uri="{FF2B5EF4-FFF2-40B4-BE49-F238E27FC236}">
-                <a16:creationId xmlns:a16="http://schemas.microsoft.com/office/drawing/2014/main" xmlns="" id="{202A9B48-7C02-4B9F-A694-D9D167DDE433}"/>
+                <a16:creationId xmlns="" xmlns:a16="http://schemas.microsoft.com/office/drawing/2014/main" id="{202A9B48-7C02-4B9F-A694-D9D167DDE433}"/>
               </a:ext>
             </a:extLst>
           </p:cNvPr>
@@ -17590,7 +17440,7 @@
           <p:nvPr>
             <p:extLst>
               <p:ext uri="{D42A27DB-BD31-4B8C-83A1-F6EECF244321}">
-                <p14:modId xmlns:p14="http://schemas.microsoft.com/office/powerpoint/2010/main" val="3085956499"/>
+                <p14:modId xmlns:p14="http://schemas.microsoft.com/office/powerpoint/2010/main" val="795596980"/>
               </p:ext>
             </p:extLst>
           </p:nvPr>
@@ -17607,21 +17457,21 @@
                 <a:gridCol w="1728799">
                   <a:extLst>
                     <a:ext uri="{9D8B030D-6E8A-4147-A177-3AD203B41FA5}">
-                      <a16:colId xmlns:a16="http://schemas.microsoft.com/office/drawing/2014/main" xmlns="" val="1313235057"/>
+                      <a16:colId xmlns="" xmlns:a16="http://schemas.microsoft.com/office/drawing/2014/main" val="1313235057"/>
                     </a:ext>
                   </a:extLst>
                 </a:gridCol>
                 <a:gridCol w="2508718">
                   <a:extLst>
                     <a:ext uri="{9D8B030D-6E8A-4147-A177-3AD203B41FA5}">
-                      <a16:colId xmlns:a16="http://schemas.microsoft.com/office/drawing/2014/main" xmlns="" val="3498442498"/>
+                      <a16:colId xmlns="" xmlns:a16="http://schemas.microsoft.com/office/drawing/2014/main" val="3498442498"/>
                     </a:ext>
                   </a:extLst>
                 </a:gridCol>
                 <a:gridCol w="3597777">
                   <a:extLst>
                     <a:ext uri="{9D8B030D-6E8A-4147-A177-3AD203B41FA5}">
-                      <a16:colId xmlns:a16="http://schemas.microsoft.com/office/drawing/2014/main" xmlns="" val="2798367762"/>
+                      <a16:colId xmlns="" xmlns:a16="http://schemas.microsoft.com/office/drawing/2014/main" val="2798367762"/>
                     </a:ext>
                   </a:extLst>
                 </a:gridCol>
@@ -17857,7 +17707,7 @@
                 </a:tc>
                 <a:extLst>
                   <a:ext uri="{0D108BD9-81ED-4DB2-BD59-A6C34878D82A}">
-                    <a16:rowId xmlns:a16="http://schemas.microsoft.com/office/drawing/2014/main" xmlns="" val="43767920"/>
+                    <a16:rowId xmlns="" xmlns:a16="http://schemas.microsoft.com/office/drawing/2014/main" val="43767920"/>
                   </a:ext>
                 </a:extLst>
               </a:tr>
@@ -18056,7 +17906,7 @@
                 </a:tc>
                 <a:extLst>
                   <a:ext uri="{0D108BD9-81ED-4DB2-BD59-A6C34878D82A}">
-                    <a16:rowId xmlns:a16="http://schemas.microsoft.com/office/drawing/2014/main" xmlns="" val="881114521"/>
+                    <a16:rowId xmlns="" xmlns:a16="http://schemas.microsoft.com/office/drawing/2014/main" val="881114521"/>
                   </a:ext>
                 </a:extLst>
               </a:tr>
@@ -18356,7 +18206,49 @@
                           <a:latin typeface="Times New Roman" panose="02020603050405020304" pitchFamily="18" charset="0"/>
                           <a:ea typeface="標楷體" panose="03000509000000000000" pitchFamily="65" charset="-120"/>
                         </a:rPr>
-                        <a:t>，能夠產出更高清的圖片。</a:t>
+                        <a:t>，能夠產出更高清的</a:t>
+                      </a:r>
+                      <a:r>
+                        <a:rPr lang="zh-TW" altLang="en-US" sz="1400" b="0" cap="none" spc="0" baseline="0" dirty="0" smtClean="0">
+                          <a:ln>
+                            <a:noFill/>
+                          </a:ln>
+                          <a:solidFill>
+                            <a:schemeClr val="tx1"/>
+                          </a:solidFill>
+                          <a:effectLst/>
+                          <a:latin typeface="Times New Roman" panose="02020603050405020304" pitchFamily="18" charset="0"/>
+                          <a:ea typeface="標楷體" panose="03000509000000000000" pitchFamily="65" charset="-120"/>
+                        </a:rPr>
+                        <a:t>圖片，並提出</a:t>
+                      </a:r>
+                      <a:r>
+                        <a:rPr lang="en-US" altLang="zh-TW" sz="1400" b="0" cap="none" spc="0" baseline="0" dirty="0" err="1" smtClean="0">
+                          <a:ln>
+                            <a:noFill/>
+                          </a:ln>
+                          <a:solidFill>
+                            <a:schemeClr val="tx1"/>
+                          </a:solidFill>
+                          <a:effectLst/>
+                          <a:latin typeface="Times New Roman" panose="02020603050405020304" pitchFamily="18" charset="0"/>
+                          <a:ea typeface="標楷體" panose="03000509000000000000" pitchFamily="65" charset="-120"/>
+                        </a:rPr>
+                        <a:t>StackGAN</a:t>
+                      </a:r>
+                      <a:r>
+                        <a:rPr lang="zh-TW" altLang="en-US" sz="1400" b="0" cap="none" spc="0" baseline="0" dirty="0" smtClean="0">
+                          <a:ln>
+                            <a:noFill/>
+                          </a:ln>
+                          <a:solidFill>
+                            <a:schemeClr val="tx1"/>
+                          </a:solidFill>
+                          <a:effectLst/>
+                          <a:latin typeface="Times New Roman" panose="02020603050405020304" pitchFamily="18" charset="0"/>
+                          <a:ea typeface="標楷體" panose="03000509000000000000" pitchFamily="65" charset="-120"/>
+                        </a:rPr>
+                        <a:t>。</a:t>
                       </a:r>
                       <a:endParaRPr lang="en-US" altLang="zh-TW" sz="1400" b="0" cap="none" spc="0" baseline="0" dirty="0" smtClean="0">
                         <a:ln>
@@ -18918,7 +18810,7 @@
           <p:cNvPr id="6" name="表格 5">
             <a:extLst>
               <a:ext uri="{FF2B5EF4-FFF2-40B4-BE49-F238E27FC236}">
-                <a16:creationId xmlns="" xmlns:a16="http://schemas.microsoft.com/office/drawing/2014/main" id="{202A9B48-7C02-4B9F-A694-D9D167DDE433}"/>
+                <a16:creationId xmlns:a16="http://schemas.microsoft.com/office/drawing/2014/main" xmlns="" id="{202A9B48-7C02-4B9F-A694-D9D167DDE433}"/>
               </a:ext>
             </a:extLst>
           </p:cNvPr>
@@ -18928,7 +18820,7 @@
           <p:nvPr>
             <p:extLst>
               <p:ext uri="{D42A27DB-BD31-4B8C-83A1-F6EECF244321}">
-                <p14:modId xmlns:p14="http://schemas.microsoft.com/office/powerpoint/2010/main" val="1297467201"/>
+                <p14:modId xmlns:p14="http://schemas.microsoft.com/office/powerpoint/2010/main" val="2817480242"/>
               </p:ext>
             </p:extLst>
           </p:nvPr>
@@ -18945,14 +18837,14 @@
                 <a:gridCol w="4881957">
                   <a:extLst>
                     <a:ext uri="{9D8B030D-6E8A-4147-A177-3AD203B41FA5}">
-                      <a16:colId xmlns="" xmlns:a16="http://schemas.microsoft.com/office/drawing/2014/main" val="3498442498"/>
+                      <a16:colId xmlns:a16="http://schemas.microsoft.com/office/drawing/2014/main" xmlns="" val="3498442498"/>
                     </a:ext>
                   </a:extLst>
                 </a:gridCol>
                 <a:gridCol w="1495587">
                   <a:extLst>
                     <a:ext uri="{9D8B030D-6E8A-4147-A177-3AD203B41FA5}">
-                      <a16:colId xmlns="" xmlns:a16="http://schemas.microsoft.com/office/drawing/2014/main" val="2798367762"/>
+                      <a16:colId xmlns:a16="http://schemas.microsoft.com/office/drawing/2014/main" xmlns="" val="2798367762"/>
                     </a:ext>
                   </a:extLst>
                 </a:gridCol>
@@ -19054,7 +18946,21 @@
                           <a:latin typeface="+mn-ea"/>
                           <a:ea typeface="+mn-ea"/>
                         </a:rPr>
-                        <a:t>為了使底層的特徵資訊更好的被保留下來，讓重建的過程比較 不會遺失重要資訊，增加了拼接的概念，將從 </a:t>
+                        <a:t>為了使底層的特徵資訊更好的被保留下來，讓重建的過程</a:t>
+                      </a:r>
+                      <a:r>
+                        <a:rPr lang="zh-TW" altLang="en-US" sz="1600" dirty="0" smtClean="0">
+                          <a:latin typeface="+mn-ea"/>
+                          <a:ea typeface="+mn-ea"/>
+                        </a:rPr>
+                        <a:t>比較不會</a:t>
+                      </a:r>
+                      <a:r>
+                        <a:rPr lang="zh-TW" altLang="en-US" sz="1600" dirty="0" smtClean="0">
+                          <a:latin typeface="+mn-ea"/>
+                          <a:ea typeface="+mn-ea"/>
+                        </a:rPr>
+                        <a:t>遺失重要資訊，增加了拼接的概念，將從 </a:t>
                       </a:r>
                       <a:r>
                         <a:rPr lang="en-US" altLang="zh-TW" sz="1600" dirty="0" err="1" smtClean="0">
@@ -19117,21 +19023,42 @@
                           <a:latin typeface="+mn-ea"/>
                           <a:ea typeface="+mn-ea"/>
                         </a:rPr>
-                        <a:t>是 總網路層數，即為每一層反卷積層的輸入都為</a:t>
-                      </a:r>
-                      <a:r>
-                        <a:rPr lang="en-US" altLang="zh-TW" sz="1600" dirty="0" smtClean="0">
-                          <a:latin typeface="+mn-ea"/>
-                          <a:ea typeface="+mn-ea"/>
-                        </a:rPr>
-                        <a:t>:</a:t>
+                        <a:t>是總</a:t>
                       </a:r>
                       <a:r>
                         <a:rPr lang="zh-TW" altLang="en-US" sz="1600" dirty="0" smtClean="0">
                           <a:latin typeface="+mn-ea"/>
                           <a:ea typeface="+mn-ea"/>
                         </a:rPr>
-                        <a:t>前一層的輸出加上與該層對稱的卷積層 的輸出</a:t>
+                        <a:t>網路層數，即為每一層反卷積層的輸入都</a:t>
+                      </a:r>
+                      <a:r>
+                        <a:rPr lang="zh-TW" altLang="en-US" sz="1600" dirty="0" smtClean="0">
+                          <a:latin typeface="+mn-ea"/>
+                          <a:ea typeface="+mn-ea"/>
+                        </a:rPr>
+                        <a:t>為前</a:t>
+                      </a:r>
+                      <a:r>
+                        <a:rPr lang="zh-TW" altLang="en-US" sz="1600" dirty="0" smtClean="0">
+                          <a:latin typeface="+mn-ea"/>
+                          <a:ea typeface="+mn-ea"/>
+                        </a:rPr>
+                        <a:t>一層的輸出加上與該層對稱的卷積</a:t>
+                      </a:r>
+                      <a:r>
+                        <a:rPr lang="zh-TW" altLang="en-US" sz="1600" dirty="0" smtClean="0">
+                          <a:latin typeface="+mn-ea"/>
+                          <a:ea typeface="+mn-ea"/>
+                        </a:rPr>
+                        <a:t>層的</a:t>
+                      </a:r>
+                      <a:r>
+                        <a:rPr lang="zh-TW" altLang="en-US" sz="1600" dirty="0" smtClean="0">
+                          <a:latin typeface="+mn-ea"/>
+                          <a:ea typeface="+mn-ea"/>
+                        </a:rPr>
+                        <a:t>輸出</a:t>
                       </a:r>
                       <a:endParaRPr lang="zh-TW" altLang="en-US" sz="1600" b="0" cap="none" spc="0" dirty="0">
                         <a:ln>
@@ -19200,7 +19127,7 @@
                 </a:tc>
                 <a:extLst>
                   <a:ext uri="{0D108BD9-81ED-4DB2-BD59-A6C34878D82A}">
-                    <a16:rowId xmlns="" xmlns:a16="http://schemas.microsoft.com/office/drawing/2014/main" val="43767920"/>
+                    <a16:rowId xmlns:a16="http://schemas.microsoft.com/office/drawing/2014/main" xmlns="" val="43767920"/>
                   </a:ext>
                 </a:extLst>
               </a:tr>
@@ -19651,7 +19578,7 @@
           <p:cNvPr id="6" name="表格 5">
             <a:extLst>
               <a:ext uri="{FF2B5EF4-FFF2-40B4-BE49-F238E27FC236}">
-                <a16:creationId xmlns="" xmlns:a16="http://schemas.microsoft.com/office/drawing/2014/main" id="{202A9B48-7C02-4B9F-A694-D9D167DDE433}"/>
+                <a16:creationId xmlns:a16="http://schemas.microsoft.com/office/drawing/2014/main" xmlns="" id="{202A9B48-7C02-4B9F-A694-D9D167DDE433}"/>
               </a:ext>
             </a:extLst>
           </p:cNvPr>
@@ -19678,14 +19605,14 @@
                 <a:gridCol w="4881957">
                   <a:extLst>
                     <a:ext uri="{9D8B030D-6E8A-4147-A177-3AD203B41FA5}">
-                      <a16:colId xmlns="" xmlns:a16="http://schemas.microsoft.com/office/drawing/2014/main" val="3498442498"/>
+                      <a16:colId xmlns:a16="http://schemas.microsoft.com/office/drawing/2014/main" xmlns="" val="3498442498"/>
                     </a:ext>
                   </a:extLst>
                 </a:gridCol>
                 <a:gridCol w="1495587">
                   <a:extLst>
                     <a:ext uri="{9D8B030D-6E8A-4147-A177-3AD203B41FA5}">
-                      <a16:colId xmlns="" xmlns:a16="http://schemas.microsoft.com/office/drawing/2014/main" val="2798367762"/>
+                      <a16:colId xmlns:a16="http://schemas.microsoft.com/office/drawing/2014/main" xmlns="" val="2798367762"/>
                     </a:ext>
                   </a:extLst>
                 </a:gridCol>
@@ -19810,7 +19737,7 @@
                 </a:tc>
                 <a:extLst>
                   <a:ext uri="{0D108BD9-81ED-4DB2-BD59-A6C34878D82A}">
-                    <a16:rowId xmlns="" xmlns:a16="http://schemas.microsoft.com/office/drawing/2014/main" val="43767920"/>
+                    <a16:rowId xmlns:a16="http://schemas.microsoft.com/office/drawing/2014/main" xmlns="" val="43767920"/>
                   </a:ext>
                 </a:extLst>
               </a:tr>
@@ -20241,7 +20168,7 @@
           <p:cNvPr id="6" name="表格 5">
             <a:extLst>
               <a:ext uri="{FF2B5EF4-FFF2-40B4-BE49-F238E27FC236}">
-                <a16:creationId xmlns="" xmlns:a16="http://schemas.microsoft.com/office/drawing/2014/main" id="{202A9B48-7C02-4B9F-A694-D9D167DDE433}"/>
+                <a16:creationId xmlns:a16="http://schemas.microsoft.com/office/drawing/2014/main" xmlns="" id="{202A9B48-7C02-4B9F-A694-D9D167DDE433}"/>
               </a:ext>
             </a:extLst>
           </p:cNvPr>
@@ -20268,14 +20195,14 @@
                 <a:gridCol w="4881957">
                   <a:extLst>
                     <a:ext uri="{9D8B030D-6E8A-4147-A177-3AD203B41FA5}">
-                      <a16:colId xmlns="" xmlns:a16="http://schemas.microsoft.com/office/drawing/2014/main" val="3498442498"/>
+                      <a16:colId xmlns:a16="http://schemas.microsoft.com/office/drawing/2014/main" xmlns="" val="3498442498"/>
                     </a:ext>
                   </a:extLst>
                 </a:gridCol>
                 <a:gridCol w="1495587">
                   <a:extLst>
                     <a:ext uri="{9D8B030D-6E8A-4147-A177-3AD203B41FA5}">
-                      <a16:colId xmlns="" xmlns:a16="http://schemas.microsoft.com/office/drawing/2014/main" val="2798367762"/>
+                      <a16:colId xmlns:a16="http://schemas.microsoft.com/office/drawing/2014/main" xmlns="" val="2798367762"/>
                     </a:ext>
                   </a:extLst>
                 </a:gridCol>
@@ -20539,7 +20466,7 @@
                 </a:tc>
                 <a:extLst>
                   <a:ext uri="{0D108BD9-81ED-4DB2-BD59-A6C34878D82A}">
-                    <a16:rowId xmlns="" xmlns:a16="http://schemas.microsoft.com/office/drawing/2014/main" val="43767920"/>
+                    <a16:rowId xmlns:a16="http://schemas.microsoft.com/office/drawing/2014/main" xmlns="" val="43767920"/>
                   </a:ext>
                 </a:extLst>
               </a:tr>
@@ -20991,7 +20918,7 @@
           <p:cNvPr id="5" name="表格 4">
             <a:extLst>
               <a:ext uri="{FF2B5EF4-FFF2-40B4-BE49-F238E27FC236}">
-                <a16:creationId xmlns:a16="http://schemas.microsoft.com/office/drawing/2014/main" xmlns="" id="{202A9B48-7C02-4B9F-A694-D9D167DDE433}"/>
+                <a16:creationId xmlns="" xmlns:a16="http://schemas.microsoft.com/office/drawing/2014/main" id="{202A9B48-7C02-4B9F-A694-D9D167DDE433}"/>
               </a:ext>
             </a:extLst>
           </p:cNvPr>
@@ -21001,7 +20928,7 @@
           <p:nvPr>
             <p:extLst>
               <p:ext uri="{D42A27DB-BD31-4B8C-83A1-F6EECF244321}">
-                <p14:modId xmlns:p14="http://schemas.microsoft.com/office/powerpoint/2010/main" val="3824635536"/>
+                <p14:modId xmlns:p14="http://schemas.microsoft.com/office/powerpoint/2010/main" val="2676170940"/>
               </p:ext>
             </p:extLst>
           </p:nvPr>
@@ -21018,21 +20945,21 @@
                 <a:gridCol w="1728799">
                   <a:extLst>
                     <a:ext uri="{9D8B030D-6E8A-4147-A177-3AD203B41FA5}">
-                      <a16:colId xmlns:a16="http://schemas.microsoft.com/office/drawing/2014/main" xmlns="" val="1313235057"/>
+                      <a16:colId xmlns="" xmlns:a16="http://schemas.microsoft.com/office/drawing/2014/main" val="1313235057"/>
                     </a:ext>
                   </a:extLst>
                 </a:gridCol>
                 <a:gridCol w="2508718">
                   <a:extLst>
                     <a:ext uri="{9D8B030D-6E8A-4147-A177-3AD203B41FA5}">
-                      <a16:colId xmlns:a16="http://schemas.microsoft.com/office/drawing/2014/main" xmlns="" val="3498442498"/>
+                      <a16:colId xmlns="" xmlns:a16="http://schemas.microsoft.com/office/drawing/2014/main" val="3498442498"/>
                     </a:ext>
                   </a:extLst>
                 </a:gridCol>
                 <a:gridCol w="3597777">
                   <a:extLst>
                     <a:ext uri="{9D8B030D-6E8A-4147-A177-3AD203B41FA5}">
-                      <a16:colId xmlns:a16="http://schemas.microsoft.com/office/drawing/2014/main" xmlns="" val="2798367762"/>
+                      <a16:colId xmlns="" xmlns:a16="http://schemas.microsoft.com/office/drawing/2014/main" val="2798367762"/>
                     </a:ext>
                   </a:extLst>
                 </a:gridCol>
@@ -21214,7 +21141,7 @@
                 </a:tc>
                 <a:extLst>
                   <a:ext uri="{0D108BD9-81ED-4DB2-BD59-A6C34878D82A}">
-                    <a16:rowId xmlns:a16="http://schemas.microsoft.com/office/drawing/2014/main" xmlns="" val="43767920"/>
+                    <a16:rowId xmlns="" xmlns:a16="http://schemas.microsoft.com/office/drawing/2014/main" val="43767920"/>
                   </a:ext>
                 </a:extLst>
               </a:tr>
@@ -21472,7 +21399,35 @@
                           <a:latin typeface="標楷體" panose="03000509000000000000" pitchFamily="65" charset="-120"/>
                           <a:ea typeface="標楷體" panose="03000509000000000000" pitchFamily="65" charset="-120"/>
                         </a:rPr>
-                        <a:t>，結果顯示去霧效果以加入影島濾波層的</a:t>
+                        <a:t>，結果顯示去霧效果以</a:t>
+                      </a:r>
+                      <a:r>
+                        <a:rPr lang="zh-TW" altLang="en-US" sz="1400" b="0" cap="none" spc="0" dirty="0" smtClean="0">
+                          <a:ln>
+                            <a:noFill/>
+                          </a:ln>
+                          <a:solidFill>
+                            <a:schemeClr val="tx1"/>
+                          </a:solidFill>
+                          <a:effectLst/>
+                          <a:latin typeface="標楷體" panose="03000509000000000000" pitchFamily="65" charset="-120"/>
+                          <a:ea typeface="標楷體" panose="03000509000000000000" pitchFamily="65" charset="-120"/>
+                        </a:rPr>
+                        <a:t>加入影像濾波</a:t>
+                      </a:r>
+                      <a:r>
+                        <a:rPr lang="zh-TW" altLang="en-US" sz="1400" b="0" cap="none" spc="0" dirty="0" smtClean="0">
+                          <a:ln>
+                            <a:noFill/>
+                          </a:ln>
+                          <a:solidFill>
+                            <a:schemeClr val="tx1"/>
+                          </a:solidFill>
+                          <a:effectLst/>
+                          <a:latin typeface="標楷體" panose="03000509000000000000" pitchFamily="65" charset="-120"/>
+                          <a:ea typeface="標楷體" panose="03000509000000000000" pitchFamily="65" charset="-120"/>
+                        </a:rPr>
+                        <a:t>層的</a:t>
                       </a:r>
                       <a:r>
                         <a:rPr lang="en-US" altLang="zh-TW" sz="1400" b="0" cap="none" spc="0" dirty="0" smtClean="0">
@@ -21519,7 +21474,7 @@
                 </a:tc>
                 <a:extLst>
                   <a:ext uri="{0D108BD9-81ED-4DB2-BD59-A6C34878D82A}">
-                    <a16:rowId xmlns:a16="http://schemas.microsoft.com/office/drawing/2014/main" xmlns="" val="881114521"/>
+                    <a16:rowId xmlns="" xmlns:a16="http://schemas.microsoft.com/office/drawing/2014/main" val="881114521"/>
                   </a:ext>
                 </a:extLst>
               </a:tr>
@@ -22502,7 +22457,35 @@
                 <a:latin typeface="+mn-ea"/>
                 <a:cs typeface="Times New Roman" panose="02020603050405020304" pitchFamily="18" charset="0"/>
               </a:rPr>
-              <a:t>桃園市某設計公司</a:t>
+              <a:t>桃園市</a:t>
+            </a:r>
+            <a:r>
+              <a:rPr lang="zh-TW" altLang="zh-TW" sz="1600" dirty="0" smtClean="0">
+                <a:latin typeface="+mn-ea"/>
+                <a:cs typeface="Times New Roman" panose="02020603050405020304" pitchFamily="18" charset="0"/>
+              </a:rPr>
+              <a:t>某</a:t>
+            </a:r>
+            <a:r>
+              <a:rPr lang="zh-TW" altLang="en-US" sz="1600" dirty="0" smtClean="0">
+                <a:latin typeface="+mn-ea"/>
+                <a:cs typeface="Times New Roman" panose="02020603050405020304" pitchFamily="18" charset="0"/>
+              </a:rPr>
+              <a:t>室內</a:t>
+            </a:r>
+            <a:r>
+              <a:rPr lang="zh-TW" altLang="zh-TW" sz="1600" dirty="0" smtClean="0">
+                <a:latin typeface="+mn-ea"/>
+                <a:cs typeface="Times New Roman" panose="02020603050405020304" pitchFamily="18" charset="0"/>
+              </a:rPr>
+              <a:t>設計</a:t>
+            </a:r>
+            <a:r>
+              <a:rPr lang="zh-TW" altLang="zh-TW" sz="1600" dirty="0">
+                <a:latin typeface="+mn-ea"/>
+                <a:cs typeface="Times New Roman" panose="02020603050405020304" pitchFamily="18" charset="0"/>
+              </a:rPr>
+              <a:t>公司</a:t>
             </a:r>
             <a:r>
               <a:rPr lang="zh-TW" altLang="zh-TW" sz="1600" dirty="0" smtClean="0">
@@ -24641,6 +24624,218 @@
       </p:grpSpPr>
       <p:sp>
         <p:nvSpPr>
+          <p:cNvPr id="102" name="椭圆 101"/>
+          <p:cNvSpPr/>
+          <p:nvPr/>
+        </p:nvSpPr>
+        <p:spPr>
+          <a:xfrm>
+            <a:off x="3819635" y="1089058"/>
+            <a:ext cx="1500028" cy="1500028"/>
+          </a:xfrm>
+          <a:prstGeom prst="ellipse">
+            <a:avLst/>
+          </a:prstGeom>
+          <a:solidFill>
+            <a:srgbClr val="1B4367"/>
+          </a:solidFill>
+          <a:ln>
+            <a:noFill/>
+          </a:ln>
+        </p:spPr>
+        <p:style>
+          <a:lnRef idx="2">
+            <a:schemeClr val="accent1">
+              <a:shade val="50000"/>
+            </a:schemeClr>
+          </a:lnRef>
+          <a:fillRef idx="1">
+            <a:schemeClr val="accent1"/>
+          </a:fillRef>
+          <a:effectRef idx="0">
+            <a:schemeClr val="accent1"/>
+          </a:effectRef>
+          <a:fontRef idx="minor">
+            <a:schemeClr val="lt1"/>
+          </a:fontRef>
+        </p:style>
+        <p:txBody>
+          <a:bodyPr rtlCol="0" anchor="ctr"/>
+          <a:lstStyle/>
+          <a:p>
+            <a:pPr algn="ctr"/>
+            <a:endParaRPr lang="zh-CN" altLang="en-US"/>
+          </a:p>
+        </p:txBody>
+      </p:sp>
+      <p:sp>
+        <p:nvSpPr>
+          <p:cNvPr id="103" name="文本框 11"/>
+          <p:cNvSpPr txBox="1"/>
+          <p:nvPr/>
+        </p:nvSpPr>
+        <p:spPr>
+          <a:xfrm>
+            <a:off x="2483768" y="2709756"/>
+            <a:ext cx="4171762" cy="592470"/>
+          </a:xfrm>
+          <a:prstGeom prst="rect">
+            <a:avLst/>
+          </a:prstGeom>
+          <a:noFill/>
+        </p:spPr>
+        <p:txBody>
+          <a:bodyPr wrap="square" lIns="68580" tIns="34290" rIns="68580" bIns="34290" rtlCol="0">
+            <a:spAutoFit/>
+          </a:bodyPr>
+          <a:lstStyle/>
+          <a:p>
+            <a:pPr algn="ctr"/>
+            <a:r>
+              <a:rPr lang="zh-TW" altLang="en-US" sz="3400" b="1" dirty="0">
+                <a:solidFill>
+                  <a:srgbClr val="1B4367"/>
+                </a:solidFill>
+                <a:cs typeface="+mn-ea"/>
+                <a:sym typeface="+mn-lt"/>
+              </a:rPr>
+              <a:t>參考文獻</a:t>
+            </a:r>
+            <a:endParaRPr lang="zh-CN" altLang="en-US" sz="3400" b="1" dirty="0">
+              <a:solidFill>
+                <a:srgbClr val="1B4367"/>
+              </a:solidFill>
+              <a:cs typeface="+mn-ea"/>
+              <a:sym typeface="+mn-lt"/>
+            </a:endParaRPr>
+          </a:p>
+        </p:txBody>
+      </p:sp>
+      <p:sp>
+        <p:nvSpPr>
+          <p:cNvPr id="105" name="文本框 11"/>
+          <p:cNvSpPr txBox="1"/>
+          <p:nvPr/>
+        </p:nvSpPr>
+        <p:spPr>
+          <a:xfrm>
+            <a:off x="3713476" y="1575042"/>
+            <a:ext cx="1732894" cy="838691"/>
+          </a:xfrm>
+          <a:prstGeom prst="rect">
+            <a:avLst/>
+          </a:prstGeom>
+          <a:noFill/>
+        </p:spPr>
+        <p:txBody>
+          <a:bodyPr wrap="square" lIns="68580" tIns="34290" rIns="68580" bIns="34290" rtlCol="0">
+            <a:spAutoFit/>
+          </a:bodyPr>
+          <a:lstStyle/>
+          <a:p>
+            <a:pPr algn="ctr">
+              <a:lnSpc>
+                <a:spcPts val="3000"/>
+              </a:lnSpc>
+            </a:pPr>
+            <a:r>
+              <a:rPr lang="en-US" altLang="zh-CN" sz="5400" dirty="0" smtClean="0">
+                <a:solidFill>
+                  <a:schemeClr val="bg1"/>
+                </a:solidFill>
+                <a:cs typeface="+mn-ea"/>
+                <a:sym typeface="+mn-lt"/>
+              </a:rPr>
+              <a:t>0</a:t>
+            </a:r>
+            <a:r>
+              <a:rPr lang="en-US" altLang="zh-TW" sz="5400" dirty="0" smtClean="0">
+                <a:solidFill>
+                  <a:schemeClr val="bg1"/>
+                </a:solidFill>
+                <a:cs typeface="+mn-ea"/>
+                <a:sym typeface="+mn-lt"/>
+              </a:rPr>
+              <a:t>4</a:t>
+            </a:r>
+            <a:endParaRPr lang="zh-CN" altLang="en-US" sz="5400" dirty="0">
+              <a:solidFill>
+                <a:schemeClr val="bg1"/>
+              </a:solidFill>
+              <a:cs typeface="+mn-ea"/>
+              <a:sym typeface="+mn-lt"/>
+            </a:endParaRPr>
+          </a:p>
+          <a:p>
+            <a:pPr algn="ctr">
+              <a:lnSpc>
+                <a:spcPts val="3000"/>
+              </a:lnSpc>
+            </a:pPr>
+            <a:r>
+              <a:rPr lang="en-US" altLang="zh-CN" sz="2400" dirty="0" smtClean="0">
+                <a:solidFill>
+                  <a:schemeClr val="bg1"/>
+                </a:solidFill>
+                <a:cs typeface="+mn-ea"/>
+                <a:sym typeface="+mn-lt"/>
+              </a:rPr>
+              <a:t>PART </a:t>
+            </a:r>
+          </a:p>
+        </p:txBody>
+      </p:sp>
+    </p:spTree>
+    <p:extLst>
+      <p:ext uri="{BB962C8B-B14F-4D97-AF65-F5344CB8AC3E}">
+        <p14:creationId xmlns:p14="http://schemas.microsoft.com/office/powerpoint/2010/main" val="3720145932"/>
+      </p:ext>
+    </p:extLst>
+  </p:cSld>
+  <p:clrMapOvr>
+    <a:masterClrMapping/>
+  </p:clrMapOvr>
+  <mc:AlternateContent xmlns:mc="http://schemas.openxmlformats.org/markup-compatibility/2006" xmlns:p14="http://schemas.microsoft.com/office/powerpoint/2010/main">
+    <mc:Choice Requires="p14">
+      <p:transition spd="slow" p14:dur="1200">
+        <p14:flip dir="r"/>
+      </p:transition>
+    </mc:Choice>
+    <mc:Fallback xmlns="">
+      <p:transition spd="slow">
+        <p:fade/>
+      </p:transition>
+    </mc:Fallback>
+  </mc:AlternateContent>
+  <p:timing>
+    <p:tnLst>
+      <p:par>
+        <p:cTn id="1" dur="indefinite" restart="never" nodeType="tmRoot"/>
+      </p:par>
+    </p:tnLst>
+  </p:timing>
+</p:sld>
+</file>
+
+<file path=ppt/slides/slide39.xml><?xml version="1.0" encoding="utf-8"?>
+<p:sld xmlns:a="http://schemas.openxmlformats.org/drawingml/2006/main" xmlns:r="http://schemas.openxmlformats.org/officeDocument/2006/relationships" xmlns:p="http://schemas.openxmlformats.org/presentationml/2006/main">
+  <p:cSld>
+    <p:spTree>
+      <p:nvGrpSpPr>
+        <p:cNvPr id="1" name=""/>
+        <p:cNvGrpSpPr/>
+        <p:nvPr/>
+      </p:nvGrpSpPr>
+      <p:grpSpPr>
+        <a:xfrm>
+          <a:off x="0" y="0"/>
+          <a:ext cx="0" cy="0"/>
+          <a:chOff x="0" y="0"/>
+          <a:chExt cx="0" cy="0"/>
+        </a:xfrm>
+      </p:grpSpPr>
+      <p:sp>
+        <p:nvSpPr>
           <p:cNvPr id="19" name="文本框 15"/>
           <p:cNvSpPr txBox="1"/>
           <p:nvPr/>
@@ -24779,7 +24974,7 @@
         <p:spPr>
           <a:xfrm>
             <a:off x="1014607" y="1719037"/>
-            <a:ext cx="7650195" cy="2654573"/>
+            <a:ext cx="7650195" cy="3023905"/>
           </a:xfrm>
           <a:prstGeom prst="rect">
             <a:avLst/>
@@ -24886,61 +25081,61 @@
             </a:lvl9pPr>
           </a:lstStyle>
           <a:p>
-            <a:pPr marL="171450" indent="-171450">
+            <a:pPr marL="285750" indent="-285750">
               <a:buFont typeface="Arial" panose="020B0604020202020204" pitchFamily="34" charset="0"/>
               <a:buChar char="•"/>
             </a:pPr>
             <a:r>
-              <a:rPr lang="en-US" altLang="zh-TW" sz="1400" dirty="0" err="1">
+              <a:rPr lang="en-US" altLang="zh-TW" sz="1600" dirty="0" err="1">
                 <a:latin typeface="Times New Roman" panose="02020603050405020304" pitchFamily="18" charset="0"/>
                 <a:ea typeface="標楷體" panose="03000509000000000000" pitchFamily="65" charset="-120"/>
               </a:rPr>
               <a:t>Antipov</a:t>
             </a:r>
             <a:r>
-              <a:rPr lang="en-US" altLang="zh-TW" sz="1400" dirty="0">
+              <a:rPr lang="en-US" altLang="zh-TW" sz="1600" dirty="0">
                 <a:latin typeface="Times New Roman" panose="02020603050405020304" pitchFamily="18" charset="0"/>
                 <a:ea typeface="標楷體" panose="03000509000000000000" pitchFamily="65" charset="-120"/>
               </a:rPr>
               <a:t>, G., </a:t>
             </a:r>
             <a:r>
-              <a:rPr lang="en-US" altLang="zh-TW" sz="1400" dirty="0" err="1">
+              <a:rPr lang="en-US" altLang="zh-TW" sz="1600" dirty="0" err="1">
                 <a:latin typeface="Times New Roman" panose="02020603050405020304" pitchFamily="18" charset="0"/>
                 <a:ea typeface="標楷體" panose="03000509000000000000" pitchFamily="65" charset="-120"/>
               </a:rPr>
               <a:t>Baccouche</a:t>
             </a:r>
             <a:r>
-              <a:rPr lang="en-US" altLang="zh-TW" sz="1400" dirty="0">
+              <a:rPr lang="en-US" altLang="zh-TW" sz="1600" dirty="0">
                 <a:latin typeface="Times New Roman" panose="02020603050405020304" pitchFamily="18" charset="0"/>
                 <a:ea typeface="標楷體" panose="03000509000000000000" pitchFamily="65" charset="-120"/>
               </a:rPr>
               <a:t>, M., &amp; </a:t>
             </a:r>
             <a:r>
-              <a:rPr lang="en-US" altLang="zh-TW" sz="1400" dirty="0" err="1">
+              <a:rPr lang="en-US" altLang="zh-TW" sz="1600" dirty="0" err="1">
                 <a:latin typeface="Times New Roman" panose="02020603050405020304" pitchFamily="18" charset="0"/>
                 <a:ea typeface="標楷體" panose="03000509000000000000" pitchFamily="65" charset="-120"/>
               </a:rPr>
               <a:t>Dugelay</a:t>
             </a:r>
             <a:r>
-              <a:rPr lang="en-US" altLang="zh-TW" sz="1400" dirty="0">
+              <a:rPr lang="en-US" altLang="zh-TW" sz="1600" dirty="0">
                 <a:latin typeface="Times New Roman" panose="02020603050405020304" pitchFamily="18" charset="0"/>
                 <a:ea typeface="標楷體" panose="03000509000000000000" pitchFamily="65" charset="-120"/>
               </a:rPr>
               <a:t>, J. L. (2017, September). Face aging with conditional generative adversarial networks. In </a:t>
             </a:r>
             <a:r>
-              <a:rPr lang="zh-TW" altLang="zh-TW" sz="1400" i="1" dirty="0">
+              <a:rPr lang="zh-TW" altLang="zh-TW" sz="1600" i="1" dirty="0">
                 <a:latin typeface="Times New Roman" panose="02020603050405020304" pitchFamily="18" charset="0"/>
                 <a:ea typeface="標楷體" panose="03000509000000000000" pitchFamily="65" charset="-120"/>
               </a:rPr>
               <a:t>2017 IEEE international conference on image processing (ICIP)</a:t>
             </a:r>
             <a:r>
-              <a:rPr lang="zh-TW" altLang="zh-TW" sz="1400" dirty="0">
+              <a:rPr lang="zh-TW" altLang="zh-TW" sz="1600" dirty="0">
                 <a:latin typeface="Times New Roman" panose="02020603050405020304" pitchFamily="18" charset="0"/>
                 <a:ea typeface="標楷體" panose="03000509000000000000" pitchFamily="65" charset="-120"/>
               </a:rPr>
@@ -24948,167 +25143,167 @@
             </a:r>
           </a:p>
           <a:p>
-            <a:pPr marL="171450" indent="-171450">
+            <a:pPr marL="285750" indent="-285750">
               <a:buFont typeface="Arial" panose="020B0604020202020204" pitchFamily="34" charset="0"/>
               <a:buChar char="•"/>
             </a:pPr>
             <a:r>
-              <a:rPr lang="en-US" altLang="zh-TW" sz="1400" dirty="0">
+              <a:rPr lang="en-US" altLang="zh-TW" sz="1600" dirty="0">
                 <a:latin typeface="Times New Roman" panose="02020603050405020304" pitchFamily="18" charset="0"/>
                 <a:ea typeface="標楷體" panose="03000509000000000000" pitchFamily="65" charset="-120"/>
               </a:rPr>
               <a:t>Bi, X., &amp; Xing, J. (2020). Multi-Scale Weighted Fusion Attentive Generative Adversarial Network for Single Image De-Raining. IEEE Access, 8, 69838-69848.</a:t>
             </a:r>
-            <a:endParaRPr lang="zh-TW" altLang="zh-TW" sz="1400" dirty="0">
+            <a:endParaRPr lang="zh-TW" altLang="zh-TW" sz="1600" dirty="0">
               <a:latin typeface="Times New Roman" panose="02020603050405020304" pitchFamily="18" charset="0"/>
               <a:ea typeface="標楷體" panose="03000509000000000000" pitchFamily="65" charset="-120"/>
             </a:endParaRPr>
           </a:p>
           <a:p>
-            <a:pPr marL="171450" indent="-171450">
+            <a:pPr marL="285750" indent="-285750">
               <a:buFont typeface="Arial" panose="020B0604020202020204" pitchFamily="34" charset="0"/>
               <a:buChar char="•"/>
             </a:pPr>
             <a:r>
-              <a:rPr lang="en-US" altLang="zh-TW" sz="1400" dirty="0">
+              <a:rPr lang="en-US" altLang="zh-TW" sz="1600" dirty="0">
                 <a:latin typeface="Times New Roman" panose="02020603050405020304" pitchFamily="18" charset="0"/>
                 <a:ea typeface="標楷體" panose="03000509000000000000" pitchFamily="65" charset="-120"/>
               </a:rPr>
               <a:t>Bu, Q., Luo, J., Ma, K., Feng, H., &amp; Feng, J. (2020). An enhanced pix2pix </a:t>
             </a:r>
             <a:r>
-              <a:rPr lang="en-US" altLang="zh-TW" sz="1400" dirty="0" err="1">
+              <a:rPr lang="en-US" altLang="zh-TW" sz="1600" dirty="0" err="1">
                 <a:latin typeface="Times New Roman" panose="02020603050405020304" pitchFamily="18" charset="0"/>
                 <a:ea typeface="標楷體" panose="03000509000000000000" pitchFamily="65" charset="-120"/>
               </a:rPr>
               <a:t>dehazing</a:t>
             </a:r>
             <a:r>
-              <a:rPr lang="en-US" altLang="zh-TW" sz="1400" dirty="0">
+              <a:rPr lang="en-US" altLang="zh-TW" sz="1600" dirty="0">
                 <a:latin typeface="Times New Roman" panose="02020603050405020304" pitchFamily="18" charset="0"/>
                 <a:ea typeface="標楷體" panose="03000509000000000000" pitchFamily="65" charset="-120"/>
               </a:rPr>
               <a:t> network with guided filter layer. Applied Sciences, 10(17), 5898.</a:t>
             </a:r>
-            <a:endParaRPr lang="zh-TW" altLang="zh-TW" sz="1400" dirty="0">
+            <a:endParaRPr lang="zh-TW" altLang="zh-TW" sz="1600" dirty="0">
               <a:latin typeface="Times New Roman" panose="02020603050405020304" pitchFamily="18" charset="0"/>
               <a:ea typeface="標楷體" panose="03000509000000000000" pitchFamily="65" charset="-120"/>
             </a:endParaRPr>
           </a:p>
           <a:p>
-            <a:pPr marL="171450" indent="-171450">
+            <a:pPr marL="285750" indent="-285750">
               <a:buFont typeface="Arial" panose="020B0604020202020204" pitchFamily="34" charset="0"/>
               <a:buChar char="•"/>
             </a:pPr>
             <a:r>
-              <a:rPr lang="en-US" altLang="zh-TW" sz="1400" dirty="0">
+              <a:rPr lang="en-US" altLang="zh-TW" sz="1600" dirty="0">
                 <a:latin typeface="Times New Roman" panose="02020603050405020304" pitchFamily="18" charset="0"/>
                 <a:ea typeface="標楷體" panose="03000509000000000000" pitchFamily="65" charset="-120"/>
               </a:rPr>
               <a:t>Chang, Y. L., Liu, Z. Y., Lee, K. Y., &amp; Hsu, W. (2019). Free-form video </a:t>
             </a:r>
             <a:r>
-              <a:rPr lang="en-US" altLang="zh-TW" sz="1400" dirty="0" err="1">
+              <a:rPr lang="en-US" altLang="zh-TW" sz="1600" dirty="0" err="1">
                 <a:latin typeface="Times New Roman" panose="02020603050405020304" pitchFamily="18" charset="0"/>
                 <a:ea typeface="標楷體" panose="03000509000000000000" pitchFamily="65" charset="-120"/>
               </a:rPr>
               <a:t>inpainting</a:t>
             </a:r>
             <a:r>
-              <a:rPr lang="en-US" altLang="zh-TW" sz="1400" dirty="0">
+              <a:rPr lang="en-US" altLang="zh-TW" sz="1600" dirty="0">
                 <a:latin typeface="Times New Roman" panose="02020603050405020304" pitchFamily="18" charset="0"/>
                 <a:ea typeface="標楷體" panose="03000509000000000000" pitchFamily="65" charset="-120"/>
               </a:rPr>
               <a:t> with 3d gated convolution and temporal </a:t>
             </a:r>
             <a:r>
-              <a:rPr lang="en-US" altLang="zh-TW" sz="1400" dirty="0" err="1">
+              <a:rPr lang="en-US" altLang="zh-TW" sz="1600" dirty="0" err="1">
                 <a:latin typeface="Times New Roman" panose="02020603050405020304" pitchFamily="18" charset="0"/>
                 <a:ea typeface="標楷體" panose="03000509000000000000" pitchFamily="65" charset="-120"/>
               </a:rPr>
               <a:t>patchgan</a:t>
             </a:r>
             <a:r>
-              <a:rPr lang="en-US" altLang="zh-TW" sz="1400" dirty="0">
+              <a:rPr lang="en-US" altLang="zh-TW" sz="1600" dirty="0">
                 <a:latin typeface="Times New Roman" panose="02020603050405020304" pitchFamily="18" charset="0"/>
                 <a:ea typeface="標楷體" panose="03000509000000000000" pitchFamily="65" charset="-120"/>
               </a:rPr>
               <a:t>. In Proceedings of the IEEE/CVF International Conference on Computer Vision (pp. 9066-9075).</a:t>
             </a:r>
-            <a:endParaRPr lang="zh-TW" altLang="zh-TW" sz="1400" dirty="0">
+            <a:endParaRPr lang="zh-TW" altLang="zh-TW" sz="1600" dirty="0">
               <a:latin typeface="Times New Roman" panose="02020603050405020304" pitchFamily="18" charset="0"/>
               <a:ea typeface="標楷體" panose="03000509000000000000" pitchFamily="65" charset="-120"/>
             </a:endParaRPr>
           </a:p>
           <a:p>
-            <a:pPr marL="171450" indent="-171450">
+            <a:pPr marL="285750" indent="-285750">
               <a:buFont typeface="Arial" panose="020B0604020202020204" pitchFamily="34" charset="0"/>
               <a:buChar char="•"/>
             </a:pPr>
             <a:r>
-              <a:rPr lang="en-US" altLang="zh-TW" sz="1400" dirty="0" err="1">
+              <a:rPr lang="en-US" altLang="zh-TW" sz="1600" dirty="0" err="1">
                 <a:latin typeface="Times New Roman" panose="02020603050405020304" pitchFamily="18" charset="0"/>
                 <a:ea typeface="標楷體" panose="03000509000000000000" pitchFamily="65" charset="-120"/>
               </a:rPr>
               <a:t>Demir</a:t>
             </a:r>
             <a:r>
-              <a:rPr lang="en-US" altLang="zh-TW" sz="1400" dirty="0">
+              <a:rPr lang="en-US" altLang="zh-TW" sz="1600" dirty="0">
                 <a:latin typeface="Times New Roman" panose="02020603050405020304" pitchFamily="18" charset="0"/>
                 <a:ea typeface="標楷體" panose="03000509000000000000" pitchFamily="65" charset="-120"/>
               </a:rPr>
               <a:t>, U., &amp; </a:t>
             </a:r>
             <a:r>
-              <a:rPr lang="en-US" altLang="zh-TW" sz="1400" dirty="0" err="1">
+              <a:rPr lang="en-US" altLang="zh-TW" sz="1600" dirty="0" err="1">
                 <a:latin typeface="Times New Roman" panose="02020603050405020304" pitchFamily="18" charset="0"/>
                 <a:ea typeface="標楷體" panose="03000509000000000000" pitchFamily="65" charset="-120"/>
               </a:rPr>
               <a:t>Unal</a:t>
             </a:r>
             <a:r>
-              <a:rPr lang="en-US" altLang="zh-TW" sz="1400" dirty="0">
+              <a:rPr lang="en-US" altLang="zh-TW" sz="1600" dirty="0">
                 <a:latin typeface="Times New Roman" panose="02020603050405020304" pitchFamily="18" charset="0"/>
                 <a:ea typeface="標楷體" panose="03000509000000000000" pitchFamily="65" charset="-120"/>
               </a:rPr>
               <a:t>, G. (2018). Patch-based image </a:t>
             </a:r>
             <a:r>
-              <a:rPr lang="en-US" altLang="zh-TW" sz="1400" dirty="0" err="1">
+              <a:rPr lang="en-US" altLang="zh-TW" sz="1600" dirty="0" err="1">
                 <a:latin typeface="Times New Roman" panose="02020603050405020304" pitchFamily="18" charset="0"/>
                 <a:ea typeface="標楷體" panose="03000509000000000000" pitchFamily="65" charset="-120"/>
               </a:rPr>
               <a:t>inpainting</a:t>
             </a:r>
             <a:r>
-              <a:rPr lang="en-US" altLang="zh-TW" sz="1400" dirty="0">
+              <a:rPr lang="en-US" altLang="zh-TW" sz="1600" dirty="0">
                 <a:latin typeface="Times New Roman" panose="02020603050405020304" pitchFamily="18" charset="0"/>
                 <a:ea typeface="標楷體" panose="03000509000000000000" pitchFamily="65" charset="-120"/>
               </a:rPr>
               <a:t> with generative adversarial networks. </a:t>
             </a:r>
             <a:r>
-              <a:rPr lang="en-US" altLang="zh-TW" sz="1400" i="1" dirty="0" err="1">
+              <a:rPr lang="en-US" altLang="zh-TW" sz="1600" i="1" dirty="0" err="1">
                 <a:latin typeface="Times New Roman" panose="02020603050405020304" pitchFamily="18" charset="0"/>
                 <a:ea typeface="標楷體" panose="03000509000000000000" pitchFamily="65" charset="-120"/>
               </a:rPr>
               <a:t>arXiv</a:t>
             </a:r>
             <a:r>
-              <a:rPr lang="en-US" altLang="zh-TW" sz="1400" i="1" dirty="0">
+              <a:rPr lang="en-US" altLang="zh-TW" sz="1600" i="1" dirty="0">
                 <a:latin typeface="Times New Roman" panose="02020603050405020304" pitchFamily="18" charset="0"/>
                 <a:ea typeface="標楷體" panose="03000509000000000000" pitchFamily="65" charset="-120"/>
               </a:rPr>
               <a:t> preprint arXiv:1803.07422</a:t>
             </a:r>
             <a:r>
-              <a:rPr lang="en-US" altLang="zh-TW" sz="1400" dirty="0">
+              <a:rPr lang="en-US" altLang="zh-TW" sz="1600" dirty="0">
                 <a:latin typeface="Times New Roman" panose="02020603050405020304" pitchFamily="18" charset="0"/>
                 <a:ea typeface="標楷體" panose="03000509000000000000" pitchFamily="65" charset="-120"/>
               </a:rPr>
               <a:t>.</a:t>
             </a:r>
-            <a:endParaRPr lang="zh-TW" altLang="zh-TW" sz="1400" dirty="0">
+            <a:endParaRPr lang="zh-TW" altLang="zh-TW" sz="1600" dirty="0">
               <a:latin typeface="Times New Roman" panose="02020603050405020304" pitchFamily="18" charset="0"/>
               <a:ea typeface="標楷體" panose="03000509000000000000" pitchFamily="65" charset="-120"/>
             </a:endParaRPr>
@@ -25119,1007 +25314,6 @@
     <p:extLst>
       <p:ext uri="{BB962C8B-B14F-4D97-AF65-F5344CB8AC3E}">
         <p14:creationId xmlns:p14="http://schemas.microsoft.com/office/powerpoint/2010/main" val="1786162794"/>
-      </p:ext>
-    </p:extLst>
-  </p:cSld>
-  <p:clrMapOvr>
-    <a:masterClrMapping/>
-  </p:clrMapOvr>
-  <mc:AlternateContent xmlns:mc="http://schemas.openxmlformats.org/markup-compatibility/2006" xmlns:p14="http://schemas.microsoft.com/office/powerpoint/2010/main">
-    <mc:Choice Requires="p14">
-      <p:transition spd="slow" p14:dur="1100">
-        <p14:switch dir="r"/>
-      </p:transition>
-    </mc:Choice>
-    <mc:Fallback xmlns="">
-      <p:transition spd="slow">
-        <p:fade/>
-      </p:transition>
-    </mc:Fallback>
-  </mc:AlternateContent>
-  <p:timing>
-    <p:tnLst>
-      <p:par>
-        <p:cTn id="1" dur="indefinite" restart="never" nodeType="tmRoot">
-          <p:childTnLst>
-            <p:seq concurrent="1" nextAc="seek">
-              <p:cTn id="2" dur="indefinite" nodeType="mainSeq">
-                <p:childTnLst>
-                  <p:par>
-                    <p:cTn id="3" fill="hold">
-                      <p:stCondLst>
-                        <p:cond delay="indefinite"/>
-                        <p:cond evt="onBegin" delay="0">
-                          <p:tn val="2"/>
-                        </p:cond>
-                      </p:stCondLst>
-                      <p:childTnLst>
-                        <p:par>
-                          <p:cTn id="4" fill="hold">
-                            <p:stCondLst>
-                              <p:cond delay="0"/>
-                            </p:stCondLst>
-                            <p:childTnLst>
-                              <p:par>
-                                <p:cTn id="5" presetID="41" presetClass="entr" presetSubtype="0" fill="hold" grpId="0" nodeType="afterEffect">
-                                  <p:stCondLst>
-                                    <p:cond delay="0"/>
-                                  </p:stCondLst>
-                                  <p:iterate type="lt">
-                                    <p:tmPct val="10000"/>
-                                  </p:iterate>
-                                  <p:childTnLst>
-                                    <p:set>
-                                      <p:cBhvr>
-                                        <p:cTn id="6" dur="1" fill="hold">
-                                          <p:stCondLst>
-                                            <p:cond delay="0"/>
-                                          </p:stCondLst>
-                                        </p:cTn>
-                                        <p:tgtEl>
-                                          <p:spTgt spid="19"/>
-                                        </p:tgtEl>
-                                        <p:attrNameLst>
-                                          <p:attrName>style.visibility</p:attrName>
-                                        </p:attrNameLst>
-                                      </p:cBhvr>
-                                      <p:to>
-                                        <p:strVal val="visible"/>
-                                      </p:to>
-                                    </p:set>
-                                    <p:anim calcmode="lin" valueType="num">
-                                      <p:cBhvr>
-                                        <p:cTn id="7" dur="500" fill="hold"/>
-                                        <p:tgtEl>
-                                          <p:spTgt spid="19"/>
-                                        </p:tgtEl>
-                                        <p:attrNameLst>
-                                          <p:attrName>ppt_x</p:attrName>
-                                        </p:attrNameLst>
-                                      </p:cBhvr>
-                                      <p:tavLst>
-                                        <p:tav tm="0">
-                                          <p:val>
-                                            <p:strVal val="#ppt_x"/>
-                                          </p:val>
-                                        </p:tav>
-                                        <p:tav tm="50000">
-                                          <p:val>
-                                            <p:strVal val="#ppt_x+.1"/>
-                                          </p:val>
-                                        </p:tav>
-                                        <p:tav tm="100000">
-                                          <p:val>
-                                            <p:strVal val="#ppt_x"/>
-                                          </p:val>
-                                        </p:tav>
-                                      </p:tavLst>
-                                    </p:anim>
-                                    <p:anim calcmode="lin" valueType="num">
-                                      <p:cBhvr>
-                                        <p:cTn id="8" dur="500" fill="hold"/>
-                                        <p:tgtEl>
-                                          <p:spTgt spid="19"/>
-                                        </p:tgtEl>
-                                        <p:attrNameLst>
-                                          <p:attrName>ppt_y</p:attrName>
-                                        </p:attrNameLst>
-                                      </p:cBhvr>
-                                      <p:tavLst>
-                                        <p:tav tm="0">
-                                          <p:val>
-                                            <p:strVal val="#ppt_y"/>
-                                          </p:val>
-                                        </p:tav>
-                                        <p:tav tm="100000">
-                                          <p:val>
-                                            <p:strVal val="#ppt_y"/>
-                                          </p:val>
-                                        </p:tav>
-                                      </p:tavLst>
-                                    </p:anim>
-                                    <p:anim calcmode="lin" valueType="num">
-                                      <p:cBhvr>
-                                        <p:cTn id="9" dur="500" fill="hold"/>
-                                        <p:tgtEl>
-                                          <p:spTgt spid="19"/>
-                                        </p:tgtEl>
-                                        <p:attrNameLst>
-                                          <p:attrName>ppt_h</p:attrName>
-                                        </p:attrNameLst>
-                                      </p:cBhvr>
-                                      <p:tavLst>
-                                        <p:tav tm="0">
-                                          <p:val>
-                                            <p:strVal val="#ppt_h/10"/>
-                                          </p:val>
-                                        </p:tav>
-                                        <p:tav tm="50000">
-                                          <p:val>
-                                            <p:strVal val="#ppt_h+.01"/>
-                                          </p:val>
-                                        </p:tav>
-                                        <p:tav tm="100000">
-                                          <p:val>
-                                            <p:strVal val="#ppt_h"/>
-                                          </p:val>
-                                        </p:tav>
-                                      </p:tavLst>
-                                    </p:anim>
-                                    <p:anim calcmode="lin" valueType="num">
-                                      <p:cBhvr>
-                                        <p:cTn id="10" dur="500" fill="hold"/>
-                                        <p:tgtEl>
-                                          <p:spTgt spid="19"/>
-                                        </p:tgtEl>
-                                        <p:attrNameLst>
-                                          <p:attrName>ppt_w</p:attrName>
-                                        </p:attrNameLst>
-                                      </p:cBhvr>
-                                      <p:tavLst>
-                                        <p:tav tm="0">
-                                          <p:val>
-                                            <p:strVal val="#ppt_w/10"/>
-                                          </p:val>
-                                        </p:tav>
-                                        <p:tav tm="50000">
-                                          <p:val>
-                                            <p:strVal val="#ppt_w+.01"/>
-                                          </p:val>
-                                        </p:tav>
-                                        <p:tav tm="100000">
-                                          <p:val>
-                                            <p:strVal val="#ppt_w"/>
-                                          </p:val>
-                                        </p:tav>
-                                      </p:tavLst>
-                                    </p:anim>
-                                    <p:animEffect transition="in" filter="fade">
-                                      <p:cBhvr>
-                                        <p:cTn id="11" dur="500" tmFilter="0,0; .5, 1; 1, 1"/>
-                                        <p:tgtEl>
-                                          <p:spTgt spid="19"/>
-                                        </p:tgtEl>
-                                      </p:cBhvr>
-                                    </p:animEffect>
-                                  </p:childTnLst>
-                                </p:cTn>
-                              </p:par>
-                            </p:childTnLst>
-                          </p:cTn>
-                        </p:par>
-                        <p:par>
-                          <p:cTn id="12" fill="hold">
-                            <p:stCondLst>
-                              <p:cond delay="650"/>
-                            </p:stCondLst>
-                            <p:childTnLst>
-                              <p:par>
-                                <p:cTn id="13" presetID="22" presetClass="entr" presetSubtype="8" fill="hold" nodeType="afterEffect">
-                                  <p:stCondLst>
-                                    <p:cond delay="0"/>
-                                  </p:stCondLst>
-                                  <p:childTnLst>
-                                    <p:set>
-                                      <p:cBhvr>
-                                        <p:cTn id="14" dur="1" fill="hold">
-                                          <p:stCondLst>
-                                            <p:cond delay="0"/>
-                                          </p:stCondLst>
-                                        </p:cTn>
-                                        <p:tgtEl>
-                                          <p:spTgt spid="16"/>
-                                        </p:tgtEl>
-                                        <p:attrNameLst>
-                                          <p:attrName>style.visibility</p:attrName>
-                                        </p:attrNameLst>
-                                      </p:cBhvr>
-                                      <p:to>
-                                        <p:strVal val="visible"/>
-                                      </p:to>
-                                    </p:set>
-                                    <p:animEffect transition="in" filter="wipe(left)">
-                                      <p:cBhvr>
-                                        <p:cTn id="15" dur="300"/>
-                                        <p:tgtEl>
-                                          <p:spTgt spid="16"/>
-                                        </p:tgtEl>
-                                      </p:cBhvr>
-                                    </p:animEffect>
-                                  </p:childTnLst>
-                                </p:cTn>
-                              </p:par>
-                            </p:childTnLst>
-                          </p:cTn>
-                        </p:par>
-                        <p:par>
-                          <p:cTn id="16" fill="hold">
-                            <p:stCondLst>
-                              <p:cond delay="950"/>
-                            </p:stCondLst>
-                            <p:childTnLst>
-                              <p:par>
-                                <p:cTn id="17" presetID="53" presetClass="entr" presetSubtype="528" fill="hold" grpId="0" nodeType="afterEffect">
-                                  <p:stCondLst>
-                                    <p:cond delay="0"/>
-                                  </p:stCondLst>
-                                  <p:childTnLst>
-                                    <p:set>
-                                      <p:cBhvr>
-                                        <p:cTn id="18" dur="1" fill="hold">
-                                          <p:stCondLst>
-                                            <p:cond delay="0"/>
-                                          </p:stCondLst>
-                                        </p:cTn>
-                                        <p:tgtEl>
-                                          <p:spTgt spid="27"/>
-                                        </p:tgtEl>
-                                        <p:attrNameLst>
-                                          <p:attrName>style.visibility</p:attrName>
-                                        </p:attrNameLst>
-                                      </p:cBhvr>
-                                      <p:to>
-                                        <p:strVal val="visible"/>
-                                      </p:to>
-                                    </p:set>
-                                    <p:anim calcmode="lin" valueType="num">
-                                      <p:cBhvr>
-                                        <p:cTn id="19" dur="500" fill="hold"/>
-                                        <p:tgtEl>
-                                          <p:spTgt spid="27"/>
-                                        </p:tgtEl>
-                                        <p:attrNameLst>
-                                          <p:attrName>ppt_w</p:attrName>
-                                        </p:attrNameLst>
-                                      </p:cBhvr>
-                                      <p:tavLst>
-                                        <p:tav tm="0">
-                                          <p:val>
-                                            <p:fltVal val="0"/>
-                                          </p:val>
-                                        </p:tav>
-                                        <p:tav tm="100000">
-                                          <p:val>
-                                            <p:strVal val="#ppt_w"/>
-                                          </p:val>
-                                        </p:tav>
-                                      </p:tavLst>
-                                    </p:anim>
-                                    <p:anim calcmode="lin" valueType="num">
-                                      <p:cBhvr>
-                                        <p:cTn id="20" dur="500" fill="hold"/>
-                                        <p:tgtEl>
-                                          <p:spTgt spid="27"/>
-                                        </p:tgtEl>
-                                        <p:attrNameLst>
-                                          <p:attrName>ppt_h</p:attrName>
-                                        </p:attrNameLst>
-                                      </p:cBhvr>
-                                      <p:tavLst>
-                                        <p:tav tm="0">
-                                          <p:val>
-                                            <p:fltVal val="0"/>
-                                          </p:val>
-                                        </p:tav>
-                                        <p:tav tm="100000">
-                                          <p:val>
-                                            <p:strVal val="#ppt_h"/>
-                                          </p:val>
-                                        </p:tav>
-                                      </p:tavLst>
-                                    </p:anim>
-                                    <p:animEffect transition="in" filter="fade">
-                                      <p:cBhvr>
-                                        <p:cTn id="21" dur="500"/>
-                                        <p:tgtEl>
-                                          <p:spTgt spid="27"/>
-                                        </p:tgtEl>
-                                      </p:cBhvr>
-                                    </p:animEffect>
-                                    <p:anim calcmode="lin" valueType="num">
-                                      <p:cBhvr>
-                                        <p:cTn id="22" dur="500" fill="hold"/>
-                                        <p:tgtEl>
-                                          <p:spTgt spid="27"/>
-                                        </p:tgtEl>
-                                        <p:attrNameLst>
-                                          <p:attrName>ppt_x</p:attrName>
-                                        </p:attrNameLst>
-                                      </p:cBhvr>
-                                      <p:tavLst>
-                                        <p:tav tm="0">
-                                          <p:val>
-                                            <p:fltVal val="0.5"/>
-                                          </p:val>
-                                        </p:tav>
-                                        <p:tav tm="100000">
-                                          <p:val>
-                                            <p:strVal val="#ppt_x"/>
-                                          </p:val>
-                                        </p:tav>
-                                      </p:tavLst>
-                                    </p:anim>
-                                    <p:anim calcmode="lin" valueType="num">
-                                      <p:cBhvr>
-                                        <p:cTn id="23" dur="500" fill="hold"/>
-                                        <p:tgtEl>
-                                          <p:spTgt spid="27"/>
-                                        </p:tgtEl>
-                                        <p:attrNameLst>
-                                          <p:attrName>ppt_y</p:attrName>
-                                        </p:attrNameLst>
-                                      </p:cBhvr>
-                                      <p:tavLst>
-                                        <p:tav tm="0">
-                                          <p:val>
-                                            <p:fltVal val="0.5"/>
-                                          </p:val>
-                                        </p:tav>
-                                        <p:tav tm="100000">
-                                          <p:val>
-                                            <p:strVal val="#ppt_y"/>
-                                          </p:val>
-                                        </p:tav>
-                                      </p:tavLst>
-                                    </p:anim>
-                                  </p:childTnLst>
-                                </p:cTn>
-                              </p:par>
-                            </p:childTnLst>
-                          </p:cTn>
-                        </p:par>
-                        <p:par>
-                          <p:cTn id="24" fill="hold">
-                            <p:stCondLst>
-                              <p:cond delay="1450"/>
-                            </p:stCondLst>
-                            <p:childTnLst>
-                              <p:par>
-                                <p:cTn id="25" presetID="2" presetClass="entr" presetSubtype="2" fill="hold" grpId="0" nodeType="afterEffect">
-                                  <p:stCondLst>
-                                    <p:cond delay="0"/>
-                                  </p:stCondLst>
-                                  <p:childTnLst>
-                                    <p:set>
-                                      <p:cBhvr>
-                                        <p:cTn id="26" dur="1" fill="hold">
-                                          <p:stCondLst>
-                                            <p:cond delay="0"/>
-                                          </p:stCondLst>
-                                        </p:cTn>
-                                        <p:tgtEl>
-                                          <p:spTgt spid="35"/>
-                                        </p:tgtEl>
-                                        <p:attrNameLst>
-                                          <p:attrName>style.visibility</p:attrName>
-                                        </p:attrNameLst>
-                                      </p:cBhvr>
-                                      <p:to>
-                                        <p:strVal val="visible"/>
-                                      </p:to>
-                                    </p:set>
-                                    <p:anim calcmode="lin" valueType="num">
-                                      <p:cBhvr additive="base">
-                                        <p:cTn id="27" dur="500" fill="hold"/>
-                                        <p:tgtEl>
-                                          <p:spTgt spid="35"/>
-                                        </p:tgtEl>
-                                        <p:attrNameLst>
-                                          <p:attrName>ppt_x</p:attrName>
-                                        </p:attrNameLst>
-                                      </p:cBhvr>
-                                      <p:tavLst>
-                                        <p:tav tm="0">
-                                          <p:val>
-                                            <p:strVal val="1+#ppt_w/2"/>
-                                          </p:val>
-                                        </p:tav>
-                                        <p:tav tm="100000">
-                                          <p:val>
-                                            <p:strVal val="#ppt_x"/>
-                                          </p:val>
-                                        </p:tav>
-                                      </p:tavLst>
-                                    </p:anim>
-                                    <p:anim calcmode="lin" valueType="num">
-                                      <p:cBhvr additive="base">
-                                        <p:cTn id="28" dur="500" fill="hold"/>
-                                        <p:tgtEl>
-                                          <p:spTgt spid="35"/>
-                                        </p:tgtEl>
-                                        <p:attrNameLst>
-                                          <p:attrName>ppt_y</p:attrName>
-                                        </p:attrNameLst>
-                                      </p:cBhvr>
-                                      <p:tavLst>
-                                        <p:tav tm="0">
-                                          <p:val>
-                                            <p:strVal val="#ppt_y"/>
-                                          </p:val>
-                                        </p:tav>
-                                        <p:tav tm="100000">
-                                          <p:val>
-                                            <p:strVal val="#ppt_y"/>
-                                          </p:val>
-                                        </p:tav>
-                                      </p:tavLst>
-                                    </p:anim>
-                                  </p:childTnLst>
-                                </p:cTn>
-                              </p:par>
-                            </p:childTnLst>
-                          </p:cTn>
-                        </p:par>
-                      </p:childTnLst>
-                    </p:cTn>
-                  </p:par>
-                </p:childTnLst>
-              </p:cTn>
-              <p:prevCondLst>
-                <p:cond evt="onPrev" delay="0">
-                  <p:tgtEl>
-                    <p:sldTgt/>
-                  </p:tgtEl>
-                </p:cond>
-              </p:prevCondLst>
-              <p:nextCondLst>
-                <p:cond evt="onNext" delay="0">
-                  <p:tgtEl>
-                    <p:sldTgt/>
-                  </p:tgtEl>
-                </p:cond>
-              </p:nextCondLst>
-            </p:seq>
-          </p:childTnLst>
-        </p:cTn>
-      </p:par>
-    </p:tnLst>
-    <p:bldLst>
-      <p:bldP spid="19" grpId="0"/>
-      <p:bldP spid="27" grpId="0"/>
-      <p:bldP spid="35" grpId="0"/>
-    </p:bldLst>
-  </p:timing>
-</p:sld>
-</file>
-
-<file path=ppt/slides/slide39.xml><?xml version="1.0" encoding="utf-8"?>
-<p:sld xmlns:a="http://schemas.openxmlformats.org/drawingml/2006/main" xmlns:r="http://schemas.openxmlformats.org/officeDocument/2006/relationships" xmlns:p="http://schemas.openxmlformats.org/presentationml/2006/main">
-  <p:cSld>
-    <p:spTree>
-      <p:nvGrpSpPr>
-        <p:cNvPr id="1" name=""/>
-        <p:cNvGrpSpPr/>
-        <p:nvPr/>
-      </p:nvGrpSpPr>
-      <p:grpSpPr>
-        <a:xfrm>
-          <a:off x="0" y="0"/>
-          <a:ext cx="0" cy="0"/>
-          <a:chOff x="0" y="0"/>
-          <a:chExt cx="0" cy="0"/>
-        </a:xfrm>
-      </p:grpSpPr>
-      <p:sp>
-        <p:nvSpPr>
-          <p:cNvPr id="19" name="文本框 15"/>
-          <p:cNvSpPr txBox="1"/>
-          <p:nvPr/>
-        </p:nvSpPr>
-        <p:spPr>
-          <a:xfrm>
-            <a:off x="709386" y="309785"/>
-            <a:ext cx="2261711" cy="330860"/>
-          </a:xfrm>
-          <a:prstGeom prst="rect">
-            <a:avLst/>
-          </a:prstGeom>
-          <a:noFill/>
-        </p:spPr>
-        <p:txBody>
-          <a:bodyPr wrap="square" lIns="68580" tIns="34290" rIns="68580" bIns="34290" rtlCol="0">
-            <a:spAutoFit/>
-          </a:bodyPr>
-          <a:lstStyle/>
-          <a:p>
-            <a:r>
-              <a:rPr lang="zh-TW" altLang="en-US" sz="1700" b="1" dirty="0" smtClean="0">
-                <a:solidFill>
-                  <a:srgbClr val="1B4367"/>
-                </a:solidFill>
-                <a:cs typeface="+mn-ea"/>
-                <a:sym typeface="+mn-lt"/>
-              </a:rPr>
-              <a:t>參考文獻</a:t>
-            </a:r>
-            <a:endParaRPr lang="zh-CN" altLang="en-US" sz="1700" b="1" dirty="0">
-              <a:solidFill>
-                <a:srgbClr val="1B4367"/>
-              </a:solidFill>
-              <a:cs typeface="+mn-ea"/>
-              <a:sym typeface="+mn-lt"/>
-            </a:endParaRPr>
-          </a:p>
-        </p:txBody>
-      </p:sp>
-      <p:sp>
-        <p:nvSpPr>
-          <p:cNvPr id="27" name="文本框 31"/>
-          <p:cNvSpPr txBox="1"/>
-          <p:nvPr/>
-        </p:nvSpPr>
-        <p:spPr>
-          <a:xfrm>
-            <a:off x="1254737" y="911124"/>
-            <a:ext cx="2600712" cy="807913"/>
-          </a:xfrm>
-          <a:prstGeom prst="rect">
-            <a:avLst/>
-          </a:prstGeom>
-          <a:noFill/>
-        </p:spPr>
-        <p:txBody>
-          <a:bodyPr wrap="none" lIns="68580" tIns="34290" rIns="68580" bIns="34290" rtlCol="0">
-            <a:spAutoFit/>
-          </a:bodyPr>
-          <a:lstStyle/>
-          <a:p>
-            <a:r>
-              <a:rPr lang="zh-CN" altLang="zh-CN" sz="4800" b="1" dirty="0">
-                <a:solidFill>
-                  <a:srgbClr val="1B4367"/>
-                </a:solidFill>
-              </a:rPr>
-              <a:t>参</a:t>
-            </a:r>
-            <a:r>
-              <a:rPr lang="zh-CN" altLang="zh-CN" sz="4800" b="1" dirty="0" smtClean="0">
-                <a:solidFill>
-                  <a:srgbClr val="1B4367"/>
-                </a:solidFill>
-              </a:rPr>
-              <a:t>考</a:t>
-            </a:r>
-            <a:r>
-              <a:rPr lang="zh-TW" altLang="en-US" sz="4800" b="1" dirty="0">
-                <a:solidFill>
-                  <a:srgbClr val="1B4367"/>
-                </a:solidFill>
-              </a:rPr>
-              <a:t>文獻</a:t>
-            </a:r>
-            <a:endParaRPr lang="zh-CN" altLang="en-US" sz="4800" b="1" dirty="0">
-              <a:solidFill>
-                <a:srgbClr val="1B4367"/>
-              </a:solidFill>
-            </a:endParaRPr>
-          </a:p>
-        </p:txBody>
-      </p:sp>
-      <p:cxnSp>
-        <p:nvCxnSpPr>
-          <p:cNvPr id="16" name="直接连接符 15"/>
-          <p:cNvCxnSpPr/>
-          <p:nvPr/>
-        </p:nvCxnSpPr>
-        <p:spPr>
-          <a:xfrm>
-            <a:off x="774478" y="657417"/>
-            <a:ext cx="480259" cy="0"/>
-          </a:xfrm>
-          <a:prstGeom prst="line">
-            <a:avLst/>
-          </a:prstGeom>
-          <a:ln w="9525">
-            <a:solidFill>
-              <a:srgbClr val="1B4367"/>
-            </a:solidFill>
-          </a:ln>
-        </p:spPr>
-        <p:style>
-          <a:lnRef idx="1">
-            <a:schemeClr val="accent1"/>
-          </a:lnRef>
-          <a:fillRef idx="0">
-            <a:schemeClr val="accent1"/>
-          </a:fillRef>
-          <a:effectRef idx="0">
-            <a:schemeClr val="accent1"/>
-          </a:effectRef>
-          <a:fontRef idx="minor">
-            <a:schemeClr val="tx1"/>
-          </a:fontRef>
-        </p:style>
-      </p:cxnSp>
-      <p:sp>
-        <p:nvSpPr>
-          <p:cNvPr id="35" name="文本框 19"/>
-          <p:cNvSpPr txBox="1"/>
-          <p:nvPr/>
-        </p:nvSpPr>
-        <p:spPr>
-          <a:xfrm>
-            <a:off x="1014607" y="1719037"/>
-            <a:ext cx="7650195" cy="2777683"/>
-          </a:xfrm>
-          <a:prstGeom prst="rect">
-            <a:avLst/>
-          </a:prstGeom>
-          <a:noFill/>
-        </p:spPr>
-        <p:txBody>
-          <a:bodyPr wrap="square" lIns="68580" tIns="34290" rIns="68580" bIns="34290" rtlCol="0">
-            <a:spAutoFit/>
-          </a:bodyPr>
-          <a:lstStyle>
-            <a:defPPr>
-              <a:defRPr lang="zh-CN"/>
-            </a:defPPr>
-            <a:lvl1pPr marL="0" algn="l" defTabSz="914400" rtl="0" eaLnBrk="1" latinLnBrk="0" hangingPunct="1">
-              <a:defRPr sz="1800" kern="1200">
-                <a:solidFill>
-                  <a:schemeClr val="tx1"/>
-                </a:solidFill>
-                <a:latin typeface="+mn-lt"/>
-                <a:ea typeface="+mn-ea"/>
-                <a:cs typeface="+mn-cs"/>
-              </a:defRPr>
-            </a:lvl1pPr>
-            <a:lvl2pPr marL="457200" algn="l" defTabSz="914400" rtl="0" eaLnBrk="1" latinLnBrk="0" hangingPunct="1">
-              <a:defRPr sz="1800" kern="1200">
-                <a:solidFill>
-                  <a:schemeClr val="tx1"/>
-                </a:solidFill>
-                <a:latin typeface="+mn-lt"/>
-                <a:ea typeface="+mn-ea"/>
-                <a:cs typeface="+mn-cs"/>
-              </a:defRPr>
-            </a:lvl2pPr>
-            <a:lvl3pPr marL="914400" algn="l" defTabSz="914400" rtl="0" eaLnBrk="1" latinLnBrk="0" hangingPunct="1">
-              <a:defRPr sz="1800" kern="1200">
-                <a:solidFill>
-                  <a:schemeClr val="tx1"/>
-                </a:solidFill>
-                <a:latin typeface="+mn-lt"/>
-                <a:ea typeface="+mn-ea"/>
-                <a:cs typeface="+mn-cs"/>
-              </a:defRPr>
-            </a:lvl3pPr>
-            <a:lvl4pPr marL="1371600" algn="l" defTabSz="914400" rtl="0" eaLnBrk="1" latinLnBrk="0" hangingPunct="1">
-              <a:defRPr sz="1800" kern="1200">
-                <a:solidFill>
-                  <a:schemeClr val="tx1"/>
-                </a:solidFill>
-                <a:latin typeface="+mn-lt"/>
-                <a:ea typeface="+mn-ea"/>
-                <a:cs typeface="+mn-cs"/>
-              </a:defRPr>
-            </a:lvl4pPr>
-            <a:lvl5pPr marL="1828800" algn="l" defTabSz="914400" rtl="0" eaLnBrk="1" latinLnBrk="0" hangingPunct="1">
-              <a:defRPr sz="1800" kern="1200">
-                <a:solidFill>
-                  <a:schemeClr val="tx1"/>
-                </a:solidFill>
-                <a:latin typeface="+mn-lt"/>
-                <a:ea typeface="+mn-ea"/>
-                <a:cs typeface="+mn-cs"/>
-              </a:defRPr>
-            </a:lvl5pPr>
-            <a:lvl6pPr marL="2286000" algn="l" defTabSz="914400" rtl="0" eaLnBrk="1" latinLnBrk="0" hangingPunct="1">
-              <a:defRPr sz="1800" kern="1200">
-                <a:solidFill>
-                  <a:schemeClr val="tx1"/>
-                </a:solidFill>
-                <a:latin typeface="+mn-lt"/>
-                <a:ea typeface="+mn-ea"/>
-                <a:cs typeface="+mn-cs"/>
-              </a:defRPr>
-            </a:lvl6pPr>
-            <a:lvl7pPr marL="2743200" algn="l" defTabSz="914400" rtl="0" eaLnBrk="1" latinLnBrk="0" hangingPunct="1">
-              <a:defRPr sz="1800" kern="1200">
-                <a:solidFill>
-                  <a:schemeClr val="tx1"/>
-                </a:solidFill>
-                <a:latin typeface="+mn-lt"/>
-                <a:ea typeface="+mn-ea"/>
-                <a:cs typeface="+mn-cs"/>
-              </a:defRPr>
-            </a:lvl7pPr>
-            <a:lvl8pPr marL="3200400" algn="l" defTabSz="914400" rtl="0" eaLnBrk="1" latinLnBrk="0" hangingPunct="1">
-              <a:defRPr sz="1800" kern="1200">
-                <a:solidFill>
-                  <a:schemeClr val="tx1"/>
-                </a:solidFill>
-                <a:latin typeface="+mn-lt"/>
-                <a:ea typeface="+mn-ea"/>
-                <a:cs typeface="+mn-cs"/>
-              </a:defRPr>
-            </a:lvl8pPr>
-            <a:lvl9pPr marL="3657600" algn="l" defTabSz="914400" rtl="0" eaLnBrk="1" latinLnBrk="0" hangingPunct="1">
-              <a:defRPr sz="1800" kern="1200">
-                <a:solidFill>
-                  <a:schemeClr val="tx1"/>
-                </a:solidFill>
-                <a:latin typeface="+mn-lt"/>
-                <a:ea typeface="+mn-ea"/>
-                <a:cs typeface="+mn-cs"/>
-              </a:defRPr>
-            </a:lvl9pPr>
-          </a:lstStyle>
-          <a:p>
-            <a:pPr marL="285750" indent="-285750">
-              <a:buFont typeface="Arial" panose="020B0604020202020204" pitchFamily="34" charset="0"/>
-              <a:buChar char="•"/>
-            </a:pPr>
-            <a:r>
-              <a:rPr lang="en-US" altLang="zh-TW" sz="1600" dirty="0" err="1" smtClean="0">
-                <a:latin typeface="Times New Roman" panose="02020603050405020304" pitchFamily="18" charset="0"/>
-                <a:cs typeface="Times New Roman" panose="02020603050405020304" pitchFamily="18" charset="0"/>
-              </a:rPr>
-              <a:t>FastFCN-github</a:t>
-            </a:r>
-            <a:r>
-              <a:rPr lang="en-US" altLang="zh-TW" sz="1600" dirty="0">
-                <a:latin typeface="Times New Roman" panose="02020603050405020304" pitchFamily="18" charset="0"/>
-                <a:cs typeface="Times New Roman" panose="02020603050405020304" pitchFamily="18" charset="0"/>
-              </a:rPr>
-              <a:t> </a:t>
-            </a:r>
-            <a:r>
-              <a:rPr lang="en-US" altLang="zh-TW" sz="1600" dirty="0" smtClean="0">
-                <a:latin typeface="Times New Roman" panose="02020603050405020304" pitchFamily="18" charset="0"/>
-                <a:cs typeface="Times New Roman" panose="02020603050405020304" pitchFamily="18" charset="0"/>
-              </a:rPr>
-              <a:t>- </a:t>
-            </a:r>
-            <a:r>
-              <a:rPr lang="en-US" altLang="zh-TW" sz="1600" dirty="0" smtClean="0">
-                <a:latin typeface="Times New Roman" panose="02020603050405020304" pitchFamily="18" charset="0"/>
-                <a:cs typeface="Times New Roman" panose="02020603050405020304" pitchFamily="18" charset="0"/>
-                <a:hlinkClick r:id="rId3"/>
-              </a:rPr>
-              <a:t>https</a:t>
-            </a:r>
-            <a:r>
-              <a:rPr lang="en-US" altLang="zh-TW" sz="1600" dirty="0">
-                <a:latin typeface="Times New Roman" panose="02020603050405020304" pitchFamily="18" charset="0"/>
-                <a:cs typeface="Times New Roman" panose="02020603050405020304" pitchFamily="18" charset="0"/>
-                <a:hlinkClick r:id="rId3"/>
-              </a:rPr>
-              <a:t>://github.com/wuhuikai/FastFCN</a:t>
-            </a:r>
-            <a:endParaRPr lang="zh-TW" altLang="zh-TW" sz="1600" dirty="0">
-              <a:latin typeface="Times New Roman" panose="02020603050405020304" pitchFamily="18" charset="0"/>
-              <a:cs typeface="Times New Roman" panose="02020603050405020304" pitchFamily="18" charset="0"/>
-            </a:endParaRPr>
-          </a:p>
-          <a:p>
-            <a:pPr marL="285750" indent="-285750">
-              <a:buFont typeface="Arial" panose="020B0604020202020204" pitchFamily="34" charset="0"/>
-              <a:buChar char="•"/>
-            </a:pPr>
-            <a:r>
-              <a:rPr lang="en-US" altLang="zh-TW" sz="1600" dirty="0" err="1">
-                <a:latin typeface="Times New Roman" panose="02020603050405020304" pitchFamily="18" charset="0"/>
-                <a:cs typeface="Times New Roman" panose="02020603050405020304" pitchFamily="18" charset="0"/>
-              </a:rPr>
-              <a:t>Goodfellow</a:t>
-            </a:r>
-            <a:r>
-              <a:rPr lang="en-US" altLang="zh-TW" sz="1600" dirty="0">
-                <a:latin typeface="Times New Roman" panose="02020603050405020304" pitchFamily="18" charset="0"/>
-                <a:cs typeface="Times New Roman" panose="02020603050405020304" pitchFamily="18" charset="0"/>
-              </a:rPr>
-              <a:t>, I., </a:t>
-            </a:r>
-            <a:r>
-              <a:rPr lang="en-US" altLang="zh-TW" sz="1600" dirty="0" err="1">
-                <a:latin typeface="Times New Roman" panose="02020603050405020304" pitchFamily="18" charset="0"/>
-                <a:cs typeface="Times New Roman" panose="02020603050405020304" pitchFamily="18" charset="0"/>
-              </a:rPr>
-              <a:t>Pouget-Abadie</a:t>
-            </a:r>
-            <a:r>
-              <a:rPr lang="en-US" altLang="zh-TW" sz="1600" dirty="0">
-                <a:latin typeface="Times New Roman" panose="02020603050405020304" pitchFamily="18" charset="0"/>
-                <a:cs typeface="Times New Roman" panose="02020603050405020304" pitchFamily="18" charset="0"/>
-              </a:rPr>
-              <a:t>, J., Mirza, M., Xu, B., </a:t>
-            </a:r>
-            <a:r>
-              <a:rPr lang="en-US" altLang="zh-TW" sz="1600" dirty="0" err="1">
-                <a:latin typeface="Times New Roman" panose="02020603050405020304" pitchFamily="18" charset="0"/>
-                <a:cs typeface="Times New Roman" panose="02020603050405020304" pitchFamily="18" charset="0"/>
-              </a:rPr>
-              <a:t>Warde</a:t>
-            </a:r>
-            <a:r>
-              <a:rPr lang="en-US" altLang="zh-TW" sz="1600" dirty="0">
-                <a:latin typeface="Times New Roman" panose="02020603050405020304" pitchFamily="18" charset="0"/>
-                <a:cs typeface="Times New Roman" panose="02020603050405020304" pitchFamily="18" charset="0"/>
-              </a:rPr>
-              <a:t>-Farley, D., </a:t>
-            </a:r>
-            <a:r>
-              <a:rPr lang="en-US" altLang="zh-TW" sz="1600" dirty="0" err="1">
-                <a:latin typeface="Times New Roman" panose="02020603050405020304" pitchFamily="18" charset="0"/>
-                <a:cs typeface="Times New Roman" panose="02020603050405020304" pitchFamily="18" charset="0"/>
-              </a:rPr>
-              <a:t>Ozair</a:t>
-            </a:r>
-            <a:r>
-              <a:rPr lang="en-US" altLang="zh-TW" sz="1600" dirty="0">
-                <a:latin typeface="Times New Roman" panose="02020603050405020304" pitchFamily="18" charset="0"/>
-                <a:cs typeface="Times New Roman" panose="02020603050405020304" pitchFamily="18" charset="0"/>
-              </a:rPr>
-              <a:t>, S., ... &amp; </a:t>
-            </a:r>
-            <a:r>
-              <a:rPr lang="en-US" altLang="zh-TW" sz="1600" dirty="0" err="1">
-                <a:latin typeface="Times New Roman" panose="02020603050405020304" pitchFamily="18" charset="0"/>
-                <a:cs typeface="Times New Roman" panose="02020603050405020304" pitchFamily="18" charset="0"/>
-              </a:rPr>
-              <a:t>Bengio</a:t>
-            </a:r>
-            <a:r>
-              <a:rPr lang="en-US" altLang="zh-TW" sz="1600" dirty="0">
-                <a:latin typeface="Times New Roman" panose="02020603050405020304" pitchFamily="18" charset="0"/>
-                <a:cs typeface="Times New Roman" panose="02020603050405020304" pitchFamily="18" charset="0"/>
-              </a:rPr>
-              <a:t>, Y. (2014). Generative adversarial nets. Advances in neural information processing systems, 27.</a:t>
-            </a:r>
-            <a:endParaRPr lang="zh-TW" altLang="zh-TW" sz="1600" dirty="0">
-              <a:latin typeface="Times New Roman" panose="02020603050405020304" pitchFamily="18" charset="0"/>
-              <a:cs typeface="Times New Roman" panose="02020603050405020304" pitchFamily="18" charset="0"/>
-            </a:endParaRPr>
-          </a:p>
-          <a:p>
-            <a:pPr marL="285750" indent="-285750">
-              <a:buFont typeface="Arial" panose="020B0604020202020204" pitchFamily="34" charset="0"/>
-              <a:buChar char="•"/>
-            </a:pPr>
-            <a:r>
-              <a:rPr lang="en-US" altLang="zh-TW" sz="1600" dirty="0">
-                <a:latin typeface="Times New Roman" panose="02020603050405020304" pitchFamily="18" charset="0"/>
-                <a:cs typeface="Times New Roman" panose="02020603050405020304" pitchFamily="18" charset="0"/>
-              </a:rPr>
-              <a:t>He, K., Sun, J., &amp; Tang, X. (2012). Guided image filtering. IEEE transactions on pattern analysis and machine intelligence, 35(6), 1397-1409.</a:t>
-            </a:r>
-            <a:endParaRPr lang="zh-TW" altLang="zh-TW" sz="1600" dirty="0">
-              <a:latin typeface="Times New Roman" panose="02020603050405020304" pitchFamily="18" charset="0"/>
-              <a:cs typeface="Times New Roman" panose="02020603050405020304" pitchFamily="18" charset="0"/>
-            </a:endParaRPr>
-          </a:p>
-          <a:p>
-            <a:pPr marL="285750" indent="-285750">
-              <a:buFont typeface="Arial" panose="020B0604020202020204" pitchFamily="34" charset="0"/>
-              <a:buChar char="•"/>
-            </a:pPr>
-            <a:r>
-              <a:rPr lang="en-US" altLang="zh-TW" sz="1600" dirty="0">
-                <a:latin typeface="Times New Roman" panose="02020603050405020304" pitchFamily="18" charset="0"/>
-                <a:cs typeface="Times New Roman" panose="02020603050405020304" pitchFamily="18" charset="0"/>
-              </a:rPr>
-              <a:t>He, K., </a:t>
-            </a:r>
-            <a:r>
-              <a:rPr lang="en-US" altLang="zh-TW" sz="1600" dirty="0" err="1">
-                <a:latin typeface="Times New Roman" panose="02020603050405020304" pitchFamily="18" charset="0"/>
-                <a:cs typeface="Times New Roman" panose="02020603050405020304" pitchFamily="18" charset="0"/>
-              </a:rPr>
-              <a:t>Gkioxari</a:t>
-            </a:r>
-            <a:r>
-              <a:rPr lang="en-US" altLang="zh-TW" sz="1600" dirty="0">
-                <a:latin typeface="Times New Roman" panose="02020603050405020304" pitchFamily="18" charset="0"/>
-                <a:cs typeface="Times New Roman" panose="02020603050405020304" pitchFamily="18" charset="0"/>
-              </a:rPr>
-              <a:t>, G., </a:t>
-            </a:r>
-            <a:r>
-              <a:rPr lang="en-US" altLang="zh-TW" sz="1600" dirty="0" err="1">
-                <a:latin typeface="Times New Roman" panose="02020603050405020304" pitchFamily="18" charset="0"/>
-                <a:cs typeface="Times New Roman" panose="02020603050405020304" pitchFamily="18" charset="0"/>
-              </a:rPr>
-              <a:t>Dollár</a:t>
-            </a:r>
-            <a:r>
-              <a:rPr lang="en-US" altLang="zh-TW" sz="1600" dirty="0">
-                <a:latin typeface="Times New Roman" panose="02020603050405020304" pitchFamily="18" charset="0"/>
-                <a:cs typeface="Times New Roman" panose="02020603050405020304" pitchFamily="18" charset="0"/>
-              </a:rPr>
-              <a:t>, P., &amp; </a:t>
-            </a:r>
-            <a:r>
-              <a:rPr lang="en-US" altLang="zh-TW" sz="1600" dirty="0" err="1">
-                <a:latin typeface="Times New Roman" panose="02020603050405020304" pitchFamily="18" charset="0"/>
-                <a:cs typeface="Times New Roman" panose="02020603050405020304" pitchFamily="18" charset="0"/>
-              </a:rPr>
-              <a:t>Girshick</a:t>
-            </a:r>
-            <a:r>
-              <a:rPr lang="en-US" altLang="zh-TW" sz="1600" dirty="0">
-                <a:latin typeface="Times New Roman" panose="02020603050405020304" pitchFamily="18" charset="0"/>
-                <a:cs typeface="Times New Roman" panose="02020603050405020304" pitchFamily="18" charset="0"/>
-              </a:rPr>
-              <a:t>, R. (2017). Mask r-</a:t>
-            </a:r>
-            <a:r>
-              <a:rPr lang="en-US" altLang="zh-TW" sz="1600" dirty="0" err="1">
-                <a:latin typeface="Times New Roman" panose="02020603050405020304" pitchFamily="18" charset="0"/>
-                <a:cs typeface="Times New Roman" panose="02020603050405020304" pitchFamily="18" charset="0"/>
-              </a:rPr>
-              <a:t>cnn</a:t>
-            </a:r>
-            <a:r>
-              <a:rPr lang="en-US" altLang="zh-TW" sz="1600" dirty="0">
-                <a:latin typeface="Times New Roman" panose="02020603050405020304" pitchFamily="18" charset="0"/>
-                <a:cs typeface="Times New Roman" panose="02020603050405020304" pitchFamily="18" charset="0"/>
-              </a:rPr>
-              <a:t>. In Proceedings of the IEEE international conference on computer vision (pp. 2961-2969).</a:t>
-            </a:r>
-            <a:endParaRPr lang="zh-TW" altLang="zh-TW" sz="1600" dirty="0">
-              <a:latin typeface="Times New Roman" panose="02020603050405020304" pitchFamily="18" charset="0"/>
-              <a:cs typeface="Times New Roman" panose="02020603050405020304" pitchFamily="18" charset="0"/>
-            </a:endParaRPr>
-          </a:p>
-          <a:p>
-            <a:pPr marL="285750" indent="-285750">
-              <a:buFont typeface="Arial" panose="020B0604020202020204" pitchFamily="34" charset="0"/>
-              <a:buChar char="•"/>
-            </a:pPr>
-            <a:r>
-              <a:rPr lang="en-US" altLang="zh-TW" sz="1600" dirty="0">
-                <a:latin typeface="Times New Roman" panose="02020603050405020304" pitchFamily="18" charset="0"/>
-                <a:cs typeface="Times New Roman" panose="02020603050405020304" pitchFamily="18" charset="0"/>
-              </a:rPr>
-              <a:t>Isola, P., Zhu, J. Y., Zhou, T., &amp; </a:t>
-            </a:r>
-            <a:r>
-              <a:rPr lang="en-US" altLang="zh-TW" sz="1600" dirty="0" err="1">
-                <a:latin typeface="Times New Roman" panose="02020603050405020304" pitchFamily="18" charset="0"/>
-                <a:cs typeface="Times New Roman" panose="02020603050405020304" pitchFamily="18" charset="0"/>
-              </a:rPr>
-              <a:t>Efros</a:t>
-            </a:r>
-            <a:r>
-              <a:rPr lang="en-US" altLang="zh-TW" sz="1600" dirty="0">
-                <a:latin typeface="Times New Roman" panose="02020603050405020304" pitchFamily="18" charset="0"/>
-                <a:cs typeface="Times New Roman" panose="02020603050405020304" pitchFamily="18" charset="0"/>
-              </a:rPr>
-              <a:t>, A. A. (2017). Image-to-image translation with conditional adversarial networks. In Proceedings of the IEEE conference on computer vision and pattern recognition (pp. 1125-1134).</a:t>
-            </a:r>
-            <a:endParaRPr lang="zh-TW" altLang="zh-TW" sz="1600" dirty="0">
-              <a:latin typeface="Times New Roman" panose="02020603050405020304" pitchFamily="18" charset="0"/>
-              <a:cs typeface="Times New Roman" panose="02020603050405020304" pitchFamily="18" charset="0"/>
-            </a:endParaRPr>
-          </a:p>
-        </p:txBody>
-      </p:sp>
-    </p:spTree>
-    <p:extLst>
-      <p:ext uri="{BB962C8B-B14F-4D97-AF65-F5344CB8AC3E}">
-        <p14:creationId xmlns:p14="http://schemas.microsoft.com/office/powerpoint/2010/main" val="2959698421"/>
       </p:ext>
     </p:extLst>
   </p:cSld>
@@ -26681,7 +25875,7 @@
         <p:spPr>
           <a:xfrm>
             <a:off x="871788" y="1824167"/>
-            <a:ext cx="7162740" cy="1423467"/>
+            <a:ext cx="7162740" cy="1669688"/>
           </a:xfrm>
           <a:prstGeom prst="rect">
             <a:avLst/>
@@ -26700,45 +25894,53 @@
           <a:p>
             <a:r>
               <a:rPr lang="zh-TW" altLang="zh-TW" sz="1600" dirty="0" smtClean="0">
-                <a:latin typeface="微軟正黑體" panose="020B0604030504040204" pitchFamily="34" charset="-120"/>
-                <a:ea typeface="微軟正黑體" panose="020B0604030504040204" pitchFamily="34" charset="-120"/>
+                <a:latin typeface="+mn-ea"/>
               </a:rPr>
               <a:t>室內設計的概念起源於美國，於經濟發展的需求演化而來，</a:t>
             </a:r>
             <a:r>
               <a:rPr lang="zh-TW" altLang="en-US" sz="1600" dirty="0" smtClean="0">
-                <a:latin typeface="微軟正黑體" panose="020B0604030504040204" pitchFamily="34" charset="-120"/>
-                <a:ea typeface="微軟正黑體" panose="020B0604030504040204" pitchFamily="34" charset="-120"/>
+                <a:latin typeface="+mn-ea"/>
               </a:rPr>
               <a:t>房子從只供居住，</a:t>
             </a:r>
             <a:r>
               <a:rPr lang="zh-TW" altLang="zh-TW" sz="1600" dirty="0" smtClean="0">
-                <a:latin typeface="微軟正黑體" panose="020B0604030504040204" pitchFamily="34" charset="-120"/>
-                <a:ea typeface="微軟正黑體" panose="020B0604030504040204" pitchFamily="34" charset="-120"/>
-              </a:rPr>
-              <a:t>延伸出使用者的需求或為了更改內部環境而開始考量室內設計。</a:t>
-            </a:r>
-          </a:p>
-          <a:p>
+                <a:latin typeface="+mn-ea"/>
+              </a:rPr>
+              <a:t>延伸出使用者的需求或為了更改內部環境而開始考量室內設計</a:t>
+            </a:r>
             <a:r>
               <a:rPr lang="zh-TW" altLang="zh-TW" sz="1600" dirty="0" smtClean="0">
-                <a:latin typeface="微軟正黑體" panose="020B0604030504040204" pitchFamily="34" charset="-120"/>
-                <a:ea typeface="微軟正黑體" panose="020B0604030504040204" pitchFamily="34" charset="-120"/>
+                <a:latin typeface="+mn-ea"/>
+              </a:rPr>
+              <a:t>。</a:t>
+            </a:r>
+            <a:endParaRPr lang="en-US" altLang="zh-TW" sz="1600" dirty="0" smtClean="0">
+              <a:latin typeface="+mn-ea"/>
+            </a:endParaRPr>
+          </a:p>
+          <a:p>
+            <a:endParaRPr lang="zh-TW" altLang="zh-TW" sz="1600" dirty="0" smtClean="0">
+              <a:latin typeface="+mn-ea"/>
+            </a:endParaRPr>
+          </a:p>
+          <a:p>
+            <a:r>
+              <a:rPr lang="zh-TW" altLang="zh-TW" sz="1600" dirty="0" smtClean="0">
+                <a:latin typeface="+mn-ea"/>
               </a:rPr>
               <a:t>後來室內設計逐漸從</a:t>
             </a:r>
             <a:r>
               <a:rPr lang="zh-TW" altLang="en-US" sz="1600" dirty="0" smtClean="0">
-                <a:latin typeface="微軟正黑體" panose="020B0604030504040204" pitchFamily="34" charset="-120"/>
-                <a:ea typeface="微軟正黑體" panose="020B0604030504040204" pitchFamily="34" charset="-120"/>
+                <a:latin typeface="+mn-ea"/>
               </a:rPr>
               <a:t>居住</a:t>
             </a:r>
             <a:r>
               <a:rPr lang="zh-TW" altLang="zh-TW" sz="1600" dirty="0" smtClean="0">
-                <a:latin typeface="微軟正黑體" panose="020B0604030504040204" pitchFamily="34" charset="-120"/>
-                <a:ea typeface="微軟正黑體" panose="020B0604030504040204" pitchFamily="34" charset="-120"/>
+                <a:latin typeface="+mn-ea"/>
               </a:rPr>
               <a:t>，考量環境，延伸出考慮到生活品質、居住品質、心理層面、視覺等因素，使人類能在生活、起居、心理、視覺等各方面得到無比的滿足，因此室內設計在現今的社會上已成了無法缺少的一塊產業。</a:t>
             </a:r>
@@ -27028,7 +26230,7 @@
         <p:spPr>
           <a:xfrm>
             <a:off x="1014607" y="1719037"/>
-            <a:ext cx="7650195" cy="3270126"/>
+            <a:ext cx="7650195" cy="2777683"/>
           </a:xfrm>
           <a:prstGeom prst="rect">
             <a:avLst/>
@@ -27140,22 +26342,46 @@
               <a:buChar char="•"/>
             </a:pPr>
             <a:r>
-              <a:rPr lang="en-US" altLang="zh-TW" sz="1600" dirty="0" err="1"/>
-              <a:t>Karara</a:t>
-            </a:r>
-            <a:r>
-              <a:rPr lang="en-US" altLang="zh-TW" sz="1600" dirty="0"/>
-              <a:t>, G., Hajji, R., &amp; </a:t>
-            </a:r>
-            <a:r>
-              <a:rPr lang="en-US" altLang="zh-TW" sz="1600" dirty="0" err="1"/>
-              <a:t>Poux</a:t>
-            </a:r>
-            <a:r>
-              <a:rPr lang="en-US" altLang="zh-TW" sz="1600" dirty="0"/>
-              <a:t>, F. (2021). 3D Point Cloud Semantic Augmentation: Instance Segmentation of 360° Panoramas by Deep Learning Techniques. Remote Sensing, 13(18), 3647.</a:t>
-            </a:r>
-            <a:endParaRPr lang="zh-TW" altLang="zh-TW" sz="1600" dirty="0"/>
+              <a:rPr lang="en-US" altLang="zh-TW" sz="1600" dirty="0" err="1" smtClean="0">
+                <a:latin typeface="Times New Roman" panose="02020603050405020304" pitchFamily="18" charset="0"/>
+                <a:cs typeface="Times New Roman" panose="02020603050405020304" pitchFamily="18" charset="0"/>
+              </a:rPr>
+              <a:t>FastFCN-github</a:t>
+            </a:r>
+            <a:r>
+              <a:rPr lang="en-US" altLang="zh-TW" sz="1600" dirty="0">
+                <a:latin typeface="Times New Roman" panose="02020603050405020304" pitchFamily="18" charset="0"/>
+                <a:cs typeface="Times New Roman" panose="02020603050405020304" pitchFamily="18" charset="0"/>
+              </a:rPr>
+              <a:t> </a:t>
+            </a:r>
+            <a:r>
+              <a:rPr lang="en-US" altLang="zh-TW" sz="1600" dirty="0" smtClean="0">
+                <a:latin typeface="Times New Roman" panose="02020603050405020304" pitchFamily="18" charset="0"/>
+                <a:cs typeface="Times New Roman" panose="02020603050405020304" pitchFamily="18" charset="0"/>
+              </a:rPr>
+              <a:t>- </a:t>
+            </a:r>
+            <a:r>
+              <a:rPr lang="en-US" altLang="zh-TW" sz="1600" dirty="0" smtClean="0">
+                <a:latin typeface="Times New Roman" panose="02020603050405020304" pitchFamily="18" charset="0"/>
+                <a:cs typeface="Times New Roman" panose="02020603050405020304" pitchFamily="18" charset="0"/>
+                <a:hlinkClick r:id="rId3"/>
+              </a:rPr>
+              <a:t>https</a:t>
+            </a:r>
+            <a:r>
+              <a:rPr lang="en-US" altLang="zh-TW" sz="1600" dirty="0">
+                <a:latin typeface="Times New Roman" panose="02020603050405020304" pitchFamily="18" charset="0"/>
+                <a:cs typeface="Times New Roman" panose="02020603050405020304" pitchFamily="18" charset="0"/>
+                <a:hlinkClick r:id="rId3"/>
+              </a:rPr>
+              <a:t>://github.com/wuhuikai/FastFCN</a:t>
+            </a:r>
+            <a:endParaRPr lang="zh-TW" altLang="zh-TW" sz="1600" dirty="0">
+              <a:latin typeface="Times New Roman" panose="02020603050405020304" pitchFamily="18" charset="0"/>
+              <a:cs typeface="Times New Roman" panose="02020603050405020304" pitchFamily="18" charset="0"/>
+            </a:endParaRPr>
           </a:p>
           <a:p>
             <a:pPr marL="285750" indent="-285750">
@@ -27163,10 +26389,79 @@
               <a:buChar char="•"/>
             </a:pPr>
             <a:r>
-              <a:rPr lang="en-US" altLang="zh-TW" sz="1600" dirty="0"/>
-              <a:t>Li, G., Ma, B., He, S., Ren, X., &amp; Liu, Q. (2020). Automatic tunnel crack detection based on u-net and a convolutional neural network with alternately updated clique. Sensors, 20(3), 717.</a:t>
-            </a:r>
-            <a:endParaRPr lang="zh-TW" altLang="zh-TW" sz="1600" dirty="0"/>
+              <a:rPr lang="en-US" altLang="zh-TW" sz="1600" dirty="0" err="1">
+                <a:latin typeface="Times New Roman" panose="02020603050405020304" pitchFamily="18" charset="0"/>
+                <a:cs typeface="Times New Roman" panose="02020603050405020304" pitchFamily="18" charset="0"/>
+              </a:rPr>
+              <a:t>Goodfellow</a:t>
+            </a:r>
+            <a:r>
+              <a:rPr lang="en-US" altLang="zh-TW" sz="1600" dirty="0">
+                <a:latin typeface="Times New Roman" panose="02020603050405020304" pitchFamily="18" charset="0"/>
+                <a:cs typeface="Times New Roman" panose="02020603050405020304" pitchFamily="18" charset="0"/>
+              </a:rPr>
+              <a:t>, I., </a:t>
+            </a:r>
+            <a:r>
+              <a:rPr lang="en-US" altLang="zh-TW" sz="1600" dirty="0" err="1">
+                <a:latin typeface="Times New Roman" panose="02020603050405020304" pitchFamily="18" charset="0"/>
+                <a:cs typeface="Times New Roman" panose="02020603050405020304" pitchFamily="18" charset="0"/>
+              </a:rPr>
+              <a:t>Pouget-Abadie</a:t>
+            </a:r>
+            <a:r>
+              <a:rPr lang="en-US" altLang="zh-TW" sz="1600" dirty="0">
+                <a:latin typeface="Times New Roman" panose="02020603050405020304" pitchFamily="18" charset="0"/>
+                <a:cs typeface="Times New Roman" panose="02020603050405020304" pitchFamily="18" charset="0"/>
+              </a:rPr>
+              <a:t>, J., Mirza, M., Xu, B., </a:t>
+            </a:r>
+            <a:r>
+              <a:rPr lang="en-US" altLang="zh-TW" sz="1600" dirty="0" err="1">
+                <a:latin typeface="Times New Roman" panose="02020603050405020304" pitchFamily="18" charset="0"/>
+                <a:cs typeface="Times New Roman" panose="02020603050405020304" pitchFamily="18" charset="0"/>
+              </a:rPr>
+              <a:t>Warde</a:t>
+            </a:r>
+            <a:r>
+              <a:rPr lang="en-US" altLang="zh-TW" sz="1600" dirty="0">
+                <a:latin typeface="Times New Roman" panose="02020603050405020304" pitchFamily="18" charset="0"/>
+                <a:cs typeface="Times New Roman" panose="02020603050405020304" pitchFamily="18" charset="0"/>
+              </a:rPr>
+              <a:t>-Farley, D., </a:t>
+            </a:r>
+            <a:r>
+              <a:rPr lang="en-US" altLang="zh-TW" sz="1600" dirty="0" err="1">
+                <a:latin typeface="Times New Roman" panose="02020603050405020304" pitchFamily="18" charset="0"/>
+                <a:cs typeface="Times New Roman" panose="02020603050405020304" pitchFamily="18" charset="0"/>
+              </a:rPr>
+              <a:t>Ozair</a:t>
+            </a:r>
+            <a:r>
+              <a:rPr lang="en-US" altLang="zh-TW" sz="1600" dirty="0">
+                <a:latin typeface="Times New Roman" panose="02020603050405020304" pitchFamily="18" charset="0"/>
+                <a:cs typeface="Times New Roman" panose="02020603050405020304" pitchFamily="18" charset="0"/>
+              </a:rPr>
+              <a:t>, S., ... &amp; </a:t>
+            </a:r>
+            <a:r>
+              <a:rPr lang="en-US" altLang="zh-TW" sz="1600" dirty="0" err="1">
+                <a:latin typeface="Times New Roman" panose="02020603050405020304" pitchFamily="18" charset="0"/>
+                <a:cs typeface="Times New Roman" panose="02020603050405020304" pitchFamily="18" charset="0"/>
+              </a:rPr>
+              <a:t>Bengio</a:t>
+            </a:r>
+            <a:r>
+              <a:rPr lang="en-US" altLang="zh-TW" sz="1600" dirty="0">
+                <a:latin typeface="Times New Roman" panose="02020603050405020304" pitchFamily="18" charset="0"/>
+                <a:cs typeface="Times New Roman" panose="02020603050405020304" pitchFamily="18" charset="0"/>
+              </a:rPr>
+              <a:t>, Y. (2014). Generative adversarial nets. Advances in neural information processing systems, 27.</a:t>
+            </a:r>
+            <a:endParaRPr lang="zh-TW" altLang="zh-TW" sz="1600" dirty="0">
+              <a:latin typeface="Times New Roman" panose="02020603050405020304" pitchFamily="18" charset="0"/>
+              <a:cs typeface="Times New Roman" panose="02020603050405020304" pitchFamily="18" charset="0"/>
+            </a:endParaRPr>
           </a:p>
           <a:p>
             <a:pPr marL="285750" indent="-285750">
@@ -27174,18 +26469,16 @@
               <a:buChar char="•"/>
             </a:pPr>
             <a:r>
-              <a:rPr lang="en-US" altLang="zh-TW" sz="1600" dirty="0"/>
-              <a:t>Long, J., </a:t>
-            </a:r>
-            <a:r>
-              <a:rPr lang="en-US" altLang="zh-TW" sz="1600" dirty="0" err="1"/>
-              <a:t>Shelhamer</a:t>
-            </a:r>
-            <a:r>
-              <a:rPr lang="en-US" altLang="zh-TW" sz="1600" dirty="0"/>
-              <a:t>, E., &amp; Darrell, T. (2015). Fully convolutional networks for semantic segmentation. In Proceedings of the IEEE conference on computer vision and pattern recognition (pp. 3431-3440).</a:t>
-            </a:r>
-            <a:endParaRPr lang="zh-TW" altLang="zh-TW" sz="1600" dirty="0"/>
+              <a:rPr lang="en-US" altLang="zh-TW" sz="1600" dirty="0">
+                <a:latin typeface="Times New Roman" panose="02020603050405020304" pitchFamily="18" charset="0"/>
+                <a:cs typeface="Times New Roman" panose="02020603050405020304" pitchFamily="18" charset="0"/>
+              </a:rPr>
+              <a:t>He, K., Sun, J., &amp; Tang, X. (2012). Guided image filtering. IEEE transactions on pattern analysis and machine intelligence, 35(6), 1397-1409.</a:t>
+            </a:r>
+            <a:endParaRPr lang="zh-TW" altLang="zh-TW" sz="1600" dirty="0">
+              <a:latin typeface="Times New Roman" panose="02020603050405020304" pitchFamily="18" charset="0"/>
+              <a:cs typeface="Times New Roman" panose="02020603050405020304" pitchFamily="18" charset="0"/>
+            </a:endParaRPr>
           </a:p>
           <a:p>
             <a:pPr marL="285750" indent="-285750">
@@ -27193,26 +26486,72 @@
               <a:buChar char="•"/>
             </a:pPr>
             <a:r>
-              <a:rPr lang="en-US" altLang="zh-TW" sz="1600" dirty="0"/>
-              <a:t>Mirza, M., &amp; </a:t>
-            </a:r>
-            <a:r>
-              <a:rPr lang="en-US" altLang="zh-TW" sz="1600" dirty="0" err="1"/>
-              <a:t>Osindero</a:t>
-            </a:r>
-            <a:r>
-              <a:rPr lang="en-US" altLang="zh-TW" sz="1600" dirty="0"/>
-              <a:t>, S. (2014). Conditional generative adversarial nets. </a:t>
-            </a:r>
-            <a:r>
-              <a:rPr lang="en-US" altLang="zh-TW" sz="1600" dirty="0" err="1"/>
-              <a:t>arXiv</a:t>
-            </a:r>
-            <a:r>
-              <a:rPr lang="en-US" altLang="zh-TW" sz="1600" dirty="0"/>
-              <a:t> preprint arXiv:1411.1784.</a:t>
-            </a:r>
-            <a:endParaRPr lang="zh-TW" altLang="zh-TW" sz="1600" dirty="0"/>
+              <a:rPr lang="en-US" altLang="zh-TW" sz="1600" dirty="0">
+                <a:latin typeface="Times New Roman" panose="02020603050405020304" pitchFamily="18" charset="0"/>
+                <a:cs typeface="Times New Roman" panose="02020603050405020304" pitchFamily="18" charset="0"/>
+              </a:rPr>
+              <a:t>He, K., </a:t>
+            </a:r>
+            <a:r>
+              <a:rPr lang="en-US" altLang="zh-TW" sz="1600" dirty="0" err="1">
+                <a:latin typeface="Times New Roman" panose="02020603050405020304" pitchFamily="18" charset="0"/>
+                <a:cs typeface="Times New Roman" panose="02020603050405020304" pitchFamily="18" charset="0"/>
+              </a:rPr>
+              <a:t>Gkioxari</a:t>
+            </a:r>
+            <a:r>
+              <a:rPr lang="en-US" altLang="zh-TW" sz="1600" dirty="0">
+                <a:latin typeface="Times New Roman" panose="02020603050405020304" pitchFamily="18" charset="0"/>
+                <a:cs typeface="Times New Roman" panose="02020603050405020304" pitchFamily="18" charset="0"/>
+              </a:rPr>
+              <a:t>, G., </a:t>
+            </a:r>
+            <a:r>
+              <a:rPr lang="en-US" altLang="zh-TW" sz="1600" dirty="0" err="1">
+                <a:latin typeface="Times New Roman" panose="02020603050405020304" pitchFamily="18" charset="0"/>
+                <a:cs typeface="Times New Roman" panose="02020603050405020304" pitchFamily="18" charset="0"/>
+              </a:rPr>
+              <a:t>Dollár</a:t>
+            </a:r>
+            <a:r>
+              <a:rPr lang="en-US" altLang="zh-TW" sz="1600" dirty="0">
+                <a:latin typeface="Times New Roman" panose="02020603050405020304" pitchFamily="18" charset="0"/>
+                <a:cs typeface="Times New Roman" panose="02020603050405020304" pitchFamily="18" charset="0"/>
+              </a:rPr>
+              <a:t>, P., &amp; </a:t>
+            </a:r>
+            <a:r>
+              <a:rPr lang="en-US" altLang="zh-TW" sz="1600" dirty="0" err="1">
+                <a:latin typeface="Times New Roman" panose="02020603050405020304" pitchFamily="18" charset="0"/>
+                <a:cs typeface="Times New Roman" panose="02020603050405020304" pitchFamily="18" charset="0"/>
+              </a:rPr>
+              <a:t>Girshick</a:t>
+            </a:r>
+            <a:r>
+              <a:rPr lang="en-US" altLang="zh-TW" sz="1600" dirty="0">
+                <a:latin typeface="Times New Roman" panose="02020603050405020304" pitchFamily="18" charset="0"/>
+                <a:cs typeface="Times New Roman" panose="02020603050405020304" pitchFamily="18" charset="0"/>
+              </a:rPr>
+              <a:t>, R. (2017). Mask r-</a:t>
+            </a:r>
+            <a:r>
+              <a:rPr lang="en-US" altLang="zh-TW" sz="1600" dirty="0" err="1">
+                <a:latin typeface="Times New Roman" panose="02020603050405020304" pitchFamily="18" charset="0"/>
+                <a:cs typeface="Times New Roman" panose="02020603050405020304" pitchFamily="18" charset="0"/>
+              </a:rPr>
+              <a:t>cnn</a:t>
+            </a:r>
+            <a:r>
+              <a:rPr lang="en-US" altLang="zh-TW" sz="1600" dirty="0">
+                <a:latin typeface="Times New Roman" panose="02020603050405020304" pitchFamily="18" charset="0"/>
+                <a:cs typeface="Times New Roman" panose="02020603050405020304" pitchFamily="18" charset="0"/>
+              </a:rPr>
+              <a:t>. In Proceedings of the IEEE international conference on computer vision (pp. 2961-2969).</a:t>
+            </a:r>
+            <a:endParaRPr lang="zh-TW" altLang="zh-TW" sz="1600" dirty="0">
+              <a:latin typeface="Times New Roman" panose="02020603050405020304" pitchFamily="18" charset="0"/>
+              <a:cs typeface="Times New Roman" panose="02020603050405020304" pitchFamily="18" charset="0"/>
+            </a:endParaRPr>
           </a:p>
           <a:p>
             <a:pPr marL="285750" indent="-285750">
@@ -27220,17 +26559,37 @@
               <a:buChar char="•"/>
             </a:pPr>
             <a:r>
-              <a:rPr lang="en-US" altLang="zh-TW" sz="1600" dirty="0"/>
-              <a:t>Morgenstern, O., &amp; Von Neumann, J. (1953). Theory of games and economic behavior. Princeton university press.</a:t>
-            </a:r>
-            <a:endParaRPr lang="zh-TW" altLang="zh-TW" sz="1600" dirty="0"/>
+              <a:rPr lang="en-US" altLang="zh-TW" sz="1600" dirty="0">
+                <a:latin typeface="Times New Roman" panose="02020603050405020304" pitchFamily="18" charset="0"/>
+                <a:cs typeface="Times New Roman" panose="02020603050405020304" pitchFamily="18" charset="0"/>
+              </a:rPr>
+              <a:t>Isola, P., Zhu, J. Y., Zhou, T., &amp; </a:t>
+            </a:r>
+            <a:r>
+              <a:rPr lang="en-US" altLang="zh-TW" sz="1600" dirty="0" err="1">
+                <a:latin typeface="Times New Roman" panose="02020603050405020304" pitchFamily="18" charset="0"/>
+                <a:cs typeface="Times New Roman" panose="02020603050405020304" pitchFamily="18" charset="0"/>
+              </a:rPr>
+              <a:t>Efros</a:t>
+            </a:r>
+            <a:r>
+              <a:rPr lang="en-US" altLang="zh-TW" sz="1600" dirty="0">
+                <a:latin typeface="Times New Roman" panose="02020603050405020304" pitchFamily="18" charset="0"/>
+                <a:cs typeface="Times New Roman" panose="02020603050405020304" pitchFamily="18" charset="0"/>
+              </a:rPr>
+              <a:t>, A. A. (2017). Image-to-image translation with conditional adversarial networks. In Proceedings of the IEEE conference on computer vision and pattern recognition (pp. 1125-1134).</a:t>
+            </a:r>
+            <a:endParaRPr lang="zh-TW" altLang="zh-TW" sz="1600" dirty="0">
+              <a:latin typeface="Times New Roman" panose="02020603050405020304" pitchFamily="18" charset="0"/>
+              <a:cs typeface="Times New Roman" panose="02020603050405020304" pitchFamily="18" charset="0"/>
+            </a:endParaRPr>
           </a:p>
         </p:txBody>
       </p:sp>
     </p:spTree>
     <p:extLst>
       <p:ext uri="{BB962C8B-B14F-4D97-AF65-F5344CB8AC3E}">
-        <p14:creationId xmlns:p14="http://schemas.microsoft.com/office/powerpoint/2010/main" val="3015687039"/>
+        <p14:creationId xmlns:p14="http://schemas.microsoft.com/office/powerpoint/2010/main" val="2959698421"/>
       </p:ext>
     </p:extLst>
   </p:cSld>
@@ -27872,7 +27231,7 @@
         <p:spPr>
           <a:xfrm>
             <a:off x="1014607" y="1719037"/>
-            <a:ext cx="7650195" cy="2777683"/>
+            <a:ext cx="7650195" cy="3270126"/>
           </a:xfrm>
           <a:prstGeom prst="rect">
             <a:avLst/>
@@ -27984,51 +27343,22 @@
               <a:buChar char="•"/>
             </a:pPr>
             <a:r>
-              <a:rPr lang="en-US" altLang="zh-TW" sz="1600" dirty="0" err="1">
-                <a:latin typeface="Times New Roman" panose="02020603050405020304" pitchFamily="18" charset="0"/>
-                <a:cs typeface="Times New Roman" panose="02020603050405020304" pitchFamily="18" charset="0"/>
-              </a:rPr>
-              <a:t>Ronneberger</a:t>
-            </a:r>
-            <a:r>
-              <a:rPr lang="en-US" altLang="zh-TW" sz="1600" dirty="0">
-                <a:latin typeface="Times New Roman" panose="02020603050405020304" pitchFamily="18" charset="0"/>
-                <a:cs typeface="Times New Roman" panose="02020603050405020304" pitchFamily="18" charset="0"/>
-              </a:rPr>
-              <a:t>, O., Fischer, P., &amp; </a:t>
-            </a:r>
-            <a:r>
-              <a:rPr lang="en-US" altLang="zh-TW" sz="1600" dirty="0" err="1">
-                <a:latin typeface="Times New Roman" panose="02020603050405020304" pitchFamily="18" charset="0"/>
-                <a:cs typeface="Times New Roman" panose="02020603050405020304" pitchFamily="18" charset="0"/>
-              </a:rPr>
-              <a:t>Brox</a:t>
-            </a:r>
-            <a:r>
-              <a:rPr lang="en-US" altLang="zh-TW" sz="1600" dirty="0">
-                <a:latin typeface="Times New Roman" panose="02020603050405020304" pitchFamily="18" charset="0"/>
-                <a:cs typeface="Times New Roman" panose="02020603050405020304" pitchFamily="18" charset="0"/>
-              </a:rPr>
-              <a:t>, T. (2015, October). U-net: Convolutional networks for biomedical image segmentation. In </a:t>
-            </a:r>
-            <a:r>
-              <a:rPr lang="en-US" altLang="zh-TW" sz="1600" i="1" dirty="0">
-                <a:latin typeface="Times New Roman" panose="02020603050405020304" pitchFamily="18" charset="0"/>
-                <a:cs typeface="Times New Roman" panose="02020603050405020304" pitchFamily="18" charset="0"/>
-              </a:rPr>
-              <a:t>International Conference on Medical image computing and computer-assisted intervention</a:t>
-            </a:r>
-            <a:r>
-              <a:rPr lang="en-US" altLang="zh-TW" sz="1600" dirty="0">
-                <a:latin typeface="Times New Roman" panose="02020603050405020304" pitchFamily="18" charset="0"/>
-                <a:cs typeface="Times New Roman" panose="02020603050405020304" pitchFamily="18" charset="0"/>
-              </a:rPr>
-              <a:t> (pp. 234-241). Springer, Cham.</a:t>
-            </a:r>
-            <a:endParaRPr lang="zh-TW" altLang="zh-TW" sz="1600" dirty="0">
-              <a:latin typeface="Times New Roman" panose="02020603050405020304" pitchFamily="18" charset="0"/>
-              <a:cs typeface="Times New Roman" panose="02020603050405020304" pitchFamily="18" charset="0"/>
-            </a:endParaRPr>
+              <a:rPr lang="en-US" altLang="zh-TW" sz="1600" dirty="0" err="1"/>
+              <a:t>Karara</a:t>
+            </a:r>
+            <a:r>
+              <a:rPr lang="en-US" altLang="zh-TW" sz="1600" dirty="0"/>
+              <a:t>, G., Hajji, R., &amp; </a:t>
+            </a:r>
+            <a:r>
+              <a:rPr lang="en-US" altLang="zh-TW" sz="1600" dirty="0" err="1"/>
+              <a:t>Poux</a:t>
+            </a:r>
+            <a:r>
+              <a:rPr lang="en-US" altLang="zh-TW" sz="1600" dirty="0"/>
+              <a:t>, F. (2021). 3D Point Cloud Semantic Augmentation: Instance Segmentation of 360° Panoramas by Deep Learning Techniques. Remote Sensing, 13(18), 3647.</a:t>
+            </a:r>
+            <a:endParaRPr lang="zh-TW" altLang="zh-TW" sz="1600" dirty="0"/>
           </a:p>
           <a:p>
             <a:pPr marL="285750" indent="-285750">
@@ -28036,23 +27366,10 @@
               <a:buChar char="•"/>
             </a:pPr>
             <a:r>
-              <a:rPr lang="en-US" altLang="zh-TW" sz="1600" dirty="0" err="1">
-                <a:latin typeface="Times New Roman" panose="02020603050405020304" pitchFamily="18" charset="0"/>
-                <a:cs typeface="Times New Roman" panose="02020603050405020304" pitchFamily="18" charset="0"/>
-              </a:rPr>
-              <a:t>Weng</a:t>
-            </a:r>
-            <a:r>
-              <a:rPr lang="en-US" altLang="zh-TW" sz="1600" dirty="0">
-                <a:latin typeface="Times New Roman" panose="02020603050405020304" pitchFamily="18" charset="0"/>
-                <a:cs typeface="Times New Roman" panose="02020603050405020304" pitchFamily="18" charset="0"/>
-              </a:rPr>
-              <a:t>, W., &amp; Zhu, X. (2015). Convolutional Networks for Biomedical Image Segmentation. IEEE Access.</a:t>
-            </a:r>
-            <a:endParaRPr lang="zh-TW" altLang="zh-TW" sz="1600" dirty="0">
-              <a:latin typeface="Times New Roman" panose="02020603050405020304" pitchFamily="18" charset="0"/>
-              <a:cs typeface="Times New Roman" panose="02020603050405020304" pitchFamily="18" charset="0"/>
-            </a:endParaRPr>
+              <a:rPr lang="en-US" altLang="zh-TW" sz="1600" dirty="0"/>
+              <a:t>Li, G., Ma, B., He, S., Ren, X., &amp; Liu, Q. (2020). Automatic tunnel crack detection based on u-net and a convolutional neural network with alternately updated clique. Sensors, 20(3), 717.</a:t>
+            </a:r>
+            <a:endParaRPr lang="zh-TW" altLang="zh-TW" sz="1600" dirty="0"/>
           </a:p>
           <a:p>
             <a:pPr marL="285750" indent="-285750">
@@ -28060,44 +27377,18 @@
               <a:buChar char="•"/>
             </a:pPr>
             <a:r>
-              <a:rPr lang="en-US" altLang="zh-TW" sz="1600" dirty="0">
-                <a:latin typeface="Times New Roman" panose="02020603050405020304" pitchFamily="18" charset="0"/>
-                <a:cs typeface="Times New Roman" panose="02020603050405020304" pitchFamily="18" charset="0"/>
-              </a:rPr>
-              <a:t>Wu, H., Zhang, J., Huang, K., Liang, K., &amp; Yu, Y. (2019). </a:t>
-            </a:r>
-            <a:r>
-              <a:rPr lang="en-US" altLang="zh-TW" sz="1600" dirty="0" err="1">
-                <a:latin typeface="Times New Roman" panose="02020603050405020304" pitchFamily="18" charset="0"/>
-                <a:cs typeface="Times New Roman" panose="02020603050405020304" pitchFamily="18" charset="0"/>
-              </a:rPr>
-              <a:t>Fastfcn</a:t>
-            </a:r>
-            <a:r>
-              <a:rPr lang="en-US" altLang="zh-TW" sz="1600" dirty="0">
-                <a:latin typeface="Times New Roman" panose="02020603050405020304" pitchFamily="18" charset="0"/>
-                <a:cs typeface="Times New Roman" panose="02020603050405020304" pitchFamily="18" charset="0"/>
-              </a:rPr>
-              <a:t>: Rethinking dilated convolution in the backbone for semantic segmentation. </a:t>
-            </a:r>
-            <a:r>
-              <a:rPr lang="en-US" altLang="zh-TW" sz="1600" dirty="0" err="1">
-                <a:latin typeface="Times New Roman" panose="02020603050405020304" pitchFamily="18" charset="0"/>
-                <a:cs typeface="Times New Roman" panose="02020603050405020304" pitchFamily="18" charset="0"/>
-              </a:rPr>
-              <a:t>arXiv</a:t>
-            </a:r>
-            <a:r>
-              <a:rPr lang="en-US" altLang="zh-TW" sz="1600" dirty="0">
-                <a:latin typeface="Times New Roman" panose="02020603050405020304" pitchFamily="18" charset="0"/>
-                <a:cs typeface="Times New Roman" panose="02020603050405020304" pitchFamily="18" charset="0"/>
-              </a:rPr>
-              <a:t> preprint arXiv:1903.11816.</a:t>
-            </a:r>
-            <a:endParaRPr lang="zh-TW" altLang="zh-TW" sz="1600" dirty="0">
-              <a:latin typeface="Times New Roman" panose="02020603050405020304" pitchFamily="18" charset="0"/>
-              <a:cs typeface="Times New Roman" panose="02020603050405020304" pitchFamily="18" charset="0"/>
-            </a:endParaRPr>
+              <a:rPr lang="en-US" altLang="zh-TW" sz="1600" dirty="0"/>
+              <a:t>Long, J., </a:t>
+            </a:r>
+            <a:r>
+              <a:rPr lang="en-US" altLang="zh-TW" sz="1600" dirty="0" err="1"/>
+              <a:t>Shelhamer</a:t>
+            </a:r>
+            <a:r>
+              <a:rPr lang="en-US" altLang="zh-TW" sz="1600" dirty="0"/>
+              <a:t>, E., &amp; Darrell, T. (2015). Fully convolutional networks for semantic segmentation. In Proceedings of the IEEE conference on computer vision and pattern recognition (pp. 3431-3440).</a:t>
+            </a:r>
+            <a:endParaRPr lang="zh-TW" altLang="zh-TW" sz="1600" dirty="0"/>
           </a:p>
           <a:p>
             <a:pPr marL="285750" indent="-285750">
@@ -28105,58 +27396,44 @@
               <a:buChar char="•"/>
             </a:pPr>
             <a:r>
-              <a:rPr lang="en-US" altLang="zh-TW" sz="1600" dirty="0" err="1">
-                <a:latin typeface="Times New Roman" panose="02020603050405020304" pitchFamily="18" charset="0"/>
-                <a:cs typeface="Times New Roman" panose="02020603050405020304" pitchFamily="18" charset="0"/>
-              </a:rPr>
-              <a:t>Xie</a:t>
-            </a:r>
-            <a:r>
-              <a:rPr lang="en-US" altLang="zh-TW" sz="1600" dirty="0">
-                <a:latin typeface="Times New Roman" panose="02020603050405020304" pitchFamily="18" charset="0"/>
-                <a:cs typeface="Times New Roman" panose="02020603050405020304" pitchFamily="18" charset="0"/>
-              </a:rPr>
-              <a:t>, C., Wang, Z., Chen, H., Ma, X., Xing, W., Zhao, L., ... &amp; Lin, Z. (2021). Image Style Transfer Algorithm Based on Semantic Segmentation. </a:t>
-            </a:r>
-            <a:r>
-              <a:rPr lang="en-US" altLang="zh-TW" sz="1600" i="1" dirty="0">
-                <a:latin typeface="Times New Roman" panose="02020603050405020304" pitchFamily="18" charset="0"/>
-                <a:cs typeface="Times New Roman" panose="02020603050405020304" pitchFamily="18" charset="0"/>
-              </a:rPr>
-              <a:t>IEEE Access</a:t>
-            </a:r>
-            <a:r>
-              <a:rPr lang="en-US" altLang="zh-TW" sz="1600" dirty="0">
-                <a:latin typeface="Times New Roman" panose="02020603050405020304" pitchFamily="18" charset="0"/>
-                <a:cs typeface="Times New Roman" panose="02020603050405020304" pitchFamily="18" charset="0"/>
-              </a:rPr>
-              <a:t>, </a:t>
-            </a:r>
-            <a:r>
-              <a:rPr lang="en-US" altLang="zh-TW" sz="1600" i="1" dirty="0">
-                <a:latin typeface="Times New Roman" panose="02020603050405020304" pitchFamily="18" charset="0"/>
-                <a:cs typeface="Times New Roman" panose="02020603050405020304" pitchFamily="18" charset="0"/>
-              </a:rPr>
-              <a:t>9</a:t>
-            </a:r>
-            <a:r>
-              <a:rPr lang="en-US" altLang="zh-TW" sz="1600" dirty="0">
-                <a:latin typeface="Times New Roman" panose="02020603050405020304" pitchFamily="18" charset="0"/>
-                <a:cs typeface="Times New Roman" panose="02020603050405020304" pitchFamily="18" charset="0"/>
-              </a:rPr>
-              <a:t>, 54518-54529.</a:t>
-            </a:r>
-            <a:endParaRPr lang="zh-TW" altLang="zh-TW" sz="1600" dirty="0">
-              <a:latin typeface="Times New Roman" panose="02020603050405020304" pitchFamily="18" charset="0"/>
-              <a:cs typeface="Times New Roman" panose="02020603050405020304" pitchFamily="18" charset="0"/>
-            </a:endParaRPr>
+              <a:rPr lang="en-US" altLang="zh-TW" sz="1600" dirty="0"/>
+              <a:t>Mirza, M., &amp; </a:t>
+            </a:r>
+            <a:r>
+              <a:rPr lang="en-US" altLang="zh-TW" sz="1600" dirty="0" err="1"/>
+              <a:t>Osindero</a:t>
+            </a:r>
+            <a:r>
+              <a:rPr lang="en-US" altLang="zh-TW" sz="1600" dirty="0"/>
+              <a:t>, S. (2014). Conditional generative adversarial nets. </a:t>
+            </a:r>
+            <a:r>
+              <a:rPr lang="en-US" altLang="zh-TW" sz="1600" dirty="0" err="1"/>
+              <a:t>arXiv</a:t>
+            </a:r>
+            <a:r>
+              <a:rPr lang="en-US" altLang="zh-TW" sz="1600" dirty="0"/>
+              <a:t> preprint arXiv:1411.1784.</a:t>
+            </a:r>
+            <a:endParaRPr lang="zh-TW" altLang="zh-TW" sz="1600" dirty="0"/>
+          </a:p>
+          <a:p>
+            <a:pPr marL="285750" indent="-285750">
+              <a:buFont typeface="Arial" panose="020B0604020202020204" pitchFamily="34" charset="0"/>
+              <a:buChar char="•"/>
+            </a:pPr>
+            <a:r>
+              <a:rPr lang="en-US" altLang="zh-TW" sz="1600" dirty="0"/>
+              <a:t>Morgenstern, O., &amp; Von Neumann, J. (1953). Theory of games and economic behavior. Princeton university press.</a:t>
+            </a:r>
+            <a:endParaRPr lang="zh-TW" altLang="zh-TW" sz="1600" dirty="0"/>
           </a:p>
         </p:txBody>
       </p:sp>
     </p:spTree>
     <p:extLst>
       <p:ext uri="{BB962C8B-B14F-4D97-AF65-F5344CB8AC3E}">
-        <p14:creationId xmlns:p14="http://schemas.microsoft.com/office/powerpoint/2010/main" val="1945947501"/>
+        <p14:creationId xmlns:p14="http://schemas.microsoft.com/office/powerpoint/2010/main" val="3015687039"/>
       </p:ext>
     </p:extLst>
   </p:cSld>
@@ -28910,11 +28187,46 @@
               <a:buChar char="•"/>
             </a:pPr>
             <a:r>
+              <a:rPr lang="en-US" altLang="zh-TW" sz="1600" dirty="0" err="1">
+                <a:latin typeface="Times New Roman" panose="02020603050405020304" pitchFamily="18" charset="0"/>
+                <a:cs typeface="Times New Roman" panose="02020603050405020304" pitchFamily="18" charset="0"/>
+              </a:rPr>
+              <a:t>Ronneberger</a:t>
+            </a:r>
+            <a:r>
               <a:rPr lang="en-US" altLang="zh-TW" sz="1600" dirty="0">
                 <a:latin typeface="Times New Roman" panose="02020603050405020304" pitchFamily="18" charset="0"/>
                 <a:cs typeface="Times New Roman" panose="02020603050405020304" pitchFamily="18" charset="0"/>
               </a:rPr>
-              <a:t>Xu, Y., Wang, K., Yang, K., Sun, D., &amp; Fu, J. (2019, September). Semantic segmentation of panoramic images using a synthetic dataset. In Artificial Intelligence and Machine Learning in Defense Applications (Vol. 11169, p. 111690B). </a:t>
+              <a:t>, O., Fischer, P., &amp; </a:t>
+            </a:r>
+            <a:r>
+              <a:rPr lang="en-US" altLang="zh-TW" sz="1600" dirty="0" err="1">
+                <a:latin typeface="Times New Roman" panose="02020603050405020304" pitchFamily="18" charset="0"/>
+                <a:cs typeface="Times New Roman" panose="02020603050405020304" pitchFamily="18" charset="0"/>
+              </a:rPr>
+              <a:t>Brox</a:t>
+            </a:r>
+            <a:r>
+              <a:rPr lang="en-US" altLang="zh-TW" sz="1600" dirty="0">
+                <a:latin typeface="Times New Roman" panose="02020603050405020304" pitchFamily="18" charset="0"/>
+                <a:cs typeface="Times New Roman" panose="02020603050405020304" pitchFamily="18" charset="0"/>
+              </a:rPr>
+              <a:t>, T. (2015, October). U-net: Convolutional networks for biomedical image segmentation. In </a:t>
+            </a:r>
+            <a:r>
+              <a:rPr lang="en-US" altLang="zh-TW" sz="1600" i="1" dirty="0">
+                <a:latin typeface="Times New Roman" panose="02020603050405020304" pitchFamily="18" charset="0"/>
+                <a:cs typeface="Times New Roman" panose="02020603050405020304" pitchFamily="18" charset="0"/>
+              </a:rPr>
+              <a:t>International Conference on Medical image computing and computer-assisted intervention</a:t>
+            </a:r>
+            <a:r>
+              <a:rPr lang="en-US" altLang="zh-TW" sz="1600" dirty="0">
+                <a:latin typeface="Times New Roman" panose="02020603050405020304" pitchFamily="18" charset="0"/>
+                <a:cs typeface="Times New Roman" panose="02020603050405020304" pitchFamily="18" charset="0"/>
+              </a:rPr>
+              <a:t> (pp. 234-241). Springer, Cham.</a:t>
             </a:r>
             <a:endParaRPr lang="zh-TW" altLang="zh-TW" sz="1600" dirty="0">
               <a:latin typeface="Times New Roman" panose="02020603050405020304" pitchFamily="18" charset="0"/>
@@ -28927,11 +28239,18 @@
               <a:buChar char="•"/>
             </a:pPr>
             <a:r>
+              <a:rPr lang="en-US" altLang="zh-TW" sz="1600" dirty="0" err="1">
+                <a:latin typeface="Times New Roman" panose="02020603050405020304" pitchFamily="18" charset="0"/>
+                <a:cs typeface="Times New Roman" panose="02020603050405020304" pitchFamily="18" charset="0"/>
+              </a:rPr>
+              <a:t>Weng</a:t>
+            </a:r>
+            <a:r>
               <a:rPr lang="en-US" altLang="zh-TW" sz="1600" dirty="0">
                 <a:latin typeface="Times New Roman" panose="02020603050405020304" pitchFamily="18" charset="0"/>
                 <a:cs typeface="Times New Roman" panose="02020603050405020304" pitchFamily="18" charset="0"/>
               </a:rPr>
-              <a:t>International Society for Optics and Photonics.</a:t>
+              <a:t>, W., &amp; Zhu, X. (2015). Convolutional Networks for Biomedical Image Segmentation. IEEE Access.</a:t>
             </a:r>
             <a:endParaRPr lang="zh-TW" altLang="zh-TW" sz="1600" dirty="0">
               <a:latin typeface="Times New Roman" panose="02020603050405020304" pitchFamily="18" charset="0"/>
@@ -28948,21 +28267,35 @@
                 <a:latin typeface="Times New Roman" panose="02020603050405020304" pitchFamily="18" charset="0"/>
                 <a:cs typeface="Times New Roman" panose="02020603050405020304" pitchFamily="18" charset="0"/>
               </a:rPr>
-              <a:t>Zhu, J. Y., Park, T., Isola, P., &amp; </a:t>
+              <a:t>Wu, H., Zhang, J., Huang, K., Liang, K., &amp; Yu, Y. (2019). </a:t>
             </a:r>
             <a:r>
               <a:rPr lang="en-US" altLang="zh-TW" sz="1600" dirty="0" err="1">
                 <a:latin typeface="Times New Roman" panose="02020603050405020304" pitchFamily="18" charset="0"/>
                 <a:cs typeface="Times New Roman" panose="02020603050405020304" pitchFamily="18" charset="0"/>
               </a:rPr>
-              <a:t>Efros</a:t>
+              <a:t>Fastfcn</a:t>
             </a:r>
             <a:r>
               <a:rPr lang="en-US" altLang="zh-TW" sz="1600" dirty="0">
                 <a:latin typeface="Times New Roman" panose="02020603050405020304" pitchFamily="18" charset="0"/>
                 <a:cs typeface="Times New Roman" panose="02020603050405020304" pitchFamily="18" charset="0"/>
               </a:rPr>
-              <a:t>, A. A. (2017). Unpaired image-to-image translation using cycle-consistent adversarial networks. In Proceedings of the IEEE international conference on computer vision (pp. 2223-2232).</a:t>
+              <a:t>: Rethinking dilated convolution in the backbone for semantic segmentation. </a:t>
+            </a:r>
+            <a:r>
+              <a:rPr lang="en-US" altLang="zh-TW" sz="1600" dirty="0" err="1">
+                <a:latin typeface="Times New Roman" panose="02020603050405020304" pitchFamily="18" charset="0"/>
+                <a:cs typeface="Times New Roman" panose="02020603050405020304" pitchFamily="18" charset="0"/>
+              </a:rPr>
+              <a:t>arXiv</a:t>
+            </a:r>
+            <a:r>
+              <a:rPr lang="en-US" altLang="zh-TW" sz="1600" dirty="0">
+                <a:latin typeface="Times New Roman" panose="02020603050405020304" pitchFamily="18" charset="0"/>
+                <a:cs typeface="Times New Roman" panose="02020603050405020304" pitchFamily="18" charset="0"/>
+              </a:rPr>
+              <a:t> preprint arXiv:1903.11816.</a:t>
             </a:r>
             <a:endParaRPr lang="zh-TW" altLang="zh-TW" sz="1600" dirty="0">
               <a:latin typeface="Times New Roman" panose="02020603050405020304" pitchFamily="18" charset="0"/>
@@ -28975,47 +28308,58 @@
               <a:buChar char="•"/>
             </a:pPr>
             <a:r>
+              <a:rPr lang="en-US" altLang="zh-TW" sz="1600" dirty="0" err="1">
+                <a:latin typeface="Times New Roman" panose="02020603050405020304" pitchFamily="18" charset="0"/>
+                <a:cs typeface="Times New Roman" panose="02020603050405020304" pitchFamily="18" charset="0"/>
+              </a:rPr>
+              <a:t>Xie</a:t>
+            </a:r>
+            <a:r>
               <a:rPr lang="en-US" altLang="zh-TW" sz="1600" dirty="0">
                 <a:latin typeface="Times New Roman" panose="02020603050405020304" pitchFamily="18" charset="0"/>
                 <a:cs typeface="Times New Roman" panose="02020603050405020304" pitchFamily="18" charset="0"/>
               </a:rPr>
-              <a:t>Zhang, H., Xu, T., Li, H., Zhang, S., Wang, X., Huang, X., &amp; Metaxas, D. N. (2017). </a:t>
-            </a:r>
-            <a:r>
-              <a:rPr lang="en-US" altLang="zh-TW" sz="1600" dirty="0" err="1">
+              <a:t>, C., Wang, Z., Chen, H., Ma, X., Xing, W., Zhao, L., ... &amp; Lin, Z. (2021). Image Style Transfer Algorithm Based on Semantic Segmentation. </a:t>
+            </a:r>
+            <a:r>
+              <a:rPr lang="en-US" altLang="zh-TW" sz="1600" i="1" dirty="0">
                 <a:latin typeface="Times New Roman" panose="02020603050405020304" pitchFamily="18" charset="0"/>
                 <a:cs typeface="Times New Roman" panose="02020603050405020304" pitchFamily="18" charset="0"/>
               </a:rPr>
-              <a:t>Stackgan</a:t>
+              <a:t>IEEE Access</a:t>
             </a:r>
             <a:r>
               <a:rPr lang="en-US" altLang="zh-TW" sz="1600" dirty="0">
                 <a:latin typeface="Times New Roman" panose="02020603050405020304" pitchFamily="18" charset="0"/>
                 <a:cs typeface="Times New Roman" panose="02020603050405020304" pitchFamily="18" charset="0"/>
               </a:rPr>
-              <a:t>: Text to photo-realistic image synthesis with stacked generative adversarial networks. In </a:t>
-            </a:r>
-            <a:r>
-              <a:rPr lang="zh-TW" altLang="zh-TW" sz="1600" i="1" dirty="0">
+              <a:t>, </a:t>
+            </a:r>
+            <a:r>
+              <a:rPr lang="en-US" altLang="zh-TW" sz="1600" i="1" dirty="0">
                 <a:latin typeface="Times New Roman" panose="02020603050405020304" pitchFamily="18" charset="0"/>
                 <a:cs typeface="Times New Roman" panose="02020603050405020304" pitchFamily="18" charset="0"/>
               </a:rPr>
-              <a:t>Proceedings of the IEEE international conference on computer vision</a:t>
-            </a:r>
-            <a:r>
-              <a:rPr lang="zh-TW" altLang="zh-TW" sz="1600" dirty="0">
+              <a:t>9</a:t>
+            </a:r>
+            <a:r>
+              <a:rPr lang="en-US" altLang="zh-TW" sz="1600" dirty="0">
                 <a:latin typeface="Times New Roman" panose="02020603050405020304" pitchFamily="18" charset="0"/>
                 <a:cs typeface="Times New Roman" panose="02020603050405020304" pitchFamily="18" charset="0"/>
               </a:rPr>
-              <a:t> (pp. 5907-5915).</a:t>
-            </a:r>
+              <a:t>, 54518-54529.</a:t>
+            </a:r>
+            <a:endParaRPr lang="zh-TW" altLang="zh-TW" sz="1600" dirty="0">
+              <a:latin typeface="Times New Roman" panose="02020603050405020304" pitchFamily="18" charset="0"/>
+              <a:cs typeface="Times New Roman" panose="02020603050405020304" pitchFamily="18" charset="0"/>
+            </a:endParaRPr>
           </a:p>
         </p:txBody>
       </p:sp>
     </p:spTree>
     <p:extLst>
       <p:ext uri="{BB962C8B-B14F-4D97-AF65-F5344CB8AC3E}">
-        <p14:creationId xmlns:p14="http://schemas.microsoft.com/office/powerpoint/2010/main" val="4008572673"/>
+        <p14:creationId xmlns:p14="http://schemas.microsoft.com/office/powerpoint/2010/main" val="1945947501"/>
       </p:ext>
     </p:extLst>
   </p:cSld>
@@ -29657,7 +29001,7 @@
         <p:spPr>
           <a:xfrm>
             <a:off x="1014607" y="1719037"/>
-            <a:ext cx="7650195" cy="3331681"/>
+            <a:ext cx="7650195" cy="2777683"/>
           </a:xfrm>
           <a:prstGeom prst="rect">
             <a:avLst/>
@@ -29769,64 +29113,15 @@
               <a:buChar char="•"/>
             </a:pPr>
             <a:r>
-              <a:rPr lang="zh-TW" altLang="zh-TW" sz="1600" dirty="0">
-                <a:latin typeface="標楷體" panose="03000509000000000000" pitchFamily="65" charset="-120"/>
-                <a:ea typeface="標楷體" panose="03000509000000000000" pitchFamily="65" charset="-120"/>
-              </a:rPr>
-              <a:t>于佩琴</a:t>
-            </a:r>
-            <a:r>
               <a:rPr lang="en-US" altLang="zh-TW" sz="1600" dirty="0">
-                <a:latin typeface="標楷體" panose="03000509000000000000" pitchFamily="65" charset="-120"/>
-                <a:ea typeface="標楷體" panose="03000509000000000000" pitchFamily="65" charset="-120"/>
-              </a:rPr>
-              <a:t>. (2014). </a:t>
-            </a:r>
-            <a:r>
-              <a:rPr lang="zh-TW" altLang="zh-TW" sz="1600" dirty="0">
-                <a:latin typeface="標楷體" panose="03000509000000000000" pitchFamily="65" charset="-120"/>
-                <a:ea typeface="標楷體" panose="03000509000000000000" pitchFamily="65" charset="-120"/>
-              </a:rPr>
-              <a:t>室內設計的本質性</a:t>
-            </a:r>
-            <a:r>
-              <a:rPr lang="en-US" altLang="zh-TW" sz="1600" dirty="0">
-                <a:latin typeface="標楷體" panose="03000509000000000000" pitchFamily="65" charset="-120"/>
-                <a:ea typeface="標楷體" panose="03000509000000000000" pitchFamily="65" charset="-120"/>
-              </a:rPr>
-              <a:t>: </a:t>
-            </a:r>
-            <a:r>
-              <a:rPr lang="zh-TW" altLang="zh-TW" sz="1600" dirty="0">
-                <a:latin typeface="標楷體" panose="03000509000000000000" pitchFamily="65" charset="-120"/>
-                <a:ea typeface="標楷體" panose="03000509000000000000" pitchFamily="65" charset="-120"/>
-              </a:rPr>
-              <a:t>室內空間居家性之探討</a:t>
-            </a:r>
-            <a:r>
-              <a:rPr lang="en-US" altLang="zh-TW" sz="1600" dirty="0">
-                <a:latin typeface="標楷體" panose="03000509000000000000" pitchFamily="65" charset="-120"/>
-                <a:ea typeface="標楷體" panose="03000509000000000000" pitchFamily="65" charset="-120"/>
-              </a:rPr>
-              <a:t>. </a:t>
-            </a:r>
-            <a:r>
-              <a:rPr lang="zh-TW" altLang="zh-TW" sz="1600" dirty="0">
-                <a:latin typeface="標楷體" panose="03000509000000000000" pitchFamily="65" charset="-120"/>
-                <a:ea typeface="標楷體" panose="03000509000000000000" pitchFamily="65" charset="-120"/>
-              </a:rPr>
-              <a:t>中原大學室內設計研究所學位論文</a:t>
-            </a:r>
-            <a:r>
-              <a:rPr lang="en-US" altLang="zh-TW" sz="1600" dirty="0">
-                <a:latin typeface="標楷體" panose="03000509000000000000" pitchFamily="65" charset="-120"/>
-                <a:ea typeface="標楷體" panose="03000509000000000000" pitchFamily="65" charset="-120"/>
-              </a:rPr>
-              <a:t>, 1-83.</a:t>
+                <a:latin typeface="Times New Roman" panose="02020603050405020304" pitchFamily="18" charset="0"/>
+                <a:cs typeface="Times New Roman" panose="02020603050405020304" pitchFamily="18" charset="0"/>
+              </a:rPr>
+              <a:t>Xu, Y., Wang, K., Yang, K., Sun, D., &amp; Fu, J. (2019, September). Semantic segmentation of panoramic images using a synthetic dataset. In Artificial Intelligence and Machine Learning in Defense Applications (Vol. 11169, p. 111690B). </a:t>
             </a:r>
             <a:endParaRPr lang="zh-TW" altLang="zh-TW" sz="1600" dirty="0">
-              <a:latin typeface="標楷體" panose="03000509000000000000" pitchFamily="65" charset="-120"/>
-              <a:ea typeface="標楷體" panose="03000509000000000000" pitchFamily="65" charset="-120"/>
+              <a:latin typeface="Times New Roman" panose="02020603050405020304" pitchFamily="18" charset="0"/>
+              <a:cs typeface="Times New Roman" panose="02020603050405020304" pitchFamily="18" charset="0"/>
             </a:endParaRPr>
           </a:p>
           <a:p>
@@ -29835,92 +29130,15 @@
               <a:buChar char="•"/>
             </a:pPr>
             <a:r>
-              <a:rPr lang="zh-TW" altLang="zh-TW" sz="1600" dirty="0">
-                <a:latin typeface="標楷體" panose="03000509000000000000" pitchFamily="65" charset="-120"/>
-                <a:ea typeface="標楷體" panose="03000509000000000000" pitchFamily="65" charset="-120"/>
-              </a:rPr>
-              <a:t>宋杰</a:t>
-            </a:r>
-            <a:r>
               <a:rPr lang="en-US" altLang="zh-TW" sz="1600" dirty="0">
-                <a:latin typeface="標楷體" panose="03000509000000000000" pitchFamily="65" charset="-120"/>
-                <a:ea typeface="標楷體" panose="03000509000000000000" pitchFamily="65" charset="-120"/>
-              </a:rPr>
-              <a:t>, </a:t>
-            </a:r>
-            <a:r>
-              <a:rPr lang="zh-TW" altLang="zh-TW" sz="1600" dirty="0">
-                <a:latin typeface="標楷體" panose="03000509000000000000" pitchFamily="65" charset="-120"/>
-                <a:ea typeface="標楷體" panose="03000509000000000000" pitchFamily="65" charset="-120"/>
-              </a:rPr>
-              <a:t>肖亮</a:t>
-            </a:r>
-            <a:r>
-              <a:rPr lang="en-US" altLang="zh-TW" sz="1600" dirty="0">
-                <a:latin typeface="標楷體" panose="03000509000000000000" pitchFamily="65" charset="-120"/>
-                <a:ea typeface="標楷體" panose="03000509000000000000" pitchFamily="65" charset="-120"/>
-              </a:rPr>
-              <a:t>, </a:t>
-            </a:r>
-            <a:r>
-              <a:rPr lang="zh-TW" altLang="zh-TW" sz="1600" dirty="0">
-                <a:latin typeface="標楷體" panose="03000509000000000000" pitchFamily="65" charset="-120"/>
-                <a:ea typeface="標楷體" panose="03000509000000000000" pitchFamily="65" charset="-120"/>
-              </a:rPr>
-              <a:t>练智超</a:t>
-            </a:r>
-            <a:r>
-              <a:rPr lang="en-US" altLang="zh-TW" sz="1600" dirty="0">
-                <a:latin typeface="標楷體" panose="03000509000000000000" pitchFamily="65" charset="-120"/>
-                <a:ea typeface="標楷體" panose="03000509000000000000" pitchFamily="65" charset="-120"/>
-              </a:rPr>
-              <a:t>, </a:t>
-            </a:r>
-            <a:r>
-              <a:rPr lang="zh-TW" altLang="zh-TW" sz="1600" dirty="0">
-                <a:latin typeface="標楷體" panose="03000509000000000000" pitchFamily="65" charset="-120"/>
-                <a:ea typeface="標楷體" panose="03000509000000000000" pitchFamily="65" charset="-120"/>
-              </a:rPr>
-              <a:t>蔡子贇</a:t>
-            </a:r>
-            <a:r>
-              <a:rPr lang="en-US" altLang="zh-TW" sz="1600" dirty="0">
-                <a:latin typeface="標楷體" panose="03000509000000000000" pitchFamily="65" charset="-120"/>
-                <a:ea typeface="標楷體" panose="03000509000000000000" pitchFamily="65" charset="-120"/>
-              </a:rPr>
-              <a:t>, &amp; </a:t>
-            </a:r>
-            <a:r>
-              <a:rPr lang="zh-TW" altLang="zh-TW" sz="1600" dirty="0">
-                <a:latin typeface="標楷體" panose="03000509000000000000" pitchFamily="65" charset="-120"/>
-                <a:ea typeface="標楷體" panose="03000509000000000000" pitchFamily="65" charset="-120"/>
-              </a:rPr>
-              <a:t>蒋国平</a:t>
-            </a:r>
-            <a:r>
-              <a:rPr lang="en-US" altLang="zh-TW" sz="1600" dirty="0">
-                <a:latin typeface="標楷體" panose="03000509000000000000" pitchFamily="65" charset="-120"/>
-                <a:ea typeface="標楷體" panose="03000509000000000000" pitchFamily="65" charset="-120"/>
-              </a:rPr>
-              <a:t>. (2021). </a:t>
-            </a:r>
-            <a:r>
-              <a:rPr lang="zh-TW" altLang="zh-TW" sz="1600" dirty="0">
-                <a:latin typeface="標楷體" panose="03000509000000000000" pitchFamily="65" charset="-120"/>
-                <a:ea typeface="標楷體" panose="03000509000000000000" pitchFamily="65" charset="-120"/>
-              </a:rPr>
-              <a:t>基于深度学习的数字病理图像分割综述与展望</a:t>
-            </a:r>
-            <a:r>
-              <a:rPr lang="en-US" altLang="zh-TW" sz="1600" dirty="0">
-                <a:latin typeface="標楷體" panose="03000509000000000000" pitchFamily="65" charset="-120"/>
-                <a:ea typeface="標楷體" panose="03000509000000000000" pitchFamily="65" charset="-120"/>
-              </a:rPr>
-              <a:t>. Journal of Software, 32(5).</a:t>
+                <a:latin typeface="Times New Roman" panose="02020603050405020304" pitchFamily="18" charset="0"/>
+                <a:cs typeface="Times New Roman" panose="02020603050405020304" pitchFamily="18" charset="0"/>
+              </a:rPr>
+              <a:t>International Society for Optics and Photonics.</a:t>
             </a:r>
             <a:endParaRPr lang="zh-TW" altLang="zh-TW" sz="1600" dirty="0">
-              <a:latin typeface="標楷體" panose="03000509000000000000" pitchFamily="65" charset="-120"/>
-              <a:ea typeface="標楷體" panose="03000509000000000000" pitchFamily="65" charset="-120"/>
+              <a:latin typeface="Times New Roman" panose="02020603050405020304" pitchFamily="18" charset="0"/>
+              <a:cs typeface="Times New Roman" panose="02020603050405020304" pitchFamily="18" charset="0"/>
             </a:endParaRPr>
           </a:p>
           <a:p>
@@ -29929,26 +29147,30 @@
               <a:buChar char="•"/>
             </a:pPr>
             <a:r>
-              <a:rPr lang="zh-TW" altLang="zh-TW" sz="1600" dirty="0">
-                <a:latin typeface="標楷體" panose="03000509000000000000" pitchFamily="65" charset="-120"/>
-                <a:ea typeface="標楷體" panose="03000509000000000000" pitchFamily="65" charset="-120"/>
-              </a:rPr>
-              <a:t>冷翊</a:t>
-            </a:r>
-            <a:r>
               <a:rPr lang="en-US" altLang="zh-TW" sz="1600" dirty="0">
-                <a:latin typeface="標楷體" panose="03000509000000000000" pitchFamily="65" charset="-120"/>
-                <a:ea typeface="標楷體" panose="03000509000000000000" pitchFamily="65" charset="-120"/>
-              </a:rPr>
-              <a:t>(2016)</a:t>
-            </a:r>
-            <a:r>
-              <a:rPr lang="zh-TW" altLang="zh-TW" sz="1600" dirty="0">
-                <a:latin typeface="標楷體" panose="03000509000000000000" pitchFamily="65" charset="-120"/>
-                <a:ea typeface="標楷體" panose="03000509000000000000" pitchFamily="65" charset="-120"/>
-              </a:rPr>
-              <a:t>。以三維電腦繪圖為核心的室內設計流程及表現之研究。南華大學藝術與設計學院創意產品設計學系。</a:t>
-            </a:r>
+                <a:latin typeface="Times New Roman" panose="02020603050405020304" pitchFamily="18" charset="0"/>
+                <a:cs typeface="Times New Roman" panose="02020603050405020304" pitchFamily="18" charset="0"/>
+              </a:rPr>
+              <a:t>Zhu, J. Y., Park, T., Isola, P., &amp; </a:t>
+            </a:r>
+            <a:r>
+              <a:rPr lang="en-US" altLang="zh-TW" sz="1600" dirty="0" err="1">
+                <a:latin typeface="Times New Roman" panose="02020603050405020304" pitchFamily="18" charset="0"/>
+                <a:cs typeface="Times New Roman" panose="02020603050405020304" pitchFamily="18" charset="0"/>
+              </a:rPr>
+              <a:t>Efros</a:t>
+            </a:r>
+            <a:r>
+              <a:rPr lang="en-US" altLang="zh-TW" sz="1600" dirty="0">
+                <a:latin typeface="Times New Roman" panose="02020603050405020304" pitchFamily="18" charset="0"/>
+                <a:cs typeface="Times New Roman" panose="02020603050405020304" pitchFamily="18" charset="0"/>
+              </a:rPr>
+              <a:t>, A. A. (2017). Unpaired image-to-image translation using cycle-consistent adversarial networks. In Proceedings of the IEEE international conference on computer vision (pp. 2223-2232).</a:t>
+            </a:r>
+            <a:endParaRPr lang="zh-TW" altLang="zh-TW" sz="1600" dirty="0">
+              <a:latin typeface="Times New Roman" panose="02020603050405020304" pitchFamily="18" charset="0"/>
+              <a:cs typeface="Times New Roman" panose="02020603050405020304" pitchFamily="18" charset="0"/>
+            </a:endParaRPr>
           </a:p>
           <a:p>
             <a:pPr marL="285750" indent="-285750">
@@ -29956,153 +29178,47 @@
               <a:buChar char="•"/>
             </a:pPr>
             <a:r>
+              <a:rPr lang="en-US" altLang="zh-TW" sz="1600" dirty="0">
+                <a:latin typeface="Times New Roman" panose="02020603050405020304" pitchFamily="18" charset="0"/>
+                <a:cs typeface="Times New Roman" panose="02020603050405020304" pitchFamily="18" charset="0"/>
+              </a:rPr>
+              <a:t>Zhang, H., Xu, T., Li, H., Zhang, S., Wang, X., Huang, X., &amp; Metaxas, D. N. (2017). </a:t>
+            </a:r>
+            <a:r>
+              <a:rPr lang="en-US" altLang="zh-TW" sz="1600" dirty="0" err="1">
+                <a:latin typeface="Times New Roman" panose="02020603050405020304" pitchFamily="18" charset="0"/>
+                <a:cs typeface="Times New Roman" panose="02020603050405020304" pitchFamily="18" charset="0"/>
+              </a:rPr>
+              <a:t>Stackgan</a:t>
+            </a:r>
+            <a:r>
+              <a:rPr lang="en-US" altLang="zh-TW" sz="1600" dirty="0">
+                <a:latin typeface="Times New Roman" panose="02020603050405020304" pitchFamily="18" charset="0"/>
+                <a:cs typeface="Times New Roman" panose="02020603050405020304" pitchFamily="18" charset="0"/>
+              </a:rPr>
+              <a:t>: Text to photo-realistic image synthesis with stacked generative adversarial networks. In </a:t>
+            </a:r>
+            <a:r>
+              <a:rPr lang="zh-TW" altLang="zh-TW" sz="1600" i="1" dirty="0">
+                <a:latin typeface="Times New Roman" panose="02020603050405020304" pitchFamily="18" charset="0"/>
+                <a:cs typeface="Times New Roman" panose="02020603050405020304" pitchFamily="18" charset="0"/>
+              </a:rPr>
+              <a:t>Proceedings of the IEEE international conference on computer vision</a:t>
+            </a:r>
+            <a:r>
               <a:rPr lang="zh-TW" altLang="zh-TW" sz="1600" dirty="0">
-                <a:latin typeface="標楷體" panose="03000509000000000000" pitchFamily="65" charset="-120"/>
-                <a:ea typeface="標楷體" panose="03000509000000000000" pitchFamily="65" charset="-120"/>
-              </a:rPr>
-              <a:t>林庭生</a:t>
-            </a:r>
-            <a:r>
-              <a:rPr lang="en-US" altLang="zh-TW" sz="1600" dirty="0">
-                <a:latin typeface="標楷體" panose="03000509000000000000" pitchFamily="65" charset="-120"/>
-                <a:ea typeface="標楷體" panose="03000509000000000000" pitchFamily="65" charset="-120"/>
-              </a:rPr>
-              <a:t>(2021)</a:t>
-            </a:r>
-            <a:r>
-              <a:rPr lang="zh-TW" altLang="zh-TW" sz="1600" dirty="0">
-                <a:latin typeface="標楷體" panose="03000509000000000000" pitchFamily="65" charset="-120"/>
-                <a:ea typeface="標楷體" panose="03000509000000000000" pitchFamily="65" charset="-120"/>
-              </a:rPr>
-              <a:t>。以</a:t>
-            </a:r>
-            <a:r>
-              <a:rPr lang="en-US" altLang="zh-TW" sz="1600" dirty="0">
-                <a:latin typeface="標楷體" panose="03000509000000000000" pitchFamily="65" charset="-120"/>
-                <a:ea typeface="標楷體" panose="03000509000000000000" pitchFamily="65" charset="-120"/>
-              </a:rPr>
-              <a:t>Pix2Pix</a:t>
-            </a:r>
-            <a:r>
-              <a:rPr lang="zh-TW" altLang="zh-TW" sz="1600" dirty="0">
-                <a:latin typeface="標楷體" panose="03000509000000000000" pitchFamily="65" charset="-120"/>
-                <a:ea typeface="標楷體" panose="03000509000000000000" pitchFamily="65" charset="-120"/>
-              </a:rPr>
-              <a:t>與超解析度成像網路為基礎之金門老照片修復研究。國立金門大學資訊科技與應用碩士班</a:t>
-            </a:r>
-          </a:p>
-          <a:p>
-            <a:pPr marL="285750" indent="-285750">
-              <a:buFont typeface="Arial" panose="020B0604020202020204" pitchFamily="34" charset="0"/>
-              <a:buChar char="•"/>
-            </a:pPr>
-            <a:r>
-              <a:rPr lang="zh-TW" altLang="zh-TW" sz="1600" dirty="0">
-                <a:latin typeface="標楷體" panose="03000509000000000000" pitchFamily="65" charset="-120"/>
-                <a:ea typeface="標楷體" panose="03000509000000000000" pitchFamily="65" charset="-120"/>
-              </a:rPr>
-              <a:t>施旻岳（</a:t>
-            </a:r>
-            <a:r>
-              <a:rPr lang="en-US" altLang="zh-TW" sz="1600" dirty="0">
-                <a:latin typeface="標楷體" panose="03000509000000000000" pitchFamily="65" charset="-120"/>
-                <a:ea typeface="標楷體" panose="03000509000000000000" pitchFamily="65" charset="-120"/>
-              </a:rPr>
-              <a:t>2021</a:t>
-            </a:r>
-            <a:r>
-              <a:rPr lang="zh-TW" altLang="zh-TW" sz="1600" dirty="0">
-                <a:latin typeface="標楷體" panose="03000509000000000000" pitchFamily="65" charset="-120"/>
-                <a:ea typeface="標楷體" panose="03000509000000000000" pitchFamily="65" charset="-120"/>
-              </a:rPr>
-              <a:t>）。以生成對抗網路為基礎之閩式建築風格轉換研究（碩士論文）。國立金門大學資訊科技與應用碩士班。</a:t>
-            </a:r>
-          </a:p>
-          <a:p>
-            <a:pPr marL="285750" indent="-285750">
-              <a:buFont typeface="Arial" panose="020B0604020202020204" pitchFamily="34" charset="0"/>
-              <a:buChar char="•"/>
-            </a:pPr>
-            <a:r>
-              <a:rPr lang="zh-TW" altLang="zh-TW" sz="1600" dirty="0">
-                <a:latin typeface="標楷體" panose="03000509000000000000" pitchFamily="65" charset="-120"/>
-                <a:ea typeface="標楷體" panose="03000509000000000000" pitchFamily="65" charset="-120"/>
-              </a:rPr>
-              <a:t>張榮傑</a:t>
-            </a:r>
-            <a:r>
-              <a:rPr lang="en-US" altLang="zh-TW" sz="1600" dirty="0">
-                <a:latin typeface="標楷體" panose="03000509000000000000" pitchFamily="65" charset="-120"/>
-                <a:ea typeface="標楷體" panose="03000509000000000000" pitchFamily="65" charset="-120"/>
-              </a:rPr>
-              <a:t>(2015)</a:t>
-            </a:r>
-            <a:r>
-              <a:rPr lang="zh-TW" altLang="zh-TW" sz="1600" dirty="0">
-                <a:latin typeface="標楷體" panose="03000509000000000000" pitchFamily="65" charset="-120"/>
-                <a:ea typeface="標楷體" panose="03000509000000000000" pitchFamily="65" charset="-120"/>
-              </a:rPr>
-              <a:t>。基於語義分割之影片風格轉換。國立交通大學多媒體工程研究所</a:t>
-            </a:r>
-          </a:p>
-          <a:p>
-            <a:pPr marL="285750" indent="-285750">
-              <a:buFont typeface="Arial" panose="020B0604020202020204" pitchFamily="34" charset="0"/>
-              <a:buChar char="•"/>
-            </a:pPr>
-            <a:r>
-              <a:rPr lang="zh-TW" altLang="zh-TW" sz="1600" dirty="0">
-                <a:latin typeface="標楷體" panose="03000509000000000000" pitchFamily="65" charset="-120"/>
-                <a:ea typeface="標楷體" panose="03000509000000000000" pitchFamily="65" charset="-120"/>
-              </a:rPr>
-              <a:t>張峻瑋</a:t>
-            </a:r>
-            <a:r>
-              <a:rPr lang="en-US" altLang="zh-TW" sz="1600" dirty="0">
-                <a:latin typeface="標楷體" panose="03000509000000000000" pitchFamily="65" charset="-120"/>
-                <a:ea typeface="標楷體" panose="03000509000000000000" pitchFamily="65" charset="-120"/>
-              </a:rPr>
-              <a:t>. (2019). 3D </a:t>
-            </a:r>
-            <a:r>
-              <a:rPr lang="zh-TW" altLang="zh-TW" sz="1600" dirty="0">
-                <a:latin typeface="標楷體" panose="03000509000000000000" pitchFamily="65" charset="-120"/>
-                <a:ea typeface="標楷體" panose="03000509000000000000" pitchFamily="65" charset="-120"/>
-              </a:rPr>
-              <a:t>效果圖擬真度影響設計發展之視覺思考研究</a:t>
-            </a:r>
-            <a:r>
-              <a:rPr lang="en-US" altLang="zh-TW" sz="1600" dirty="0">
-                <a:latin typeface="標楷體" panose="03000509000000000000" pitchFamily="65" charset="-120"/>
-                <a:ea typeface="標楷體" panose="03000509000000000000" pitchFamily="65" charset="-120"/>
-              </a:rPr>
-              <a:t>. </a:t>
-            </a:r>
-            <a:r>
-              <a:rPr lang="zh-TW" altLang="zh-TW" sz="1600" dirty="0">
-                <a:latin typeface="標楷體" panose="03000509000000000000" pitchFamily="65" charset="-120"/>
-                <a:ea typeface="標楷體" panose="03000509000000000000" pitchFamily="65" charset="-120"/>
-              </a:rPr>
-              <a:t>中原大學室內設計研究所學位論文</a:t>
-            </a:r>
-            <a:r>
-              <a:rPr lang="en-US" altLang="zh-TW" sz="1600" dirty="0">
-                <a:latin typeface="標楷體" panose="03000509000000000000" pitchFamily="65" charset="-120"/>
-                <a:ea typeface="標楷體" panose="03000509000000000000" pitchFamily="65" charset="-120"/>
-              </a:rPr>
-              <a:t>, 1-184.</a:t>
-            </a:r>
-            <a:endParaRPr lang="zh-TW" altLang="zh-TW" sz="1600" dirty="0">
-              <a:latin typeface="標楷體" panose="03000509000000000000" pitchFamily="65" charset="-120"/>
-              <a:ea typeface="標楷體" panose="03000509000000000000" pitchFamily="65" charset="-120"/>
-            </a:endParaRPr>
+                <a:latin typeface="Times New Roman" panose="02020603050405020304" pitchFamily="18" charset="0"/>
+                <a:cs typeface="Times New Roman" panose="02020603050405020304" pitchFamily="18" charset="0"/>
+              </a:rPr>
+              <a:t> (pp. 5907-5915).</a:t>
+            </a:r>
           </a:p>
         </p:txBody>
       </p:sp>
     </p:spTree>
     <p:extLst>
       <p:ext uri="{BB962C8B-B14F-4D97-AF65-F5344CB8AC3E}">
-        <p14:creationId xmlns:p14="http://schemas.microsoft.com/office/powerpoint/2010/main" val="4198365523"/>
+        <p14:creationId xmlns:p14="http://schemas.microsoft.com/office/powerpoint/2010/main" val="4008572673"/>
       </p:ext>
     </p:extLst>
   </p:cSld>
@@ -30744,6 +29860,1093 @@
         <p:spPr>
           <a:xfrm>
             <a:off x="1014607" y="1719037"/>
+            <a:ext cx="7650195" cy="3331681"/>
+          </a:xfrm>
+          <a:prstGeom prst="rect">
+            <a:avLst/>
+          </a:prstGeom>
+          <a:noFill/>
+        </p:spPr>
+        <p:txBody>
+          <a:bodyPr wrap="square" lIns="68580" tIns="34290" rIns="68580" bIns="34290" rtlCol="0">
+            <a:spAutoFit/>
+          </a:bodyPr>
+          <a:lstStyle>
+            <a:defPPr>
+              <a:defRPr lang="zh-CN"/>
+            </a:defPPr>
+            <a:lvl1pPr marL="0" algn="l" defTabSz="914400" rtl="0" eaLnBrk="1" latinLnBrk="0" hangingPunct="1">
+              <a:defRPr sz="1800" kern="1200">
+                <a:solidFill>
+                  <a:schemeClr val="tx1"/>
+                </a:solidFill>
+                <a:latin typeface="+mn-lt"/>
+                <a:ea typeface="+mn-ea"/>
+                <a:cs typeface="+mn-cs"/>
+              </a:defRPr>
+            </a:lvl1pPr>
+            <a:lvl2pPr marL="457200" algn="l" defTabSz="914400" rtl="0" eaLnBrk="1" latinLnBrk="0" hangingPunct="1">
+              <a:defRPr sz="1800" kern="1200">
+                <a:solidFill>
+                  <a:schemeClr val="tx1"/>
+                </a:solidFill>
+                <a:latin typeface="+mn-lt"/>
+                <a:ea typeface="+mn-ea"/>
+                <a:cs typeface="+mn-cs"/>
+              </a:defRPr>
+            </a:lvl2pPr>
+            <a:lvl3pPr marL="914400" algn="l" defTabSz="914400" rtl="0" eaLnBrk="1" latinLnBrk="0" hangingPunct="1">
+              <a:defRPr sz="1800" kern="1200">
+                <a:solidFill>
+                  <a:schemeClr val="tx1"/>
+                </a:solidFill>
+                <a:latin typeface="+mn-lt"/>
+                <a:ea typeface="+mn-ea"/>
+                <a:cs typeface="+mn-cs"/>
+              </a:defRPr>
+            </a:lvl3pPr>
+            <a:lvl4pPr marL="1371600" algn="l" defTabSz="914400" rtl="0" eaLnBrk="1" latinLnBrk="0" hangingPunct="1">
+              <a:defRPr sz="1800" kern="1200">
+                <a:solidFill>
+                  <a:schemeClr val="tx1"/>
+                </a:solidFill>
+                <a:latin typeface="+mn-lt"/>
+                <a:ea typeface="+mn-ea"/>
+                <a:cs typeface="+mn-cs"/>
+              </a:defRPr>
+            </a:lvl4pPr>
+            <a:lvl5pPr marL="1828800" algn="l" defTabSz="914400" rtl="0" eaLnBrk="1" latinLnBrk="0" hangingPunct="1">
+              <a:defRPr sz="1800" kern="1200">
+                <a:solidFill>
+                  <a:schemeClr val="tx1"/>
+                </a:solidFill>
+                <a:latin typeface="+mn-lt"/>
+                <a:ea typeface="+mn-ea"/>
+                <a:cs typeface="+mn-cs"/>
+              </a:defRPr>
+            </a:lvl5pPr>
+            <a:lvl6pPr marL="2286000" algn="l" defTabSz="914400" rtl="0" eaLnBrk="1" latinLnBrk="0" hangingPunct="1">
+              <a:defRPr sz="1800" kern="1200">
+                <a:solidFill>
+                  <a:schemeClr val="tx1"/>
+                </a:solidFill>
+                <a:latin typeface="+mn-lt"/>
+                <a:ea typeface="+mn-ea"/>
+                <a:cs typeface="+mn-cs"/>
+              </a:defRPr>
+            </a:lvl6pPr>
+            <a:lvl7pPr marL="2743200" algn="l" defTabSz="914400" rtl="0" eaLnBrk="1" latinLnBrk="0" hangingPunct="1">
+              <a:defRPr sz="1800" kern="1200">
+                <a:solidFill>
+                  <a:schemeClr val="tx1"/>
+                </a:solidFill>
+                <a:latin typeface="+mn-lt"/>
+                <a:ea typeface="+mn-ea"/>
+                <a:cs typeface="+mn-cs"/>
+              </a:defRPr>
+            </a:lvl7pPr>
+            <a:lvl8pPr marL="3200400" algn="l" defTabSz="914400" rtl="0" eaLnBrk="1" latinLnBrk="0" hangingPunct="1">
+              <a:defRPr sz="1800" kern="1200">
+                <a:solidFill>
+                  <a:schemeClr val="tx1"/>
+                </a:solidFill>
+                <a:latin typeface="+mn-lt"/>
+                <a:ea typeface="+mn-ea"/>
+                <a:cs typeface="+mn-cs"/>
+              </a:defRPr>
+            </a:lvl8pPr>
+            <a:lvl9pPr marL="3657600" algn="l" defTabSz="914400" rtl="0" eaLnBrk="1" latinLnBrk="0" hangingPunct="1">
+              <a:defRPr sz="1800" kern="1200">
+                <a:solidFill>
+                  <a:schemeClr val="tx1"/>
+                </a:solidFill>
+                <a:latin typeface="+mn-lt"/>
+                <a:ea typeface="+mn-ea"/>
+                <a:cs typeface="+mn-cs"/>
+              </a:defRPr>
+            </a:lvl9pPr>
+          </a:lstStyle>
+          <a:p>
+            <a:pPr marL="285750" indent="-285750">
+              <a:buFont typeface="Arial" panose="020B0604020202020204" pitchFamily="34" charset="0"/>
+              <a:buChar char="•"/>
+            </a:pPr>
+            <a:r>
+              <a:rPr lang="zh-TW" altLang="zh-TW" sz="1600" dirty="0">
+                <a:latin typeface="標楷體" panose="03000509000000000000" pitchFamily="65" charset="-120"/>
+                <a:ea typeface="標楷體" panose="03000509000000000000" pitchFamily="65" charset="-120"/>
+              </a:rPr>
+              <a:t>于佩琴</a:t>
+            </a:r>
+            <a:r>
+              <a:rPr lang="en-US" altLang="zh-TW" sz="1600" dirty="0">
+                <a:latin typeface="標楷體" panose="03000509000000000000" pitchFamily="65" charset="-120"/>
+                <a:ea typeface="標楷體" panose="03000509000000000000" pitchFamily="65" charset="-120"/>
+              </a:rPr>
+              <a:t>. (2014). </a:t>
+            </a:r>
+            <a:r>
+              <a:rPr lang="zh-TW" altLang="zh-TW" sz="1600" dirty="0">
+                <a:latin typeface="標楷體" panose="03000509000000000000" pitchFamily="65" charset="-120"/>
+                <a:ea typeface="標楷體" panose="03000509000000000000" pitchFamily="65" charset="-120"/>
+              </a:rPr>
+              <a:t>室內設計的本質性</a:t>
+            </a:r>
+            <a:r>
+              <a:rPr lang="en-US" altLang="zh-TW" sz="1600" dirty="0">
+                <a:latin typeface="標楷體" panose="03000509000000000000" pitchFamily="65" charset="-120"/>
+                <a:ea typeface="標楷體" panose="03000509000000000000" pitchFamily="65" charset="-120"/>
+              </a:rPr>
+              <a:t>: </a:t>
+            </a:r>
+            <a:r>
+              <a:rPr lang="zh-TW" altLang="zh-TW" sz="1600" dirty="0">
+                <a:latin typeface="標楷體" panose="03000509000000000000" pitchFamily="65" charset="-120"/>
+                <a:ea typeface="標楷體" panose="03000509000000000000" pitchFamily="65" charset="-120"/>
+              </a:rPr>
+              <a:t>室內空間居家性之探討</a:t>
+            </a:r>
+            <a:r>
+              <a:rPr lang="en-US" altLang="zh-TW" sz="1600" dirty="0">
+                <a:latin typeface="標楷體" panose="03000509000000000000" pitchFamily="65" charset="-120"/>
+                <a:ea typeface="標楷體" panose="03000509000000000000" pitchFamily="65" charset="-120"/>
+              </a:rPr>
+              <a:t>. </a:t>
+            </a:r>
+            <a:r>
+              <a:rPr lang="zh-TW" altLang="zh-TW" sz="1600" dirty="0">
+                <a:latin typeface="標楷體" panose="03000509000000000000" pitchFamily="65" charset="-120"/>
+                <a:ea typeface="標楷體" panose="03000509000000000000" pitchFamily="65" charset="-120"/>
+              </a:rPr>
+              <a:t>中原大學室內設計研究所學位論文</a:t>
+            </a:r>
+            <a:r>
+              <a:rPr lang="en-US" altLang="zh-TW" sz="1600" dirty="0">
+                <a:latin typeface="標楷體" panose="03000509000000000000" pitchFamily="65" charset="-120"/>
+                <a:ea typeface="標楷體" panose="03000509000000000000" pitchFamily="65" charset="-120"/>
+              </a:rPr>
+              <a:t>, 1-83.</a:t>
+            </a:r>
+            <a:endParaRPr lang="zh-TW" altLang="zh-TW" sz="1600" dirty="0">
+              <a:latin typeface="標楷體" panose="03000509000000000000" pitchFamily="65" charset="-120"/>
+              <a:ea typeface="標楷體" panose="03000509000000000000" pitchFamily="65" charset="-120"/>
+            </a:endParaRPr>
+          </a:p>
+          <a:p>
+            <a:pPr marL="285750" indent="-285750">
+              <a:buFont typeface="Arial" panose="020B0604020202020204" pitchFamily="34" charset="0"/>
+              <a:buChar char="•"/>
+            </a:pPr>
+            <a:r>
+              <a:rPr lang="zh-TW" altLang="zh-TW" sz="1600" dirty="0">
+                <a:latin typeface="標楷體" panose="03000509000000000000" pitchFamily="65" charset="-120"/>
+                <a:ea typeface="標楷體" panose="03000509000000000000" pitchFamily="65" charset="-120"/>
+              </a:rPr>
+              <a:t>宋杰</a:t>
+            </a:r>
+            <a:r>
+              <a:rPr lang="en-US" altLang="zh-TW" sz="1600" dirty="0">
+                <a:latin typeface="標楷體" panose="03000509000000000000" pitchFamily="65" charset="-120"/>
+                <a:ea typeface="標楷體" panose="03000509000000000000" pitchFamily="65" charset="-120"/>
+              </a:rPr>
+              <a:t>, </a:t>
+            </a:r>
+            <a:r>
+              <a:rPr lang="zh-TW" altLang="zh-TW" sz="1600" dirty="0">
+                <a:latin typeface="標楷體" panose="03000509000000000000" pitchFamily="65" charset="-120"/>
+                <a:ea typeface="標楷體" panose="03000509000000000000" pitchFamily="65" charset="-120"/>
+              </a:rPr>
+              <a:t>肖亮</a:t>
+            </a:r>
+            <a:r>
+              <a:rPr lang="en-US" altLang="zh-TW" sz="1600" dirty="0">
+                <a:latin typeface="標楷體" panose="03000509000000000000" pitchFamily="65" charset="-120"/>
+                <a:ea typeface="標楷體" panose="03000509000000000000" pitchFamily="65" charset="-120"/>
+              </a:rPr>
+              <a:t>, </a:t>
+            </a:r>
+            <a:r>
+              <a:rPr lang="zh-TW" altLang="zh-TW" sz="1600" dirty="0">
+                <a:latin typeface="標楷體" panose="03000509000000000000" pitchFamily="65" charset="-120"/>
+                <a:ea typeface="標楷體" panose="03000509000000000000" pitchFamily="65" charset="-120"/>
+              </a:rPr>
+              <a:t>练智超</a:t>
+            </a:r>
+            <a:r>
+              <a:rPr lang="en-US" altLang="zh-TW" sz="1600" dirty="0">
+                <a:latin typeface="標楷體" panose="03000509000000000000" pitchFamily="65" charset="-120"/>
+                <a:ea typeface="標楷體" panose="03000509000000000000" pitchFamily="65" charset="-120"/>
+              </a:rPr>
+              <a:t>, </a:t>
+            </a:r>
+            <a:r>
+              <a:rPr lang="zh-TW" altLang="zh-TW" sz="1600" dirty="0">
+                <a:latin typeface="標楷體" panose="03000509000000000000" pitchFamily="65" charset="-120"/>
+                <a:ea typeface="標楷體" panose="03000509000000000000" pitchFamily="65" charset="-120"/>
+              </a:rPr>
+              <a:t>蔡子贇</a:t>
+            </a:r>
+            <a:r>
+              <a:rPr lang="en-US" altLang="zh-TW" sz="1600" dirty="0">
+                <a:latin typeface="標楷體" panose="03000509000000000000" pitchFamily="65" charset="-120"/>
+                <a:ea typeface="標楷體" panose="03000509000000000000" pitchFamily="65" charset="-120"/>
+              </a:rPr>
+              <a:t>, &amp; </a:t>
+            </a:r>
+            <a:r>
+              <a:rPr lang="zh-TW" altLang="zh-TW" sz="1600" dirty="0">
+                <a:latin typeface="標楷體" panose="03000509000000000000" pitchFamily="65" charset="-120"/>
+                <a:ea typeface="標楷體" panose="03000509000000000000" pitchFamily="65" charset="-120"/>
+              </a:rPr>
+              <a:t>蒋国平</a:t>
+            </a:r>
+            <a:r>
+              <a:rPr lang="en-US" altLang="zh-TW" sz="1600" dirty="0">
+                <a:latin typeface="標楷體" panose="03000509000000000000" pitchFamily="65" charset="-120"/>
+                <a:ea typeface="標楷體" panose="03000509000000000000" pitchFamily="65" charset="-120"/>
+              </a:rPr>
+              <a:t>. (2021). </a:t>
+            </a:r>
+            <a:r>
+              <a:rPr lang="zh-TW" altLang="zh-TW" sz="1600" dirty="0">
+                <a:latin typeface="標楷體" panose="03000509000000000000" pitchFamily="65" charset="-120"/>
+                <a:ea typeface="標楷體" panose="03000509000000000000" pitchFamily="65" charset="-120"/>
+              </a:rPr>
+              <a:t>基于深度学习的数字病理图像分割综述与展望</a:t>
+            </a:r>
+            <a:r>
+              <a:rPr lang="en-US" altLang="zh-TW" sz="1600" dirty="0">
+                <a:latin typeface="標楷體" panose="03000509000000000000" pitchFamily="65" charset="-120"/>
+                <a:ea typeface="標楷體" panose="03000509000000000000" pitchFamily="65" charset="-120"/>
+              </a:rPr>
+              <a:t>. Journal of Software, 32(5).</a:t>
+            </a:r>
+            <a:endParaRPr lang="zh-TW" altLang="zh-TW" sz="1600" dirty="0">
+              <a:latin typeface="標楷體" panose="03000509000000000000" pitchFamily="65" charset="-120"/>
+              <a:ea typeface="標楷體" panose="03000509000000000000" pitchFamily="65" charset="-120"/>
+            </a:endParaRPr>
+          </a:p>
+          <a:p>
+            <a:pPr marL="285750" indent="-285750">
+              <a:buFont typeface="Arial" panose="020B0604020202020204" pitchFamily="34" charset="0"/>
+              <a:buChar char="•"/>
+            </a:pPr>
+            <a:r>
+              <a:rPr lang="zh-TW" altLang="zh-TW" sz="1600" dirty="0">
+                <a:latin typeface="標楷體" panose="03000509000000000000" pitchFamily="65" charset="-120"/>
+                <a:ea typeface="標楷體" panose="03000509000000000000" pitchFamily="65" charset="-120"/>
+              </a:rPr>
+              <a:t>冷翊</a:t>
+            </a:r>
+            <a:r>
+              <a:rPr lang="en-US" altLang="zh-TW" sz="1600" dirty="0">
+                <a:latin typeface="標楷體" panose="03000509000000000000" pitchFamily="65" charset="-120"/>
+                <a:ea typeface="標楷體" panose="03000509000000000000" pitchFamily="65" charset="-120"/>
+              </a:rPr>
+              <a:t>(2016)</a:t>
+            </a:r>
+            <a:r>
+              <a:rPr lang="zh-TW" altLang="zh-TW" sz="1600" dirty="0">
+                <a:latin typeface="標楷體" panose="03000509000000000000" pitchFamily="65" charset="-120"/>
+                <a:ea typeface="標楷體" panose="03000509000000000000" pitchFamily="65" charset="-120"/>
+              </a:rPr>
+              <a:t>。以三維電腦繪圖為核心的室內設計流程及表現之研究。南華大學藝術與設計學院創意產品設計學系。</a:t>
+            </a:r>
+          </a:p>
+          <a:p>
+            <a:pPr marL="285750" indent="-285750">
+              <a:buFont typeface="Arial" panose="020B0604020202020204" pitchFamily="34" charset="0"/>
+              <a:buChar char="•"/>
+            </a:pPr>
+            <a:r>
+              <a:rPr lang="zh-TW" altLang="zh-TW" sz="1600" dirty="0">
+                <a:latin typeface="標楷體" panose="03000509000000000000" pitchFamily="65" charset="-120"/>
+                <a:ea typeface="標楷體" panose="03000509000000000000" pitchFamily="65" charset="-120"/>
+              </a:rPr>
+              <a:t>林庭生</a:t>
+            </a:r>
+            <a:r>
+              <a:rPr lang="en-US" altLang="zh-TW" sz="1600" dirty="0">
+                <a:latin typeface="標楷體" panose="03000509000000000000" pitchFamily="65" charset="-120"/>
+                <a:ea typeface="標楷體" panose="03000509000000000000" pitchFamily="65" charset="-120"/>
+              </a:rPr>
+              <a:t>(2021)</a:t>
+            </a:r>
+            <a:r>
+              <a:rPr lang="zh-TW" altLang="zh-TW" sz="1600" dirty="0">
+                <a:latin typeface="標楷體" panose="03000509000000000000" pitchFamily="65" charset="-120"/>
+                <a:ea typeface="標楷體" panose="03000509000000000000" pitchFamily="65" charset="-120"/>
+              </a:rPr>
+              <a:t>。以</a:t>
+            </a:r>
+            <a:r>
+              <a:rPr lang="en-US" altLang="zh-TW" sz="1600" dirty="0">
+                <a:latin typeface="標楷體" panose="03000509000000000000" pitchFamily="65" charset="-120"/>
+                <a:ea typeface="標楷體" panose="03000509000000000000" pitchFamily="65" charset="-120"/>
+              </a:rPr>
+              <a:t>Pix2Pix</a:t>
+            </a:r>
+            <a:r>
+              <a:rPr lang="zh-TW" altLang="zh-TW" sz="1600" dirty="0">
+                <a:latin typeface="標楷體" panose="03000509000000000000" pitchFamily="65" charset="-120"/>
+                <a:ea typeface="標楷體" panose="03000509000000000000" pitchFamily="65" charset="-120"/>
+              </a:rPr>
+              <a:t>與超解析度成像網路為基礎之金門老照片修復研究。國立金門大學資訊科技與應用碩士班</a:t>
+            </a:r>
+          </a:p>
+          <a:p>
+            <a:pPr marL="285750" indent="-285750">
+              <a:buFont typeface="Arial" panose="020B0604020202020204" pitchFamily="34" charset="0"/>
+              <a:buChar char="•"/>
+            </a:pPr>
+            <a:r>
+              <a:rPr lang="zh-TW" altLang="zh-TW" sz="1600" dirty="0">
+                <a:latin typeface="標楷體" panose="03000509000000000000" pitchFamily="65" charset="-120"/>
+                <a:ea typeface="標楷體" panose="03000509000000000000" pitchFamily="65" charset="-120"/>
+              </a:rPr>
+              <a:t>施旻岳（</a:t>
+            </a:r>
+            <a:r>
+              <a:rPr lang="en-US" altLang="zh-TW" sz="1600" dirty="0">
+                <a:latin typeface="標楷體" panose="03000509000000000000" pitchFamily="65" charset="-120"/>
+                <a:ea typeface="標楷體" panose="03000509000000000000" pitchFamily="65" charset="-120"/>
+              </a:rPr>
+              <a:t>2021</a:t>
+            </a:r>
+            <a:r>
+              <a:rPr lang="zh-TW" altLang="zh-TW" sz="1600" dirty="0">
+                <a:latin typeface="標楷體" panose="03000509000000000000" pitchFamily="65" charset="-120"/>
+                <a:ea typeface="標楷體" panose="03000509000000000000" pitchFamily="65" charset="-120"/>
+              </a:rPr>
+              <a:t>）。以生成對抗網路為基礎之閩式建築風格轉換研究（碩士論文）。國立金門大學資訊科技與應用碩士班。</a:t>
+            </a:r>
+          </a:p>
+          <a:p>
+            <a:pPr marL="285750" indent="-285750">
+              <a:buFont typeface="Arial" panose="020B0604020202020204" pitchFamily="34" charset="0"/>
+              <a:buChar char="•"/>
+            </a:pPr>
+            <a:r>
+              <a:rPr lang="zh-TW" altLang="zh-TW" sz="1600" dirty="0">
+                <a:latin typeface="標楷體" panose="03000509000000000000" pitchFamily="65" charset="-120"/>
+                <a:ea typeface="標楷體" panose="03000509000000000000" pitchFamily="65" charset="-120"/>
+              </a:rPr>
+              <a:t>張榮傑</a:t>
+            </a:r>
+            <a:r>
+              <a:rPr lang="en-US" altLang="zh-TW" sz="1600" dirty="0">
+                <a:latin typeface="標楷體" panose="03000509000000000000" pitchFamily="65" charset="-120"/>
+                <a:ea typeface="標楷體" panose="03000509000000000000" pitchFamily="65" charset="-120"/>
+              </a:rPr>
+              <a:t>(2015)</a:t>
+            </a:r>
+            <a:r>
+              <a:rPr lang="zh-TW" altLang="zh-TW" sz="1600" dirty="0">
+                <a:latin typeface="標楷體" panose="03000509000000000000" pitchFamily="65" charset="-120"/>
+                <a:ea typeface="標楷體" panose="03000509000000000000" pitchFamily="65" charset="-120"/>
+              </a:rPr>
+              <a:t>。基於語義分割之影片風格轉換。國立交通大學多媒體工程研究所</a:t>
+            </a:r>
+          </a:p>
+          <a:p>
+            <a:pPr marL="285750" indent="-285750">
+              <a:buFont typeface="Arial" panose="020B0604020202020204" pitchFamily="34" charset="0"/>
+              <a:buChar char="•"/>
+            </a:pPr>
+            <a:r>
+              <a:rPr lang="zh-TW" altLang="zh-TW" sz="1600" dirty="0">
+                <a:latin typeface="標楷體" panose="03000509000000000000" pitchFamily="65" charset="-120"/>
+                <a:ea typeface="標楷體" panose="03000509000000000000" pitchFamily="65" charset="-120"/>
+              </a:rPr>
+              <a:t>張峻瑋</a:t>
+            </a:r>
+            <a:r>
+              <a:rPr lang="en-US" altLang="zh-TW" sz="1600" dirty="0">
+                <a:latin typeface="標楷體" panose="03000509000000000000" pitchFamily="65" charset="-120"/>
+                <a:ea typeface="標楷體" panose="03000509000000000000" pitchFamily="65" charset="-120"/>
+              </a:rPr>
+              <a:t>. (2019). 3D </a:t>
+            </a:r>
+            <a:r>
+              <a:rPr lang="zh-TW" altLang="zh-TW" sz="1600" dirty="0">
+                <a:latin typeface="標楷體" panose="03000509000000000000" pitchFamily="65" charset="-120"/>
+                <a:ea typeface="標楷體" panose="03000509000000000000" pitchFamily="65" charset="-120"/>
+              </a:rPr>
+              <a:t>效果圖擬真度影響設計發展之視覺思考研究</a:t>
+            </a:r>
+            <a:r>
+              <a:rPr lang="en-US" altLang="zh-TW" sz="1600" dirty="0">
+                <a:latin typeface="標楷體" panose="03000509000000000000" pitchFamily="65" charset="-120"/>
+                <a:ea typeface="標楷體" panose="03000509000000000000" pitchFamily="65" charset="-120"/>
+              </a:rPr>
+              <a:t>. </a:t>
+            </a:r>
+            <a:r>
+              <a:rPr lang="zh-TW" altLang="zh-TW" sz="1600" dirty="0">
+                <a:latin typeface="標楷體" panose="03000509000000000000" pitchFamily="65" charset="-120"/>
+                <a:ea typeface="標楷體" panose="03000509000000000000" pitchFamily="65" charset="-120"/>
+              </a:rPr>
+              <a:t>中原大學室內設計研究所學位論文</a:t>
+            </a:r>
+            <a:r>
+              <a:rPr lang="en-US" altLang="zh-TW" sz="1600" dirty="0">
+                <a:latin typeface="標楷體" panose="03000509000000000000" pitchFamily="65" charset="-120"/>
+                <a:ea typeface="標楷體" panose="03000509000000000000" pitchFamily="65" charset="-120"/>
+              </a:rPr>
+              <a:t>, 1-184.</a:t>
+            </a:r>
+            <a:endParaRPr lang="zh-TW" altLang="zh-TW" sz="1600" dirty="0">
+              <a:latin typeface="標楷體" panose="03000509000000000000" pitchFamily="65" charset="-120"/>
+              <a:ea typeface="標楷體" panose="03000509000000000000" pitchFamily="65" charset="-120"/>
+            </a:endParaRPr>
+          </a:p>
+        </p:txBody>
+      </p:sp>
+    </p:spTree>
+    <p:extLst>
+      <p:ext uri="{BB962C8B-B14F-4D97-AF65-F5344CB8AC3E}">
+        <p14:creationId xmlns:p14="http://schemas.microsoft.com/office/powerpoint/2010/main" val="4198365523"/>
+      </p:ext>
+    </p:extLst>
+  </p:cSld>
+  <p:clrMapOvr>
+    <a:masterClrMapping/>
+  </p:clrMapOvr>
+  <mc:AlternateContent xmlns:mc="http://schemas.openxmlformats.org/markup-compatibility/2006" xmlns:p14="http://schemas.microsoft.com/office/powerpoint/2010/main">
+    <mc:Choice Requires="p14">
+      <p:transition spd="slow" p14:dur="1100">
+        <p14:switch dir="r"/>
+      </p:transition>
+    </mc:Choice>
+    <mc:Fallback xmlns="">
+      <p:transition spd="slow">
+        <p:fade/>
+      </p:transition>
+    </mc:Fallback>
+  </mc:AlternateContent>
+  <p:timing>
+    <p:tnLst>
+      <p:par>
+        <p:cTn id="1" dur="indefinite" restart="never" nodeType="tmRoot">
+          <p:childTnLst>
+            <p:seq concurrent="1" nextAc="seek">
+              <p:cTn id="2" dur="indefinite" nodeType="mainSeq">
+                <p:childTnLst>
+                  <p:par>
+                    <p:cTn id="3" fill="hold">
+                      <p:stCondLst>
+                        <p:cond delay="indefinite"/>
+                        <p:cond evt="onBegin" delay="0">
+                          <p:tn val="2"/>
+                        </p:cond>
+                      </p:stCondLst>
+                      <p:childTnLst>
+                        <p:par>
+                          <p:cTn id="4" fill="hold">
+                            <p:stCondLst>
+                              <p:cond delay="0"/>
+                            </p:stCondLst>
+                            <p:childTnLst>
+                              <p:par>
+                                <p:cTn id="5" presetID="41" presetClass="entr" presetSubtype="0" fill="hold" grpId="0" nodeType="afterEffect">
+                                  <p:stCondLst>
+                                    <p:cond delay="0"/>
+                                  </p:stCondLst>
+                                  <p:iterate type="lt">
+                                    <p:tmPct val="10000"/>
+                                  </p:iterate>
+                                  <p:childTnLst>
+                                    <p:set>
+                                      <p:cBhvr>
+                                        <p:cTn id="6" dur="1" fill="hold">
+                                          <p:stCondLst>
+                                            <p:cond delay="0"/>
+                                          </p:stCondLst>
+                                        </p:cTn>
+                                        <p:tgtEl>
+                                          <p:spTgt spid="19"/>
+                                        </p:tgtEl>
+                                        <p:attrNameLst>
+                                          <p:attrName>style.visibility</p:attrName>
+                                        </p:attrNameLst>
+                                      </p:cBhvr>
+                                      <p:to>
+                                        <p:strVal val="visible"/>
+                                      </p:to>
+                                    </p:set>
+                                    <p:anim calcmode="lin" valueType="num">
+                                      <p:cBhvr>
+                                        <p:cTn id="7" dur="500" fill="hold"/>
+                                        <p:tgtEl>
+                                          <p:spTgt spid="19"/>
+                                        </p:tgtEl>
+                                        <p:attrNameLst>
+                                          <p:attrName>ppt_x</p:attrName>
+                                        </p:attrNameLst>
+                                      </p:cBhvr>
+                                      <p:tavLst>
+                                        <p:tav tm="0">
+                                          <p:val>
+                                            <p:strVal val="#ppt_x"/>
+                                          </p:val>
+                                        </p:tav>
+                                        <p:tav tm="50000">
+                                          <p:val>
+                                            <p:strVal val="#ppt_x+.1"/>
+                                          </p:val>
+                                        </p:tav>
+                                        <p:tav tm="100000">
+                                          <p:val>
+                                            <p:strVal val="#ppt_x"/>
+                                          </p:val>
+                                        </p:tav>
+                                      </p:tavLst>
+                                    </p:anim>
+                                    <p:anim calcmode="lin" valueType="num">
+                                      <p:cBhvr>
+                                        <p:cTn id="8" dur="500" fill="hold"/>
+                                        <p:tgtEl>
+                                          <p:spTgt spid="19"/>
+                                        </p:tgtEl>
+                                        <p:attrNameLst>
+                                          <p:attrName>ppt_y</p:attrName>
+                                        </p:attrNameLst>
+                                      </p:cBhvr>
+                                      <p:tavLst>
+                                        <p:tav tm="0">
+                                          <p:val>
+                                            <p:strVal val="#ppt_y"/>
+                                          </p:val>
+                                        </p:tav>
+                                        <p:tav tm="100000">
+                                          <p:val>
+                                            <p:strVal val="#ppt_y"/>
+                                          </p:val>
+                                        </p:tav>
+                                      </p:tavLst>
+                                    </p:anim>
+                                    <p:anim calcmode="lin" valueType="num">
+                                      <p:cBhvr>
+                                        <p:cTn id="9" dur="500" fill="hold"/>
+                                        <p:tgtEl>
+                                          <p:spTgt spid="19"/>
+                                        </p:tgtEl>
+                                        <p:attrNameLst>
+                                          <p:attrName>ppt_h</p:attrName>
+                                        </p:attrNameLst>
+                                      </p:cBhvr>
+                                      <p:tavLst>
+                                        <p:tav tm="0">
+                                          <p:val>
+                                            <p:strVal val="#ppt_h/10"/>
+                                          </p:val>
+                                        </p:tav>
+                                        <p:tav tm="50000">
+                                          <p:val>
+                                            <p:strVal val="#ppt_h+.01"/>
+                                          </p:val>
+                                        </p:tav>
+                                        <p:tav tm="100000">
+                                          <p:val>
+                                            <p:strVal val="#ppt_h"/>
+                                          </p:val>
+                                        </p:tav>
+                                      </p:tavLst>
+                                    </p:anim>
+                                    <p:anim calcmode="lin" valueType="num">
+                                      <p:cBhvr>
+                                        <p:cTn id="10" dur="500" fill="hold"/>
+                                        <p:tgtEl>
+                                          <p:spTgt spid="19"/>
+                                        </p:tgtEl>
+                                        <p:attrNameLst>
+                                          <p:attrName>ppt_w</p:attrName>
+                                        </p:attrNameLst>
+                                      </p:cBhvr>
+                                      <p:tavLst>
+                                        <p:tav tm="0">
+                                          <p:val>
+                                            <p:strVal val="#ppt_w/10"/>
+                                          </p:val>
+                                        </p:tav>
+                                        <p:tav tm="50000">
+                                          <p:val>
+                                            <p:strVal val="#ppt_w+.01"/>
+                                          </p:val>
+                                        </p:tav>
+                                        <p:tav tm="100000">
+                                          <p:val>
+                                            <p:strVal val="#ppt_w"/>
+                                          </p:val>
+                                        </p:tav>
+                                      </p:tavLst>
+                                    </p:anim>
+                                    <p:animEffect transition="in" filter="fade">
+                                      <p:cBhvr>
+                                        <p:cTn id="11" dur="500" tmFilter="0,0; .5, 1; 1, 1"/>
+                                        <p:tgtEl>
+                                          <p:spTgt spid="19"/>
+                                        </p:tgtEl>
+                                      </p:cBhvr>
+                                    </p:animEffect>
+                                  </p:childTnLst>
+                                </p:cTn>
+                              </p:par>
+                            </p:childTnLst>
+                          </p:cTn>
+                        </p:par>
+                        <p:par>
+                          <p:cTn id="12" fill="hold">
+                            <p:stCondLst>
+                              <p:cond delay="650"/>
+                            </p:stCondLst>
+                            <p:childTnLst>
+                              <p:par>
+                                <p:cTn id="13" presetID="22" presetClass="entr" presetSubtype="8" fill="hold" nodeType="afterEffect">
+                                  <p:stCondLst>
+                                    <p:cond delay="0"/>
+                                  </p:stCondLst>
+                                  <p:childTnLst>
+                                    <p:set>
+                                      <p:cBhvr>
+                                        <p:cTn id="14" dur="1" fill="hold">
+                                          <p:stCondLst>
+                                            <p:cond delay="0"/>
+                                          </p:stCondLst>
+                                        </p:cTn>
+                                        <p:tgtEl>
+                                          <p:spTgt spid="16"/>
+                                        </p:tgtEl>
+                                        <p:attrNameLst>
+                                          <p:attrName>style.visibility</p:attrName>
+                                        </p:attrNameLst>
+                                      </p:cBhvr>
+                                      <p:to>
+                                        <p:strVal val="visible"/>
+                                      </p:to>
+                                    </p:set>
+                                    <p:animEffect transition="in" filter="wipe(left)">
+                                      <p:cBhvr>
+                                        <p:cTn id="15" dur="300"/>
+                                        <p:tgtEl>
+                                          <p:spTgt spid="16"/>
+                                        </p:tgtEl>
+                                      </p:cBhvr>
+                                    </p:animEffect>
+                                  </p:childTnLst>
+                                </p:cTn>
+                              </p:par>
+                            </p:childTnLst>
+                          </p:cTn>
+                        </p:par>
+                        <p:par>
+                          <p:cTn id="16" fill="hold">
+                            <p:stCondLst>
+                              <p:cond delay="950"/>
+                            </p:stCondLst>
+                            <p:childTnLst>
+                              <p:par>
+                                <p:cTn id="17" presetID="53" presetClass="entr" presetSubtype="528" fill="hold" grpId="0" nodeType="afterEffect">
+                                  <p:stCondLst>
+                                    <p:cond delay="0"/>
+                                  </p:stCondLst>
+                                  <p:childTnLst>
+                                    <p:set>
+                                      <p:cBhvr>
+                                        <p:cTn id="18" dur="1" fill="hold">
+                                          <p:stCondLst>
+                                            <p:cond delay="0"/>
+                                          </p:stCondLst>
+                                        </p:cTn>
+                                        <p:tgtEl>
+                                          <p:spTgt spid="27"/>
+                                        </p:tgtEl>
+                                        <p:attrNameLst>
+                                          <p:attrName>style.visibility</p:attrName>
+                                        </p:attrNameLst>
+                                      </p:cBhvr>
+                                      <p:to>
+                                        <p:strVal val="visible"/>
+                                      </p:to>
+                                    </p:set>
+                                    <p:anim calcmode="lin" valueType="num">
+                                      <p:cBhvr>
+                                        <p:cTn id="19" dur="500" fill="hold"/>
+                                        <p:tgtEl>
+                                          <p:spTgt spid="27"/>
+                                        </p:tgtEl>
+                                        <p:attrNameLst>
+                                          <p:attrName>ppt_w</p:attrName>
+                                        </p:attrNameLst>
+                                      </p:cBhvr>
+                                      <p:tavLst>
+                                        <p:tav tm="0">
+                                          <p:val>
+                                            <p:fltVal val="0"/>
+                                          </p:val>
+                                        </p:tav>
+                                        <p:tav tm="100000">
+                                          <p:val>
+                                            <p:strVal val="#ppt_w"/>
+                                          </p:val>
+                                        </p:tav>
+                                      </p:tavLst>
+                                    </p:anim>
+                                    <p:anim calcmode="lin" valueType="num">
+                                      <p:cBhvr>
+                                        <p:cTn id="20" dur="500" fill="hold"/>
+                                        <p:tgtEl>
+                                          <p:spTgt spid="27"/>
+                                        </p:tgtEl>
+                                        <p:attrNameLst>
+                                          <p:attrName>ppt_h</p:attrName>
+                                        </p:attrNameLst>
+                                      </p:cBhvr>
+                                      <p:tavLst>
+                                        <p:tav tm="0">
+                                          <p:val>
+                                            <p:fltVal val="0"/>
+                                          </p:val>
+                                        </p:tav>
+                                        <p:tav tm="100000">
+                                          <p:val>
+                                            <p:strVal val="#ppt_h"/>
+                                          </p:val>
+                                        </p:tav>
+                                      </p:tavLst>
+                                    </p:anim>
+                                    <p:animEffect transition="in" filter="fade">
+                                      <p:cBhvr>
+                                        <p:cTn id="21" dur="500"/>
+                                        <p:tgtEl>
+                                          <p:spTgt spid="27"/>
+                                        </p:tgtEl>
+                                      </p:cBhvr>
+                                    </p:animEffect>
+                                    <p:anim calcmode="lin" valueType="num">
+                                      <p:cBhvr>
+                                        <p:cTn id="22" dur="500" fill="hold"/>
+                                        <p:tgtEl>
+                                          <p:spTgt spid="27"/>
+                                        </p:tgtEl>
+                                        <p:attrNameLst>
+                                          <p:attrName>ppt_x</p:attrName>
+                                        </p:attrNameLst>
+                                      </p:cBhvr>
+                                      <p:tavLst>
+                                        <p:tav tm="0">
+                                          <p:val>
+                                            <p:fltVal val="0.5"/>
+                                          </p:val>
+                                        </p:tav>
+                                        <p:tav tm="100000">
+                                          <p:val>
+                                            <p:strVal val="#ppt_x"/>
+                                          </p:val>
+                                        </p:tav>
+                                      </p:tavLst>
+                                    </p:anim>
+                                    <p:anim calcmode="lin" valueType="num">
+                                      <p:cBhvr>
+                                        <p:cTn id="23" dur="500" fill="hold"/>
+                                        <p:tgtEl>
+                                          <p:spTgt spid="27"/>
+                                        </p:tgtEl>
+                                        <p:attrNameLst>
+                                          <p:attrName>ppt_y</p:attrName>
+                                        </p:attrNameLst>
+                                      </p:cBhvr>
+                                      <p:tavLst>
+                                        <p:tav tm="0">
+                                          <p:val>
+                                            <p:fltVal val="0.5"/>
+                                          </p:val>
+                                        </p:tav>
+                                        <p:tav tm="100000">
+                                          <p:val>
+                                            <p:strVal val="#ppt_y"/>
+                                          </p:val>
+                                        </p:tav>
+                                      </p:tavLst>
+                                    </p:anim>
+                                  </p:childTnLst>
+                                </p:cTn>
+                              </p:par>
+                            </p:childTnLst>
+                          </p:cTn>
+                        </p:par>
+                        <p:par>
+                          <p:cTn id="24" fill="hold">
+                            <p:stCondLst>
+                              <p:cond delay="1450"/>
+                            </p:stCondLst>
+                            <p:childTnLst>
+                              <p:par>
+                                <p:cTn id="25" presetID="2" presetClass="entr" presetSubtype="2" fill="hold" grpId="0" nodeType="afterEffect">
+                                  <p:stCondLst>
+                                    <p:cond delay="0"/>
+                                  </p:stCondLst>
+                                  <p:childTnLst>
+                                    <p:set>
+                                      <p:cBhvr>
+                                        <p:cTn id="26" dur="1" fill="hold">
+                                          <p:stCondLst>
+                                            <p:cond delay="0"/>
+                                          </p:stCondLst>
+                                        </p:cTn>
+                                        <p:tgtEl>
+                                          <p:spTgt spid="35"/>
+                                        </p:tgtEl>
+                                        <p:attrNameLst>
+                                          <p:attrName>style.visibility</p:attrName>
+                                        </p:attrNameLst>
+                                      </p:cBhvr>
+                                      <p:to>
+                                        <p:strVal val="visible"/>
+                                      </p:to>
+                                    </p:set>
+                                    <p:anim calcmode="lin" valueType="num">
+                                      <p:cBhvr additive="base">
+                                        <p:cTn id="27" dur="500" fill="hold"/>
+                                        <p:tgtEl>
+                                          <p:spTgt spid="35"/>
+                                        </p:tgtEl>
+                                        <p:attrNameLst>
+                                          <p:attrName>ppt_x</p:attrName>
+                                        </p:attrNameLst>
+                                      </p:cBhvr>
+                                      <p:tavLst>
+                                        <p:tav tm="0">
+                                          <p:val>
+                                            <p:strVal val="1+#ppt_w/2"/>
+                                          </p:val>
+                                        </p:tav>
+                                        <p:tav tm="100000">
+                                          <p:val>
+                                            <p:strVal val="#ppt_x"/>
+                                          </p:val>
+                                        </p:tav>
+                                      </p:tavLst>
+                                    </p:anim>
+                                    <p:anim calcmode="lin" valueType="num">
+                                      <p:cBhvr additive="base">
+                                        <p:cTn id="28" dur="500" fill="hold"/>
+                                        <p:tgtEl>
+                                          <p:spTgt spid="35"/>
+                                        </p:tgtEl>
+                                        <p:attrNameLst>
+                                          <p:attrName>ppt_y</p:attrName>
+                                        </p:attrNameLst>
+                                      </p:cBhvr>
+                                      <p:tavLst>
+                                        <p:tav tm="0">
+                                          <p:val>
+                                            <p:strVal val="#ppt_y"/>
+                                          </p:val>
+                                        </p:tav>
+                                        <p:tav tm="100000">
+                                          <p:val>
+                                            <p:strVal val="#ppt_y"/>
+                                          </p:val>
+                                        </p:tav>
+                                      </p:tavLst>
+                                    </p:anim>
+                                  </p:childTnLst>
+                                </p:cTn>
+                              </p:par>
+                            </p:childTnLst>
+                          </p:cTn>
+                        </p:par>
+                      </p:childTnLst>
+                    </p:cTn>
+                  </p:par>
+                </p:childTnLst>
+              </p:cTn>
+              <p:prevCondLst>
+                <p:cond evt="onPrev" delay="0">
+                  <p:tgtEl>
+                    <p:sldTgt/>
+                  </p:tgtEl>
+                </p:cond>
+              </p:prevCondLst>
+              <p:nextCondLst>
+                <p:cond evt="onNext" delay="0">
+                  <p:tgtEl>
+                    <p:sldTgt/>
+                  </p:tgtEl>
+                </p:cond>
+              </p:nextCondLst>
+            </p:seq>
+          </p:childTnLst>
+        </p:cTn>
+      </p:par>
+    </p:tnLst>
+    <p:bldLst>
+      <p:bldP spid="19" grpId="0"/>
+      <p:bldP spid="27" grpId="0"/>
+      <p:bldP spid="35" grpId="0"/>
+    </p:bldLst>
+  </p:timing>
+</p:sld>
+</file>
+
+<file path=ppt/slides/slide45.xml><?xml version="1.0" encoding="utf-8"?>
+<p:sld xmlns:a="http://schemas.openxmlformats.org/drawingml/2006/main" xmlns:r="http://schemas.openxmlformats.org/officeDocument/2006/relationships" xmlns:p="http://schemas.openxmlformats.org/presentationml/2006/main">
+  <p:cSld>
+    <p:spTree>
+      <p:nvGrpSpPr>
+        <p:cNvPr id="1" name=""/>
+        <p:cNvGrpSpPr/>
+        <p:nvPr/>
+      </p:nvGrpSpPr>
+      <p:grpSpPr>
+        <a:xfrm>
+          <a:off x="0" y="0"/>
+          <a:ext cx="0" cy="0"/>
+          <a:chOff x="0" y="0"/>
+          <a:chExt cx="0" cy="0"/>
+        </a:xfrm>
+      </p:grpSpPr>
+      <p:sp>
+        <p:nvSpPr>
+          <p:cNvPr id="19" name="文本框 15"/>
+          <p:cNvSpPr txBox="1"/>
+          <p:nvPr/>
+        </p:nvSpPr>
+        <p:spPr>
+          <a:xfrm>
+            <a:off x="709386" y="309785"/>
+            <a:ext cx="2261711" cy="330860"/>
+          </a:xfrm>
+          <a:prstGeom prst="rect">
+            <a:avLst/>
+          </a:prstGeom>
+          <a:noFill/>
+        </p:spPr>
+        <p:txBody>
+          <a:bodyPr wrap="square" lIns="68580" tIns="34290" rIns="68580" bIns="34290" rtlCol="0">
+            <a:spAutoFit/>
+          </a:bodyPr>
+          <a:lstStyle/>
+          <a:p>
+            <a:r>
+              <a:rPr lang="zh-TW" altLang="en-US" sz="1700" b="1" dirty="0" smtClean="0">
+                <a:solidFill>
+                  <a:srgbClr val="1B4367"/>
+                </a:solidFill>
+                <a:cs typeface="+mn-ea"/>
+                <a:sym typeface="+mn-lt"/>
+              </a:rPr>
+              <a:t>參考文獻</a:t>
+            </a:r>
+            <a:endParaRPr lang="zh-CN" altLang="en-US" sz="1700" b="1" dirty="0">
+              <a:solidFill>
+                <a:srgbClr val="1B4367"/>
+              </a:solidFill>
+              <a:cs typeface="+mn-ea"/>
+              <a:sym typeface="+mn-lt"/>
+            </a:endParaRPr>
+          </a:p>
+        </p:txBody>
+      </p:sp>
+      <p:sp>
+        <p:nvSpPr>
+          <p:cNvPr id="27" name="文本框 31"/>
+          <p:cNvSpPr txBox="1"/>
+          <p:nvPr/>
+        </p:nvSpPr>
+        <p:spPr>
+          <a:xfrm>
+            <a:off x="1254737" y="911124"/>
+            <a:ext cx="2600712" cy="807913"/>
+          </a:xfrm>
+          <a:prstGeom prst="rect">
+            <a:avLst/>
+          </a:prstGeom>
+          <a:noFill/>
+        </p:spPr>
+        <p:txBody>
+          <a:bodyPr wrap="none" lIns="68580" tIns="34290" rIns="68580" bIns="34290" rtlCol="0">
+            <a:spAutoFit/>
+          </a:bodyPr>
+          <a:lstStyle/>
+          <a:p>
+            <a:r>
+              <a:rPr lang="zh-CN" altLang="zh-CN" sz="4800" b="1" dirty="0">
+                <a:solidFill>
+                  <a:srgbClr val="1B4367"/>
+                </a:solidFill>
+              </a:rPr>
+              <a:t>参</a:t>
+            </a:r>
+            <a:r>
+              <a:rPr lang="zh-CN" altLang="zh-CN" sz="4800" b="1" dirty="0" smtClean="0">
+                <a:solidFill>
+                  <a:srgbClr val="1B4367"/>
+                </a:solidFill>
+              </a:rPr>
+              <a:t>考</a:t>
+            </a:r>
+            <a:r>
+              <a:rPr lang="zh-TW" altLang="en-US" sz="4800" b="1" dirty="0">
+                <a:solidFill>
+                  <a:srgbClr val="1B4367"/>
+                </a:solidFill>
+              </a:rPr>
+              <a:t>文獻</a:t>
+            </a:r>
+            <a:endParaRPr lang="zh-CN" altLang="en-US" sz="4800" b="1" dirty="0">
+              <a:solidFill>
+                <a:srgbClr val="1B4367"/>
+              </a:solidFill>
+            </a:endParaRPr>
+          </a:p>
+        </p:txBody>
+      </p:sp>
+      <p:cxnSp>
+        <p:nvCxnSpPr>
+          <p:cNvPr id="16" name="直接连接符 15"/>
+          <p:cNvCxnSpPr/>
+          <p:nvPr/>
+        </p:nvCxnSpPr>
+        <p:spPr>
+          <a:xfrm>
+            <a:off x="774478" y="657417"/>
+            <a:ext cx="480259" cy="0"/>
+          </a:xfrm>
+          <a:prstGeom prst="line">
+            <a:avLst/>
+          </a:prstGeom>
+          <a:ln w="9525">
+            <a:solidFill>
+              <a:srgbClr val="1B4367"/>
+            </a:solidFill>
+          </a:ln>
+        </p:spPr>
+        <p:style>
+          <a:lnRef idx="1">
+            <a:schemeClr val="accent1"/>
+          </a:lnRef>
+          <a:fillRef idx="0">
+            <a:schemeClr val="accent1"/>
+          </a:fillRef>
+          <a:effectRef idx="0">
+            <a:schemeClr val="accent1"/>
+          </a:effectRef>
+          <a:fontRef idx="minor">
+            <a:schemeClr val="tx1"/>
+          </a:fontRef>
+        </p:style>
+      </p:cxnSp>
+      <p:sp>
+        <p:nvSpPr>
+          <p:cNvPr id="35" name="文本框 19"/>
+          <p:cNvSpPr txBox="1"/>
+          <p:nvPr/>
+        </p:nvSpPr>
+        <p:spPr>
+          <a:xfrm>
+            <a:off x="1014607" y="1719037"/>
             <a:ext cx="7650195" cy="2039020"/>
           </a:xfrm>
           <a:prstGeom prst="rect">
@@ -31518,7 +31721,7 @@
 </p:sld>
 </file>
 
-<file path=ppt/slides/slide45.xml><?xml version="1.0" encoding="utf-8"?>
+<file path=ppt/slides/slide46.xml><?xml version="1.0" encoding="utf-8"?>
 <p:sld xmlns:a="http://schemas.openxmlformats.org/drawingml/2006/main" xmlns:r="http://schemas.openxmlformats.org/officeDocument/2006/relationships" xmlns:p="http://schemas.openxmlformats.org/presentationml/2006/main">
   <p:cSld>
     <p:bg>
@@ -33000,11 +33203,7 @@
             </a:r>
             <a:r>
               <a:rPr lang="zh-TW" altLang="en-US" sz="1600" dirty="0" smtClean="0"/>
-              <a:t>輪廓，透過語義分割抓取前景一同訓練避免細節的</a:t>
-            </a:r>
-            <a:r>
-              <a:rPr lang="zh-TW" altLang="en-US" sz="1600" dirty="0" smtClean="0"/>
-              <a:t>丟失</a:t>
+              <a:t>輪廓，透過語義分割抓取前景一同訓練避免細節的丟失</a:t>
             </a:r>
             <a:endParaRPr lang="zh-TW" altLang="zh-TW" sz="1600" dirty="0"/>
           </a:p>
@@ -33129,7 +33328,7 @@
               </a:spcBef>
             </a:pPr>
             <a:r>
-              <a:rPr lang="zh-TW" altLang="en-US" sz="2000" b="1" dirty="0">
+              <a:rPr lang="zh-TW" altLang="en-US" sz="2000" b="1" dirty="0" smtClean="0">
                 <a:solidFill>
                   <a:srgbClr val="1B4367"/>
                 </a:solidFill>
@@ -33139,14 +33338,14 @@
               <a:t>於</a:t>
             </a:r>
             <a:r>
-              <a:rPr lang="en-US" altLang="zh-TW" sz="2000" b="1" dirty="0" smtClean="0">
+              <a:rPr lang="zh-TW" altLang="en-US" sz="2000" b="1" dirty="0">
                 <a:solidFill>
                   <a:srgbClr val="1B4367"/>
                 </a:solidFill>
                 <a:cs typeface="+mn-ea"/>
                 <a:sym typeface="+mn-lt"/>
               </a:rPr>
-              <a:t>GAN</a:t>
+              <a:t>生成對抗網路</a:t>
             </a:r>
             <a:r>
               <a:rPr lang="zh-TW" altLang="en-US" sz="2000" b="1" dirty="0" smtClean="0">
@@ -33156,7 +33355,17 @@
                 <a:cs typeface="+mn-ea"/>
                 <a:sym typeface="+mn-lt"/>
               </a:rPr>
-              <a:t>中加入影像濾波層</a:t>
+              <a:t>中</a:t>
+            </a:r>
+            <a:r>
+              <a:rPr lang="zh-TW" altLang="en-US" sz="2000" b="1" dirty="0" smtClean="0">
+                <a:solidFill>
+                  <a:srgbClr val="1B4367"/>
+                </a:solidFill>
+                <a:cs typeface="+mn-ea"/>
+                <a:sym typeface="+mn-lt"/>
+              </a:rPr>
+              <a:t>加入影像濾波層</a:t>
             </a:r>
             <a:endParaRPr lang="zh-CN" altLang="en-US" sz="2000" b="1" dirty="0">
               <a:solidFill>

--- a/論文/論文寫作期末報告.pptx
+++ b/論文/論文寫作期末報告.pptx
@@ -256,7 +256,7 @@
           <a:p>
             <a:fld id="{0F9B84EA-7D68-4D60-9CB1-D50884785D1C}" type="datetimeFigureOut">
               <a:rPr lang="zh-CN" altLang="en-US" smtClean="0"/>
-              <a:t>2021/12/26</a:t>
+              <a:t>2021/12/27</a:t>
             </a:fld>
             <a:endParaRPr lang="zh-CN" altLang="en-US"/>
           </a:p>
@@ -421,7 +421,7 @@
           <a:p>
             <a:fld id="{D2A48B96-639E-45A3-A0BA-2464DFDB1FAA}" type="datetimeFigureOut">
               <a:rPr lang="zh-CN" altLang="en-US" smtClean="0"/>
-              <a:t>2021/12/26</a:t>
+              <a:t>2021/12/27</a:t>
             </a:fld>
             <a:endParaRPr lang="zh-CN" altLang="en-US"/>
           </a:p>
@@ -1614,19 +1614,7 @@
                 <a:ea typeface="+mn-ea"/>
                 <a:cs typeface="+mn-cs"/>
               </a:rPr>
-              <a:t>傳統</a:t>
-            </a:r>
-            <a:r>
-              <a:rPr lang="zh-TW" altLang="zh-TW" sz="900" kern="1200" dirty="0" smtClean="0">
-                <a:solidFill>
-                  <a:schemeClr val="tx1"/>
-                </a:solidFill>
-                <a:effectLst/>
-                <a:latin typeface="+mn-lt"/>
-                <a:ea typeface="+mn-ea"/>
-                <a:cs typeface="+mn-cs"/>
-              </a:rPr>
-              <a:t>的</a:t>
+              <a:t>傳統的</a:t>
             </a:r>
             <a:r>
               <a:rPr lang="en-US" altLang="zh-TW" sz="900" kern="1200" dirty="0" smtClean="0">
@@ -2502,10 +2490,10 @@
                 <a:ea typeface="+mn-ea"/>
                 <a:cs typeface="+mn-cs"/>
               </a:rPr>
-              <a:t>，接著</a:t>
-            </a:r>
-            <a:r>
-              <a:rPr lang="zh-TW" altLang="en-US" sz="900" kern="1200" dirty="0" smtClean="0">
+              <a:t>，接著輸入至判別器</a:t>
+            </a:r>
+            <a:r>
+              <a:rPr lang="zh-TW" altLang="zh-TW" sz="900" kern="1200" dirty="0" smtClean="0">
                 <a:solidFill>
                   <a:schemeClr val="tx1"/>
                 </a:solidFill>
@@ -2514,10 +2502,10 @@
                 <a:ea typeface="+mn-ea"/>
                 <a:cs typeface="+mn-cs"/>
               </a:rPr>
-              <a:t>輸入至判別器</a:t>
-            </a:r>
-            <a:r>
-              <a:rPr lang="zh-TW" altLang="zh-TW" sz="900" kern="1200" dirty="0" smtClean="0">
+              <a:t>，以欺騙判別器</a:t>
+            </a:r>
+            <a:r>
+              <a:rPr lang="en-US" altLang="zh-TW" sz="900" kern="1200" dirty="0" smtClean="0">
                 <a:solidFill>
                   <a:schemeClr val="tx1"/>
                 </a:solidFill>
@@ -2526,10 +2514,10 @@
                 <a:ea typeface="+mn-ea"/>
                 <a:cs typeface="+mn-cs"/>
               </a:rPr>
-              <a:t>，以欺騙判別器</a:t>
-            </a:r>
-            <a:r>
-              <a:rPr lang="en-US" altLang="zh-TW" sz="900" kern="1200" dirty="0" smtClean="0">
+              <a:t>;</a:t>
+            </a:r>
+            <a:r>
+              <a:rPr lang="zh-TW" altLang="zh-TW" sz="900" kern="1200" dirty="0" smtClean="0">
                 <a:solidFill>
                   <a:schemeClr val="tx1"/>
                 </a:solidFill>
@@ -2538,10 +2526,10 @@
                 <a:ea typeface="+mn-ea"/>
                 <a:cs typeface="+mn-cs"/>
               </a:rPr>
-              <a:t>;</a:t>
-            </a:r>
-            <a:r>
-              <a:rPr lang="zh-TW" altLang="zh-TW" sz="900" kern="1200" dirty="0" smtClean="0">
+              <a:t>判別器必須分辨出</a:t>
+            </a:r>
+            <a:r>
+              <a:rPr lang="zh-TW" altLang="en-US" sz="900" kern="1200" dirty="0" smtClean="0">
                 <a:solidFill>
                   <a:schemeClr val="tx1"/>
                 </a:solidFill>
@@ -2550,10 +2538,10 @@
                 <a:ea typeface="+mn-ea"/>
                 <a:cs typeface="+mn-cs"/>
               </a:rPr>
-              <a:t>判別器必須分辨出</a:t>
-            </a:r>
-            <a:r>
-              <a:rPr lang="zh-TW" altLang="en-US" sz="900" kern="1200" dirty="0" smtClean="0">
+              <a:t>輸入的</a:t>
+            </a:r>
+            <a:r>
+              <a:rPr lang="zh-TW" altLang="zh-TW" sz="900" kern="1200" dirty="0" smtClean="0">
                 <a:solidFill>
                   <a:schemeClr val="tx1"/>
                 </a:solidFill>
@@ -2562,10 +2550,10 @@
                 <a:ea typeface="+mn-ea"/>
                 <a:cs typeface="+mn-cs"/>
               </a:rPr>
-              <a:t>輸入的</a:t>
-            </a:r>
-            <a:r>
-              <a:rPr lang="zh-TW" altLang="zh-TW" sz="900" kern="1200" dirty="0" smtClean="0">
+              <a:t>圖片是否為原圖片還是生成器生成出來的假圖片，並給予</a:t>
+            </a:r>
+            <a:r>
+              <a:rPr lang="zh-TW" altLang="en-US" sz="900" kern="1200" dirty="0" smtClean="0">
                 <a:solidFill>
                   <a:schemeClr val="tx1"/>
                 </a:solidFill>
@@ -2574,10 +2562,10 @@
                 <a:ea typeface="+mn-ea"/>
                 <a:cs typeface="+mn-cs"/>
               </a:rPr>
-              <a:t>圖片是否為原圖片還是生成器生成出來的假圖片，並給予</a:t>
-            </a:r>
-            <a:r>
-              <a:rPr lang="zh-TW" altLang="en-US" sz="900" kern="1200" dirty="0" smtClean="0">
+              <a:t>分數做為回饋，傳回生成器，生成器在利用此回饋，調整內部參數，將圖片生成的更像，接著再丟入判別器作判別</a:t>
+            </a:r>
+            <a:r>
+              <a:rPr lang="zh-TW" altLang="zh-TW" sz="900" kern="1200" dirty="0" smtClean="0">
                 <a:solidFill>
                   <a:schemeClr val="tx1"/>
                 </a:solidFill>
@@ -2586,7 +2574,7 @@
                 <a:ea typeface="+mn-ea"/>
                 <a:cs typeface="+mn-cs"/>
               </a:rPr>
-              <a:t>分數做為回饋，傳回生成器，生成器在利用此回饋，調整內部參數，將圖片生成的更像，接著再丟入判別</a:t>
+              <a:t>。</a:t>
             </a:r>
             <a:r>
               <a:rPr lang="zh-TW" altLang="en-US" sz="900" kern="1200" dirty="0" smtClean="0">
@@ -2598,10 +2586,10 @@
                 <a:ea typeface="+mn-ea"/>
                 <a:cs typeface="+mn-cs"/>
               </a:rPr>
-              <a:t>器作</a:t>
-            </a:r>
-            <a:r>
-              <a:rPr lang="zh-TW" altLang="en-US" sz="900" kern="1200" dirty="0" smtClean="0">
+              <a:t>一直</a:t>
+            </a:r>
+            <a:r>
+              <a:rPr lang="zh-TW" altLang="zh-TW" sz="900" kern="1200" dirty="0" smtClean="0">
                 <a:solidFill>
                   <a:schemeClr val="tx1"/>
                 </a:solidFill>
@@ -2610,10 +2598,10 @@
                 <a:ea typeface="+mn-ea"/>
                 <a:cs typeface="+mn-cs"/>
               </a:rPr>
-              <a:t>判別</a:t>
-            </a:r>
-            <a:r>
-              <a:rPr lang="zh-TW" altLang="zh-TW" sz="900" kern="1200" dirty="0" smtClean="0">
+              <a:t>不斷循環此過程，在過程中兩邊皆會改進並增強自己的方法</a:t>
+            </a:r>
+            <a:r>
+              <a:rPr lang="zh-TW" altLang="en-US" sz="900" kern="1200" dirty="0" smtClean="0">
                 <a:solidFill>
                   <a:schemeClr val="tx1"/>
                 </a:solidFill>
@@ -2622,67 +2610,7 @@
                 <a:ea typeface="+mn-ea"/>
                 <a:cs typeface="+mn-cs"/>
               </a:rPr>
-              <a:t>。</a:t>
-            </a:r>
-            <a:r>
-              <a:rPr lang="zh-TW" altLang="en-US" sz="900" kern="1200" dirty="0" smtClean="0">
-                <a:solidFill>
-                  <a:schemeClr val="tx1"/>
-                </a:solidFill>
-                <a:effectLst/>
-                <a:latin typeface="+mn-lt"/>
-                <a:ea typeface="+mn-ea"/>
-                <a:cs typeface="+mn-cs"/>
-              </a:rPr>
-              <a:t>一直</a:t>
-            </a:r>
-            <a:r>
-              <a:rPr lang="zh-TW" altLang="zh-TW" sz="900" kern="1200" dirty="0" smtClean="0">
-                <a:solidFill>
-                  <a:schemeClr val="tx1"/>
-                </a:solidFill>
-                <a:effectLst/>
-                <a:latin typeface="+mn-lt"/>
-                <a:ea typeface="+mn-ea"/>
-                <a:cs typeface="+mn-cs"/>
-              </a:rPr>
-              <a:t>不斷循環此過程，在過程中兩邊皆會改進並增強自己的方法</a:t>
-            </a:r>
-            <a:r>
-              <a:rPr lang="zh-TW" altLang="en-US" sz="900" kern="1200" dirty="0" smtClean="0">
-                <a:solidFill>
-                  <a:schemeClr val="tx1"/>
-                </a:solidFill>
-                <a:effectLst/>
-                <a:latin typeface="+mn-lt"/>
-                <a:ea typeface="+mn-ea"/>
-                <a:cs typeface="+mn-cs"/>
-              </a:rPr>
-              <a:t>，直到生成器沒辦法生成出更像的圖片，</a:t>
-            </a:r>
-            <a:r>
-              <a:rPr lang="zh-TW" altLang="en-US" sz="900" kern="1200" dirty="0" smtClean="0">
-                <a:solidFill>
-                  <a:schemeClr val="tx1"/>
-                </a:solidFill>
-                <a:effectLst/>
-                <a:latin typeface="+mn-lt"/>
-                <a:ea typeface="+mn-ea"/>
-                <a:cs typeface="+mn-cs"/>
-              </a:rPr>
-              <a:t>判別器沒辦法</a:t>
-            </a:r>
-            <a:r>
-              <a:rPr lang="zh-TW" altLang="en-US" sz="900" kern="1200" dirty="0" smtClean="0">
-                <a:solidFill>
-                  <a:schemeClr val="tx1"/>
-                </a:solidFill>
-                <a:effectLst/>
-                <a:latin typeface="+mn-lt"/>
-                <a:ea typeface="+mn-ea"/>
-                <a:cs typeface="+mn-cs"/>
-              </a:rPr>
-              <a:t>判別出圖片的真假。</a:t>
+              <a:t>，直到生成器沒辦法生成出更像的圖片，判別器沒辦法判別出圖片的真假。</a:t>
             </a:r>
             <a:endParaRPr lang="en-US" altLang="zh-TW" sz="900" kern="1200" dirty="0" smtClean="0">
               <a:solidFill>
@@ -3212,19 +3140,7 @@
                 <a:ea typeface="+mn-ea"/>
                 <a:cs typeface="+mn-cs"/>
               </a:rPr>
-              <a:t>判別器為一個任意的神經網路</a:t>
-            </a:r>
-            <a:r>
-              <a:rPr lang="zh-TW" altLang="zh-TW" sz="900" kern="1200" dirty="0" smtClean="0">
-                <a:solidFill>
-                  <a:schemeClr val="tx1"/>
-                </a:solidFill>
-                <a:effectLst/>
-                <a:latin typeface="+mn-lt"/>
-                <a:ea typeface="+mn-ea"/>
-                <a:cs typeface="+mn-cs"/>
-              </a:rPr>
-              <a:t>，對於圖片通常會使用卷積神經網路</a:t>
+              <a:t>判別器為一個任意的神經網路，對於圖片通常會使用卷積神經網路</a:t>
             </a:r>
             <a:r>
               <a:rPr lang="en-US" altLang="zh-TW" sz="900" kern="1200" dirty="0" smtClean="0">
@@ -4769,10 +4685,10 @@
                 <a:ea typeface="+mn-ea"/>
                 <a:cs typeface="+mn-cs"/>
               </a:rPr>
-              <a:t>相似，但紋理部分與引導圖相似。因為室內設計圖是一種擁有多類別的影像，為了不</a:t>
-            </a:r>
-            <a:r>
-              <a:rPr lang="zh-TW" altLang="zh-TW" sz="900" kern="1200" dirty="0" smtClean="0">
+              <a:t>相似，但紋理部分與引導圖相似。因為室內設計圖是一種擁有多類別的影像，為了不讓</a:t>
+            </a:r>
+            <a:r>
+              <a:rPr lang="zh-TW" altLang="en-US" sz="900" kern="1200" dirty="0" smtClean="0">
                 <a:solidFill>
                   <a:schemeClr val="tx1"/>
                 </a:solidFill>
@@ -4781,10 +4697,10 @@
                 <a:ea typeface="+mn-ea"/>
                 <a:cs typeface="+mn-cs"/>
               </a:rPr>
-              <a:t>讓</a:t>
-            </a:r>
-            <a:r>
-              <a:rPr lang="zh-TW" altLang="en-US" sz="900" kern="1200" dirty="0" smtClean="0">
+              <a:t>物件邊緣</a:t>
+            </a:r>
+            <a:r>
+              <a:rPr lang="zh-TW" altLang="zh-TW" sz="900" kern="1200" dirty="0" smtClean="0">
                 <a:solidFill>
                   <a:schemeClr val="tx1"/>
                 </a:solidFill>
@@ -4793,31 +4709,7 @@
                 <a:ea typeface="+mn-ea"/>
                 <a:cs typeface="+mn-cs"/>
               </a:rPr>
-              <a:t>物件邊緣</a:t>
-            </a:r>
-            <a:r>
-              <a:rPr lang="zh-TW" altLang="zh-TW" sz="900" kern="1200" dirty="0" smtClean="0">
-                <a:solidFill>
-                  <a:schemeClr val="tx1"/>
-                </a:solidFill>
-                <a:effectLst/>
-                <a:latin typeface="+mn-lt"/>
-                <a:ea typeface="+mn-ea"/>
-                <a:cs typeface="+mn-cs"/>
-              </a:rPr>
-              <a:t>模糊</a:t>
-            </a:r>
-            <a:r>
-              <a:rPr lang="zh-TW" altLang="zh-TW" sz="900" kern="1200" dirty="0" smtClean="0">
-                <a:solidFill>
-                  <a:schemeClr val="tx1"/>
-                </a:solidFill>
-                <a:effectLst/>
-                <a:latin typeface="+mn-lt"/>
-                <a:ea typeface="+mn-ea"/>
-                <a:cs typeface="+mn-cs"/>
-              </a:rPr>
-              <a:t>，因此利用影像濾波器將影像銳化，抓出影像的邊界，通過濾波器還原回輸出圖像，以最大限度地保持模糊圖像的邊緣和細節，達到細節加強的效果。</a:t>
+              <a:t>模糊，因此利用影像濾波器將影像銳化，抓出影像的邊界，通過濾波器還原回輸出圖像，以最大限度地保持模糊圖像的邊緣和細節，達到細節加強的效果。</a:t>
             </a:r>
             <a:endParaRPr lang="zh-TW" altLang="zh-TW" sz="900" kern="1200" dirty="0">
               <a:solidFill>
@@ -5319,10 +5211,10 @@
                 <a:ea typeface="+mn-ea"/>
                 <a:cs typeface="+mn-cs"/>
               </a:rPr>
-              <a:t>資料</a:t>
-            </a:r>
-            <a:r>
-              <a:rPr lang="zh-TW" altLang="zh-TW" sz="900" kern="1200" dirty="0" smtClean="0">
+              <a:t>資料蒐集為</a:t>
+            </a:r>
+            <a:r>
+              <a:rPr lang="zh-TW" altLang="en-US" sz="900" kern="1200" dirty="0" smtClean="0">
                 <a:solidFill>
                   <a:schemeClr val="tx1"/>
                 </a:solidFill>
@@ -5343,43 +5235,7 @@
                 <a:ea typeface="+mn-ea"/>
                 <a:cs typeface="+mn-cs"/>
               </a:rPr>
-              <a:t>為</a:t>
-            </a:r>
-            <a:r>
-              <a:rPr lang="zh-TW" altLang="en-US" sz="900" kern="1200" dirty="0" smtClean="0">
-                <a:solidFill>
-                  <a:schemeClr val="tx1"/>
-                </a:solidFill>
-                <a:effectLst/>
-                <a:latin typeface="+mn-lt"/>
-                <a:ea typeface="+mn-ea"/>
-                <a:cs typeface="+mn-cs"/>
-              </a:rPr>
-              <a:t>蒐集</a:t>
-            </a:r>
-            <a:r>
-              <a:rPr lang="zh-TW" altLang="zh-TW" sz="900" kern="1200" dirty="0" smtClean="0">
-                <a:solidFill>
-                  <a:schemeClr val="tx1"/>
-                </a:solidFill>
-                <a:effectLst/>
-                <a:latin typeface="+mn-lt"/>
-                <a:ea typeface="+mn-ea"/>
-                <a:cs typeface="+mn-cs"/>
-              </a:rPr>
-              <a:t>三</a:t>
-            </a:r>
-            <a:r>
-              <a:rPr lang="zh-TW" altLang="zh-TW" sz="900" kern="1200" dirty="0" smtClean="0">
-                <a:solidFill>
-                  <a:schemeClr val="tx1"/>
-                </a:solidFill>
-                <a:effectLst/>
-                <a:latin typeface="+mn-lt"/>
-                <a:ea typeface="+mn-ea"/>
-                <a:cs typeface="+mn-cs"/>
-              </a:rPr>
-              <a:t>維模型與對應真實照片的蒐集方式，語義分割為增強資料及強化細節的運用，</a:t>
+              <a:t>三維模型與對應真實照片的蒐集方式，語義分割為增強資料及強化細節的運用，</a:t>
             </a:r>
             <a:r>
               <a:rPr lang="zh-TW" altLang="en-US" sz="900" kern="1200" dirty="0" smtClean="0">
@@ -8691,10 +8547,10 @@
                 <a:ea typeface="+mn-ea"/>
                 <a:cs typeface="+mn-cs"/>
               </a:rPr>
-              <a:t>可以看到右邊那張圖是用人工智慧生成出來的假照片，</a:t>
-            </a:r>
-            <a:r>
-              <a:rPr lang="zh-TW" altLang="en-US" sz="900" kern="1200" dirty="0" smtClean="0">
+              <a:t>可以看到右邊那張圖是用人工智慧生成出來的假照片，跟我們現在拍出來的的真實照片有</a:t>
+            </a:r>
+            <a:r>
+              <a:rPr lang="en-US" altLang="zh-TW" sz="900" kern="1200" dirty="0" smtClean="0">
                 <a:solidFill>
                   <a:schemeClr val="tx1"/>
                 </a:solidFill>
@@ -8703,7 +8559,7 @@
                 <a:ea typeface="+mn-ea"/>
                 <a:cs typeface="+mn-cs"/>
               </a:rPr>
-              <a:t>跟我們現在拍出來的的</a:t>
+              <a:t>87%</a:t>
             </a:r>
             <a:r>
               <a:rPr lang="zh-TW" altLang="en-US" sz="900" kern="1200" dirty="0" smtClean="0">
@@ -8715,10 +8571,10 @@
                 <a:ea typeface="+mn-ea"/>
                 <a:cs typeface="+mn-cs"/>
               </a:rPr>
-              <a:t>真實照片有</a:t>
-            </a:r>
-            <a:r>
-              <a:rPr lang="en-US" altLang="zh-TW" sz="900" kern="1200" dirty="0" smtClean="0">
+              <a:t>像，而這是用生成對抗網路這項技術來完成得，</a:t>
+            </a:r>
+            <a:r>
+              <a:rPr lang="zh-TW" altLang="zh-TW" sz="900" kern="1200" dirty="0" smtClean="0">
                 <a:solidFill>
                   <a:schemeClr val="tx1"/>
                 </a:solidFill>
@@ -8727,55 +8583,7 @@
                 <a:ea typeface="+mn-ea"/>
                 <a:cs typeface="+mn-cs"/>
               </a:rPr>
-              <a:t>87%</a:t>
-            </a:r>
-            <a:r>
-              <a:rPr lang="zh-TW" altLang="en-US" sz="900" kern="1200" dirty="0" smtClean="0">
-                <a:solidFill>
-                  <a:schemeClr val="tx1"/>
-                </a:solidFill>
-                <a:effectLst/>
-                <a:latin typeface="+mn-lt"/>
-                <a:ea typeface="+mn-ea"/>
-                <a:cs typeface="+mn-cs"/>
-              </a:rPr>
-              <a:t>像，</a:t>
-            </a:r>
-            <a:r>
-              <a:rPr lang="zh-TW" altLang="en-US" sz="900" kern="1200" dirty="0" smtClean="0">
-                <a:solidFill>
-                  <a:schemeClr val="tx1"/>
-                </a:solidFill>
-                <a:effectLst/>
-                <a:latin typeface="+mn-lt"/>
-                <a:ea typeface="+mn-ea"/>
-                <a:cs typeface="+mn-cs"/>
-              </a:rPr>
-              <a:t>而這是用生成對抗網路這項技術來完成得，</a:t>
-            </a:r>
-            <a:r>
-              <a:rPr lang="zh-TW" altLang="zh-TW" sz="900" kern="1200" dirty="0" smtClean="0">
-                <a:solidFill>
-                  <a:schemeClr val="tx1"/>
-                </a:solidFill>
-                <a:effectLst/>
-                <a:latin typeface="+mn-lt"/>
-                <a:ea typeface="+mn-ea"/>
-                <a:cs typeface="+mn-cs"/>
-              </a:rPr>
-              <a:t>但市面</a:t>
-            </a:r>
-            <a:r>
-              <a:rPr lang="zh-TW" altLang="zh-TW" sz="900" kern="1200" dirty="0" smtClean="0">
-                <a:solidFill>
-                  <a:schemeClr val="tx1"/>
-                </a:solidFill>
-                <a:effectLst/>
-                <a:latin typeface="+mn-lt"/>
-                <a:ea typeface="+mn-ea"/>
-                <a:cs typeface="+mn-cs"/>
-              </a:rPr>
-              <a:t>上</a:t>
+              <a:t>但市面上</a:t>
             </a:r>
             <a:r>
               <a:rPr lang="zh-TW" altLang="en-US" sz="900" kern="1200" dirty="0" smtClean="0">
@@ -9088,10 +8896,10 @@
                 <a:ea typeface="+mn-ea"/>
                 <a:cs typeface="+mn-cs"/>
               </a:rPr>
-              <a:t>另外因室內設計的房間照片中會存在多個傢俱，屬於多物件類別的照片，因此此研究將嘗試在訓練前對圖片進行語義分割，將圖片中的前景如傢俱獨立分割出來，產生出新的圖片，目的是希望在訓練的過程連同前景物件也單獨抓出來訓練，將室內設計房間照片能夠保留所有前景</a:t>
-            </a:r>
-            <a:r>
-              <a:rPr lang="zh-TW" altLang="zh-TW" sz="900" kern="1200" dirty="0" smtClean="0">
+              <a:t>另外因室內設計的房間照片中會存在多個傢俱，屬於多物件類別的照片，因此此研究將嘗試在訓練前對圖片進行語義分割，將圖片中的前景如傢俱獨立分割出來，產生出新的圖片，目的是希望在訓練的過程連同前景物件也單獨抓出來訓練，將室內設計房間照片能夠保留所有前景物件</a:t>
+            </a:r>
+            <a:r>
+              <a:rPr lang="zh-TW" altLang="en-US" sz="900" kern="1200" dirty="0" smtClean="0">
                 <a:solidFill>
                   <a:schemeClr val="tx1"/>
                 </a:solidFill>
@@ -9100,10 +8908,10 @@
                 <a:ea typeface="+mn-ea"/>
                 <a:cs typeface="+mn-cs"/>
               </a:rPr>
-              <a:t>物件</a:t>
-            </a:r>
-            <a:r>
-              <a:rPr lang="zh-TW" altLang="en-US" sz="900" kern="1200" dirty="0" smtClean="0">
+              <a:t>，避免在訓練的過程中丟失家具等細節</a:t>
+            </a:r>
+            <a:r>
+              <a:rPr lang="zh-TW" altLang="zh-TW" sz="900" kern="1200" dirty="0" smtClean="0">
                 <a:solidFill>
                   <a:schemeClr val="tx1"/>
                 </a:solidFill>
@@ -9112,31 +8920,7 @@
                 <a:ea typeface="+mn-ea"/>
                 <a:cs typeface="+mn-cs"/>
               </a:rPr>
-              <a:t>，避免在訓練的過程中丟失家具等細節</a:t>
-            </a:r>
-            <a:r>
-              <a:rPr lang="zh-TW" altLang="zh-TW" sz="900" kern="1200" dirty="0" smtClean="0">
-                <a:solidFill>
-                  <a:schemeClr val="tx1"/>
-                </a:solidFill>
-                <a:effectLst/>
-                <a:latin typeface="+mn-lt"/>
-                <a:ea typeface="+mn-ea"/>
-                <a:cs typeface="+mn-cs"/>
-              </a:rPr>
-              <a:t>，</a:t>
-            </a:r>
-            <a:r>
-              <a:rPr lang="zh-TW" altLang="zh-TW" sz="900" kern="1200" dirty="0" smtClean="0">
-                <a:solidFill>
-                  <a:schemeClr val="tx1"/>
-                </a:solidFill>
-                <a:effectLst/>
-                <a:latin typeface="+mn-lt"/>
-                <a:ea typeface="+mn-ea"/>
-                <a:cs typeface="+mn-cs"/>
-              </a:rPr>
-              <a:t>在訓練的過程較能夠還原所有前景，最後觀察實驗後的成果。</a:t>
+              <a:t>，在訓練的過程較能夠還原所有前景，最後觀察實驗後的成果。</a:t>
             </a:r>
           </a:p>
           <a:p>
@@ -9451,7 +9235,7 @@
           <a:p>
             <a:fld id="{82F288E0-7875-42C4-84C8-98DBBD3BF4D2}" type="datetimeFigureOut">
               <a:rPr lang="zh-CN" altLang="en-US" smtClean="0"/>
-              <a:t>2021/12/26</a:t>
+              <a:t>2021/12/27</a:t>
             </a:fld>
             <a:endParaRPr lang="zh-CN" altLang="en-US"/>
           </a:p>
@@ -9605,7 +9389,7 @@
           <a:p>
             <a:fld id="{82F288E0-7875-42C4-84C8-98DBBD3BF4D2}" type="datetimeFigureOut">
               <a:rPr lang="zh-CN" altLang="en-US" smtClean="0"/>
-              <a:t>2021/12/26</a:t>
+              <a:t>2021/12/27</a:t>
             </a:fld>
             <a:endParaRPr lang="zh-CN" altLang="en-US"/>
           </a:p>
@@ -9892,7 +9676,7 @@
           <a:p>
             <a:fld id="{82F288E0-7875-42C4-84C8-98DBBD3BF4D2}" type="datetimeFigureOut">
               <a:rPr lang="zh-CN" altLang="en-US" smtClean="0"/>
-              <a:t>2021/12/26</a:t>
+              <a:t>2021/12/27</a:t>
             </a:fld>
             <a:endParaRPr lang="zh-CN" altLang="en-US"/>
           </a:p>
@@ -10126,7 +9910,7 @@
           <a:p>
             <a:fld id="{82F288E0-7875-42C4-84C8-98DBBD3BF4D2}" type="datetimeFigureOut">
               <a:rPr lang="zh-CN" altLang="en-US" smtClean="0"/>
-              <a:t>2021/12/26</a:t>
+              <a:t>2021/12/27</a:t>
             </a:fld>
             <a:endParaRPr lang="zh-CN" altLang="en-US"/>
           </a:p>
@@ -10488,7 +10272,7 @@
           <a:p>
             <a:fld id="{82F288E0-7875-42C4-84C8-98DBBD3BF4D2}" type="datetimeFigureOut">
               <a:rPr lang="zh-CN" altLang="en-US" smtClean="0"/>
-              <a:t>2021/12/26</a:t>
+              <a:t>2021/12/27</a:t>
             </a:fld>
             <a:endParaRPr lang="zh-CN" altLang="en-US"/>
           </a:p>
@@ -10601,7 +10385,7 @@
           <a:p>
             <a:fld id="{82F288E0-7875-42C4-84C8-98DBBD3BF4D2}" type="datetimeFigureOut">
               <a:rPr lang="zh-CN" altLang="en-US" smtClean="0"/>
-              <a:t>2021/12/26</a:t>
+              <a:t>2021/12/27</a:t>
             </a:fld>
             <a:endParaRPr lang="zh-CN" altLang="en-US"/>
           </a:p>
@@ -10691,7 +10475,7 @@
           <a:p>
             <a:fld id="{82F288E0-7875-42C4-84C8-98DBBD3BF4D2}" type="datetimeFigureOut">
               <a:rPr lang="zh-CN" altLang="en-US" smtClean="0"/>
-              <a:t>2021/12/26</a:t>
+              <a:t>2021/12/27</a:t>
             </a:fld>
             <a:endParaRPr lang="zh-CN" altLang="en-US"/>
           </a:p>
@@ -10939,7 +10723,7 @@
           <a:p>
             <a:fld id="{82F288E0-7875-42C4-84C8-98DBBD3BF4D2}" type="datetimeFigureOut">
               <a:rPr lang="zh-CN" altLang="en-US" smtClean="0"/>
-              <a:t>2021/12/26</a:t>
+              <a:t>2021/12/27</a:t>
             </a:fld>
             <a:endParaRPr lang="zh-CN" altLang="en-US"/>
           </a:p>
@@ -11114,7 +10898,7 @@
           <a:p>
             <a:fld id="{82F288E0-7875-42C4-84C8-98DBBD3BF4D2}" type="datetimeFigureOut">
               <a:rPr lang="zh-CN" altLang="en-US" smtClean="0"/>
-              <a:t>2021/12/26</a:t>
+              <a:t>2021/12/27</a:t>
             </a:fld>
             <a:endParaRPr lang="zh-CN" altLang="en-US"/>
           </a:p>
@@ -11327,7 +11111,7 @@
           <a:p>
             <a:fld id="{82F288E0-7875-42C4-84C8-98DBBD3BF4D2}" type="datetimeFigureOut">
               <a:rPr lang="zh-CN" altLang="en-US" smtClean="0"/>
-              <a:t>2021/12/26</a:t>
+              <a:t>2021/12/27</a:t>
             </a:fld>
             <a:endParaRPr lang="zh-CN" altLang="en-US"/>
           </a:p>
@@ -11979,16 +11763,12 @@
   <p:clrMapOvr>
     <a:masterClrMapping/>
   </p:clrMapOvr>
-  <mc:AlternateContent xmlns:mc="http://schemas.openxmlformats.org/markup-compatibility/2006" xmlns:p14="http://schemas.microsoft.com/office/powerpoint/2010/main">
-    <mc:Choice Requires="p14">
-      <p:transition spd="slow" p14:dur="2000">
-        <p14:prism isContent="1"/>
-      </p:transition>
+  <mc:AlternateContent xmlns:mc="http://schemas.openxmlformats.org/markup-compatibility/2006">
+    <mc:Choice xmlns:p14="http://schemas.microsoft.com/office/powerpoint/2010/main" Requires="p14">
+      <p:transition p14:dur="0"/>
     </mc:Choice>
-    <mc:Fallback xmlns="">
-      <p:transition spd="slow">
-        <p:fade/>
-      </p:transition>
+    <mc:Fallback>
+      <p:transition/>
     </mc:Fallback>
   </mc:AlternateContent>
   <p:timing>
@@ -12224,16 +12004,12 @@
   <p:clrMapOvr>
     <a:masterClrMapping/>
   </p:clrMapOvr>
-  <mc:AlternateContent xmlns:mc="http://schemas.openxmlformats.org/markup-compatibility/2006" xmlns:p14="http://schemas.microsoft.com/office/powerpoint/2010/main">
-    <mc:Choice Requires="p14">
-      <p:transition spd="slow" p14:dur="2000">
-        <p14:prism isContent="1"/>
-      </p:transition>
+  <mc:AlternateContent xmlns:mc="http://schemas.openxmlformats.org/markup-compatibility/2006">
+    <mc:Choice xmlns:p14="http://schemas.microsoft.com/office/powerpoint/2010/main" Requires="p14">
+      <p:transition p14:dur="0"/>
     </mc:Choice>
-    <mc:Fallback xmlns="">
-      <p:transition spd="slow">
-        <p:fade/>
-      </p:transition>
+    <mc:Fallback>
+      <p:transition/>
     </mc:Fallback>
   </mc:AlternateContent>
   <p:timing>
@@ -12435,16 +12211,12 @@
   <p:clrMapOvr>
     <a:masterClrMapping/>
   </p:clrMapOvr>
-  <mc:AlternateContent xmlns:mc="http://schemas.openxmlformats.org/markup-compatibility/2006" xmlns:p14="http://schemas.microsoft.com/office/powerpoint/2010/main">
-    <mc:Choice Requires="p14">
-      <p:transition spd="slow" p14:dur="1200">
-        <p14:flip dir="r"/>
-      </p:transition>
+  <mc:AlternateContent xmlns:mc="http://schemas.openxmlformats.org/markup-compatibility/2006">
+    <mc:Choice xmlns:p14="http://schemas.microsoft.com/office/powerpoint/2010/main" Requires="p14">
+      <p:transition p14:dur="0"/>
     </mc:Choice>
-    <mc:Fallback xmlns="">
-      <p:transition spd="slow">
-        <p:fade/>
-      </p:transition>
+    <mc:Fallback>
+      <p:transition/>
     </mc:Fallback>
   </mc:AlternateContent>
   <p:timing>
@@ -12607,7 +12379,7 @@
           <p:cNvPr id="11" name="表格 5">
             <a:extLst>
               <a:ext uri="{FF2B5EF4-FFF2-40B4-BE49-F238E27FC236}">
-                <a16:creationId xmlns:a16="http://schemas.microsoft.com/office/drawing/2014/main" xmlns="" id="{202A9B48-7C02-4B9F-A694-D9D167DDE433}"/>
+                <a16:creationId xmlns="" xmlns:a16="http://schemas.microsoft.com/office/drawing/2014/main" id="{202A9B48-7C02-4B9F-A694-D9D167DDE433}"/>
               </a:ext>
             </a:extLst>
           </p:cNvPr>
@@ -12634,14 +12406,14 @@
                 <a:gridCol w="4881957">
                   <a:extLst>
                     <a:ext uri="{9D8B030D-6E8A-4147-A177-3AD203B41FA5}">
-                      <a16:colId xmlns:a16="http://schemas.microsoft.com/office/drawing/2014/main" xmlns="" val="3498442498"/>
+                      <a16:colId xmlns="" xmlns:a16="http://schemas.microsoft.com/office/drawing/2014/main" val="3498442498"/>
                     </a:ext>
                   </a:extLst>
                 </a:gridCol>
                 <a:gridCol w="1495587">
                   <a:extLst>
                     <a:ext uri="{9D8B030D-6E8A-4147-A177-3AD203B41FA5}">
-                      <a16:colId xmlns:a16="http://schemas.microsoft.com/office/drawing/2014/main" xmlns="" val="2798367762"/>
+                      <a16:colId xmlns="" xmlns:a16="http://schemas.microsoft.com/office/drawing/2014/main" val="2798367762"/>
                     </a:ext>
                   </a:extLst>
                 </a:gridCol>
@@ -12740,7 +12512,7 @@
                 </a:tc>
                 <a:extLst>
                   <a:ext uri="{0D108BD9-81ED-4DB2-BD59-A6C34878D82A}">
-                    <a16:rowId xmlns:a16="http://schemas.microsoft.com/office/drawing/2014/main" xmlns="" val="43767920"/>
+                    <a16:rowId xmlns="" xmlns:a16="http://schemas.microsoft.com/office/drawing/2014/main" val="43767920"/>
                   </a:ext>
                 </a:extLst>
               </a:tr>
@@ -12753,7 +12525,7 @@
           <p:cNvPr id="13" name="表格 5">
             <a:extLst>
               <a:ext uri="{FF2B5EF4-FFF2-40B4-BE49-F238E27FC236}">
-                <a16:creationId xmlns:a16="http://schemas.microsoft.com/office/drawing/2014/main" xmlns="" id="{202A9B48-7C02-4B9F-A694-D9D167DDE433}"/>
+                <a16:creationId xmlns="" xmlns:a16="http://schemas.microsoft.com/office/drawing/2014/main" id="{202A9B48-7C02-4B9F-A694-D9D167DDE433}"/>
               </a:ext>
             </a:extLst>
           </p:cNvPr>
@@ -12780,14 +12552,14 @@
                 <a:gridCol w="4881957">
                   <a:extLst>
                     <a:ext uri="{9D8B030D-6E8A-4147-A177-3AD203B41FA5}">
-                      <a16:colId xmlns:a16="http://schemas.microsoft.com/office/drawing/2014/main" xmlns="" val="3498442498"/>
+                      <a16:colId xmlns="" xmlns:a16="http://schemas.microsoft.com/office/drawing/2014/main" val="3498442498"/>
                     </a:ext>
                   </a:extLst>
                 </a:gridCol>
                 <a:gridCol w="1495587">
                   <a:extLst>
                     <a:ext uri="{9D8B030D-6E8A-4147-A177-3AD203B41FA5}">
-                      <a16:colId xmlns:a16="http://schemas.microsoft.com/office/drawing/2014/main" xmlns="" val="2798367762"/>
+                      <a16:colId xmlns="" xmlns:a16="http://schemas.microsoft.com/office/drawing/2014/main" val="2798367762"/>
                     </a:ext>
                   </a:extLst>
                 </a:gridCol>
@@ -13090,7 +12862,7 @@
                 </a:tc>
                 <a:extLst>
                   <a:ext uri="{0D108BD9-81ED-4DB2-BD59-A6C34878D82A}">
-                    <a16:rowId xmlns:a16="http://schemas.microsoft.com/office/drawing/2014/main" xmlns="" val="43767920"/>
+                    <a16:rowId xmlns="" xmlns:a16="http://schemas.microsoft.com/office/drawing/2014/main" val="43767920"/>
                   </a:ext>
                 </a:extLst>
               </a:tr>
@@ -13108,16 +12880,12 @@
   <p:clrMapOvr>
     <a:masterClrMapping/>
   </p:clrMapOvr>
-  <mc:AlternateContent xmlns:mc="http://schemas.openxmlformats.org/markup-compatibility/2006" xmlns:p14="http://schemas.microsoft.com/office/powerpoint/2010/main">
-    <mc:Choice Requires="p14">
-      <p:transition spd="slow" p14:dur="2000">
-        <p14:prism isContent="1"/>
-      </p:transition>
+  <mc:AlternateContent xmlns:mc="http://schemas.openxmlformats.org/markup-compatibility/2006">
+    <mc:Choice xmlns:p14="http://schemas.microsoft.com/office/powerpoint/2010/main" Requires="p14">
+      <p:transition p14:dur="0"/>
     </mc:Choice>
-    <mc:Fallback xmlns="">
-      <p:transition spd="slow">
-        <p:fade/>
-      </p:transition>
+    <mc:Fallback>
+      <p:transition/>
     </mc:Fallback>
   </mc:AlternateContent>
   <p:timing>
@@ -13290,7 +13058,7 @@
           <p:cNvPr id="9" name="表格 5">
             <a:extLst>
               <a:ext uri="{FF2B5EF4-FFF2-40B4-BE49-F238E27FC236}">
-                <a16:creationId xmlns:a16="http://schemas.microsoft.com/office/drawing/2014/main" xmlns="" id="{202A9B48-7C02-4B9F-A694-D9D167DDE433}"/>
+                <a16:creationId xmlns="" xmlns:a16="http://schemas.microsoft.com/office/drawing/2014/main" id="{202A9B48-7C02-4B9F-A694-D9D167DDE433}"/>
               </a:ext>
             </a:extLst>
           </p:cNvPr>
@@ -13317,14 +13085,14 @@
                 <a:gridCol w="4881957">
                   <a:extLst>
                     <a:ext uri="{9D8B030D-6E8A-4147-A177-3AD203B41FA5}">
-                      <a16:colId xmlns:a16="http://schemas.microsoft.com/office/drawing/2014/main" xmlns="" val="3498442498"/>
+                      <a16:colId xmlns="" xmlns:a16="http://schemas.microsoft.com/office/drawing/2014/main" val="3498442498"/>
                     </a:ext>
                   </a:extLst>
                 </a:gridCol>
                 <a:gridCol w="1495587">
                   <a:extLst>
                     <a:ext uri="{9D8B030D-6E8A-4147-A177-3AD203B41FA5}">
-                      <a16:colId xmlns:a16="http://schemas.microsoft.com/office/drawing/2014/main" xmlns="" val="2798367762"/>
+                      <a16:colId xmlns="" xmlns:a16="http://schemas.microsoft.com/office/drawing/2014/main" val="2798367762"/>
                     </a:ext>
                   </a:extLst>
                 </a:gridCol>
@@ -13445,7 +13213,7 @@
                 </a:tc>
                 <a:extLst>
                   <a:ext uri="{0D108BD9-81ED-4DB2-BD59-A6C34878D82A}">
-                    <a16:rowId xmlns:a16="http://schemas.microsoft.com/office/drawing/2014/main" xmlns="" val="43767920"/>
+                    <a16:rowId xmlns="" xmlns:a16="http://schemas.microsoft.com/office/drawing/2014/main" val="43767920"/>
                   </a:ext>
                 </a:extLst>
               </a:tr>
@@ -13463,16 +13231,12 @@
   <p:clrMapOvr>
     <a:masterClrMapping/>
   </p:clrMapOvr>
-  <mc:AlternateContent xmlns:mc="http://schemas.openxmlformats.org/markup-compatibility/2006" xmlns:p14="http://schemas.microsoft.com/office/powerpoint/2010/main">
-    <mc:Choice Requires="p14">
-      <p:transition spd="slow" p14:dur="2000">
-        <p14:prism isContent="1"/>
-      </p:transition>
+  <mc:AlternateContent xmlns:mc="http://schemas.openxmlformats.org/markup-compatibility/2006">
+    <mc:Choice xmlns:p14="http://schemas.microsoft.com/office/powerpoint/2010/main" Requires="p14">
+      <p:transition p14:dur="0"/>
     </mc:Choice>
-    <mc:Fallback xmlns="">
-      <p:transition spd="slow">
-        <p:fade/>
-      </p:transition>
+    <mc:Fallback>
+      <p:transition/>
     </mc:Fallback>
   </mc:AlternateContent>
   <p:timing>
@@ -13645,7 +13409,7 @@
           <p:cNvPr id="6" name="表格 5">
             <a:extLst>
               <a:ext uri="{FF2B5EF4-FFF2-40B4-BE49-F238E27FC236}">
-                <a16:creationId xmlns:a16="http://schemas.microsoft.com/office/drawing/2014/main" xmlns="" id="{202A9B48-7C02-4B9F-A694-D9D167DDE433}"/>
+                <a16:creationId xmlns="" xmlns:a16="http://schemas.microsoft.com/office/drawing/2014/main" id="{202A9B48-7C02-4B9F-A694-D9D167DDE433}"/>
               </a:ext>
             </a:extLst>
           </p:cNvPr>
@@ -13672,14 +13436,14 @@
                 <a:gridCol w="4881957">
                   <a:extLst>
                     <a:ext uri="{9D8B030D-6E8A-4147-A177-3AD203B41FA5}">
-                      <a16:colId xmlns:a16="http://schemas.microsoft.com/office/drawing/2014/main" xmlns="" val="3498442498"/>
+                      <a16:colId xmlns="" xmlns:a16="http://schemas.microsoft.com/office/drawing/2014/main" val="3498442498"/>
                     </a:ext>
                   </a:extLst>
                 </a:gridCol>
                 <a:gridCol w="1495587">
                   <a:extLst>
                     <a:ext uri="{9D8B030D-6E8A-4147-A177-3AD203B41FA5}">
-                      <a16:colId xmlns:a16="http://schemas.microsoft.com/office/drawing/2014/main" xmlns="" val="2798367762"/>
+                      <a16:colId xmlns="" xmlns:a16="http://schemas.microsoft.com/office/drawing/2014/main" val="2798367762"/>
                     </a:ext>
                   </a:extLst>
                 </a:gridCol>
@@ -13860,7 +13624,7 @@
                 </a:tc>
                 <a:extLst>
                   <a:ext uri="{0D108BD9-81ED-4DB2-BD59-A6C34878D82A}">
-                    <a16:rowId xmlns:a16="http://schemas.microsoft.com/office/drawing/2014/main" xmlns="" val="43767920"/>
+                    <a16:rowId xmlns="" xmlns:a16="http://schemas.microsoft.com/office/drawing/2014/main" val="43767920"/>
                   </a:ext>
                 </a:extLst>
               </a:tr>
@@ -13878,16 +13642,12 @@
   <p:clrMapOvr>
     <a:masterClrMapping/>
   </p:clrMapOvr>
-  <mc:AlternateContent xmlns:mc="http://schemas.openxmlformats.org/markup-compatibility/2006" xmlns:p14="http://schemas.microsoft.com/office/powerpoint/2010/main">
-    <mc:Choice Requires="p14">
-      <p:transition spd="slow" p14:dur="2000">
-        <p14:prism isContent="1"/>
-      </p:transition>
+  <mc:AlternateContent xmlns:mc="http://schemas.openxmlformats.org/markup-compatibility/2006">
+    <mc:Choice xmlns:p14="http://schemas.microsoft.com/office/powerpoint/2010/main" Requires="p14">
+      <p:transition p14:dur="0"/>
     </mc:Choice>
-    <mc:Fallback xmlns="">
-      <p:transition spd="slow">
-        <p:fade/>
-      </p:transition>
+    <mc:Fallback>
+      <p:transition/>
     </mc:Fallback>
   </mc:AlternateContent>
   <p:timing>
@@ -14050,7 +13810,7 @@
           <p:cNvPr id="7" name="表格 5">
             <a:extLst>
               <a:ext uri="{FF2B5EF4-FFF2-40B4-BE49-F238E27FC236}">
-                <a16:creationId xmlns="" xmlns:a16="http://schemas.microsoft.com/office/drawing/2014/main" id="{202A9B48-7C02-4B9F-A694-D9D167DDE433}"/>
+                <a16:creationId xmlns:a16="http://schemas.microsoft.com/office/drawing/2014/main" xmlns="" id="{202A9B48-7C02-4B9F-A694-D9D167DDE433}"/>
               </a:ext>
             </a:extLst>
           </p:cNvPr>
@@ -14077,21 +13837,21 @@
                 <a:gridCol w="1439100">
                   <a:extLst>
                     <a:ext uri="{9D8B030D-6E8A-4147-A177-3AD203B41FA5}">
-                      <a16:colId xmlns="" xmlns:a16="http://schemas.microsoft.com/office/drawing/2014/main" val="1313235057"/>
+                      <a16:colId xmlns:a16="http://schemas.microsoft.com/office/drawing/2014/main" xmlns="" val="1313235057"/>
                     </a:ext>
                   </a:extLst>
                 </a:gridCol>
                 <a:gridCol w="2365537">
                   <a:extLst>
                     <a:ext uri="{9D8B030D-6E8A-4147-A177-3AD203B41FA5}">
-                      <a16:colId xmlns="" xmlns:a16="http://schemas.microsoft.com/office/drawing/2014/main" val="3498442498"/>
+                      <a16:colId xmlns:a16="http://schemas.microsoft.com/office/drawing/2014/main" xmlns="" val="3498442498"/>
                     </a:ext>
                   </a:extLst>
                 </a:gridCol>
                 <a:gridCol w="3597777">
                   <a:extLst>
                     <a:ext uri="{9D8B030D-6E8A-4147-A177-3AD203B41FA5}">
-                      <a16:colId xmlns="" xmlns:a16="http://schemas.microsoft.com/office/drawing/2014/main" val="2798367762"/>
+                      <a16:colId xmlns:a16="http://schemas.microsoft.com/office/drawing/2014/main" xmlns="" val="2798367762"/>
                     </a:ext>
                   </a:extLst>
                 </a:gridCol>
@@ -14243,7 +14003,7 @@
                 </a:tc>
                 <a:extLst>
                   <a:ext uri="{0D108BD9-81ED-4DB2-BD59-A6C34878D82A}">
-                    <a16:rowId xmlns="" xmlns:a16="http://schemas.microsoft.com/office/drawing/2014/main" val="43767920"/>
+                    <a16:rowId xmlns:a16="http://schemas.microsoft.com/office/drawing/2014/main" xmlns="" val="43767920"/>
                   </a:ext>
                 </a:extLst>
               </a:tr>
@@ -14449,7 +14209,7 @@
                 </a:tc>
                 <a:extLst>
                   <a:ext uri="{0D108BD9-81ED-4DB2-BD59-A6C34878D82A}">
-                    <a16:rowId xmlns="" xmlns:a16="http://schemas.microsoft.com/office/drawing/2014/main" val="881114521"/>
+                    <a16:rowId xmlns:a16="http://schemas.microsoft.com/office/drawing/2014/main" xmlns="" val="881114521"/>
                   </a:ext>
                 </a:extLst>
               </a:tr>
@@ -14611,7 +14371,7 @@
                 </a:tc>
                 <a:extLst>
                   <a:ext uri="{0D108BD9-81ED-4DB2-BD59-A6C34878D82A}">
-                    <a16:rowId xmlns="" xmlns:a16="http://schemas.microsoft.com/office/drawing/2014/main" val="3889943358"/>
+                    <a16:rowId xmlns:a16="http://schemas.microsoft.com/office/drawing/2014/main" xmlns="" val="3889943358"/>
                   </a:ext>
                 </a:extLst>
               </a:tr>
@@ -14629,16 +14389,12 @@
   <p:clrMapOvr>
     <a:masterClrMapping/>
   </p:clrMapOvr>
-  <mc:AlternateContent xmlns:mc="http://schemas.openxmlformats.org/markup-compatibility/2006" xmlns:p14="http://schemas.microsoft.com/office/powerpoint/2010/main">
-    <mc:Choice Requires="p14">
-      <p:transition spd="slow" p14:dur="2000">
-        <p14:prism isContent="1"/>
-      </p:transition>
+  <mc:AlternateContent xmlns:mc="http://schemas.openxmlformats.org/markup-compatibility/2006">
+    <mc:Choice xmlns:p14="http://schemas.microsoft.com/office/powerpoint/2010/main" Requires="p14">
+      <p:transition p14:dur="0"/>
     </mc:Choice>
-    <mc:Fallback xmlns="">
-      <p:transition spd="slow">
-        <p:fade/>
-      </p:transition>
+    <mc:Fallback>
+      <p:transition/>
     </mc:Fallback>
   </mc:AlternateContent>
   <p:timing>
@@ -14808,13 +14564,7 @@
               <a:rPr lang="en-US" altLang="zh-TW" sz="1600" dirty="0" smtClean="0">
                 <a:latin typeface="+mn-ea"/>
               </a:rPr>
-              <a:t>Network</a:t>
-            </a:r>
-            <a:r>
-              <a:rPr lang="en-US" altLang="zh-TW" sz="1600" dirty="0" smtClean="0">
-                <a:latin typeface="+mn-ea"/>
-              </a:rPr>
-              <a:t>)</a:t>
+              <a:t>Network)</a:t>
             </a:r>
           </a:p>
           <a:p>
@@ -14835,9 +14585,6 @@
               </a:rPr>
               <a:t>:</a:t>
             </a:r>
-            <a:endParaRPr lang="en-US" altLang="zh-TW" sz="1600" dirty="0" smtClean="0">
-              <a:latin typeface="+mn-ea"/>
-            </a:endParaRPr>
           </a:p>
           <a:p>
             <a:r>
@@ -14850,19 +14597,7 @@
               <a:rPr lang="en-US" altLang="zh-TW" sz="1600" dirty="0" smtClean="0">
                 <a:latin typeface="+mn-ea"/>
               </a:rPr>
-              <a:t>(</a:t>
-            </a:r>
-            <a:r>
-              <a:rPr lang="en-US" altLang="zh-TW" sz="1600" dirty="0" smtClean="0">
-                <a:latin typeface="+mn-ea"/>
-              </a:rPr>
-              <a:t>Generator</a:t>
-            </a:r>
-            <a:r>
-              <a:rPr lang="en-US" altLang="zh-TW" sz="1600" dirty="0" smtClean="0">
-                <a:latin typeface="+mn-ea"/>
-              </a:rPr>
-              <a:t>)</a:t>
+              <a:t>(Generator)</a:t>
             </a:r>
           </a:p>
           <a:p>
@@ -15001,16 +14736,12 @@
   <p:clrMapOvr>
     <a:masterClrMapping/>
   </p:clrMapOvr>
-  <mc:AlternateContent xmlns:mc="http://schemas.openxmlformats.org/markup-compatibility/2006" xmlns:p14="http://schemas.microsoft.com/office/powerpoint/2010/main">
-    <mc:Choice Requires="p14">
-      <p:transition spd="slow" p14:dur="2000">
-        <p14:prism isContent="1"/>
-      </p:transition>
+  <mc:AlternateContent xmlns:mc="http://schemas.openxmlformats.org/markup-compatibility/2006">
+    <mc:Choice xmlns:p14="http://schemas.microsoft.com/office/powerpoint/2010/main" Requires="p14">
+      <p:transition p14:dur="0"/>
     </mc:Choice>
-    <mc:Fallback xmlns="">
-      <p:transition spd="slow">
-        <p:fade/>
-      </p:transition>
+    <mc:Fallback>
+      <p:transition/>
     </mc:Fallback>
   </mc:AlternateContent>
   <p:timing>
@@ -15262,16 +14993,12 @@
   <p:clrMapOvr>
     <a:masterClrMapping/>
   </p:clrMapOvr>
-  <mc:AlternateContent xmlns:mc="http://schemas.openxmlformats.org/markup-compatibility/2006" xmlns:p14="http://schemas.microsoft.com/office/powerpoint/2010/main">
-    <mc:Choice Requires="p14">
-      <p:transition spd="slow" p14:dur="2000">
-        <p14:prism isContent="1"/>
-      </p:transition>
+  <mc:AlternateContent xmlns:mc="http://schemas.openxmlformats.org/markup-compatibility/2006">
+    <mc:Choice xmlns:p14="http://schemas.microsoft.com/office/powerpoint/2010/main" Requires="p14">
+      <p:transition p14:dur="0"/>
     </mc:Choice>
-    <mc:Fallback xmlns="">
-      <p:transition spd="slow">
-        <p:fade/>
-      </p:transition>
+    <mc:Fallback>
+      <p:transition/>
     </mc:Fallback>
   </mc:AlternateContent>
   <p:timing>
@@ -15533,15 +15260,7 @@
             </a:r>
             <a:r>
               <a:rPr lang="zh-TW" altLang="en-US" sz="1600" dirty="0" smtClean="0"/>
-              <a:t>將</a:t>
-            </a:r>
-            <a:r>
-              <a:rPr lang="zh-TW" altLang="en-US" sz="1600" dirty="0" smtClean="0"/>
-              <a:t>低維度</a:t>
-            </a:r>
-            <a:r>
-              <a:rPr lang="zh-TW" altLang="en-US" sz="1600" dirty="0" smtClean="0"/>
-              <a:t>資料解壓縮回原始維度</a:t>
+              <a:t>將低維度資料解壓縮回原始維度</a:t>
             </a:r>
             <a:endParaRPr lang="zh-TW" altLang="zh-TW" sz="1600" dirty="0"/>
           </a:p>
@@ -15626,16 +15345,12 @@
   <p:clrMapOvr>
     <a:masterClrMapping/>
   </p:clrMapOvr>
-  <mc:AlternateContent xmlns:mc="http://schemas.openxmlformats.org/markup-compatibility/2006" xmlns:p14="http://schemas.microsoft.com/office/powerpoint/2010/main">
-    <mc:Choice Requires="p14">
-      <p:transition spd="slow" p14:dur="2000">
-        <p14:prism isContent="1"/>
-      </p:transition>
+  <mc:AlternateContent xmlns:mc="http://schemas.openxmlformats.org/markup-compatibility/2006">
+    <mc:Choice xmlns:p14="http://schemas.microsoft.com/office/powerpoint/2010/main" Requires="p14">
+      <p:transition p14:dur="0"/>
     </mc:Choice>
-    <mc:Fallback xmlns="">
-      <p:transition spd="slow">
-        <p:fade/>
-      </p:transition>
+    <mc:Fallback>
+      <p:transition/>
     </mc:Fallback>
   </mc:AlternateContent>
   <p:timing>
@@ -15983,16 +15698,12 @@
   <p:clrMapOvr>
     <a:masterClrMapping/>
   </p:clrMapOvr>
-  <mc:AlternateContent xmlns:mc="http://schemas.openxmlformats.org/markup-compatibility/2006" xmlns:p14="http://schemas.microsoft.com/office/powerpoint/2010/main">
-    <mc:Choice Requires="p14">
-      <p:transition spd="slow" p14:dur="2000">
-        <p14:prism isContent="1"/>
-      </p:transition>
+  <mc:AlternateContent xmlns:mc="http://schemas.openxmlformats.org/markup-compatibility/2006">
+    <mc:Choice xmlns:p14="http://schemas.microsoft.com/office/powerpoint/2010/main" Requires="p14">
+      <p:transition p14:dur="0"/>
     </mc:Choice>
-    <mc:Fallback xmlns="">
-      <p:transition spd="slow">
-        <p:fade/>
-      </p:transition>
+    <mc:Fallback>
+      <p:transition/>
     </mc:Fallback>
   </mc:AlternateContent>
   <p:timing>
@@ -16791,16 +16502,12 @@
   <p:clrMapOvr>
     <a:masterClrMapping/>
   </p:clrMapOvr>
-  <mc:AlternateContent xmlns:mc="http://schemas.openxmlformats.org/markup-compatibility/2006" xmlns:p14="http://schemas.microsoft.com/office/powerpoint/2010/main">
-    <mc:Choice Requires="p14">
-      <p:transition spd="slow" p14:dur="1600">
-        <p14:prism isInverted="1"/>
-      </p:transition>
+  <mc:AlternateContent xmlns:mc="http://schemas.openxmlformats.org/markup-compatibility/2006">
+    <mc:Choice xmlns:p14="http://schemas.microsoft.com/office/powerpoint/2010/main" Requires="p14">
+      <p:transition p14:dur="0"/>
     </mc:Choice>
-    <mc:Fallback xmlns="">
-      <p:transition spd="slow">
-        <p:fade/>
-      </p:transition>
+    <mc:Fallback>
+      <p:transition/>
     </mc:Fallback>
   </mc:AlternateContent>
   <p:timing>
@@ -17214,16 +16921,12 @@
   <p:clrMapOvr>
     <a:masterClrMapping/>
   </p:clrMapOvr>
-  <mc:AlternateContent xmlns:mc="http://schemas.openxmlformats.org/markup-compatibility/2006" xmlns:p14="http://schemas.microsoft.com/office/powerpoint/2010/main">
-    <mc:Choice Requires="p14">
-      <p:transition spd="slow" p14:dur="2000">
-        <p14:prism isContent="1"/>
-      </p:transition>
+  <mc:AlternateContent xmlns:mc="http://schemas.openxmlformats.org/markup-compatibility/2006">
+    <mc:Choice xmlns:p14="http://schemas.microsoft.com/office/powerpoint/2010/main" Requires="p14">
+      <p:transition p14:dur="0"/>
     </mc:Choice>
-    <mc:Fallback xmlns="">
-      <p:transition spd="slow">
-        <p:fade/>
-      </p:transition>
+    <mc:Fallback>
+      <p:transition/>
     </mc:Fallback>
   </mc:AlternateContent>
   <p:timing>
@@ -17430,7 +17133,7 @@
           <p:cNvPr id="6" name="表格 5">
             <a:extLst>
               <a:ext uri="{FF2B5EF4-FFF2-40B4-BE49-F238E27FC236}">
-                <a16:creationId xmlns="" xmlns:a16="http://schemas.microsoft.com/office/drawing/2014/main" id="{202A9B48-7C02-4B9F-A694-D9D167DDE433}"/>
+                <a16:creationId xmlns:a16="http://schemas.microsoft.com/office/drawing/2014/main" xmlns="" id="{202A9B48-7C02-4B9F-A694-D9D167DDE433}"/>
               </a:ext>
             </a:extLst>
           </p:cNvPr>
@@ -17457,21 +17160,21 @@
                 <a:gridCol w="1728799">
                   <a:extLst>
                     <a:ext uri="{9D8B030D-6E8A-4147-A177-3AD203B41FA5}">
-                      <a16:colId xmlns="" xmlns:a16="http://schemas.microsoft.com/office/drawing/2014/main" val="1313235057"/>
+                      <a16:colId xmlns:a16="http://schemas.microsoft.com/office/drawing/2014/main" xmlns="" val="1313235057"/>
                     </a:ext>
                   </a:extLst>
                 </a:gridCol>
                 <a:gridCol w="2508718">
                   <a:extLst>
                     <a:ext uri="{9D8B030D-6E8A-4147-A177-3AD203B41FA5}">
-                      <a16:colId xmlns="" xmlns:a16="http://schemas.microsoft.com/office/drawing/2014/main" val="3498442498"/>
+                      <a16:colId xmlns:a16="http://schemas.microsoft.com/office/drawing/2014/main" xmlns="" val="3498442498"/>
                     </a:ext>
                   </a:extLst>
                 </a:gridCol>
                 <a:gridCol w="3597777">
                   <a:extLst>
                     <a:ext uri="{9D8B030D-6E8A-4147-A177-3AD203B41FA5}">
-                      <a16:colId xmlns="" xmlns:a16="http://schemas.microsoft.com/office/drawing/2014/main" val="2798367762"/>
+                      <a16:colId xmlns:a16="http://schemas.microsoft.com/office/drawing/2014/main" xmlns="" val="2798367762"/>
                     </a:ext>
                   </a:extLst>
                 </a:gridCol>
@@ -17707,7 +17410,7 @@
                 </a:tc>
                 <a:extLst>
                   <a:ext uri="{0D108BD9-81ED-4DB2-BD59-A6C34878D82A}">
-                    <a16:rowId xmlns="" xmlns:a16="http://schemas.microsoft.com/office/drawing/2014/main" val="43767920"/>
+                    <a16:rowId xmlns:a16="http://schemas.microsoft.com/office/drawing/2014/main" xmlns="" val="43767920"/>
                   </a:ext>
                 </a:extLst>
               </a:tr>
@@ -17906,7 +17609,7 @@
                 </a:tc>
                 <a:extLst>
                   <a:ext uri="{0D108BD9-81ED-4DB2-BD59-A6C34878D82A}">
-                    <a16:rowId xmlns="" xmlns:a16="http://schemas.microsoft.com/office/drawing/2014/main" val="881114521"/>
+                    <a16:rowId xmlns:a16="http://schemas.microsoft.com/office/drawing/2014/main" xmlns="" val="881114521"/>
                   </a:ext>
                 </a:extLst>
               </a:tr>
@@ -18206,21 +17909,7 @@
                           <a:latin typeface="Times New Roman" panose="02020603050405020304" pitchFamily="18" charset="0"/>
                           <a:ea typeface="標楷體" panose="03000509000000000000" pitchFamily="65" charset="-120"/>
                         </a:rPr>
-                        <a:t>，能夠產出更高清的</a:t>
-                      </a:r>
-                      <a:r>
-                        <a:rPr lang="zh-TW" altLang="en-US" sz="1400" b="0" cap="none" spc="0" baseline="0" dirty="0" smtClean="0">
-                          <a:ln>
-                            <a:noFill/>
-                          </a:ln>
-                          <a:solidFill>
-                            <a:schemeClr val="tx1"/>
-                          </a:solidFill>
-                          <a:effectLst/>
-                          <a:latin typeface="Times New Roman" panose="02020603050405020304" pitchFamily="18" charset="0"/>
-                          <a:ea typeface="標楷體" panose="03000509000000000000" pitchFamily="65" charset="-120"/>
-                        </a:rPr>
-                        <a:t>圖片，並提出</a:t>
+                        <a:t>，能夠產出更高清的圖片，並提出</a:t>
                       </a:r>
                       <a:r>
                         <a:rPr lang="en-US" altLang="zh-TW" sz="1400" b="0" cap="none" spc="0" baseline="0" dirty="0" err="1" smtClean="0">
@@ -18280,16 +17969,12 @@
   <p:clrMapOvr>
     <a:masterClrMapping/>
   </p:clrMapOvr>
-  <mc:AlternateContent xmlns:mc="http://schemas.openxmlformats.org/markup-compatibility/2006" xmlns:p14="http://schemas.microsoft.com/office/powerpoint/2010/main">
-    <mc:Choice Requires="p14">
-      <p:transition spd="slow" p14:dur="2000">
-        <p14:prism isContent="1"/>
-      </p:transition>
+  <mc:AlternateContent xmlns:mc="http://schemas.openxmlformats.org/markup-compatibility/2006">
+    <mc:Choice xmlns:p14="http://schemas.microsoft.com/office/powerpoint/2010/main" Requires="p14">
+      <p:transition p14:dur="0"/>
     </mc:Choice>
-    <mc:Fallback xmlns="">
-      <p:transition spd="slow">
-        <p:fade/>
-      </p:transition>
+    <mc:Fallback>
+      <p:transition/>
     </mc:Fallback>
   </mc:AlternateContent>
   <p:timing>
@@ -18608,16 +18293,12 @@
   <p:clrMapOvr>
     <a:masterClrMapping/>
   </p:clrMapOvr>
-  <mc:AlternateContent xmlns:mc="http://schemas.openxmlformats.org/markup-compatibility/2006" xmlns:p14="http://schemas.microsoft.com/office/powerpoint/2010/main">
-    <mc:Choice Requires="p14">
-      <p:transition spd="slow" p14:dur="2000">
-        <p14:prism isContent="1"/>
-      </p:transition>
+  <mc:AlternateContent xmlns:mc="http://schemas.openxmlformats.org/markup-compatibility/2006">
+    <mc:Choice xmlns:p14="http://schemas.microsoft.com/office/powerpoint/2010/main" Requires="p14">
+      <p:transition p14:dur="0"/>
     </mc:Choice>
-    <mc:Fallback xmlns="">
-      <p:transition spd="slow">
-        <p:fade/>
-      </p:transition>
+    <mc:Fallback>
+      <p:transition/>
     </mc:Fallback>
   </mc:AlternateContent>
   <p:timing>
@@ -18810,7 +18491,7 @@
           <p:cNvPr id="6" name="表格 5">
             <a:extLst>
               <a:ext uri="{FF2B5EF4-FFF2-40B4-BE49-F238E27FC236}">
-                <a16:creationId xmlns:a16="http://schemas.microsoft.com/office/drawing/2014/main" xmlns="" id="{202A9B48-7C02-4B9F-A694-D9D167DDE433}"/>
+                <a16:creationId xmlns="" xmlns:a16="http://schemas.microsoft.com/office/drawing/2014/main" id="{202A9B48-7C02-4B9F-A694-D9D167DDE433}"/>
               </a:ext>
             </a:extLst>
           </p:cNvPr>
@@ -18837,14 +18518,14 @@
                 <a:gridCol w="4881957">
                   <a:extLst>
                     <a:ext uri="{9D8B030D-6E8A-4147-A177-3AD203B41FA5}">
-                      <a16:colId xmlns:a16="http://schemas.microsoft.com/office/drawing/2014/main" xmlns="" val="3498442498"/>
+                      <a16:colId xmlns="" xmlns:a16="http://schemas.microsoft.com/office/drawing/2014/main" val="3498442498"/>
                     </a:ext>
                   </a:extLst>
                 </a:gridCol>
                 <a:gridCol w="1495587">
                   <a:extLst>
                     <a:ext uri="{9D8B030D-6E8A-4147-A177-3AD203B41FA5}">
-                      <a16:colId xmlns:a16="http://schemas.microsoft.com/office/drawing/2014/main" xmlns="" val="2798367762"/>
+                      <a16:colId xmlns="" xmlns:a16="http://schemas.microsoft.com/office/drawing/2014/main" val="2798367762"/>
                     </a:ext>
                   </a:extLst>
                 </a:gridCol>
@@ -18946,21 +18627,7 @@
                           <a:latin typeface="+mn-ea"/>
                           <a:ea typeface="+mn-ea"/>
                         </a:rPr>
-                        <a:t>為了使底層的特徵資訊更好的被保留下來，讓重建的過程</a:t>
-                      </a:r>
-                      <a:r>
-                        <a:rPr lang="zh-TW" altLang="en-US" sz="1600" dirty="0" smtClean="0">
-                          <a:latin typeface="+mn-ea"/>
-                          <a:ea typeface="+mn-ea"/>
-                        </a:rPr>
-                        <a:t>比較不會</a:t>
-                      </a:r>
-                      <a:r>
-                        <a:rPr lang="zh-TW" altLang="en-US" sz="1600" dirty="0" smtClean="0">
-                          <a:latin typeface="+mn-ea"/>
-                          <a:ea typeface="+mn-ea"/>
-                        </a:rPr>
-                        <a:t>遺失重要資訊，增加了拼接的概念，將從 </a:t>
+                        <a:t>為了使底層的特徵資訊更好的被保留下來，讓重建的過程比較不會遺失重要資訊，增加了拼接的概念，將從 </a:t>
                       </a:r>
                       <a:r>
                         <a:rPr lang="en-US" altLang="zh-TW" sz="1600" dirty="0" err="1" smtClean="0">
@@ -19023,42 +18690,7 @@
                           <a:latin typeface="+mn-ea"/>
                           <a:ea typeface="+mn-ea"/>
                         </a:rPr>
-                        <a:t>是總</a:t>
-                      </a:r>
-                      <a:r>
-                        <a:rPr lang="zh-TW" altLang="en-US" sz="1600" dirty="0" smtClean="0">
-                          <a:latin typeface="+mn-ea"/>
-                          <a:ea typeface="+mn-ea"/>
-                        </a:rPr>
-                        <a:t>網路層數，即為每一層反卷積層的輸入都</a:t>
-                      </a:r>
-                      <a:r>
-                        <a:rPr lang="zh-TW" altLang="en-US" sz="1600" dirty="0" smtClean="0">
-                          <a:latin typeface="+mn-ea"/>
-                          <a:ea typeface="+mn-ea"/>
-                        </a:rPr>
-                        <a:t>為前</a:t>
-                      </a:r>
-                      <a:r>
-                        <a:rPr lang="zh-TW" altLang="en-US" sz="1600" dirty="0" smtClean="0">
-                          <a:latin typeface="+mn-ea"/>
-                          <a:ea typeface="+mn-ea"/>
-                        </a:rPr>
-                        <a:t>一層的輸出加上與該層對稱的卷積</a:t>
-                      </a:r>
-                      <a:r>
-                        <a:rPr lang="zh-TW" altLang="en-US" sz="1600" dirty="0" smtClean="0">
-                          <a:latin typeface="+mn-ea"/>
-                          <a:ea typeface="+mn-ea"/>
-                        </a:rPr>
-                        <a:t>層的</a:t>
-                      </a:r>
-                      <a:r>
-                        <a:rPr lang="zh-TW" altLang="en-US" sz="1600" dirty="0" smtClean="0">
-                          <a:latin typeface="+mn-ea"/>
-                          <a:ea typeface="+mn-ea"/>
-                        </a:rPr>
-                        <a:t>輸出</a:t>
+                        <a:t>是總網路層數，即為每一層反卷積層的輸入都為前一層的輸出加上與該層對稱的卷積層的輸出</a:t>
                       </a:r>
                       <a:endParaRPr lang="zh-TW" altLang="en-US" sz="1600" b="0" cap="none" spc="0" dirty="0">
                         <a:ln>
@@ -19127,7 +18759,7 @@
                 </a:tc>
                 <a:extLst>
                   <a:ext uri="{0D108BD9-81ED-4DB2-BD59-A6C34878D82A}">
-                    <a16:rowId xmlns:a16="http://schemas.microsoft.com/office/drawing/2014/main" xmlns="" val="43767920"/>
+                    <a16:rowId xmlns="" xmlns:a16="http://schemas.microsoft.com/office/drawing/2014/main" val="43767920"/>
                   </a:ext>
                 </a:extLst>
               </a:tr>
@@ -19145,16 +18777,12 @@
   <p:clrMapOvr>
     <a:masterClrMapping/>
   </p:clrMapOvr>
-  <mc:AlternateContent xmlns:mc="http://schemas.openxmlformats.org/markup-compatibility/2006" xmlns:p14="http://schemas.microsoft.com/office/powerpoint/2010/main">
-    <mc:Choice Requires="p14">
-      <p:transition spd="slow" p14:dur="2000">
-        <p14:prism isContent="1"/>
-      </p:transition>
+  <mc:AlternateContent xmlns:mc="http://schemas.openxmlformats.org/markup-compatibility/2006">
+    <mc:Choice xmlns:p14="http://schemas.microsoft.com/office/powerpoint/2010/main" Requires="p14">
+      <p:transition p14:dur="0"/>
     </mc:Choice>
-    <mc:Fallback xmlns="">
-      <p:transition spd="slow">
-        <p:fade/>
-      </p:transition>
+    <mc:Fallback>
+      <p:transition/>
     </mc:Fallback>
   </mc:AlternateContent>
   <p:timing>
@@ -19386,16 +19014,12 @@
   <p:clrMapOvr>
     <a:masterClrMapping/>
   </p:clrMapOvr>
-  <mc:AlternateContent xmlns:mc="http://schemas.openxmlformats.org/markup-compatibility/2006" xmlns:p14="http://schemas.microsoft.com/office/powerpoint/2010/main">
-    <mc:Choice Requires="p14">
-      <p:transition spd="slow" p14:dur="2000">
-        <p14:prism isContent="1"/>
-      </p:transition>
+  <mc:AlternateContent xmlns:mc="http://schemas.openxmlformats.org/markup-compatibility/2006">
+    <mc:Choice xmlns:p14="http://schemas.microsoft.com/office/powerpoint/2010/main" Requires="p14">
+      <p:transition p14:dur="0"/>
     </mc:Choice>
-    <mc:Fallback xmlns="">
-      <p:transition spd="slow">
-        <p:fade/>
-      </p:transition>
+    <mc:Fallback>
+      <p:transition/>
     </mc:Fallback>
   </mc:AlternateContent>
   <p:timing>
@@ -19578,7 +19202,7 @@
           <p:cNvPr id="6" name="表格 5">
             <a:extLst>
               <a:ext uri="{FF2B5EF4-FFF2-40B4-BE49-F238E27FC236}">
-                <a16:creationId xmlns:a16="http://schemas.microsoft.com/office/drawing/2014/main" xmlns="" id="{202A9B48-7C02-4B9F-A694-D9D167DDE433}"/>
+                <a16:creationId xmlns="" xmlns:a16="http://schemas.microsoft.com/office/drawing/2014/main" id="{202A9B48-7C02-4B9F-A694-D9D167DDE433}"/>
               </a:ext>
             </a:extLst>
           </p:cNvPr>
@@ -19605,14 +19229,14 @@
                 <a:gridCol w="4881957">
                   <a:extLst>
                     <a:ext uri="{9D8B030D-6E8A-4147-A177-3AD203B41FA5}">
-                      <a16:colId xmlns:a16="http://schemas.microsoft.com/office/drawing/2014/main" xmlns="" val="3498442498"/>
+                      <a16:colId xmlns="" xmlns:a16="http://schemas.microsoft.com/office/drawing/2014/main" val="3498442498"/>
                     </a:ext>
                   </a:extLst>
                 </a:gridCol>
                 <a:gridCol w="1495587">
                   <a:extLst>
                     <a:ext uri="{9D8B030D-6E8A-4147-A177-3AD203B41FA5}">
-                      <a16:colId xmlns:a16="http://schemas.microsoft.com/office/drawing/2014/main" xmlns="" val="2798367762"/>
+                      <a16:colId xmlns="" xmlns:a16="http://schemas.microsoft.com/office/drawing/2014/main" val="2798367762"/>
                     </a:ext>
                   </a:extLst>
                 </a:gridCol>
@@ -19737,7 +19361,7 @@
                 </a:tc>
                 <a:extLst>
                   <a:ext uri="{0D108BD9-81ED-4DB2-BD59-A6C34878D82A}">
-                    <a16:rowId xmlns:a16="http://schemas.microsoft.com/office/drawing/2014/main" xmlns="" val="43767920"/>
+                    <a16:rowId xmlns="" xmlns:a16="http://schemas.microsoft.com/office/drawing/2014/main" val="43767920"/>
                   </a:ext>
                 </a:extLst>
               </a:tr>
@@ -19755,16 +19379,12 @@
   <p:clrMapOvr>
     <a:masterClrMapping/>
   </p:clrMapOvr>
-  <mc:AlternateContent xmlns:mc="http://schemas.openxmlformats.org/markup-compatibility/2006" xmlns:p14="http://schemas.microsoft.com/office/powerpoint/2010/main">
-    <mc:Choice Requires="p14">
-      <p:transition spd="slow" p14:dur="2000">
-        <p14:prism isContent="1"/>
-      </p:transition>
+  <mc:AlternateContent xmlns:mc="http://schemas.openxmlformats.org/markup-compatibility/2006">
+    <mc:Choice xmlns:p14="http://schemas.microsoft.com/office/powerpoint/2010/main" Requires="p14">
+      <p:transition p14:dur="0"/>
     </mc:Choice>
-    <mc:Fallback xmlns="">
-      <p:transition spd="slow">
-        <p:fade/>
-      </p:transition>
+    <mc:Fallback>
+      <p:transition/>
     </mc:Fallback>
   </mc:AlternateContent>
   <p:timing>
@@ -19996,16 +19616,12 @@
   <p:clrMapOvr>
     <a:masterClrMapping/>
   </p:clrMapOvr>
-  <mc:AlternateContent xmlns:mc="http://schemas.openxmlformats.org/markup-compatibility/2006" xmlns:p14="http://schemas.microsoft.com/office/powerpoint/2010/main">
-    <mc:Choice Requires="p14">
-      <p:transition spd="slow" p14:dur="2000">
-        <p14:prism isContent="1"/>
-      </p:transition>
+  <mc:AlternateContent xmlns:mc="http://schemas.openxmlformats.org/markup-compatibility/2006">
+    <mc:Choice xmlns:p14="http://schemas.microsoft.com/office/powerpoint/2010/main" Requires="p14">
+      <p:transition p14:dur="0"/>
     </mc:Choice>
-    <mc:Fallback xmlns="">
-      <p:transition spd="slow">
-        <p:fade/>
-      </p:transition>
+    <mc:Fallback>
+      <p:transition/>
     </mc:Fallback>
   </mc:AlternateContent>
   <p:timing>
@@ -20168,7 +19784,7 @@
           <p:cNvPr id="6" name="表格 5">
             <a:extLst>
               <a:ext uri="{FF2B5EF4-FFF2-40B4-BE49-F238E27FC236}">
-                <a16:creationId xmlns:a16="http://schemas.microsoft.com/office/drawing/2014/main" xmlns="" id="{202A9B48-7C02-4B9F-A694-D9D167DDE433}"/>
+                <a16:creationId xmlns="" xmlns:a16="http://schemas.microsoft.com/office/drawing/2014/main" id="{202A9B48-7C02-4B9F-A694-D9D167DDE433}"/>
               </a:ext>
             </a:extLst>
           </p:cNvPr>
@@ -20195,14 +19811,14 @@
                 <a:gridCol w="4881957">
                   <a:extLst>
                     <a:ext uri="{9D8B030D-6E8A-4147-A177-3AD203B41FA5}">
-                      <a16:colId xmlns:a16="http://schemas.microsoft.com/office/drawing/2014/main" xmlns="" val="3498442498"/>
+                      <a16:colId xmlns="" xmlns:a16="http://schemas.microsoft.com/office/drawing/2014/main" val="3498442498"/>
                     </a:ext>
                   </a:extLst>
                 </a:gridCol>
                 <a:gridCol w="1495587">
                   <a:extLst>
                     <a:ext uri="{9D8B030D-6E8A-4147-A177-3AD203B41FA5}">
-                      <a16:colId xmlns:a16="http://schemas.microsoft.com/office/drawing/2014/main" xmlns="" val="2798367762"/>
+                      <a16:colId xmlns="" xmlns:a16="http://schemas.microsoft.com/office/drawing/2014/main" val="2798367762"/>
                     </a:ext>
                   </a:extLst>
                 </a:gridCol>
@@ -20466,7 +20082,7 @@
                 </a:tc>
                 <a:extLst>
                   <a:ext uri="{0D108BD9-81ED-4DB2-BD59-A6C34878D82A}">
-                    <a16:rowId xmlns:a16="http://schemas.microsoft.com/office/drawing/2014/main" xmlns="" val="43767920"/>
+                    <a16:rowId xmlns="" xmlns:a16="http://schemas.microsoft.com/office/drawing/2014/main" val="43767920"/>
                   </a:ext>
                 </a:extLst>
               </a:tr>
@@ -20484,16 +20100,12 @@
   <p:clrMapOvr>
     <a:masterClrMapping/>
   </p:clrMapOvr>
-  <mc:AlternateContent xmlns:mc="http://schemas.openxmlformats.org/markup-compatibility/2006" xmlns:p14="http://schemas.microsoft.com/office/powerpoint/2010/main">
-    <mc:Choice Requires="p14">
-      <p:transition spd="slow" p14:dur="2000">
-        <p14:prism isContent="1"/>
-      </p:transition>
+  <mc:AlternateContent xmlns:mc="http://schemas.openxmlformats.org/markup-compatibility/2006">
+    <mc:Choice xmlns:p14="http://schemas.microsoft.com/office/powerpoint/2010/main" Requires="p14">
+      <p:transition p14:dur="0"/>
     </mc:Choice>
-    <mc:Fallback xmlns="">
-      <p:transition spd="slow">
-        <p:fade/>
-      </p:transition>
+    <mc:Fallback>
+      <p:transition/>
     </mc:Fallback>
   </mc:AlternateContent>
   <p:timing>
@@ -20726,16 +20338,12 @@
   <p:clrMapOvr>
     <a:masterClrMapping/>
   </p:clrMapOvr>
-  <mc:AlternateContent xmlns:mc="http://schemas.openxmlformats.org/markup-compatibility/2006" xmlns:p14="http://schemas.microsoft.com/office/powerpoint/2010/main">
-    <mc:Choice Requires="p14">
-      <p:transition spd="slow" p14:dur="2000">
-        <p14:prism isContent="1"/>
-      </p:transition>
+  <mc:AlternateContent xmlns:mc="http://schemas.openxmlformats.org/markup-compatibility/2006">
+    <mc:Choice xmlns:p14="http://schemas.microsoft.com/office/powerpoint/2010/main" Requires="p14">
+      <p:transition p14:dur="0"/>
     </mc:Choice>
-    <mc:Fallback xmlns="">
-      <p:transition spd="slow">
-        <p:fade/>
-      </p:transition>
+    <mc:Fallback>
+      <p:transition/>
     </mc:Fallback>
   </mc:AlternateContent>
   <p:timing>
@@ -20918,7 +20526,7 @@
           <p:cNvPr id="5" name="表格 4">
             <a:extLst>
               <a:ext uri="{FF2B5EF4-FFF2-40B4-BE49-F238E27FC236}">
-                <a16:creationId xmlns="" xmlns:a16="http://schemas.microsoft.com/office/drawing/2014/main" id="{202A9B48-7C02-4B9F-A694-D9D167DDE433}"/>
+                <a16:creationId xmlns:a16="http://schemas.microsoft.com/office/drawing/2014/main" xmlns="" id="{202A9B48-7C02-4B9F-A694-D9D167DDE433}"/>
               </a:ext>
             </a:extLst>
           </p:cNvPr>
@@ -20945,21 +20553,21 @@
                 <a:gridCol w="1728799">
                   <a:extLst>
                     <a:ext uri="{9D8B030D-6E8A-4147-A177-3AD203B41FA5}">
-                      <a16:colId xmlns="" xmlns:a16="http://schemas.microsoft.com/office/drawing/2014/main" val="1313235057"/>
+                      <a16:colId xmlns:a16="http://schemas.microsoft.com/office/drawing/2014/main" xmlns="" val="1313235057"/>
                     </a:ext>
                   </a:extLst>
                 </a:gridCol>
                 <a:gridCol w="2508718">
                   <a:extLst>
                     <a:ext uri="{9D8B030D-6E8A-4147-A177-3AD203B41FA5}">
-                      <a16:colId xmlns="" xmlns:a16="http://schemas.microsoft.com/office/drawing/2014/main" val="3498442498"/>
+                      <a16:colId xmlns:a16="http://schemas.microsoft.com/office/drawing/2014/main" xmlns="" val="3498442498"/>
                     </a:ext>
                   </a:extLst>
                 </a:gridCol>
                 <a:gridCol w="3597777">
                   <a:extLst>
                     <a:ext uri="{9D8B030D-6E8A-4147-A177-3AD203B41FA5}">
-                      <a16:colId xmlns="" xmlns:a16="http://schemas.microsoft.com/office/drawing/2014/main" val="2798367762"/>
+                      <a16:colId xmlns:a16="http://schemas.microsoft.com/office/drawing/2014/main" xmlns="" val="2798367762"/>
                     </a:ext>
                   </a:extLst>
                 </a:gridCol>
@@ -21141,7 +20749,7 @@
                 </a:tc>
                 <a:extLst>
                   <a:ext uri="{0D108BD9-81ED-4DB2-BD59-A6C34878D82A}">
-                    <a16:rowId xmlns="" xmlns:a16="http://schemas.microsoft.com/office/drawing/2014/main" val="43767920"/>
+                    <a16:rowId xmlns:a16="http://schemas.microsoft.com/office/drawing/2014/main" xmlns="" val="43767920"/>
                   </a:ext>
                 </a:extLst>
               </a:tr>
@@ -21399,35 +21007,7 @@
                           <a:latin typeface="標楷體" panose="03000509000000000000" pitchFamily="65" charset="-120"/>
                           <a:ea typeface="標楷體" panose="03000509000000000000" pitchFamily="65" charset="-120"/>
                         </a:rPr>
-                        <a:t>，結果顯示去霧效果以</a:t>
-                      </a:r>
-                      <a:r>
-                        <a:rPr lang="zh-TW" altLang="en-US" sz="1400" b="0" cap="none" spc="0" dirty="0" smtClean="0">
-                          <a:ln>
-                            <a:noFill/>
-                          </a:ln>
-                          <a:solidFill>
-                            <a:schemeClr val="tx1"/>
-                          </a:solidFill>
-                          <a:effectLst/>
-                          <a:latin typeface="標楷體" panose="03000509000000000000" pitchFamily="65" charset="-120"/>
-                          <a:ea typeface="標楷體" panose="03000509000000000000" pitchFamily="65" charset="-120"/>
-                        </a:rPr>
-                        <a:t>加入影像濾波</a:t>
-                      </a:r>
-                      <a:r>
-                        <a:rPr lang="zh-TW" altLang="en-US" sz="1400" b="0" cap="none" spc="0" dirty="0" smtClean="0">
-                          <a:ln>
-                            <a:noFill/>
-                          </a:ln>
-                          <a:solidFill>
-                            <a:schemeClr val="tx1"/>
-                          </a:solidFill>
-                          <a:effectLst/>
-                          <a:latin typeface="標楷體" panose="03000509000000000000" pitchFamily="65" charset="-120"/>
-                          <a:ea typeface="標楷體" panose="03000509000000000000" pitchFamily="65" charset="-120"/>
-                        </a:rPr>
-                        <a:t>層的</a:t>
+                        <a:t>，結果顯示去霧效果以加入影像濾波層的</a:t>
                       </a:r>
                       <a:r>
                         <a:rPr lang="en-US" altLang="zh-TW" sz="1400" b="0" cap="none" spc="0" dirty="0" smtClean="0">
@@ -21474,7 +21054,7 @@
                 </a:tc>
                 <a:extLst>
                   <a:ext uri="{0D108BD9-81ED-4DB2-BD59-A6C34878D82A}">
-                    <a16:rowId xmlns="" xmlns:a16="http://schemas.microsoft.com/office/drawing/2014/main" val="881114521"/>
+                    <a16:rowId xmlns:a16="http://schemas.microsoft.com/office/drawing/2014/main" xmlns="" val="881114521"/>
                   </a:ext>
                 </a:extLst>
               </a:tr>
@@ -21492,16 +21072,12 @@
   <p:clrMapOvr>
     <a:masterClrMapping/>
   </p:clrMapOvr>
-  <mc:AlternateContent xmlns:mc="http://schemas.openxmlformats.org/markup-compatibility/2006" xmlns:p14="http://schemas.microsoft.com/office/powerpoint/2010/main">
-    <mc:Choice Requires="p14">
-      <p:transition spd="slow" p14:dur="2000">
-        <p14:prism isContent="1"/>
-      </p:transition>
+  <mc:AlternateContent xmlns:mc="http://schemas.openxmlformats.org/markup-compatibility/2006">
+    <mc:Choice xmlns:p14="http://schemas.microsoft.com/office/powerpoint/2010/main" Requires="p14">
+      <p:transition p14:dur="0"/>
     </mc:Choice>
-    <mc:Fallback xmlns="">
-      <p:transition spd="slow">
-        <p:fade/>
-      </p:transition>
+    <mc:Fallback>
+      <p:transition/>
     </mc:Fallback>
   </mc:AlternateContent>
   <p:timing>
@@ -21703,16 +21279,12 @@
   <p:clrMapOvr>
     <a:masterClrMapping/>
   </p:clrMapOvr>
-  <mc:AlternateContent xmlns:mc="http://schemas.openxmlformats.org/markup-compatibility/2006" xmlns:p14="http://schemas.microsoft.com/office/powerpoint/2010/main">
-    <mc:Choice Requires="p14">
-      <p:transition spd="slow" p14:dur="1600">
-        <p14:gallery dir="l"/>
-      </p:transition>
+  <mc:AlternateContent xmlns:mc="http://schemas.openxmlformats.org/markup-compatibility/2006">
+    <mc:Choice xmlns:p14="http://schemas.microsoft.com/office/powerpoint/2010/main" Requires="p14">
+      <p:transition p14:dur="0"/>
     </mc:Choice>
-    <mc:Fallback xmlns="">
-      <p:transition spd="slow">
-        <p:fade/>
-      </p:transition>
+    <mc:Fallback>
+      <p:transition/>
     </mc:Fallback>
   </mc:AlternateContent>
   <p:timing>
@@ -21915,16 +21487,12 @@
   <p:clrMapOvr>
     <a:masterClrMapping/>
   </p:clrMapOvr>
-  <mc:AlternateContent xmlns:mc="http://schemas.openxmlformats.org/markup-compatibility/2006" xmlns:p14="http://schemas.microsoft.com/office/powerpoint/2010/main">
-    <mc:Choice Requires="p14">
-      <p:transition spd="slow" p14:dur="1200">
-        <p14:flip dir="r"/>
-      </p:transition>
+  <mc:AlternateContent xmlns:mc="http://schemas.openxmlformats.org/markup-compatibility/2006">
+    <mc:Choice xmlns:p14="http://schemas.microsoft.com/office/powerpoint/2010/main" Requires="p14">
+      <p:transition p14:dur="0"/>
     </mc:Choice>
-    <mc:Fallback xmlns="">
-      <p:transition spd="slow">
-        <p:fade/>
-      </p:transition>
+    <mc:Fallback>
+      <p:transition/>
     </mc:Fallback>
   </mc:AlternateContent>
   <p:timing>
@@ -22146,16 +21714,12 @@
   <p:clrMapOvr>
     <a:masterClrMapping/>
   </p:clrMapOvr>
-  <mc:AlternateContent xmlns:mc="http://schemas.openxmlformats.org/markup-compatibility/2006" xmlns:p14="http://schemas.microsoft.com/office/powerpoint/2010/main">
-    <mc:Choice Requires="p14">
-      <p:transition spd="slow" p14:dur="2000">
-        <p14:prism isContent="1"/>
-      </p:transition>
+  <mc:AlternateContent xmlns:mc="http://schemas.openxmlformats.org/markup-compatibility/2006">
+    <mc:Choice xmlns:p14="http://schemas.microsoft.com/office/powerpoint/2010/main" Requires="p14">
+      <p:transition p14:dur="0"/>
     </mc:Choice>
-    <mc:Fallback xmlns="">
-      <p:transition spd="slow">
-        <p:fade/>
-      </p:transition>
+    <mc:Fallback>
+      <p:transition/>
     </mc:Fallback>
   </mc:AlternateContent>
   <p:timing>
@@ -22564,16 +22128,12 @@
   <p:clrMapOvr>
     <a:masterClrMapping/>
   </p:clrMapOvr>
-  <mc:AlternateContent xmlns:mc="http://schemas.openxmlformats.org/markup-compatibility/2006" xmlns:p14="http://schemas.microsoft.com/office/powerpoint/2010/main">
-    <mc:Choice Requires="p14">
-      <p:transition spd="slow" p14:dur="2000">
-        <p14:prism isContent="1"/>
-      </p:transition>
+  <mc:AlternateContent xmlns:mc="http://schemas.openxmlformats.org/markup-compatibility/2006">
+    <mc:Choice xmlns:p14="http://schemas.microsoft.com/office/powerpoint/2010/main" Requires="p14">
+      <p:transition p14:dur="0"/>
     </mc:Choice>
-    <mc:Fallback xmlns="">
-      <p:transition spd="slow">
-        <p:fade/>
-      </p:transition>
+    <mc:Fallback>
+      <p:transition/>
     </mc:Fallback>
   </mc:AlternateContent>
   <p:timing>
@@ -22839,16 +22399,12 @@
   <p:clrMapOvr>
     <a:masterClrMapping/>
   </p:clrMapOvr>
-  <mc:AlternateContent xmlns:mc="http://schemas.openxmlformats.org/markup-compatibility/2006" xmlns:p14="http://schemas.microsoft.com/office/powerpoint/2010/main">
-    <mc:Choice Requires="p14">
-      <p:transition spd="slow" p14:dur="2000">
-        <p14:prism isContent="1"/>
-      </p:transition>
+  <mc:AlternateContent xmlns:mc="http://schemas.openxmlformats.org/markup-compatibility/2006">
+    <mc:Choice xmlns:p14="http://schemas.microsoft.com/office/powerpoint/2010/main" Requires="p14">
+      <p:transition p14:dur="0"/>
     </mc:Choice>
-    <mc:Fallback xmlns="">
-      <p:transition spd="slow">
-        <p:fade/>
-      </p:transition>
+    <mc:Fallback>
+      <p:transition/>
     </mc:Fallback>
   </mc:AlternateContent>
   <p:timing>
@@ -23345,16 +22901,12 @@
   <p:clrMapOvr>
     <a:masterClrMapping/>
   </p:clrMapOvr>
-  <mc:AlternateContent xmlns:mc="http://schemas.openxmlformats.org/markup-compatibility/2006" xmlns:p14="http://schemas.microsoft.com/office/powerpoint/2010/main">
-    <mc:Choice Requires="p14">
-      <p:transition spd="slow" p14:dur="2000">
-        <p14:prism isContent="1"/>
-      </p:transition>
+  <mc:AlternateContent xmlns:mc="http://schemas.openxmlformats.org/markup-compatibility/2006">
+    <mc:Choice xmlns:p14="http://schemas.microsoft.com/office/powerpoint/2010/main" Requires="p14">
+      <p:transition p14:dur="0"/>
     </mc:Choice>
-    <mc:Fallback xmlns="">
-      <p:transition spd="slow">
-        <p:fade/>
-      </p:transition>
+    <mc:Fallback>
+      <p:transition/>
     </mc:Fallback>
   </mc:AlternateContent>
   <p:timing>
@@ -23655,16 +23207,12 @@
   <p:clrMapOvr>
     <a:masterClrMapping/>
   </p:clrMapOvr>
-  <mc:AlternateContent xmlns:mc="http://schemas.openxmlformats.org/markup-compatibility/2006" xmlns:p14="http://schemas.microsoft.com/office/powerpoint/2010/main">
-    <mc:Choice Requires="p14">
-      <p:transition spd="slow" p14:dur="2000">
-        <p14:prism isContent="1"/>
-      </p:transition>
+  <mc:AlternateContent xmlns:mc="http://schemas.openxmlformats.org/markup-compatibility/2006">
+    <mc:Choice xmlns:p14="http://schemas.microsoft.com/office/powerpoint/2010/main" Requires="p14">
+      <p:transition p14:dur="0"/>
     </mc:Choice>
-    <mc:Fallback xmlns="">
-      <p:transition spd="slow">
-        <p:fade/>
-      </p:transition>
+    <mc:Fallback>
+      <p:transition/>
     </mc:Fallback>
   </mc:AlternateContent>
   <p:timing>
@@ -24216,16 +23764,12 @@
   <p:clrMapOvr>
     <a:masterClrMapping/>
   </p:clrMapOvr>
-  <mc:AlternateContent xmlns:mc="http://schemas.openxmlformats.org/markup-compatibility/2006" xmlns:p14="http://schemas.microsoft.com/office/powerpoint/2010/main">
-    <mc:Choice Requires="p14">
-      <p:transition spd="slow" p14:dur="2000">
-        <p14:prism isContent="1"/>
-      </p:transition>
+  <mc:AlternateContent xmlns:mc="http://schemas.openxmlformats.org/markup-compatibility/2006">
+    <mc:Choice xmlns:p14="http://schemas.microsoft.com/office/powerpoint/2010/main" Requires="p14">
+      <p:transition p14:dur="0"/>
     </mc:Choice>
-    <mc:Fallback xmlns="">
-      <p:transition spd="slow">
-        <p:fade/>
-      </p:transition>
+    <mc:Fallback>
+      <p:transition/>
     </mc:Fallback>
   </mc:AlternateContent>
   <p:timing>
@@ -24583,16 +24127,12 @@
   <p:clrMapOvr>
     <a:masterClrMapping/>
   </p:clrMapOvr>
-  <mc:AlternateContent xmlns:mc="http://schemas.openxmlformats.org/markup-compatibility/2006" xmlns:p14="http://schemas.microsoft.com/office/powerpoint/2010/main">
-    <mc:Choice Requires="p14">
-      <p:transition spd="slow" p14:dur="2000">
-        <p14:prism isContent="1"/>
-      </p:transition>
+  <mc:AlternateContent xmlns:mc="http://schemas.openxmlformats.org/markup-compatibility/2006">
+    <mc:Choice xmlns:p14="http://schemas.microsoft.com/office/powerpoint/2010/main" Requires="p14">
+      <p:transition p14:dur="0"/>
     </mc:Choice>
-    <mc:Fallback xmlns="">
-      <p:transition spd="slow">
-        <p:fade/>
-      </p:transition>
+    <mc:Fallback>
+      <p:transition/>
     </mc:Fallback>
   </mc:AlternateContent>
   <p:timing>
@@ -24795,16 +24335,12 @@
   <p:clrMapOvr>
     <a:masterClrMapping/>
   </p:clrMapOvr>
-  <mc:AlternateContent xmlns:mc="http://schemas.openxmlformats.org/markup-compatibility/2006" xmlns:p14="http://schemas.microsoft.com/office/powerpoint/2010/main">
-    <mc:Choice Requires="p14">
-      <p:transition spd="slow" p14:dur="1200">
-        <p14:flip dir="r"/>
-      </p:transition>
+  <mc:AlternateContent xmlns:mc="http://schemas.openxmlformats.org/markup-compatibility/2006">
+    <mc:Choice xmlns:p14="http://schemas.microsoft.com/office/powerpoint/2010/main" Requires="p14">
+      <p:transition p14:dur="0"/>
     </mc:Choice>
-    <mc:Fallback xmlns="">
-      <p:transition spd="slow">
-        <p:fade/>
-      </p:transition>
+    <mc:Fallback>
+      <p:transition/>
     </mc:Fallback>
   </mc:AlternateContent>
   <p:timing>
@@ -25320,16 +24856,12 @@
   <p:clrMapOvr>
     <a:masterClrMapping/>
   </p:clrMapOvr>
-  <mc:AlternateContent xmlns:mc="http://schemas.openxmlformats.org/markup-compatibility/2006" xmlns:p14="http://schemas.microsoft.com/office/powerpoint/2010/main">
-    <mc:Choice Requires="p14">
-      <p:transition spd="slow" p14:dur="1100">
-        <p14:switch dir="r"/>
-      </p:transition>
+  <mc:AlternateContent xmlns:mc="http://schemas.openxmlformats.org/markup-compatibility/2006">
+    <mc:Choice xmlns:p14="http://schemas.microsoft.com/office/powerpoint/2010/main" Requires="p14">
+      <p:transition p14:dur="0"/>
     </mc:Choice>
-    <mc:Fallback xmlns="">
-      <p:transition spd="slow">
-        <p:fade/>
-      </p:transition>
+    <mc:Fallback>
+      <p:transition/>
     </mc:Fallback>
   </mc:AlternateContent>
   <p:timing>
@@ -25908,13 +25440,7 @@
               <a:rPr lang="zh-TW" altLang="zh-TW" sz="1600" dirty="0" smtClean="0">
                 <a:latin typeface="+mn-ea"/>
               </a:rPr>
-              <a:t>延伸出使用者的需求或為了更改內部環境而開始考量室內設計</a:t>
-            </a:r>
-            <a:r>
-              <a:rPr lang="zh-TW" altLang="zh-TW" sz="1600" dirty="0" smtClean="0">
-                <a:latin typeface="+mn-ea"/>
-              </a:rPr>
-              <a:t>。</a:t>
+              <a:t>延伸出使用者的需求或為了更改內部環境而開始考量室內設計。</a:t>
             </a:r>
             <a:endParaRPr lang="en-US" altLang="zh-TW" sz="1600" dirty="0" smtClean="0">
               <a:latin typeface="+mn-ea"/>
@@ -26051,16 +25577,12 @@
   <p:clrMapOvr>
     <a:masterClrMapping/>
   </p:clrMapOvr>
-  <mc:AlternateContent xmlns:mc="http://schemas.openxmlformats.org/markup-compatibility/2006" xmlns:p14="http://schemas.microsoft.com/office/powerpoint/2010/main">
-    <mc:Choice Requires="p14">
-      <p:transition spd="slow" p14:dur="2000">
-        <p14:prism isContent="1"/>
-      </p:transition>
+  <mc:AlternateContent xmlns:mc="http://schemas.openxmlformats.org/markup-compatibility/2006">
+    <mc:Choice xmlns:p14="http://schemas.microsoft.com/office/powerpoint/2010/main" Requires="p14">
+      <p:transition p14:dur="0"/>
     </mc:Choice>
-    <mc:Fallback xmlns="">
-      <p:transition spd="slow">
-        <p:fade/>
-      </p:transition>
+    <mc:Fallback>
+      <p:transition/>
     </mc:Fallback>
   </mc:AlternateContent>
   <p:timing>
@@ -26596,16 +26118,12 @@
   <p:clrMapOvr>
     <a:masterClrMapping/>
   </p:clrMapOvr>
-  <mc:AlternateContent xmlns:mc="http://schemas.openxmlformats.org/markup-compatibility/2006" xmlns:p14="http://schemas.microsoft.com/office/powerpoint/2010/main">
-    <mc:Choice Requires="p14">
-      <p:transition spd="slow" p14:dur="1100">
-        <p14:switch dir="r"/>
-      </p:transition>
+  <mc:AlternateContent xmlns:mc="http://schemas.openxmlformats.org/markup-compatibility/2006">
+    <mc:Choice xmlns:p14="http://schemas.microsoft.com/office/powerpoint/2010/main" Requires="p14">
+      <p:transition p14:dur="0"/>
     </mc:Choice>
-    <mc:Fallback xmlns="">
-      <p:transition spd="slow">
-        <p:fade/>
-      </p:transition>
+    <mc:Fallback>
+      <p:transition/>
     </mc:Fallback>
   </mc:AlternateContent>
   <p:timing>
@@ -27440,16 +26958,12 @@
   <p:clrMapOvr>
     <a:masterClrMapping/>
   </p:clrMapOvr>
-  <mc:AlternateContent xmlns:mc="http://schemas.openxmlformats.org/markup-compatibility/2006" xmlns:p14="http://schemas.microsoft.com/office/powerpoint/2010/main">
-    <mc:Choice Requires="p14">
-      <p:transition spd="slow" p14:dur="1100">
-        <p14:switch dir="r"/>
-      </p:transition>
+  <mc:AlternateContent xmlns:mc="http://schemas.openxmlformats.org/markup-compatibility/2006">
+    <mc:Choice xmlns:p14="http://schemas.microsoft.com/office/powerpoint/2010/main" Requires="p14">
+      <p:transition p14:dur="0"/>
     </mc:Choice>
-    <mc:Fallback xmlns="">
-      <p:transition spd="slow">
-        <p:fade/>
-      </p:transition>
+    <mc:Fallback>
+      <p:transition/>
     </mc:Fallback>
   </mc:AlternateContent>
   <p:timing>
@@ -28366,16 +27880,12 @@
   <p:clrMapOvr>
     <a:masterClrMapping/>
   </p:clrMapOvr>
-  <mc:AlternateContent xmlns:mc="http://schemas.openxmlformats.org/markup-compatibility/2006" xmlns:p14="http://schemas.microsoft.com/office/powerpoint/2010/main">
-    <mc:Choice Requires="p14">
-      <p:transition spd="slow" p14:dur="1100">
-        <p14:switch dir="r"/>
-      </p:transition>
+  <mc:AlternateContent xmlns:mc="http://schemas.openxmlformats.org/markup-compatibility/2006">
+    <mc:Choice xmlns:p14="http://schemas.microsoft.com/office/powerpoint/2010/main" Requires="p14">
+      <p:transition p14:dur="0"/>
     </mc:Choice>
-    <mc:Fallback xmlns="">
-      <p:transition spd="slow">
-        <p:fade/>
-      </p:transition>
+    <mc:Fallback>
+      <p:transition/>
     </mc:Fallback>
   </mc:AlternateContent>
   <p:timing>
@@ -29225,16 +28735,12 @@
   <p:clrMapOvr>
     <a:masterClrMapping/>
   </p:clrMapOvr>
-  <mc:AlternateContent xmlns:mc="http://schemas.openxmlformats.org/markup-compatibility/2006" xmlns:p14="http://schemas.microsoft.com/office/powerpoint/2010/main">
-    <mc:Choice Requires="p14">
-      <p:transition spd="slow" p14:dur="1100">
-        <p14:switch dir="r"/>
-      </p:transition>
+  <mc:AlternateContent xmlns:mc="http://schemas.openxmlformats.org/markup-compatibility/2006">
+    <mc:Choice xmlns:p14="http://schemas.microsoft.com/office/powerpoint/2010/main" Requires="p14">
+      <p:transition p14:dur="0"/>
     </mc:Choice>
-    <mc:Fallback xmlns="">
-      <p:transition spd="slow">
-        <p:fade/>
-      </p:transition>
+    <mc:Fallback>
+      <p:transition/>
     </mc:Fallback>
   </mc:AlternateContent>
   <p:timing>
@@ -30312,16 +29818,12 @@
   <p:clrMapOvr>
     <a:masterClrMapping/>
   </p:clrMapOvr>
-  <mc:AlternateContent xmlns:mc="http://schemas.openxmlformats.org/markup-compatibility/2006" xmlns:p14="http://schemas.microsoft.com/office/powerpoint/2010/main">
-    <mc:Choice Requires="p14">
-      <p:transition spd="slow" p14:dur="1100">
-        <p14:switch dir="r"/>
-      </p:transition>
+  <mc:AlternateContent xmlns:mc="http://schemas.openxmlformats.org/markup-compatibility/2006">
+    <mc:Choice xmlns:p14="http://schemas.microsoft.com/office/powerpoint/2010/main" Requires="p14">
+      <p:transition p14:dur="0"/>
     </mc:Choice>
-    <mc:Fallback xmlns="">
-      <p:transition spd="slow">
-        <p:fade/>
-      </p:transition>
+    <mc:Fallback>
+      <p:transition/>
     </mc:Fallback>
   </mc:AlternateContent>
   <p:timing>
@@ -31243,16 +30745,12 @@
   <p:clrMapOvr>
     <a:masterClrMapping/>
   </p:clrMapOvr>
-  <mc:AlternateContent xmlns:mc="http://schemas.openxmlformats.org/markup-compatibility/2006" xmlns:p14="http://schemas.microsoft.com/office/powerpoint/2010/main">
-    <mc:Choice Requires="p14">
-      <p:transition spd="slow" p14:dur="1100">
-        <p14:switch dir="r"/>
-      </p:transition>
+  <mc:AlternateContent xmlns:mc="http://schemas.openxmlformats.org/markup-compatibility/2006">
+    <mc:Choice xmlns:p14="http://schemas.microsoft.com/office/powerpoint/2010/main" Requires="p14">
+      <p:transition p14:dur="0"/>
     </mc:Choice>
-    <mc:Fallback xmlns="">
-      <p:transition spd="slow">
-        <p:fade/>
-      </p:transition>
+    <mc:Fallback>
+      <p:transition/>
     </mc:Fallback>
   </mc:AlternateContent>
   <p:timing>
@@ -31795,16 +31293,12 @@
   <p:clrMapOvr>
     <a:masterClrMapping/>
   </p:clrMapOvr>
-  <mc:AlternateContent xmlns:mc="http://schemas.openxmlformats.org/markup-compatibility/2006" xmlns:p14="http://schemas.microsoft.com/office/powerpoint/2010/main">
-    <mc:Choice Requires="p14">
-      <p:transition spd="med" p14:dur="700">
-        <p:fade/>
-      </p:transition>
+  <mc:AlternateContent xmlns:mc="http://schemas.openxmlformats.org/markup-compatibility/2006">
+    <mc:Choice xmlns:p14="http://schemas.microsoft.com/office/powerpoint/2010/main" Requires="p14">
+      <p:transition p14:dur="0"/>
     </mc:Choice>
-    <mc:Fallback xmlns="">
-      <p:transition spd="med">
-        <p:fade/>
-      </p:transition>
+    <mc:Fallback>
+      <p:transition/>
     </mc:Fallback>
   </mc:AlternateContent>
   <p:timing>
@@ -32429,16 +31923,12 @@
   <p:clrMapOvr>
     <a:masterClrMapping/>
   </p:clrMapOvr>
-  <mc:AlternateContent xmlns:mc="http://schemas.openxmlformats.org/markup-compatibility/2006" xmlns:p14="http://schemas.microsoft.com/office/powerpoint/2010/main">
-    <mc:Choice Requires="p14">
-      <p:transition spd="slow" p14:dur="2000">
-        <p14:prism isContent="1"/>
-      </p:transition>
+  <mc:AlternateContent xmlns:mc="http://schemas.openxmlformats.org/markup-compatibility/2006">
+    <mc:Choice xmlns:p14="http://schemas.microsoft.com/office/powerpoint/2010/main" Requires="p14">
+      <p:transition p14:dur="0"/>
     </mc:Choice>
-    <mc:Fallback xmlns="">
-      <p:transition spd="slow">
-        <p:fade/>
-      </p:transition>
+    <mc:Fallback>
+      <p:transition/>
     </mc:Fallback>
   </mc:AlternateContent>
   <p:timing>
@@ -32770,16 +32260,12 @@
   <p:clrMapOvr>
     <a:masterClrMapping/>
   </p:clrMapOvr>
-  <mc:AlternateContent xmlns:mc="http://schemas.openxmlformats.org/markup-compatibility/2006" xmlns:p14="http://schemas.microsoft.com/office/powerpoint/2010/main">
-    <mc:Choice Requires="p14">
-      <p:transition spd="slow" p14:dur="2000">
-        <p14:prism isContent="1"/>
-      </p:transition>
+  <mc:AlternateContent xmlns:mc="http://schemas.openxmlformats.org/markup-compatibility/2006">
+    <mc:Choice xmlns:p14="http://schemas.microsoft.com/office/powerpoint/2010/main" Requires="p14">
+      <p:transition p14:dur="0"/>
     </mc:Choice>
-    <mc:Fallback xmlns="">
-      <p:transition spd="slow">
-        <p:fade/>
-      </p:transition>
+    <mc:Fallback>
+      <p:transition/>
     </mc:Fallback>
   </mc:AlternateContent>
   <p:timing>
@@ -33077,16 +32563,12 @@
   <p:clrMapOvr>
     <a:masterClrMapping/>
   </p:clrMapOvr>
-  <mc:AlternateContent xmlns:mc="http://schemas.openxmlformats.org/markup-compatibility/2006" xmlns:p14="http://schemas.microsoft.com/office/powerpoint/2010/main">
-    <mc:Choice Requires="p14">
-      <p:transition spd="slow" p14:dur="2000">
-        <p14:prism isContent="1"/>
-      </p:transition>
+  <mc:AlternateContent xmlns:mc="http://schemas.openxmlformats.org/markup-compatibility/2006">
+    <mc:Choice xmlns:p14="http://schemas.microsoft.com/office/powerpoint/2010/main" Requires="p14">
+      <p:transition p14:dur="0"/>
     </mc:Choice>
-    <mc:Fallback xmlns="">
-      <p:transition spd="slow">
-        <p:fade/>
-      </p:transition>
+    <mc:Fallback>
+      <p:transition/>
     </mc:Fallback>
   </mc:AlternateContent>
   <p:timing>
@@ -33355,17 +32837,7 @@
                 <a:cs typeface="+mn-ea"/>
                 <a:sym typeface="+mn-lt"/>
               </a:rPr>
-              <a:t>中</a:t>
-            </a:r>
-            <a:r>
-              <a:rPr lang="zh-TW" altLang="en-US" sz="2000" b="1" dirty="0" smtClean="0">
-                <a:solidFill>
-                  <a:srgbClr val="1B4367"/>
-                </a:solidFill>
-                <a:cs typeface="+mn-ea"/>
-                <a:sym typeface="+mn-lt"/>
-              </a:rPr>
-              <a:t>加入影像濾波層</a:t>
+              <a:t>中加入影像濾波層</a:t>
             </a:r>
             <a:endParaRPr lang="zh-CN" altLang="en-US" sz="2000" b="1" dirty="0">
               <a:solidFill>
@@ -33437,16 +32909,12 @@
   <p:clrMapOvr>
     <a:masterClrMapping/>
   </p:clrMapOvr>
-  <mc:AlternateContent xmlns:mc="http://schemas.openxmlformats.org/markup-compatibility/2006" xmlns:p14="http://schemas.microsoft.com/office/powerpoint/2010/main">
-    <mc:Choice Requires="p14">
-      <p:transition spd="slow" p14:dur="2000">
-        <p14:prism isContent="1"/>
-      </p:transition>
+  <mc:AlternateContent xmlns:mc="http://schemas.openxmlformats.org/markup-compatibility/2006">
+    <mc:Choice xmlns:p14="http://schemas.microsoft.com/office/powerpoint/2010/main" Requires="p14">
+      <p:transition p14:dur="0"/>
     </mc:Choice>
-    <mc:Fallback xmlns="">
-      <p:transition spd="slow">
-        <p:fade/>
-      </p:transition>
+    <mc:Fallback>
+      <p:transition/>
     </mc:Fallback>
   </mc:AlternateContent>
   <p:timing>
@@ -33737,16 +33205,12 @@
   <p:clrMapOvr>
     <a:masterClrMapping/>
   </p:clrMapOvr>
-  <mc:AlternateContent xmlns:mc="http://schemas.openxmlformats.org/markup-compatibility/2006" xmlns:p14="http://schemas.microsoft.com/office/powerpoint/2010/main">
-    <mc:Choice Requires="p14">
-      <p:transition spd="slow" p14:dur="2000">
-        <p14:prism isContent="1"/>
-      </p:transition>
+  <mc:AlternateContent xmlns:mc="http://schemas.openxmlformats.org/markup-compatibility/2006">
+    <mc:Choice xmlns:p14="http://schemas.microsoft.com/office/powerpoint/2010/main" Requires="p14">
+      <p:transition p14:dur="0"/>
     </mc:Choice>
-    <mc:Fallback xmlns="">
-      <p:transition spd="slow">
-        <p:fade/>
-      </p:transition>
+    <mc:Fallback>
+      <p:transition/>
     </mc:Fallback>
   </mc:AlternateContent>
   <p:timing>

--- a/論文/論文寫作期末報告.pptx
+++ b/論文/論文寫作期末報告.pptx
@@ -8359,7 +8359,31 @@
                 <a:ea typeface="+mn-ea"/>
                 <a:cs typeface="+mn-cs"/>
               </a:rPr>
-              <a:t>擬真圖渲染的時間也需花費大量時間以及技術需求，且渲染出一張完美的擬真圖可能就需要數小時以上，或者參數調整有誤差也會導致渲染時間過長或是渲染出來的效果不盡理想，若想看到</a:t>
+              <a:t>擬真</a:t>
+            </a:r>
+            <a:r>
+              <a:rPr lang="zh-TW" altLang="zh-TW" sz="900" kern="1200" dirty="0" smtClean="0">
+                <a:solidFill>
+                  <a:schemeClr val="tx1"/>
+                </a:solidFill>
+                <a:effectLst/>
+                <a:latin typeface="+mn-lt"/>
+                <a:ea typeface="+mn-ea"/>
+                <a:cs typeface="+mn-cs"/>
+              </a:rPr>
+              <a:t>圖也</a:t>
+            </a:r>
+            <a:r>
+              <a:rPr lang="zh-TW" altLang="zh-TW" sz="900" kern="1200" dirty="0" smtClean="0">
+                <a:solidFill>
+                  <a:schemeClr val="tx1"/>
+                </a:solidFill>
+                <a:effectLst/>
+                <a:latin typeface="+mn-lt"/>
+                <a:ea typeface="+mn-ea"/>
+                <a:cs typeface="+mn-cs"/>
+              </a:rPr>
+              <a:t>需花費大量時間以及技術需求，且渲染出一張完美的擬真圖可能就需要數小時以上，或者參數調整有誤差也會導致渲染時間過長或是渲染出來的效果不盡理想，若想看到</a:t>
             </a:r>
             <a:r>
               <a:rPr lang="zh-TW" altLang="en-US" sz="900" kern="1200" dirty="0" smtClean="0">
@@ -9054,7 +9078,54 @@
                 <a:ea typeface="+mn-ea"/>
                 <a:cs typeface="+mn-cs"/>
               </a:rPr>
-              <a:t>最後希望透過本研究訓練出來的模型，能夠快速地將三維模型轉換為真實照片，解決時間、技術以及金錢問題以滿足客戶需求，讓沒有設計能力的人也能得到所需的照片。</a:t>
+              <a:t>最後希望透過本研究訓練出來的模型，能夠快速地將三維模型轉換為真實照片，解決時間、技術以及金錢問題以滿足客戶需求，讓沒有設計能力的人也能得到所需的</a:t>
+            </a:r>
+            <a:r>
+              <a:rPr lang="zh-TW" altLang="zh-TW" sz="900" kern="1200" dirty="0" smtClean="0">
+                <a:solidFill>
+                  <a:schemeClr val="tx1"/>
+                </a:solidFill>
+                <a:effectLst/>
+                <a:latin typeface="+mn-lt"/>
+                <a:ea typeface="+mn-ea"/>
+                <a:cs typeface="+mn-cs"/>
+              </a:rPr>
+              <a:t>照片</a:t>
+            </a:r>
+            <a:endParaRPr lang="en-US" altLang="zh-TW" sz="900" kern="1200" dirty="0" smtClean="0">
+              <a:solidFill>
+                <a:schemeClr val="tx1"/>
+              </a:solidFill>
+              <a:effectLst/>
+              <a:latin typeface="+mn-lt"/>
+              <a:ea typeface="+mn-ea"/>
+              <a:cs typeface="+mn-cs"/>
+            </a:endParaRPr>
+          </a:p>
+          <a:p>
+            <a:r>
+              <a:rPr lang="zh-TW" altLang="en-US" sz="900" kern="1200" dirty="0" smtClean="0">
+                <a:solidFill>
+                  <a:schemeClr val="tx1"/>
+                </a:solidFill>
+                <a:effectLst/>
+                <a:latin typeface="+mn-lt"/>
+                <a:ea typeface="+mn-ea"/>
+                <a:cs typeface="+mn-cs"/>
+              </a:rPr>
+              <a:t>我的願景是能將左邊的圖片轉換成右邊的圖片</a:t>
+            </a:r>
+            <a:r>
+              <a:rPr lang="zh-TW" altLang="zh-TW" sz="900" kern="1200" dirty="0" smtClean="0">
+                <a:solidFill>
+                  <a:schemeClr val="tx1"/>
+                </a:solidFill>
+                <a:effectLst/>
+                <a:latin typeface="+mn-lt"/>
+                <a:ea typeface="+mn-ea"/>
+                <a:cs typeface="+mn-cs"/>
+              </a:rPr>
+              <a:t>。</a:t>
             </a:r>
             <a:endParaRPr lang="zh-TW" altLang="zh-TW" sz="900" kern="1200" dirty="0">
               <a:solidFill>
@@ -11763,11 +11834,11 @@
   <p:clrMapOvr>
     <a:masterClrMapping/>
   </p:clrMapOvr>
-  <mc:AlternateContent xmlns:mc="http://schemas.openxmlformats.org/markup-compatibility/2006">
-    <mc:Choice xmlns:p14="http://schemas.microsoft.com/office/powerpoint/2010/main" Requires="p14">
+  <mc:AlternateContent xmlns:mc="http://schemas.openxmlformats.org/markup-compatibility/2006" xmlns:p14="http://schemas.microsoft.com/office/powerpoint/2010/main">
+    <mc:Choice Requires="p14">
       <p:transition p14:dur="0"/>
     </mc:Choice>
-    <mc:Fallback>
+    <mc:Fallback xmlns="">
       <p:transition/>
     </mc:Fallback>
   </mc:AlternateContent>
@@ -12004,11 +12075,11 @@
   <p:clrMapOvr>
     <a:masterClrMapping/>
   </p:clrMapOvr>
-  <mc:AlternateContent xmlns:mc="http://schemas.openxmlformats.org/markup-compatibility/2006">
-    <mc:Choice xmlns:p14="http://schemas.microsoft.com/office/powerpoint/2010/main" Requires="p14">
+  <mc:AlternateContent xmlns:mc="http://schemas.openxmlformats.org/markup-compatibility/2006" xmlns:p14="http://schemas.microsoft.com/office/powerpoint/2010/main">
+    <mc:Choice Requires="p14">
       <p:transition p14:dur="0"/>
     </mc:Choice>
-    <mc:Fallback>
+    <mc:Fallback xmlns="">
       <p:transition/>
     </mc:Fallback>
   </mc:AlternateContent>
@@ -12211,11 +12282,11 @@
   <p:clrMapOvr>
     <a:masterClrMapping/>
   </p:clrMapOvr>
-  <mc:AlternateContent xmlns:mc="http://schemas.openxmlformats.org/markup-compatibility/2006">
-    <mc:Choice xmlns:p14="http://schemas.microsoft.com/office/powerpoint/2010/main" Requires="p14">
+  <mc:AlternateContent xmlns:mc="http://schemas.openxmlformats.org/markup-compatibility/2006" xmlns:p14="http://schemas.microsoft.com/office/powerpoint/2010/main">
+    <mc:Choice Requires="p14">
       <p:transition p14:dur="0"/>
     </mc:Choice>
-    <mc:Fallback>
+    <mc:Fallback xmlns="">
       <p:transition/>
     </mc:Fallback>
   </mc:AlternateContent>
@@ -12379,7 +12450,7 @@
           <p:cNvPr id="11" name="表格 5">
             <a:extLst>
               <a:ext uri="{FF2B5EF4-FFF2-40B4-BE49-F238E27FC236}">
-                <a16:creationId xmlns="" xmlns:a16="http://schemas.microsoft.com/office/drawing/2014/main" id="{202A9B48-7C02-4B9F-A694-D9D167DDE433}"/>
+                <a16:creationId xmlns:a16="http://schemas.microsoft.com/office/drawing/2014/main" xmlns="" id="{202A9B48-7C02-4B9F-A694-D9D167DDE433}"/>
               </a:ext>
             </a:extLst>
           </p:cNvPr>
@@ -12406,14 +12477,14 @@
                 <a:gridCol w="4881957">
                   <a:extLst>
                     <a:ext uri="{9D8B030D-6E8A-4147-A177-3AD203B41FA5}">
-                      <a16:colId xmlns="" xmlns:a16="http://schemas.microsoft.com/office/drawing/2014/main" val="3498442498"/>
+                      <a16:colId xmlns:a16="http://schemas.microsoft.com/office/drawing/2014/main" xmlns="" val="3498442498"/>
                     </a:ext>
                   </a:extLst>
                 </a:gridCol>
                 <a:gridCol w="1495587">
                   <a:extLst>
                     <a:ext uri="{9D8B030D-6E8A-4147-A177-3AD203B41FA5}">
-                      <a16:colId xmlns="" xmlns:a16="http://schemas.microsoft.com/office/drawing/2014/main" val="2798367762"/>
+                      <a16:colId xmlns:a16="http://schemas.microsoft.com/office/drawing/2014/main" xmlns="" val="2798367762"/>
                     </a:ext>
                   </a:extLst>
                 </a:gridCol>
@@ -12512,7 +12583,7 @@
                 </a:tc>
                 <a:extLst>
                   <a:ext uri="{0D108BD9-81ED-4DB2-BD59-A6C34878D82A}">
-                    <a16:rowId xmlns="" xmlns:a16="http://schemas.microsoft.com/office/drawing/2014/main" val="43767920"/>
+                    <a16:rowId xmlns:a16="http://schemas.microsoft.com/office/drawing/2014/main" xmlns="" val="43767920"/>
                   </a:ext>
                 </a:extLst>
               </a:tr>
@@ -12525,7 +12596,7 @@
           <p:cNvPr id="13" name="表格 5">
             <a:extLst>
               <a:ext uri="{FF2B5EF4-FFF2-40B4-BE49-F238E27FC236}">
-                <a16:creationId xmlns="" xmlns:a16="http://schemas.microsoft.com/office/drawing/2014/main" id="{202A9B48-7C02-4B9F-A694-D9D167DDE433}"/>
+                <a16:creationId xmlns:a16="http://schemas.microsoft.com/office/drawing/2014/main" xmlns="" id="{202A9B48-7C02-4B9F-A694-D9D167DDE433}"/>
               </a:ext>
             </a:extLst>
           </p:cNvPr>
@@ -12552,14 +12623,14 @@
                 <a:gridCol w="4881957">
                   <a:extLst>
                     <a:ext uri="{9D8B030D-6E8A-4147-A177-3AD203B41FA5}">
-                      <a16:colId xmlns="" xmlns:a16="http://schemas.microsoft.com/office/drawing/2014/main" val="3498442498"/>
+                      <a16:colId xmlns:a16="http://schemas.microsoft.com/office/drawing/2014/main" xmlns="" val="3498442498"/>
                     </a:ext>
                   </a:extLst>
                 </a:gridCol>
                 <a:gridCol w="1495587">
                   <a:extLst>
                     <a:ext uri="{9D8B030D-6E8A-4147-A177-3AD203B41FA5}">
-                      <a16:colId xmlns="" xmlns:a16="http://schemas.microsoft.com/office/drawing/2014/main" val="2798367762"/>
+                      <a16:colId xmlns:a16="http://schemas.microsoft.com/office/drawing/2014/main" xmlns="" val="2798367762"/>
                     </a:ext>
                   </a:extLst>
                 </a:gridCol>
@@ -12862,7 +12933,7 @@
                 </a:tc>
                 <a:extLst>
                   <a:ext uri="{0D108BD9-81ED-4DB2-BD59-A6C34878D82A}">
-                    <a16:rowId xmlns="" xmlns:a16="http://schemas.microsoft.com/office/drawing/2014/main" val="43767920"/>
+                    <a16:rowId xmlns:a16="http://schemas.microsoft.com/office/drawing/2014/main" xmlns="" val="43767920"/>
                   </a:ext>
                 </a:extLst>
               </a:tr>
@@ -12880,11 +12951,11 @@
   <p:clrMapOvr>
     <a:masterClrMapping/>
   </p:clrMapOvr>
-  <mc:AlternateContent xmlns:mc="http://schemas.openxmlformats.org/markup-compatibility/2006">
-    <mc:Choice xmlns:p14="http://schemas.microsoft.com/office/powerpoint/2010/main" Requires="p14">
+  <mc:AlternateContent xmlns:mc="http://schemas.openxmlformats.org/markup-compatibility/2006" xmlns:p14="http://schemas.microsoft.com/office/powerpoint/2010/main">
+    <mc:Choice Requires="p14">
       <p:transition p14:dur="0"/>
     </mc:Choice>
-    <mc:Fallback>
+    <mc:Fallback xmlns="">
       <p:transition/>
     </mc:Fallback>
   </mc:AlternateContent>
@@ -13058,7 +13129,7 @@
           <p:cNvPr id="9" name="表格 5">
             <a:extLst>
               <a:ext uri="{FF2B5EF4-FFF2-40B4-BE49-F238E27FC236}">
-                <a16:creationId xmlns="" xmlns:a16="http://schemas.microsoft.com/office/drawing/2014/main" id="{202A9B48-7C02-4B9F-A694-D9D167DDE433}"/>
+                <a16:creationId xmlns:a16="http://schemas.microsoft.com/office/drawing/2014/main" xmlns="" id="{202A9B48-7C02-4B9F-A694-D9D167DDE433}"/>
               </a:ext>
             </a:extLst>
           </p:cNvPr>
@@ -13068,7 +13139,7 @@
           <p:nvPr>
             <p:extLst>
               <p:ext uri="{D42A27DB-BD31-4B8C-83A1-F6EECF244321}">
-                <p14:modId xmlns:p14="http://schemas.microsoft.com/office/powerpoint/2010/main" val="3734547088"/>
+                <p14:modId xmlns:p14="http://schemas.microsoft.com/office/powerpoint/2010/main" val="190298839"/>
               </p:ext>
             </p:extLst>
           </p:nvPr>
@@ -13085,14 +13156,14 @@
                 <a:gridCol w="4881957">
                   <a:extLst>
                     <a:ext uri="{9D8B030D-6E8A-4147-A177-3AD203B41FA5}">
-                      <a16:colId xmlns="" xmlns:a16="http://schemas.microsoft.com/office/drawing/2014/main" val="3498442498"/>
+                      <a16:colId xmlns:a16="http://schemas.microsoft.com/office/drawing/2014/main" xmlns="" val="3498442498"/>
                     </a:ext>
                   </a:extLst>
                 </a:gridCol>
                 <a:gridCol w="1495587">
                   <a:extLst>
                     <a:ext uri="{9D8B030D-6E8A-4147-A177-3AD203B41FA5}">
-                      <a16:colId xmlns="" xmlns:a16="http://schemas.microsoft.com/office/drawing/2014/main" val="2798367762"/>
+                      <a16:colId xmlns:a16="http://schemas.microsoft.com/office/drawing/2014/main" xmlns="" val="2798367762"/>
                     </a:ext>
                   </a:extLst>
                 </a:gridCol>
@@ -13137,6 +13208,18 @@
                     </a:p>
                     <a:p>
                       <a:r>
+                        <a:rPr lang="zh-TW" altLang="en-US" sz="1400" kern="1200" dirty="0" smtClean="0">
+                          <a:solidFill>
+                            <a:schemeClr val="tx1"/>
+                          </a:solidFill>
+                          <a:effectLst/>
+                          <a:latin typeface="+mn-lt"/>
+                          <a:ea typeface="+mn-ea"/>
+                          <a:cs typeface="+mn-cs"/>
+                        </a:rPr>
+                        <a:t>全卷積</a:t>
+                      </a:r>
+                      <a:r>
                         <a:rPr lang="en-US" altLang="zh-TW" sz="1400" kern="1200" dirty="0" smtClean="0">
                           <a:solidFill>
                             <a:schemeClr val="tx1"/>
@@ -13146,7 +13229,43 @@
                           <a:ea typeface="+mn-ea"/>
                           <a:cs typeface="+mn-cs"/>
                         </a:rPr>
-                        <a:t>Fully Convolutional Networks(FCN)</a:t>
+                        <a:t>(Fully </a:t>
+                      </a:r>
+                      <a:r>
+                        <a:rPr lang="en-US" altLang="zh-TW" sz="1400" kern="1200" smtClean="0">
+                          <a:solidFill>
+                            <a:schemeClr val="tx1"/>
+                          </a:solidFill>
+                          <a:effectLst/>
+                          <a:latin typeface="+mn-lt"/>
+                          <a:ea typeface="+mn-ea"/>
+                          <a:cs typeface="+mn-cs"/>
+                        </a:rPr>
+                        <a:t>Convolutional </a:t>
+                      </a:r>
+                      <a:r>
+                        <a:rPr lang="en-US" altLang="zh-TW" sz="1400" kern="1200" smtClean="0">
+                          <a:solidFill>
+                            <a:schemeClr val="tx1"/>
+                          </a:solidFill>
+                          <a:effectLst/>
+                          <a:latin typeface="+mn-lt"/>
+                          <a:ea typeface="+mn-ea"/>
+                          <a:cs typeface="+mn-cs"/>
+                        </a:rPr>
+                        <a:t>Networks , FCN</a:t>
+                      </a:r>
+                      <a:r>
+                        <a:rPr lang="en-US" altLang="zh-TW" sz="1400" kern="1200" dirty="0" smtClean="0">
+                          <a:solidFill>
+                            <a:schemeClr val="tx1"/>
+                          </a:solidFill>
+                          <a:effectLst/>
+                          <a:latin typeface="+mn-lt"/>
+                          <a:ea typeface="+mn-ea"/>
+                          <a:cs typeface="+mn-cs"/>
+                        </a:rPr>
+                        <a:t>)</a:t>
                       </a:r>
                       <a:endParaRPr lang="zh-TW" altLang="en-US" b="0" cap="none" spc="0" dirty="0">
                         <a:ln>
@@ -13213,7 +13332,7 @@
                 </a:tc>
                 <a:extLst>
                   <a:ext uri="{0D108BD9-81ED-4DB2-BD59-A6C34878D82A}">
-                    <a16:rowId xmlns="" xmlns:a16="http://schemas.microsoft.com/office/drawing/2014/main" val="43767920"/>
+                    <a16:rowId xmlns:a16="http://schemas.microsoft.com/office/drawing/2014/main" xmlns="" val="43767920"/>
                   </a:ext>
                 </a:extLst>
               </a:tr>
@@ -13231,11 +13350,11 @@
   <p:clrMapOvr>
     <a:masterClrMapping/>
   </p:clrMapOvr>
-  <mc:AlternateContent xmlns:mc="http://schemas.openxmlformats.org/markup-compatibility/2006">
-    <mc:Choice xmlns:p14="http://schemas.microsoft.com/office/powerpoint/2010/main" Requires="p14">
+  <mc:AlternateContent xmlns:mc="http://schemas.openxmlformats.org/markup-compatibility/2006" xmlns:p14="http://schemas.microsoft.com/office/powerpoint/2010/main">
+    <mc:Choice Requires="p14">
       <p:transition p14:dur="0"/>
     </mc:Choice>
-    <mc:Fallback>
+    <mc:Fallback xmlns="">
       <p:transition/>
     </mc:Fallback>
   </mc:AlternateContent>
@@ -13409,7 +13528,7 @@
           <p:cNvPr id="6" name="表格 5">
             <a:extLst>
               <a:ext uri="{FF2B5EF4-FFF2-40B4-BE49-F238E27FC236}">
-                <a16:creationId xmlns="" xmlns:a16="http://schemas.microsoft.com/office/drawing/2014/main" id="{202A9B48-7C02-4B9F-A694-D9D167DDE433}"/>
+                <a16:creationId xmlns:a16="http://schemas.microsoft.com/office/drawing/2014/main" xmlns="" id="{202A9B48-7C02-4B9F-A694-D9D167DDE433}"/>
               </a:ext>
             </a:extLst>
           </p:cNvPr>
@@ -13436,14 +13555,14 @@
                 <a:gridCol w="4881957">
                   <a:extLst>
                     <a:ext uri="{9D8B030D-6E8A-4147-A177-3AD203B41FA5}">
-                      <a16:colId xmlns="" xmlns:a16="http://schemas.microsoft.com/office/drawing/2014/main" val="3498442498"/>
+                      <a16:colId xmlns:a16="http://schemas.microsoft.com/office/drawing/2014/main" xmlns="" val="3498442498"/>
                     </a:ext>
                   </a:extLst>
                 </a:gridCol>
                 <a:gridCol w="1495587">
                   <a:extLst>
                     <a:ext uri="{9D8B030D-6E8A-4147-A177-3AD203B41FA5}">
-                      <a16:colId xmlns="" xmlns:a16="http://schemas.microsoft.com/office/drawing/2014/main" val="2798367762"/>
+                      <a16:colId xmlns:a16="http://schemas.microsoft.com/office/drawing/2014/main" xmlns="" val="2798367762"/>
                     </a:ext>
                   </a:extLst>
                 </a:gridCol>
@@ -13624,7 +13743,7 @@
                 </a:tc>
                 <a:extLst>
                   <a:ext uri="{0D108BD9-81ED-4DB2-BD59-A6C34878D82A}">
-                    <a16:rowId xmlns="" xmlns:a16="http://schemas.microsoft.com/office/drawing/2014/main" val="43767920"/>
+                    <a16:rowId xmlns:a16="http://schemas.microsoft.com/office/drawing/2014/main" xmlns="" val="43767920"/>
                   </a:ext>
                 </a:extLst>
               </a:tr>
@@ -13642,11 +13761,11 @@
   <p:clrMapOvr>
     <a:masterClrMapping/>
   </p:clrMapOvr>
-  <mc:AlternateContent xmlns:mc="http://schemas.openxmlformats.org/markup-compatibility/2006">
-    <mc:Choice xmlns:p14="http://schemas.microsoft.com/office/powerpoint/2010/main" Requires="p14">
+  <mc:AlternateContent xmlns:mc="http://schemas.openxmlformats.org/markup-compatibility/2006" xmlns:p14="http://schemas.microsoft.com/office/powerpoint/2010/main">
+    <mc:Choice Requires="p14">
       <p:transition p14:dur="0"/>
     </mc:Choice>
-    <mc:Fallback>
+    <mc:Fallback xmlns="">
       <p:transition/>
     </mc:Fallback>
   </mc:AlternateContent>
@@ -13810,7 +13929,7 @@
           <p:cNvPr id="7" name="表格 5">
             <a:extLst>
               <a:ext uri="{FF2B5EF4-FFF2-40B4-BE49-F238E27FC236}">
-                <a16:creationId xmlns:a16="http://schemas.microsoft.com/office/drawing/2014/main" xmlns="" id="{202A9B48-7C02-4B9F-A694-D9D167DDE433}"/>
+                <a16:creationId xmlns="" xmlns:a16="http://schemas.microsoft.com/office/drawing/2014/main" id="{202A9B48-7C02-4B9F-A694-D9D167DDE433}"/>
               </a:ext>
             </a:extLst>
           </p:cNvPr>
@@ -13837,21 +13956,21 @@
                 <a:gridCol w="1439100">
                   <a:extLst>
                     <a:ext uri="{9D8B030D-6E8A-4147-A177-3AD203B41FA5}">
-                      <a16:colId xmlns:a16="http://schemas.microsoft.com/office/drawing/2014/main" xmlns="" val="1313235057"/>
+                      <a16:colId xmlns="" xmlns:a16="http://schemas.microsoft.com/office/drawing/2014/main" val="1313235057"/>
                     </a:ext>
                   </a:extLst>
                 </a:gridCol>
                 <a:gridCol w="2365537">
                   <a:extLst>
                     <a:ext uri="{9D8B030D-6E8A-4147-A177-3AD203B41FA5}">
-                      <a16:colId xmlns:a16="http://schemas.microsoft.com/office/drawing/2014/main" xmlns="" val="3498442498"/>
+                      <a16:colId xmlns="" xmlns:a16="http://schemas.microsoft.com/office/drawing/2014/main" val="3498442498"/>
                     </a:ext>
                   </a:extLst>
                 </a:gridCol>
                 <a:gridCol w="3597777">
                   <a:extLst>
                     <a:ext uri="{9D8B030D-6E8A-4147-A177-3AD203B41FA5}">
-                      <a16:colId xmlns:a16="http://schemas.microsoft.com/office/drawing/2014/main" xmlns="" val="2798367762"/>
+                      <a16:colId xmlns="" xmlns:a16="http://schemas.microsoft.com/office/drawing/2014/main" val="2798367762"/>
                     </a:ext>
                   </a:extLst>
                 </a:gridCol>
@@ -14003,7 +14122,7 @@
                 </a:tc>
                 <a:extLst>
                   <a:ext uri="{0D108BD9-81ED-4DB2-BD59-A6C34878D82A}">
-                    <a16:rowId xmlns:a16="http://schemas.microsoft.com/office/drawing/2014/main" xmlns="" val="43767920"/>
+                    <a16:rowId xmlns="" xmlns:a16="http://schemas.microsoft.com/office/drawing/2014/main" val="43767920"/>
                   </a:ext>
                 </a:extLst>
               </a:tr>
@@ -14209,7 +14328,7 @@
                 </a:tc>
                 <a:extLst>
                   <a:ext uri="{0D108BD9-81ED-4DB2-BD59-A6C34878D82A}">
-                    <a16:rowId xmlns:a16="http://schemas.microsoft.com/office/drawing/2014/main" xmlns="" val="881114521"/>
+                    <a16:rowId xmlns="" xmlns:a16="http://schemas.microsoft.com/office/drawing/2014/main" val="881114521"/>
                   </a:ext>
                 </a:extLst>
               </a:tr>
@@ -14371,7 +14490,7 @@
                 </a:tc>
                 <a:extLst>
                   <a:ext uri="{0D108BD9-81ED-4DB2-BD59-A6C34878D82A}">
-                    <a16:rowId xmlns:a16="http://schemas.microsoft.com/office/drawing/2014/main" xmlns="" val="3889943358"/>
+                    <a16:rowId xmlns="" xmlns:a16="http://schemas.microsoft.com/office/drawing/2014/main" val="3889943358"/>
                   </a:ext>
                 </a:extLst>
               </a:tr>
@@ -14389,11 +14508,11 @@
   <p:clrMapOvr>
     <a:masterClrMapping/>
   </p:clrMapOvr>
-  <mc:AlternateContent xmlns:mc="http://schemas.openxmlformats.org/markup-compatibility/2006">
-    <mc:Choice xmlns:p14="http://schemas.microsoft.com/office/powerpoint/2010/main" Requires="p14">
+  <mc:AlternateContent xmlns:mc="http://schemas.openxmlformats.org/markup-compatibility/2006" xmlns:p14="http://schemas.microsoft.com/office/powerpoint/2010/main">
+    <mc:Choice Requires="p14">
       <p:transition p14:dur="0"/>
     </mc:Choice>
-    <mc:Fallback>
+    <mc:Fallback xmlns="">
       <p:transition/>
     </mc:Fallback>
   </mc:AlternateContent>
@@ -14736,11 +14855,11 @@
   <p:clrMapOvr>
     <a:masterClrMapping/>
   </p:clrMapOvr>
-  <mc:AlternateContent xmlns:mc="http://schemas.openxmlformats.org/markup-compatibility/2006">
-    <mc:Choice xmlns:p14="http://schemas.microsoft.com/office/powerpoint/2010/main" Requires="p14">
+  <mc:AlternateContent xmlns:mc="http://schemas.openxmlformats.org/markup-compatibility/2006" xmlns:p14="http://schemas.microsoft.com/office/powerpoint/2010/main">
+    <mc:Choice Requires="p14">
       <p:transition p14:dur="0"/>
     </mc:Choice>
-    <mc:Fallback>
+    <mc:Fallback xmlns="">
       <p:transition/>
     </mc:Fallback>
   </mc:AlternateContent>
@@ -14993,11 +15112,11 @@
   <p:clrMapOvr>
     <a:masterClrMapping/>
   </p:clrMapOvr>
-  <mc:AlternateContent xmlns:mc="http://schemas.openxmlformats.org/markup-compatibility/2006">
-    <mc:Choice xmlns:p14="http://schemas.microsoft.com/office/powerpoint/2010/main" Requires="p14">
+  <mc:AlternateContent xmlns:mc="http://schemas.openxmlformats.org/markup-compatibility/2006" xmlns:p14="http://schemas.microsoft.com/office/powerpoint/2010/main">
+    <mc:Choice Requires="p14">
       <p:transition p14:dur="0"/>
     </mc:Choice>
-    <mc:Fallback>
+    <mc:Fallback xmlns="">
       <p:transition/>
     </mc:Fallback>
   </mc:AlternateContent>
@@ -15345,11 +15464,11 @@
   <p:clrMapOvr>
     <a:masterClrMapping/>
   </p:clrMapOvr>
-  <mc:AlternateContent xmlns:mc="http://schemas.openxmlformats.org/markup-compatibility/2006">
-    <mc:Choice xmlns:p14="http://schemas.microsoft.com/office/powerpoint/2010/main" Requires="p14">
+  <mc:AlternateContent xmlns:mc="http://schemas.openxmlformats.org/markup-compatibility/2006" xmlns:p14="http://schemas.microsoft.com/office/powerpoint/2010/main">
+    <mc:Choice Requires="p14">
       <p:transition p14:dur="0"/>
     </mc:Choice>
-    <mc:Fallback>
+    <mc:Fallback xmlns="">
       <p:transition/>
     </mc:Fallback>
   </mc:AlternateContent>
@@ -15698,11 +15817,11 @@
   <p:clrMapOvr>
     <a:masterClrMapping/>
   </p:clrMapOvr>
-  <mc:AlternateContent xmlns:mc="http://schemas.openxmlformats.org/markup-compatibility/2006">
-    <mc:Choice xmlns:p14="http://schemas.microsoft.com/office/powerpoint/2010/main" Requires="p14">
+  <mc:AlternateContent xmlns:mc="http://schemas.openxmlformats.org/markup-compatibility/2006" xmlns:p14="http://schemas.microsoft.com/office/powerpoint/2010/main">
+    <mc:Choice Requires="p14">
       <p:transition p14:dur="0"/>
     </mc:Choice>
-    <mc:Fallback>
+    <mc:Fallback xmlns="">
       <p:transition/>
     </mc:Fallback>
   </mc:AlternateContent>
@@ -16502,11 +16621,11 @@
   <p:clrMapOvr>
     <a:masterClrMapping/>
   </p:clrMapOvr>
-  <mc:AlternateContent xmlns:mc="http://schemas.openxmlformats.org/markup-compatibility/2006">
-    <mc:Choice xmlns:p14="http://schemas.microsoft.com/office/powerpoint/2010/main" Requires="p14">
+  <mc:AlternateContent xmlns:mc="http://schemas.openxmlformats.org/markup-compatibility/2006" xmlns:p14="http://schemas.microsoft.com/office/powerpoint/2010/main">
+    <mc:Choice Requires="p14">
       <p:transition p14:dur="0"/>
     </mc:Choice>
-    <mc:Fallback>
+    <mc:Fallback xmlns="">
       <p:transition/>
     </mc:Fallback>
   </mc:AlternateContent>
@@ -16921,11 +17040,11 @@
   <p:clrMapOvr>
     <a:masterClrMapping/>
   </p:clrMapOvr>
-  <mc:AlternateContent xmlns:mc="http://schemas.openxmlformats.org/markup-compatibility/2006">
-    <mc:Choice xmlns:p14="http://schemas.microsoft.com/office/powerpoint/2010/main" Requires="p14">
+  <mc:AlternateContent xmlns:mc="http://schemas.openxmlformats.org/markup-compatibility/2006" xmlns:p14="http://schemas.microsoft.com/office/powerpoint/2010/main">
+    <mc:Choice Requires="p14">
       <p:transition p14:dur="0"/>
     </mc:Choice>
-    <mc:Fallback>
+    <mc:Fallback xmlns="">
       <p:transition/>
     </mc:Fallback>
   </mc:AlternateContent>
@@ -17133,7 +17252,7 @@
           <p:cNvPr id="6" name="表格 5">
             <a:extLst>
               <a:ext uri="{FF2B5EF4-FFF2-40B4-BE49-F238E27FC236}">
-                <a16:creationId xmlns:a16="http://schemas.microsoft.com/office/drawing/2014/main" xmlns="" id="{202A9B48-7C02-4B9F-A694-D9D167DDE433}"/>
+                <a16:creationId xmlns="" xmlns:a16="http://schemas.microsoft.com/office/drawing/2014/main" id="{202A9B48-7C02-4B9F-A694-D9D167DDE433}"/>
               </a:ext>
             </a:extLst>
           </p:cNvPr>
@@ -17160,21 +17279,21 @@
                 <a:gridCol w="1728799">
                   <a:extLst>
                     <a:ext uri="{9D8B030D-6E8A-4147-A177-3AD203B41FA5}">
-                      <a16:colId xmlns:a16="http://schemas.microsoft.com/office/drawing/2014/main" xmlns="" val="1313235057"/>
+                      <a16:colId xmlns="" xmlns:a16="http://schemas.microsoft.com/office/drawing/2014/main" val="1313235057"/>
                     </a:ext>
                   </a:extLst>
                 </a:gridCol>
                 <a:gridCol w="2508718">
                   <a:extLst>
                     <a:ext uri="{9D8B030D-6E8A-4147-A177-3AD203B41FA5}">
-                      <a16:colId xmlns:a16="http://schemas.microsoft.com/office/drawing/2014/main" xmlns="" val="3498442498"/>
+                      <a16:colId xmlns="" xmlns:a16="http://schemas.microsoft.com/office/drawing/2014/main" val="3498442498"/>
                     </a:ext>
                   </a:extLst>
                 </a:gridCol>
                 <a:gridCol w="3597777">
                   <a:extLst>
                     <a:ext uri="{9D8B030D-6E8A-4147-A177-3AD203B41FA5}">
-                      <a16:colId xmlns:a16="http://schemas.microsoft.com/office/drawing/2014/main" xmlns="" val="2798367762"/>
+                      <a16:colId xmlns="" xmlns:a16="http://schemas.microsoft.com/office/drawing/2014/main" val="2798367762"/>
                     </a:ext>
                   </a:extLst>
                 </a:gridCol>
@@ -17410,7 +17529,7 @@
                 </a:tc>
                 <a:extLst>
                   <a:ext uri="{0D108BD9-81ED-4DB2-BD59-A6C34878D82A}">
-                    <a16:rowId xmlns:a16="http://schemas.microsoft.com/office/drawing/2014/main" xmlns="" val="43767920"/>
+                    <a16:rowId xmlns="" xmlns:a16="http://schemas.microsoft.com/office/drawing/2014/main" val="43767920"/>
                   </a:ext>
                 </a:extLst>
               </a:tr>
@@ -17609,7 +17728,7 @@
                 </a:tc>
                 <a:extLst>
                   <a:ext uri="{0D108BD9-81ED-4DB2-BD59-A6C34878D82A}">
-                    <a16:rowId xmlns:a16="http://schemas.microsoft.com/office/drawing/2014/main" xmlns="" val="881114521"/>
+                    <a16:rowId xmlns="" xmlns:a16="http://schemas.microsoft.com/office/drawing/2014/main" val="881114521"/>
                   </a:ext>
                 </a:extLst>
               </a:tr>
@@ -17969,11 +18088,11 @@
   <p:clrMapOvr>
     <a:masterClrMapping/>
   </p:clrMapOvr>
-  <mc:AlternateContent xmlns:mc="http://schemas.openxmlformats.org/markup-compatibility/2006">
-    <mc:Choice xmlns:p14="http://schemas.microsoft.com/office/powerpoint/2010/main" Requires="p14">
+  <mc:AlternateContent xmlns:mc="http://schemas.openxmlformats.org/markup-compatibility/2006" xmlns:p14="http://schemas.microsoft.com/office/powerpoint/2010/main">
+    <mc:Choice Requires="p14">
       <p:transition p14:dur="0"/>
     </mc:Choice>
-    <mc:Fallback>
+    <mc:Fallback xmlns="">
       <p:transition/>
     </mc:Fallback>
   </mc:AlternateContent>
@@ -18293,11 +18412,11 @@
   <p:clrMapOvr>
     <a:masterClrMapping/>
   </p:clrMapOvr>
-  <mc:AlternateContent xmlns:mc="http://schemas.openxmlformats.org/markup-compatibility/2006">
-    <mc:Choice xmlns:p14="http://schemas.microsoft.com/office/powerpoint/2010/main" Requires="p14">
+  <mc:AlternateContent xmlns:mc="http://schemas.openxmlformats.org/markup-compatibility/2006" xmlns:p14="http://schemas.microsoft.com/office/powerpoint/2010/main">
+    <mc:Choice Requires="p14">
       <p:transition p14:dur="0"/>
     </mc:Choice>
-    <mc:Fallback>
+    <mc:Fallback xmlns="">
       <p:transition/>
     </mc:Fallback>
   </mc:AlternateContent>
@@ -18491,7 +18610,7 @@
           <p:cNvPr id="6" name="表格 5">
             <a:extLst>
               <a:ext uri="{FF2B5EF4-FFF2-40B4-BE49-F238E27FC236}">
-                <a16:creationId xmlns="" xmlns:a16="http://schemas.microsoft.com/office/drawing/2014/main" id="{202A9B48-7C02-4B9F-A694-D9D167DDE433}"/>
+                <a16:creationId xmlns:a16="http://schemas.microsoft.com/office/drawing/2014/main" xmlns="" id="{202A9B48-7C02-4B9F-A694-D9D167DDE433}"/>
               </a:ext>
             </a:extLst>
           </p:cNvPr>
@@ -18518,14 +18637,14 @@
                 <a:gridCol w="4881957">
                   <a:extLst>
                     <a:ext uri="{9D8B030D-6E8A-4147-A177-3AD203B41FA5}">
-                      <a16:colId xmlns="" xmlns:a16="http://schemas.microsoft.com/office/drawing/2014/main" val="3498442498"/>
+                      <a16:colId xmlns:a16="http://schemas.microsoft.com/office/drawing/2014/main" xmlns="" val="3498442498"/>
                     </a:ext>
                   </a:extLst>
                 </a:gridCol>
                 <a:gridCol w="1495587">
                   <a:extLst>
                     <a:ext uri="{9D8B030D-6E8A-4147-A177-3AD203B41FA5}">
-                      <a16:colId xmlns="" xmlns:a16="http://schemas.microsoft.com/office/drawing/2014/main" val="2798367762"/>
+                      <a16:colId xmlns:a16="http://schemas.microsoft.com/office/drawing/2014/main" xmlns="" val="2798367762"/>
                     </a:ext>
                   </a:extLst>
                 </a:gridCol>
@@ -18759,7 +18878,7 @@
                 </a:tc>
                 <a:extLst>
                   <a:ext uri="{0D108BD9-81ED-4DB2-BD59-A6C34878D82A}">
-                    <a16:rowId xmlns="" xmlns:a16="http://schemas.microsoft.com/office/drawing/2014/main" val="43767920"/>
+                    <a16:rowId xmlns:a16="http://schemas.microsoft.com/office/drawing/2014/main" xmlns="" val="43767920"/>
                   </a:ext>
                 </a:extLst>
               </a:tr>
@@ -18777,11 +18896,11 @@
   <p:clrMapOvr>
     <a:masterClrMapping/>
   </p:clrMapOvr>
-  <mc:AlternateContent xmlns:mc="http://schemas.openxmlformats.org/markup-compatibility/2006">
-    <mc:Choice xmlns:p14="http://schemas.microsoft.com/office/powerpoint/2010/main" Requires="p14">
+  <mc:AlternateContent xmlns:mc="http://schemas.openxmlformats.org/markup-compatibility/2006" xmlns:p14="http://schemas.microsoft.com/office/powerpoint/2010/main">
+    <mc:Choice Requires="p14">
       <p:transition p14:dur="0"/>
     </mc:Choice>
-    <mc:Fallback>
+    <mc:Fallback xmlns="">
       <p:transition/>
     </mc:Fallback>
   </mc:AlternateContent>
@@ -19014,11 +19133,11 @@
   <p:clrMapOvr>
     <a:masterClrMapping/>
   </p:clrMapOvr>
-  <mc:AlternateContent xmlns:mc="http://schemas.openxmlformats.org/markup-compatibility/2006">
-    <mc:Choice xmlns:p14="http://schemas.microsoft.com/office/powerpoint/2010/main" Requires="p14">
+  <mc:AlternateContent xmlns:mc="http://schemas.openxmlformats.org/markup-compatibility/2006" xmlns:p14="http://schemas.microsoft.com/office/powerpoint/2010/main">
+    <mc:Choice Requires="p14">
       <p:transition p14:dur="0"/>
     </mc:Choice>
-    <mc:Fallback>
+    <mc:Fallback xmlns="">
       <p:transition/>
     </mc:Fallback>
   </mc:AlternateContent>
@@ -19202,7 +19321,7 @@
           <p:cNvPr id="6" name="表格 5">
             <a:extLst>
               <a:ext uri="{FF2B5EF4-FFF2-40B4-BE49-F238E27FC236}">
-                <a16:creationId xmlns="" xmlns:a16="http://schemas.microsoft.com/office/drawing/2014/main" id="{202A9B48-7C02-4B9F-A694-D9D167DDE433}"/>
+                <a16:creationId xmlns:a16="http://schemas.microsoft.com/office/drawing/2014/main" xmlns="" id="{202A9B48-7C02-4B9F-A694-D9D167DDE433}"/>
               </a:ext>
             </a:extLst>
           </p:cNvPr>
@@ -19229,14 +19348,14 @@
                 <a:gridCol w="4881957">
                   <a:extLst>
                     <a:ext uri="{9D8B030D-6E8A-4147-A177-3AD203B41FA5}">
-                      <a16:colId xmlns="" xmlns:a16="http://schemas.microsoft.com/office/drawing/2014/main" val="3498442498"/>
+                      <a16:colId xmlns:a16="http://schemas.microsoft.com/office/drawing/2014/main" xmlns="" val="3498442498"/>
                     </a:ext>
                   </a:extLst>
                 </a:gridCol>
                 <a:gridCol w="1495587">
                   <a:extLst>
                     <a:ext uri="{9D8B030D-6E8A-4147-A177-3AD203B41FA5}">
-                      <a16:colId xmlns="" xmlns:a16="http://schemas.microsoft.com/office/drawing/2014/main" val="2798367762"/>
+                      <a16:colId xmlns:a16="http://schemas.microsoft.com/office/drawing/2014/main" xmlns="" val="2798367762"/>
                     </a:ext>
                   </a:extLst>
                 </a:gridCol>
@@ -19361,7 +19480,7 @@
                 </a:tc>
                 <a:extLst>
                   <a:ext uri="{0D108BD9-81ED-4DB2-BD59-A6C34878D82A}">
-                    <a16:rowId xmlns="" xmlns:a16="http://schemas.microsoft.com/office/drawing/2014/main" val="43767920"/>
+                    <a16:rowId xmlns:a16="http://schemas.microsoft.com/office/drawing/2014/main" xmlns="" val="43767920"/>
                   </a:ext>
                 </a:extLst>
               </a:tr>
@@ -19379,11 +19498,11 @@
   <p:clrMapOvr>
     <a:masterClrMapping/>
   </p:clrMapOvr>
-  <mc:AlternateContent xmlns:mc="http://schemas.openxmlformats.org/markup-compatibility/2006">
-    <mc:Choice xmlns:p14="http://schemas.microsoft.com/office/powerpoint/2010/main" Requires="p14">
+  <mc:AlternateContent xmlns:mc="http://schemas.openxmlformats.org/markup-compatibility/2006" xmlns:p14="http://schemas.microsoft.com/office/powerpoint/2010/main">
+    <mc:Choice Requires="p14">
       <p:transition p14:dur="0"/>
     </mc:Choice>
-    <mc:Fallback>
+    <mc:Fallback xmlns="">
       <p:transition/>
     </mc:Fallback>
   </mc:AlternateContent>
@@ -19616,11 +19735,11 @@
   <p:clrMapOvr>
     <a:masterClrMapping/>
   </p:clrMapOvr>
-  <mc:AlternateContent xmlns:mc="http://schemas.openxmlformats.org/markup-compatibility/2006">
-    <mc:Choice xmlns:p14="http://schemas.microsoft.com/office/powerpoint/2010/main" Requires="p14">
+  <mc:AlternateContent xmlns:mc="http://schemas.openxmlformats.org/markup-compatibility/2006" xmlns:p14="http://schemas.microsoft.com/office/powerpoint/2010/main">
+    <mc:Choice Requires="p14">
       <p:transition p14:dur="0"/>
     </mc:Choice>
-    <mc:Fallback>
+    <mc:Fallback xmlns="">
       <p:transition/>
     </mc:Fallback>
   </mc:AlternateContent>
@@ -19784,7 +19903,7 @@
           <p:cNvPr id="6" name="表格 5">
             <a:extLst>
               <a:ext uri="{FF2B5EF4-FFF2-40B4-BE49-F238E27FC236}">
-                <a16:creationId xmlns="" xmlns:a16="http://schemas.microsoft.com/office/drawing/2014/main" id="{202A9B48-7C02-4B9F-A694-D9D167DDE433}"/>
+                <a16:creationId xmlns:a16="http://schemas.microsoft.com/office/drawing/2014/main" xmlns="" id="{202A9B48-7C02-4B9F-A694-D9D167DDE433}"/>
               </a:ext>
             </a:extLst>
           </p:cNvPr>
@@ -19811,14 +19930,14 @@
                 <a:gridCol w="4881957">
                   <a:extLst>
                     <a:ext uri="{9D8B030D-6E8A-4147-A177-3AD203B41FA5}">
-                      <a16:colId xmlns="" xmlns:a16="http://schemas.microsoft.com/office/drawing/2014/main" val="3498442498"/>
+                      <a16:colId xmlns:a16="http://schemas.microsoft.com/office/drawing/2014/main" xmlns="" val="3498442498"/>
                     </a:ext>
                   </a:extLst>
                 </a:gridCol>
                 <a:gridCol w="1495587">
                   <a:extLst>
                     <a:ext uri="{9D8B030D-6E8A-4147-A177-3AD203B41FA5}">
-                      <a16:colId xmlns="" xmlns:a16="http://schemas.microsoft.com/office/drawing/2014/main" val="2798367762"/>
+                      <a16:colId xmlns:a16="http://schemas.microsoft.com/office/drawing/2014/main" xmlns="" val="2798367762"/>
                     </a:ext>
                   </a:extLst>
                 </a:gridCol>
@@ -20082,7 +20201,7 @@
                 </a:tc>
                 <a:extLst>
                   <a:ext uri="{0D108BD9-81ED-4DB2-BD59-A6C34878D82A}">
-                    <a16:rowId xmlns="" xmlns:a16="http://schemas.microsoft.com/office/drawing/2014/main" val="43767920"/>
+                    <a16:rowId xmlns:a16="http://schemas.microsoft.com/office/drawing/2014/main" xmlns="" val="43767920"/>
                   </a:ext>
                 </a:extLst>
               </a:tr>
@@ -20100,11 +20219,11 @@
   <p:clrMapOvr>
     <a:masterClrMapping/>
   </p:clrMapOvr>
-  <mc:AlternateContent xmlns:mc="http://schemas.openxmlformats.org/markup-compatibility/2006">
-    <mc:Choice xmlns:p14="http://schemas.microsoft.com/office/powerpoint/2010/main" Requires="p14">
+  <mc:AlternateContent xmlns:mc="http://schemas.openxmlformats.org/markup-compatibility/2006" xmlns:p14="http://schemas.microsoft.com/office/powerpoint/2010/main">
+    <mc:Choice Requires="p14">
       <p:transition p14:dur="0"/>
     </mc:Choice>
-    <mc:Fallback>
+    <mc:Fallback xmlns="">
       <p:transition/>
     </mc:Fallback>
   </mc:AlternateContent>
@@ -20338,11 +20457,11 @@
   <p:clrMapOvr>
     <a:masterClrMapping/>
   </p:clrMapOvr>
-  <mc:AlternateContent xmlns:mc="http://schemas.openxmlformats.org/markup-compatibility/2006">
-    <mc:Choice xmlns:p14="http://schemas.microsoft.com/office/powerpoint/2010/main" Requires="p14">
+  <mc:AlternateContent xmlns:mc="http://schemas.openxmlformats.org/markup-compatibility/2006" xmlns:p14="http://schemas.microsoft.com/office/powerpoint/2010/main">
+    <mc:Choice Requires="p14">
       <p:transition p14:dur="0"/>
     </mc:Choice>
-    <mc:Fallback>
+    <mc:Fallback xmlns="">
       <p:transition/>
     </mc:Fallback>
   </mc:AlternateContent>
@@ -20526,7 +20645,7 @@
           <p:cNvPr id="5" name="表格 4">
             <a:extLst>
               <a:ext uri="{FF2B5EF4-FFF2-40B4-BE49-F238E27FC236}">
-                <a16:creationId xmlns:a16="http://schemas.microsoft.com/office/drawing/2014/main" xmlns="" id="{202A9B48-7C02-4B9F-A694-D9D167DDE433}"/>
+                <a16:creationId xmlns="" xmlns:a16="http://schemas.microsoft.com/office/drawing/2014/main" id="{202A9B48-7C02-4B9F-A694-D9D167DDE433}"/>
               </a:ext>
             </a:extLst>
           </p:cNvPr>
@@ -20553,21 +20672,21 @@
                 <a:gridCol w="1728799">
                   <a:extLst>
                     <a:ext uri="{9D8B030D-6E8A-4147-A177-3AD203B41FA5}">
-                      <a16:colId xmlns:a16="http://schemas.microsoft.com/office/drawing/2014/main" xmlns="" val="1313235057"/>
+                      <a16:colId xmlns="" xmlns:a16="http://schemas.microsoft.com/office/drawing/2014/main" val="1313235057"/>
                     </a:ext>
                   </a:extLst>
                 </a:gridCol>
                 <a:gridCol w="2508718">
                   <a:extLst>
                     <a:ext uri="{9D8B030D-6E8A-4147-A177-3AD203B41FA5}">
-                      <a16:colId xmlns:a16="http://schemas.microsoft.com/office/drawing/2014/main" xmlns="" val="3498442498"/>
+                      <a16:colId xmlns="" xmlns:a16="http://schemas.microsoft.com/office/drawing/2014/main" val="3498442498"/>
                     </a:ext>
                   </a:extLst>
                 </a:gridCol>
                 <a:gridCol w="3597777">
                   <a:extLst>
                     <a:ext uri="{9D8B030D-6E8A-4147-A177-3AD203B41FA5}">
-                      <a16:colId xmlns:a16="http://schemas.microsoft.com/office/drawing/2014/main" xmlns="" val="2798367762"/>
+                      <a16:colId xmlns="" xmlns:a16="http://schemas.microsoft.com/office/drawing/2014/main" val="2798367762"/>
                     </a:ext>
                   </a:extLst>
                 </a:gridCol>
@@ -20749,7 +20868,7 @@
                 </a:tc>
                 <a:extLst>
                   <a:ext uri="{0D108BD9-81ED-4DB2-BD59-A6C34878D82A}">
-                    <a16:rowId xmlns:a16="http://schemas.microsoft.com/office/drawing/2014/main" xmlns="" val="43767920"/>
+                    <a16:rowId xmlns="" xmlns:a16="http://schemas.microsoft.com/office/drawing/2014/main" val="43767920"/>
                   </a:ext>
                 </a:extLst>
               </a:tr>
@@ -21054,7 +21173,7 @@
                 </a:tc>
                 <a:extLst>
                   <a:ext uri="{0D108BD9-81ED-4DB2-BD59-A6C34878D82A}">
-                    <a16:rowId xmlns:a16="http://schemas.microsoft.com/office/drawing/2014/main" xmlns="" val="881114521"/>
+                    <a16:rowId xmlns="" xmlns:a16="http://schemas.microsoft.com/office/drawing/2014/main" val="881114521"/>
                   </a:ext>
                 </a:extLst>
               </a:tr>
@@ -21072,11 +21191,11 @@
   <p:clrMapOvr>
     <a:masterClrMapping/>
   </p:clrMapOvr>
-  <mc:AlternateContent xmlns:mc="http://schemas.openxmlformats.org/markup-compatibility/2006">
-    <mc:Choice xmlns:p14="http://schemas.microsoft.com/office/powerpoint/2010/main" Requires="p14">
+  <mc:AlternateContent xmlns:mc="http://schemas.openxmlformats.org/markup-compatibility/2006" xmlns:p14="http://schemas.microsoft.com/office/powerpoint/2010/main">
+    <mc:Choice Requires="p14">
       <p:transition p14:dur="0"/>
     </mc:Choice>
-    <mc:Fallback>
+    <mc:Fallback xmlns="">
       <p:transition/>
     </mc:Fallback>
   </mc:AlternateContent>
@@ -21279,11 +21398,11 @@
   <p:clrMapOvr>
     <a:masterClrMapping/>
   </p:clrMapOvr>
-  <mc:AlternateContent xmlns:mc="http://schemas.openxmlformats.org/markup-compatibility/2006">
-    <mc:Choice xmlns:p14="http://schemas.microsoft.com/office/powerpoint/2010/main" Requires="p14">
+  <mc:AlternateContent xmlns:mc="http://schemas.openxmlformats.org/markup-compatibility/2006" xmlns:p14="http://schemas.microsoft.com/office/powerpoint/2010/main">
+    <mc:Choice Requires="p14">
       <p:transition p14:dur="0"/>
     </mc:Choice>
-    <mc:Fallback>
+    <mc:Fallback xmlns="">
       <p:transition/>
     </mc:Fallback>
   </mc:AlternateContent>
@@ -21487,11 +21606,11 @@
   <p:clrMapOvr>
     <a:masterClrMapping/>
   </p:clrMapOvr>
-  <mc:AlternateContent xmlns:mc="http://schemas.openxmlformats.org/markup-compatibility/2006">
-    <mc:Choice xmlns:p14="http://schemas.microsoft.com/office/powerpoint/2010/main" Requires="p14">
+  <mc:AlternateContent xmlns:mc="http://schemas.openxmlformats.org/markup-compatibility/2006" xmlns:p14="http://schemas.microsoft.com/office/powerpoint/2010/main">
+    <mc:Choice Requires="p14">
       <p:transition p14:dur="0"/>
     </mc:Choice>
-    <mc:Fallback>
+    <mc:Fallback xmlns="">
       <p:transition/>
     </mc:Fallback>
   </mc:AlternateContent>
@@ -21714,11 +21833,11 @@
   <p:clrMapOvr>
     <a:masterClrMapping/>
   </p:clrMapOvr>
-  <mc:AlternateContent xmlns:mc="http://schemas.openxmlformats.org/markup-compatibility/2006">
-    <mc:Choice xmlns:p14="http://schemas.microsoft.com/office/powerpoint/2010/main" Requires="p14">
+  <mc:AlternateContent xmlns:mc="http://schemas.openxmlformats.org/markup-compatibility/2006" xmlns:p14="http://schemas.microsoft.com/office/powerpoint/2010/main">
+    <mc:Choice Requires="p14">
       <p:transition p14:dur="0"/>
     </mc:Choice>
-    <mc:Fallback>
+    <mc:Fallback xmlns="">
       <p:transition/>
     </mc:Fallback>
   </mc:AlternateContent>
@@ -22128,11 +22247,11 @@
   <p:clrMapOvr>
     <a:masterClrMapping/>
   </p:clrMapOvr>
-  <mc:AlternateContent xmlns:mc="http://schemas.openxmlformats.org/markup-compatibility/2006">
-    <mc:Choice xmlns:p14="http://schemas.microsoft.com/office/powerpoint/2010/main" Requires="p14">
+  <mc:AlternateContent xmlns:mc="http://schemas.openxmlformats.org/markup-compatibility/2006" xmlns:p14="http://schemas.microsoft.com/office/powerpoint/2010/main">
+    <mc:Choice Requires="p14">
       <p:transition p14:dur="0"/>
     </mc:Choice>
-    <mc:Fallback>
+    <mc:Fallback xmlns="">
       <p:transition/>
     </mc:Fallback>
   </mc:AlternateContent>
@@ -22399,11 +22518,11 @@
   <p:clrMapOvr>
     <a:masterClrMapping/>
   </p:clrMapOvr>
-  <mc:AlternateContent xmlns:mc="http://schemas.openxmlformats.org/markup-compatibility/2006">
-    <mc:Choice xmlns:p14="http://schemas.microsoft.com/office/powerpoint/2010/main" Requires="p14">
+  <mc:AlternateContent xmlns:mc="http://schemas.openxmlformats.org/markup-compatibility/2006" xmlns:p14="http://schemas.microsoft.com/office/powerpoint/2010/main">
+    <mc:Choice Requires="p14">
       <p:transition p14:dur="0"/>
     </mc:Choice>
-    <mc:Fallback>
+    <mc:Fallback xmlns="">
       <p:transition/>
     </mc:Fallback>
   </mc:AlternateContent>
@@ -22901,11 +23020,11 @@
   <p:clrMapOvr>
     <a:masterClrMapping/>
   </p:clrMapOvr>
-  <mc:AlternateContent xmlns:mc="http://schemas.openxmlformats.org/markup-compatibility/2006">
-    <mc:Choice xmlns:p14="http://schemas.microsoft.com/office/powerpoint/2010/main" Requires="p14">
+  <mc:AlternateContent xmlns:mc="http://schemas.openxmlformats.org/markup-compatibility/2006" xmlns:p14="http://schemas.microsoft.com/office/powerpoint/2010/main">
+    <mc:Choice Requires="p14">
       <p:transition p14:dur="0"/>
     </mc:Choice>
-    <mc:Fallback>
+    <mc:Fallback xmlns="">
       <p:transition/>
     </mc:Fallback>
   </mc:AlternateContent>
@@ -23207,11 +23326,11 @@
   <p:clrMapOvr>
     <a:masterClrMapping/>
   </p:clrMapOvr>
-  <mc:AlternateContent xmlns:mc="http://schemas.openxmlformats.org/markup-compatibility/2006">
-    <mc:Choice xmlns:p14="http://schemas.microsoft.com/office/powerpoint/2010/main" Requires="p14">
+  <mc:AlternateContent xmlns:mc="http://schemas.openxmlformats.org/markup-compatibility/2006" xmlns:p14="http://schemas.microsoft.com/office/powerpoint/2010/main">
+    <mc:Choice Requires="p14">
       <p:transition p14:dur="0"/>
     </mc:Choice>
-    <mc:Fallback>
+    <mc:Fallback xmlns="">
       <p:transition/>
     </mc:Fallback>
   </mc:AlternateContent>
@@ -23764,11 +23883,11 @@
   <p:clrMapOvr>
     <a:masterClrMapping/>
   </p:clrMapOvr>
-  <mc:AlternateContent xmlns:mc="http://schemas.openxmlformats.org/markup-compatibility/2006">
-    <mc:Choice xmlns:p14="http://schemas.microsoft.com/office/powerpoint/2010/main" Requires="p14">
+  <mc:AlternateContent xmlns:mc="http://schemas.openxmlformats.org/markup-compatibility/2006" xmlns:p14="http://schemas.microsoft.com/office/powerpoint/2010/main">
+    <mc:Choice Requires="p14">
       <p:transition p14:dur="0"/>
     </mc:Choice>
-    <mc:Fallback>
+    <mc:Fallback xmlns="">
       <p:transition/>
     </mc:Fallback>
   </mc:AlternateContent>
@@ -24127,11 +24246,11 @@
   <p:clrMapOvr>
     <a:masterClrMapping/>
   </p:clrMapOvr>
-  <mc:AlternateContent xmlns:mc="http://schemas.openxmlformats.org/markup-compatibility/2006">
-    <mc:Choice xmlns:p14="http://schemas.microsoft.com/office/powerpoint/2010/main" Requires="p14">
+  <mc:AlternateContent xmlns:mc="http://schemas.openxmlformats.org/markup-compatibility/2006" xmlns:p14="http://schemas.microsoft.com/office/powerpoint/2010/main">
+    <mc:Choice Requires="p14">
       <p:transition p14:dur="0"/>
     </mc:Choice>
-    <mc:Fallback>
+    <mc:Fallback xmlns="">
       <p:transition/>
     </mc:Fallback>
   </mc:AlternateContent>
@@ -24335,11 +24454,11 @@
   <p:clrMapOvr>
     <a:masterClrMapping/>
   </p:clrMapOvr>
-  <mc:AlternateContent xmlns:mc="http://schemas.openxmlformats.org/markup-compatibility/2006">
-    <mc:Choice xmlns:p14="http://schemas.microsoft.com/office/powerpoint/2010/main" Requires="p14">
+  <mc:AlternateContent xmlns:mc="http://schemas.openxmlformats.org/markup-compatibility/2006" xmlns:p14="http://schemas.microsoft.com/office/powerpoint/2010/main">
+    <mc:Choice Requires="p14">
       <p:transition p14:dur="0"/>
     </mc:Choice>
-    <mc:Fallback>
+    <mc:Fallback xmlns="">
       <p:transition/>
     </mc:Fallback>
   </mc:AlternateContent>
@@ -24856,11 +24975,11 @@
   <p:clrMapOvr>
     <a:masterClrMapping/>
   </p:clrMapOvr>
-  <mc:AlternateContent xmlns:mc="http://schemas.openxmlformats.org/markup-compatibility/2006">
-    <mc:Choice xmlns:p14="http://schemas.microsoft.com/office/powerpoint/2010/main" Requires="p14">
+  <mc:AlternateContent xmlns:mc="http://schemas.openxmlformats.org/markup-compatibility/2006" xmlns:p14="http://schemas.microsoft.com/office/powerpoint/2010/main">
+    <mc:Choice Requires="p14">
       <p:transition p14:dur="0"/>
     </mc:Choice>
-    <mc:Fallback>
+    <mc:Fallback xmlns="">
       <p:transition/>
     </mc:Fallback>
   </mc:AlternateContent>
@@ -25577,11 +25696,11 @@
   <p:clrMapOvr>
     <a:masterClrMapping/>
   </p:clrMapOvr>
-  <mc:AlternateContent xmlns:mc="http://schemas.openxmlformats.org/markup-compatibility/2006">
-    <mc:Choice xmlns:p14="http://schemas.microsoft.com/office/powerpoint/2010/main" Requires="p14">
+  <mc:AlternateContent xmlns:mc="http://schemas.openxmlformats.org/markup-compatibility/2006" xmlns:p14="http://schemas.microsoft.com/office/powerpoint/2010/main">
+    <mc:Choice Requires="p14">
       <p:transition p14:dur="0"/>
     </mc:Choice>
-    <mc:Fallback>
+    <mc:Fallback xmlns="">
       <p:transition/>
     </mc:Fallback>
   </mc:AlternateContent>
@@ -26118,11 +26237,11 @@
   <p:clrMapOvr>
     <a:masterClrMapping/>
   </p:clrMapOvr>
-  <mc:AlternateContent xmlns:mc="http://schemas.openxmlformats.org/markup-compatibility/2006">
-    <mc:Choice xmlns:p14="http://schemas.microsoft.com/office/powerpoint/2010/main" Requires="p14">
+  <mc:AlternateContent xmlns:mc="http://schemas.openxmlformats.org/markup-compatibility/2006" xmlns:p14="http://schemas.microsoft.com/office/powerpoint/2010/main">
+    <mc:Choice Requires="p14">
       <p:transition p14:dur="0"/>
     </mc:Choice>
-    <mc:Fallback>
+    <mc:Fallback xmlns="">
       <p:transition/>
     </mc:Fallback>
   </mc:AlternateContent>
@@ -26958,11 +27077,11 @@
   <p:clrMapOvr>
     <a:masterClrMapping/>
   </p:clrMapOvr>
-  <mc:AlternateContent xmlns:mc="http://schemas.openxmlformats.org/markup-compatibility/2006">
-    <mc:Choice xmlns:p14="http://schemas.microsoft.com/office/powerpoint/2010/main" Requires="p14">
+  <mc:AlternateContent xmlns:mc="http://schemas.openxmlformats.org/markup-compatibility/2006" xmlns:p14="http://schemas.microsoft.com/office/powerpoint/2010/main">
+    <mc:Choice Requires="p14">
       <p:transition p14:dur="0"/>
     </mc:Choice>
-    <mc:Fallback>
+    <mc:Fallback xmlns="">
       <p:transition/>
     </mc:Fallback>
   </mc:AlternateContent>
@@ -27880,11 +27999,11 @@
   <p:clrMapOvr>
     <a:masterClrMapping/>
   </p:clrMapOvr>
-  <mc:AlternateContent xmlns:mc="http://schemas.openxmlformats.org/markup-compatibility/2006">
-    <mc:Choice xmlns:p14="http://schemas.microsoft.com/office/powerpoint/2010/main" Requires="p14">
+  <mc:AlternateContent xmlns:mc="http://schemas.openxmlformats.org/markup-compatibility/2006" xmlns:p14="http://schemas.microsoft.com/office/powerpoint/2010/main">
+    <mc:Choice Requires="p14">
       <p:transition p14:dur="0"/>
     </mc:Choice>
-    <mc:Fallback>
+    <mc:Fallback xmlns="">
       <p:transition/>
     </mc:Fallback>
   </mc:AlternateContent>
@@ -28735,11 +28854,11 @@
   <p:clrMapOvr>
     <a:masterClrMapping/>
   </p:clrMapOvr>
-  <mc:AlternateContent xmlns:mc="http://schemas.openxmlformats.org/markup-compatibility/2006">
-    <mc:Choice xmlns:p14="http://schemas.microsoft.com/office/powerpoint/2010/main" Requires="p14">
+  <mc:AlternateContent xmlns:mc="http://schemas.openxmlformats.org/markup-compatibility/2006" xmlns:p14="http://schemas.microsoft.com/office/powerpoint/2010/main">
+    <mc:Choice Requires="p14">
       <p:transition p14:dur="0"/>
     </mc:Choice>
-    <mc:Fallback>
+    <mc:Fallback xmlns="">
       <p:transition/>
     </mc:Fallback>
   </mc:AlternateContent>
@@ -29818,11 +29937,11 @@
   <p:clrMapOvr>
     <a:masterClrMapping/>
   </p:clrMapOvr>
-  <mc:AlternateContent xmlns:mc="http://schemas.openxmlformats.org/markup-compatibility/2006">
-    <mc:Choice xmlns:p14="http://schemas.microsoft.com/office/powerpoint/2010/main" Requires="p14">
+  <mc:AlternateContent xmlns:mc="http://schemas.openxmlformats.org/markup-compatibility/2006" xmlns:p14="http://schemas.microsoft.com/office/powerpoint/2010/main">
+    <mc:Choice Requires="p14">
       <p:transition p14:dur="0"/>
     </mc:Choice>
-    <mc:Fallback>
+    <mc:Fallback xmlns="">
       <p:transition/>
     </mc:Fallback>
   </mc:AlternateContent>
@@ -30745,11 +30864,11 @@
   <p:clrMapOvr>
     <a:masterClrMapping/>
   </p:clrMapOvr>
-  <mc:AlternateContent xmlns:mc="http://schemas.openxmlformats.org/markup-compatibility/2006">
-    <mc:Choice xmlns:p14="http://schemas.microsoft.com/office/powerpoint/2010/main" Requires="p14">
+  <mc:AlternateContent xmlns:mc="http://schemas.openxmlformats.org/markup-compatibility/2006" xmlns:p14="http://schemas.microsoft.com/office/powerpoint/2010/main">
+    <mc:Choice Requires="p14">
       <p:transition p14:dur="0"/>
     </mc:Choice>
-    <mc:Fallback>
+    <mc:Fallback xmlns="">
       <p:transition/>
     </mc:Fallback>
   </mc:AlternateContent>
@@ -31293,11 +31412,11 @@
   <p:clrMapOvr>
     <a:masterClrMapping/>
   </p:clrMapOvr>
-  <mc:AlternateContent xmlns:mc="http://schemas.openxmlformats.org/markup-compatibility/2006">
-    <mc:Choice xmlns:p14="http://schemas.microsoft.com/office/powerpoint/2010/main" Requires="p14">
+  <mc:AlternateContent xmlns:mc="http://schemas.openxmlformats.org/markup-compatibility/2006" xmlns:p14="http://schemas.microsoft.com/office/powerpoint/2010/main">
+    <mc:Choice Requires="p14">
       <p:transition p14:dur="0"/>
     </mc:Choice>
-    <mc:Fallback>
+    <mc:Fallback xmlns="">
       <p:transition/>
     </mc:Fallback>
   </mc:AlternateContent>
@@ -31923,11 +32042,11 @@
   <p:clrMapOvr>
     <a:masterClrMapping/>
   </p:clrMapOvr>
-  <mc:AlternateContent xmlns:mc="http://schemas.openxmlformats.org/markup-compatibility/2006">
-    <mc:Choice xmlns:p14="http://schemas.microsoft.com/office/powerpoint/2010/main" Requires="p14">
+  <mc:AlternateContent xmlns:mc="http://schemas.openxmlformats.org/markup-compatibility/2006" xmlns:p14="http://schemas.microsoft.com/office/powerpoint/2010/main">
+    <mc:Choice Requires="p14">
       <p:transition p14:dur="0"/>
     </mc:Choice>
-    <mc:Fallback>
+    <mc:Fallback xmlns="">
       <p:transition/>
     </mc:Fallback>
   </mc:AlternateContent>
@@ -32260,11 +32379,11 @@
   <p:clrMapOvr>
     <a:masterClrMapping/>
   </p:clrMapOvr>
-  <mc:AlternateContent xmlns:mc="http://schemas.openxmlformats.org/markup-compatibility/2006">
-    <mc:Choice xmlns:p14="http://schemas.microsoft.com/office/powerpoint/2010/main" Requires="p14">
+  <mc:AlternateContent xmlns:mc="http://schemas.openxmlformats.org/markup-compatibility/2006" xmlns:p14="http://schemas.microsoft.com/office/powerpoint/2010/main">
+    <mc:Choice Requires="p14">
       <p:transition p14:dur="0"/>
     </mc:Choice>
-    <mc:Fallback>
+    <mc:Fallback xmlns="">
       <p:transition/>
     </mc:Fallback>
   </mc:AlternateContent>
@@ -32563,11 +32682,11 @@
   <p:clrMapOvr>
     <a:masterClrMapping/>
   </p:clrMapOvr>
-  <mc:AlternateContent xmlns:mc="http://schemas.openxmlformats.org/markup-compatibility/2006">
-    <mc:Choice xmlns:p14="http://schemas.microsoft.com/office/powerpoint/2010/main" Requires="p14">
+  <mc:AlternateContent xmlns:mc="http://schemas.openxmlformats.org/markup-compatibility/2006" xmlns:p14="http://schemas.microsoft.com/office/powerpoint/2010/main">
+    <mc:Choice Requires="p14">
       <p:transition p14:dur="0"/>
     </mc:Choice>
-    <mc:Fallback>
+    <mc:Fallback xmlns="">
       <p:transition/>
     </mc:Fallback>
   </mc:AlternateContent>
@@ -32909,11 +33028,11 @@
   <p:clrMapOvr>
     <a:masterClrMapping/>
   </p:clrMapOvr>
-  <mc:AlternateContent xmlns:mc="http://schemas.openxmlformats.org/markup-compatibility/2006">
-    <mc:Choice xmlns:p14="http://schemas.microsoft.com/office/powerpoint/2010/main" Requires="p14">
+  <mc:AlternateContent xmlns:mc="http://schemas.openxmlformats.org/markup-compatibility/2006" xmlns:p14="http://schemas.microsoft.com/office/powerpoint/2010/main">
+    <mc:Choice Requires="p14">
       <p:transition p14:dur="0"/>
     </mc:Choice>
-    <mc:Fallback>
+    <mc:Fallback xmlns="">
       <p:transition/>
     </mc:Fallback>
   </mc:AlternateContent>
@@ -33205,11 +33324,11 @@
   <p:clrMapOvr>
     <a:masterClrMapping/>
   </p:clrMapOvr>
-  <mc:AlternateContent xmlns:mc="http://schemas.openxmlformats.org/markup-compatibility/2006">
-    <mc:Choice xmlns:p14="http://schemas.microsoft.com/office/powerpoint/2010/main" Requires="p14">
+  <mc:AlternateContent xmlns:mc="http://schemas.openxmlformats.org/markup-compatibility/2006" xmlns:p14="http://schemas.microsoft.com/office/powerpoint/2010/main">
+    <mc:Choice Requires="p14">
       <p:transition p14:dur="0"/>
     </mc:Choice>
-    <mc:Fallback>
+    <mc:Fallback xmlns="">
       <p:transition/>
     </mc:Fallback>
   </mc:AlternateContent>

--- a/論文/論文寫作期末報告.pptx
+++ b/論文/論文寫作期末報告.pptx
@@ -22,7 +22,7 @@
     <p:sldId id="304" r:id="rId10"/>
     <p:sldId id="303" r:id="rId11"/>
     <p:sldId id="285" r:id="rId12"/>
-    <p:sldId id="370" r:id="rId13"/>
+    <p:sldId id="406" r:id="rId13"/>
     <p:sldId id="372" r:id="rId14"/>
     <p:sldId id="373" r:id="rId15"/>
     <p:sldId id="374" r:id="rId16"/>
@@ -1555,7 +1555,7 @@
     </p:spTree>
     <p:extLst>
       <p:ext uri="{BB962C8B-B14F-4D97-AF65-F5344CB8AC3E}">
-        <p14:creationId xmlns:p14="http://schemas.microsoft.com/office/powerpoint/2010/main" val="3844232326"/>
+        <p14:creationId xmlns:p14="http://schemas.microsoft.com/office/powerpoint/2010/main" val="512340454"/>
       </p:ext>
     </p:extLst>
   </p:cSld>
@@ -1658,7 +1658,31 @@
                 <a:ea typeface="+mn-ea"/>
                 <a:cs typeface="+mn-cs"/>
               </a:rPr>
-              <a:t>傳統</a:t>
+              <a:t>傳統的</a:t>
+            </a:r>
+            <a:r>
+              <a:rPr lang="en-US" altLang="zh-TW" sz="900" kern="1200" dirty="0" smtClean="0">
+                <a:solidFill>
+                  <a:schemeClr val="tx1"/>
+                </a:solidFill>
+                <a:effectLst/>
+                <a:latin typeface="+mn-lt"/>
+                <a:ea typeface="+mn-ea"/>
+                <a:cs typeface="+mn-cs"/>
+              </a:rPr>
+              <a:t>CNN</a:t>
+            </a:r>
+            <a:r>
+              <a:rPr lang="zh-TW" altLang="en-US" sz="900" kern="1200" dirty="0" smtClean="0">
+                <a:solidFill>
+                  <a:schemeClr val="tx1"/>
+                </a:solidFill>
+                <a:effectLst/>
+                <a:latin typeface="+mn-lt"/>
+                <a:ea typeface="+mn-ea"/>
+                <a:cs typeface="+mn-cs"/>
+              </a:rPr>
+              <a:t>也能</a:t>
             </a:r>
             <a:r>
               <a:rPr lang="zh-TW" altLang="zh-TW" sz="900" kern="1200" dirty="0" smtClean="0">
@@ -1670,7 +1694,19 @@
                 <a:ea typeface="+mn-ea"/>
                 <a:cs typeface="+mn-cs"/>
               </a:rPr>
-              <a:t>的</a:t>
+              <a:t>運用於影像分類，</a:t>
+            </a:r>
+            <a:r>
+              <a:rPr lang="zh-TW" altLang="en-US" sz="900" kern="1200" dirty="0" smtClean="0">
+                <a:solidFill>
+                  <a:schemeClr val="tx1"/>
+                </a:solidFill>
+                <a:effectLst/>
+                <a:latin typeface="+mn-lt"/>
+                <a:ea typeface="+mn-ea"/>
+                <a:cs typeface="+mn-cs"/>
+              </a:rPr>
+              <a:t>但</a:t>
             </a:r>
             <a:r>
               <a:rPr lang="en-US" altLang="zh-TW" sz="900" kern="1200" dirty="0" smtClean="0">
@@ -1685,6 +1721,18 @@
               <a:t>CNN</a:t>
             </a:r>
             <a:r>
+              <a:rPr lang="zh-TW" altLang="zh-TW" sz="900" kern="1200" dirty="0" smtClean="0">
+                <a:solidFill>
+                  <a:schemeClr val="tx1"/>
+                </a:solidFill>
+                <a:effectLst/>
+                <a:latin typeface="+mn-lt"/>
+                <a:ea typeface="+mn-ea"/>
+                <a:cs typeface="+mn-cs"/>
+              </a:rPr>
+              <a:t>在進行卷積與池化的過程會丟失細節，無法精確地分辨出物體的輪廓，</a:t>
+            </a:r>
+            <a:r>
               <a:rPr lang="zh-TW" altLang="en-US" sz="900" kern="1200" dirty="0" smtClean="0">
                 <a:solidFill>
                   <a:schemeClr val="tx1"/>
@@ -1694,7 +1742,7 @@
                 <a:ea typeface="+mn-ea"/>
                 <a:cs typeface="+mn-cs"/>
               </a:rPr>
-              <a:t>也能</a:t>
+              <a:t>所以</a:t>
             </a:r>
             <a:r>
               <a:rPr lang="zh-TW" altLang="zh-TW" sz="900" kern="1200" dirty="0" smtClean="0">
@@ -1706,115 +1754,7 @@
                 <a:ea typeface="+mn-ea"/>
                 <a:cs typeface="+mn-cs"/>
               </a:rPr>
-              <a:t>運用</a:t>
-            </a:r>
-            <a:r>
-              <a:rPr lang="zh-TW" altLang="zh-TW" sz="900" kern="1200" dirty="0" smtClean="0">
-                <a:solidFill>
-                  <a:schemeClr val="tx1"/>
-                </a:solidFill>
-                <a:effectLst/>
-                <a:latin typeface="+mn-lt"/>
-                <a:ea typeface="+mn-ea"/>
-                <a:cs typeface="+mn-cs"/>
-              </a:rPr>
-              <a:t>於影像分類</a:t>
-            </a:r>
-            <a:r>
-              <a:rPr lang="zh-TW" altLang="zh-TW" sz="900" kern="1200" dirty="0" smtClean="0">
-                <a:solidFill>
-                  <a:schemeClr val="tx1"/>
-                </a:solidFill>
-                <a:effectLst/>
-                <a:latin typeface="+mn-lt"/>
-                <a:ea typeface="+mn-ea"/>
-                <a:cs typeface="+mn-cs"/>
-              </a:rPr>
-              <a:t>，</a:t>
-            </a:r>
-            <a:r>
-              <a:rPr lang="zh-TW" altLang="en-US" sz="900" kern="1200" dirty="0" smtClean="0">
-                <a:solidFill>
-                  <a:schemeClr val="tx1"/>
-                </a:solidFill>
-                <a:effectLst/>
-                <a:latin typeface="+mn-lt"/>
-                <a:ea typeface="+mn-ea"/>
-                <a:cs typeface="+mn-cs"/>
-              </a:rPr>
-              <a:t>但</a:t>
-            </a:r>
-            <a:r>
-              <a:rPr lang="en-US" altLang="zh-TW" sz="900" kern="1200" dirty="0" smtClean="0">
-                <a:solidFill>
-                  <a:schemeClr val="tx1"/>
-                </a:solidFill>
-                <a:effectLst/>
-                <a:latin typeface="+mn-lt"/>
-                <a:ea typeface="+mn-ea"/>
-                <a:cs typeface="+mn-cs"/>
-              </a:rPr>
-              <a:t>CNN</a:t>
-            </a:r>
-            <a:r>
-              <a:rPr lang="zh-TW" altLang="zh-TW" sz="900" kern="1200" dirty="0" smtClean="0">
-                <a:solidFill>
-                  <a:schemeClr val="tx1"/>
-                </a:solidFill>
-                <a:effectLst/>
-                <a:latin typeface="+mn-lt"/>
-                <a:ea typeface="+mn-ea"/>
-                <a:cs typeface="+mn-cs"/>
-              </a:rPr>
-              <a:t>在進行卷積與池化的過程會丟失細節，無法精確地分辨出物體的輪廓</a:t>
-            </a:r>
-            <a:r>
-              <a:rPr lang="zh-TW" altLang="zh-TW" sz="900" kern="1200" dirty="0" smtClean="0">
-                <a:solidFill>
-                  <a:schemeClr val="tx1"/>
-                </a:solidFill>
-                <a:effectLst/>
-                <a:latin typeface="+mn-lt"/>
-                <a:ea typeface="+mn-ea"/>
-                <a:cs typeface="+mn-cs"/>
-              </a:rPr>
-              <a:t>，</a:t>
-            </a:r>
-            <a:r>
-              <a:rPr lang="zh-TW" altLang="en-US" sz="900" kern="1200" dirty="0" smtClean="0">
-                <a:solidFill>
-                  <a:schemeClr val="tx1"/>
-                </a:solidFill>
-                <a:effectLst/>
-                <a:latin typeface="+mn-lt"/>
-                <a:ea typeface="+mn-ea"/>
-                <a:cs typeface="+mn-cs"/>
-              </a:rPr>
-              <a:t>所以</a:t>
-            </a:r>
-            <a:r>
-              <a:rPr lang="zh-TW" altLang="zh-TW" sz="900" kern="1200" dirty="0" smtClean="0">
-                <a:solidFill>
-                  <a:schemeClr val="tx1"/>
-                </a:solidFill>
-                <a:effectLst/>
-                <a:latin typeface="+mn-lt"/>
-                <a:ea typeface="+mn-ea"/>
-                <a:cs typeface="+mn-cs"/>
-              </a:rPr>
-              <a:t>較</a:t>
-            </a:r>
-            <a:r>
-              <a:rPr lang="zh-TW" altLang="zh-TW" sz="900" kern="1200" dirty="0" smtClean="0">
-                <a:solidFill>
-                  <a:schemeClr val="tx1"/>
-                </a:solidFill>
-                <a:effectLst/>
-                <a:latin typeface="+mn-lt"/>
-                <a:ea typeface="+mn-ea"/>
-                <a:cs typeface="+mn-cs"/>
-              </a:rPr>
-              <a:t>適合對整張影像作辨識，並標示出圖像類別。針對這種問題，語義分割的架構陸續被提出來，而語義分割主要的思想為</a:t>
+              <a:t>較適合對整張影像作辨識，並標示出圖像類別。針對這種問題，語義分割的架構陸續被提出來，而語義分割主要的思想為</a:t>
             </a:r>
             <a:r>
               <a:rPr lang="en-US" altLang="zh-TW" sz="900" kern="1200" dirty="0" smtClean="0">
@@ -2064,7 +2004,19 @@
                 <a:ea typeface="+mn-ea"/>
                 <a:cs typeface="+mn-cs"/>
               </a:rPr>
-              <a:t>輸入相同</a:t>
+              <a:t>輸入相同的大小</a:t>
+            </a:r>
+            <a:r>
+              <a:rPr lang="zh-TW" altLang="en-US" sz="900" kern="1200" dirty="0" smtClean="0">
+                <a:solidFill>
+                  <a:schemeClr val="tx1"/>
+                </a:solidFill>
+                <a:effectLst/>
+                <a:latin typeface="+mn-lt"/>
+                <a:ea typeface="+mn-ea"/>
+                <a:cs typeface="+mn-cs"/>
+              </a:rPr>
+              <a:t>的影像</a:t>
             </a:r>
             <a:r>
               <a:rPr lang="zh-TW" altLang="zh-TW" sz="900" kern="1200" dirty="0" smtClean="0">
@@ -2076,55 +2028,7 @@
                 <a:ea typeface="+mn-ea"/>
                 <a:cs typeface="+mn-cs"/>
               </a:rPr>
-              <a:t>的</a:t>
-            </a:r>
-            <a:r>
-              <a:rPr lang="zh-TW" altLang="zh-TW" sz="900" kern="1200" dirty="0" smtClean="0">
-                <a:solidFill>
-                  <a:schemeClr val="tx1"/>
-                </a:solidFill>
-                <a:effectLst/>
-                <a:latin typeface="+mn-lt"/>
-                <a:ea typeface="+mn-ea"/>
-                <a:cs typeface="+mn-cs"/>
-              </a:rPr>
-              <a:t>大小</a:t>
-            </a:r>
-            <a:r>
-              <a:rPr lang="zh-TW" altLang="en-US" sz="900" kern="1200" dirty="0" smtClean="0">
-                <a:solidFill>
-                  <a:schemeClr val="tx1"/>
-                </a:solidFill>
-                <a:effectLst/>
-                <a:latin typeface="+mn-lt"/>
-                <a:ea typeface="+mn-ea"/>
-                <a:cs typeface="+mn-cs"/>
-              </a:rPr>
-              <a:t>的影像</a:t>
-            </a:r>
-            <a:r>
-              <a:rPr lang="zh-TW" altLang="zh-TW" sz="900" kern="1200" dirty="0" smtClean="0">
-                <a:solidFill>
-                  <a:schemeClr val="tx1"/>
-                </a:solidFill>
-                <a:effectLst/>
-                <a:latin typeface="+mn-lt"/>
-                <a:ea typeface="+mn-ea"/>
-                <a:cs typeface="+mn-cs"/>
-              </a:rPr>
-              <a:t>，</a:t>
-            </a:r>
-            <a:r>
-              <a:rPr lang="zh-TW" altLang="zh-TW" sz="900" kern="1200" dirty="0" smtClean="0">
-                <a:solidFill>
-                  <a:schemeClr val="tx1"/>
-                </a:solidFill>
-                <a:effectLst/>
-                <a:latin typeface="+mn-lt"/>
-                <a:ea typeface="+mn-ea"/>
-                <a:cs typeface="+mn-cs"/>
-              </a:rPr>
-              <a:t>簡單來說就是把池化後縮小的尺寸再放大回去，以滿足語義分割的需求。隨著時間的發展，語義分割的架構也陸陸續續地被提出，像是</a:t>
+              <a:t>，簡單來說就是把池化後縮小的尺寸再放大回去，以滿足語義分割的需求。隨著時間的發展，語義分割的架構也陸陸續續地被提出，像是</a:t>
             </a:r>
             <a:r>
               <a:rPr lang="en-US" altLang="zh-TW" sz="900" kern="1200" dirty="0" err="1" smtClean="0">
@@ -2317,11 +2221,7 @@
             </a:r>
             <a:r>
               <a:rPr lang="zh-TW" altLang="en-US" sz="900" dirty="0" smtClean="0"/>
-              <a:t>用語義分割分割出建築物</a:t>
-            </a:r>
-            <a:r>
-              <a:rPr lang="zh-TW" altLang="en-US" sz="900" dirty="0" smtClean="0"/>
-              <a:t>場景，他也是在訓練前先將圖片進行語義分割再丟入模型一銅訓練，</a:t>
+              <a:t>用語義分割分割出建築物場景，他也是在訓練前先將圖片進行語義分割再丟入模型一銅訓練，</a:t>
             </a:r>
             <a:r>
               <a:rPr lang="zh-TW" altLang="en-US" sz="900" b="0" i="0" u="none" strike="noStrike" cap="none" baseline="0" dirty="0" smtClean="0">
@@ -2857,19 +2757,7 @@
                 <a:ea typeface="+mn-ea"/>
                 <a:cs typeface="+mn-cs"/>
               </a:rPr>
-              <a:t>，</a:t>
-            </a:r>
-            <a:r>
-              <a:rPr lang="zh-TW" altLang="zh-TW" sz="900" kern="1200" dirty="0" smtClean="0">
-                <a:solidFill>
-                  <a:schemeClr val="tx1"/>
-                </a:solidFill>
-                <a:effectLst/>
-                <a:latin typeface="+mn-lt"/>
-                <a:ea typeface="+mn-ea"/>
-                <a:cs typeface="+mn-cs"/>
-              </a:rPr>
-              <a:t>生成器利用現有</a:t>
+              <a:t>，生成器利用現有</a:t>
             </a:r>
             <a:r>
               <a:rPr lang="zh-TW" altLang="en-US" sz="900" kern="1200" dirty="0" smtClean="0">
@@ -3400,7 +3288,19 @@
                 <a:ea typeface="+mn-ea"/>
                 <a:cs typeface="+mn-cs"/>
               </a:rPr>
-              <a:t>所組成的神經網路，</a:t>
+              <a:t>所組成的神經網路，編碼器</a:t>
+            </a:r>
+            <a:r>
+              <a:rPr lang="zh-TW" altLang="en-US" sz="900" kern="1200" dirty="0" smtClean="0">
+                <a:solidFill>
+                  <a:schemeClr val="tx1"/>
+                </a:solidFill>
+                <a:effectLst/>
+                <a:latin typeface="+mn-lt"/>
+                <a:ea typeface="+mn-ea"/>
+                <a:cs typeface="+mn-cs"/>
+              </a:rPr>
+              <a:t>是</a:t>
             </a:r>
             <a:r>
               <a:rPr lang="zh-TW" altLang="zh-TW" sz="900" kern="1200" dirty="0" smtClean="0">
@@ -3412,7 +3312,7 @@
                 <a:ea typeface="+mn-ea"/>
                 <a:cs typeface="+mn-cs"/>
               </a:rPr>
-              <a:t>編碼器</a:t>
+              <a:t>將高維度的輸入資料壓縮成一個低維度的向量，此時的特徵向量為整個輸入資料最具代表性的精華，解碼器則是將</a:t>
             </a:r>
             <a:r>
               <a:rPr lang="zh-TW" altLang="en-US" sz="900" kern="1200" dirty="0" smtClean="0">
@@ -3424,7 +3324,7 @@
                 <a:ea typeface="+mn-ea"/>
                 <a:cs typeface="+mn-cs"/>
               </a:rPr>
-              <a:t>是</a:t>
+              <a:t>精華的</a:t>
             </a:r>
             <a:r>
               <a:rPr lang="zh-TW" altLang="zh-TW" sz="900" kern="1200" dirty="0" smtClean="0">
@@ -3436,67 +3336,7 @@
                 <a:ea typeface="+mn-ea"/>
                 <a:cs typeface="+mn-cs"/>
               </a:rPr>
-              <a:t>將</a:t>
-            </a:r>
-            <a:r>
-              <a:rPr lang="zh-TW" altLang="zh-TW" sz="900" kern="1200" dirty="0" smtClean="0">
-                <a:solidFill>
-                  <a:schemeClr val="tx1"/>
-                </a:solidFill>
-                <a:effectLst/>
-                <a:latin typeface="+mn-lt"/>
-                <a:ea typeface="+mn-ea"/>
-                <a:cs typeface="+mn-cs"/>
-              </a:rPr>
-              <a:t>高維度的輸入資料壓縮成一個低維度的向量，此時的特徵向量為整個輸入資料最具代表性的精華，解碼器則是</a:t>
-            </a:r>
-            <a:r>
-              <a:rPr lang="zh-TW" altLang="zh-TW" sz="900" kern="1200" dirty="0" smtClean="0">
-                <a:solidFill>
-                  <a:schemeClr val="tx1"/>
-                </a:solidFill>
-                <a:effectLst/>
-                <a:latin typeface="+mn-lt"/>
-                <a:ea typeface="+mn-ea"/>
-                <a:cs typeface="+mn-cs"/>
-              </a:rPr>
-              <a:t>將</a:t>
-            </a:r>
-            <a:r>
-              <a:rPr lang="zh-TW" altLang="en-US" sz="900" kern="1200" dirty="0" smtClean="0">
-                <a:solidFill>
-                  <a:schemeClr val="tx1"/>
-                </a:solidFill>
-                <a:effectLst/>
-                <a:latin typeface="+mn-lt"/>
-                <a:ea typeface="+mn-ea"/>
-                <a:cs typeface="+mn-cs"/>
-              </a:rPr>
-              <a:t>精華的</a:t>
-            </a:r>
-            <a:r>
-              <a:rPr lang="zh-TW" altLang="zh-TW" sz="900" kern="1200" dirty="0" smtClean="0">
-                <a:solidFill>
-                  <a:schemeClr val="tx1"/>
-                </a:solidFill>
-                <a:effectLst/>
-                <a:latin typeface="+mn-lt"/>
-                <a:ea typeface="+mn-ea"/>
-                <a:cs typeface="+mn-cs"/>
-              </a:rPr>
-              <a:t>特徵</a:t>
-            </a:r>
-            <a:r>
-              <a:rPr lang="zh-TW" altLang="zh-TW" sz="900" kern="1200" dirty="0" smtClean="0">
-                <a:solidFill>
-                  <a:schemeClr val="tx1"/>
-                </a:solidFill>
-                <a:effectLst/>
-                <a:latin typeface="+mn-lt"/>
-                <a:ea typeface="+mn-ea"/>
-                <a:cs typeface="+mn-cs"/>
-              </a:rPr>
-              <a:t>向量解壓縮回原始領域。</a:t>
+              <a:t>特徵向量解壓縮回原始領域。</a:t>
             </a:r>
             <a:endParaRPr lang="en-US" altLang="zh-TW" sz="900" kern="1200" dirty="0" smtClean="0">
               <a:solidFill>
@@ -4274,19 +4114,7 @@
                 <a:ea typeface="+mn-ea"/>
                 <a:cs typeface="+mn-cs"/>
               </a:rPr>
-              <a:t>能夠加入輔助條件的特性，將圖片當作輔助條件，跟著隨機數列一同輸入至生成器，再將生成出來的假圖片輸入至判別器去做出回饋</a:t>
-            </a:r>
-            <a:r>
-              <a:rPr lang="zh-TW" altLang="zh-TW" sz="900" kern="1200" dirty="0" smtClean="0">
-                <a:solidFill>
-                  <a:schemeClr val="tx1"/>
-                </a:solidFill>
-                <a:effectLst/>
-                <a:latin typeface="+mn-lt"/>
-                <a:ea typeface="+mn-ea"/>
-                <a:cs typeface="+mn-cs"/>
-              </a:rPr>
-              <a:t>。</a:t>
+              <a:t>能夠加入輔助條件的特性，將圖片當作輔助條件，跟著隨機數列一同輸入至生成器，再將生成出來的假圖片輸入至判別器去做出回饋。</a:t>
             </a:r>
             <a:r>
               <a:rPr lang="zh-TW" altLang="en-US" sz="900" kern="1200" dirty="0" smtClean="0">
@@ -4796,11 +4624,7 @@
             </a:r>
             <a:r>
               <a:rPr lang="zh-TW" altLang="en-US" dirty="0" smtClean="0"/>
-              <a:t>指的是判別器的網路架構</a:t>
-            </a:r>
-            <a:r>
-              <a:rPr lang="zh-TW" altLang="en-US" dirty="0" smtClean="0"/>
-              <a:t>，</a:t>
+              <a:t>指的是判別器的網路架構，</a:t>
             </a:r>
             <a:r>
               <a:rPr lang="en-US" altLang="zh-TW" sz="900" dirty="0" smtClean="0"/>
@@ -6130,7 +5954,19 @@
                 <a:ea typeface="+mn-ea"/>
                 <a:cs typeface="+mn-cs"/>
               </a:rPr>
-              <a:t>然而在蒐集圖片之後，擔心所需的圖片與實際所需的訓練資料還有一段差距，因此我們採用資料增強的方式，來增加資料集。常見的資料增強方法有將圖片進行旋轉、平移、縮放、翻轉、拉伸等，但過度的變形會導致模型過擬合，因此為了考慮室內照片的特性</a:t>
+              <a:t>然而在蒐集圖片之後，擔心所需的圖片與實際所需的訓練資料還有一段差距，因此我們採用資料增強的方式，來增加資料集。常見的資料增強方法有將圖片進行旋轉、平移、縮放、翻轉、拉伸等，但過度的變形會導致模型過擬合，因此為了考慮室內照片的特性，</a:t>
+            </a:r>
+            <a:r>
+              <a:rPr lang="zh-TW" altLang="en-US" sz="900" kern="1200" dirty="0" smtClean="0">
+                <a:solidFill>
+                  <a:schemeClr val="tx1"/>
+                </a:solidFill>
+                <a:effectLst/>
+                <a:latin typeface="+mn-lt"/>
+                <a:ea typeface="+mn-ea"/>
+                <a:cs typeface="+mn-cs"/>
+              </a:rPr>
+              <a:t>我預計用</a:t>
             </a:r>
             <a:r>
               <a:rPr lang="zh-TW" altLang="zh-TW" sz="900" kern="1200" dirty="0" smtClean="0">
@@ -6142,43 +5978,7 @@
                 <a:ea typeface="+mn-ea"/>
                 <a:cs typeface="+mn-cs"/>
               </a:rPr>
-              <a:t>，</a:t>
-            </a:r>
-            <a:r>
-              <a:rPr lang="zh-TW" altLang="en-US" sz="900" kern="1200" dirty="0" smtClean="0">
-                <a:solidFill>
-                  <a:schemeClr val="tx1"/>
-                </a:solidFill>
-                <a:effectLst/>
-                <a:latin typeface="+mn-lt"/>
-                <a:ea typeface="+mn-ea"/>
-                <a:cs typeface="+mn-cs"/>
-              </a:rPr>
-              <a:t>我預計用</a:t>
-            </a:r>
-            <a:r>
-              <a:rPr lang="zh-TW" altLang="zh-TW" sz="900" kern="1200" dirty="0" smtClean="0">
-                <a:solidFill>
-                  <a:schemeClr val="tx1"/>
-                </a:solidFill>
-                <a:effectLst/>
-                <a:latin typeface="+mn-lt"/>
-                <a:ea typeface="+mn-ea"/>
-                <a:cs typeface="+mn-cs"/>
-              </a:rPr>
-              <a:t>左右</a:t>
-            </a:r>
-            <a:r>
-              <a:rPr lang="zh-TW" altLang="zh-TW" sz="900" kern="1200" dirty="0" smtClean="0">
-                <a:solidFill>
-                  <a:schemeClr val="tx1"/>
-                </a:solidFill>
-                <a:effectLst/>
-                <a:latin typeface="+mn-lt"/>
-                <a:ea typeface="+mn-ea"/>
-                <a:cs typeface="+mn-cs"/>
-              </a:rPr>
-              <a:t>翻轉、逆時針旋轉以及順時針旋轉的方式來增強資料集，以達到所需的訓練量。</a:t>
+              <a:t>左右翻轉、逆時針旋轉以及順時針旋轉的方式來增強資料集，以達到所需的訓練量。</a:t>
             </a:r>
             <a:endParaRPr lang="zh-TW" altLang="zh-TW" sz="900" kern="1200" dirty="0">
               <a:solidFill>
@@ -6781,31 +6581,7 @@
                 <a:ea typeface="+mn-ea"/>
                 <a:cs typeface="+mn-cs"/>
               </a:rPr>
-              <a:t>影像濾波</a:t>
-            </a:r>
-            <a:r>
-              <a:rPr lang="zh-TW" altLang="en-US" sz="900" kern="1200" dirty="0" smtClean="0">
-                <a:solidFill>
-                  <a:schemeClr val="tx1"/>
-                </a:solidFill>
-                <a:effectLst/>
-                <a:latin typeface="+mn-lt"/>
-                <a:ea typeface="+mn-ea"/>
-                <a:cs typeface="+mn-cs"/>
-              </a:rPr>
-              <a:t>層需代兩</a:t>
-            </a:r>
-            <a:r>
-              <a:rPr lang="zh-TW" altLang="en-US" sz="900" kern="1200" dirty="0" smtClean="0">
-                <a:solidFill>
-                  <a:schemeClr val="tx1"/>
-                </a:solidFill>
-                <a:effectLst/>
-                <a:latin typeface="+mn-lt"/>
-                <a:ea typeface="+mn-ea"/>
-                <a:cs typeface="+mn-cs"/>
-              </a:rPr>
-              <a:t>個參數，一個是平滑內核，一個是正則化係數，</a:t>
+              <a:t>影像濾波層需代兩個參數，一個是平滑內核，一個是正則化係數，</a:t>
             </a:r>
             <a:r>
               <a:rPr lang="zh-TW" altLang="zh-TW" sz="900" kern="1200" dirty="0" smtClean="0">
@@ -6947,19 +6723,7 @@
                 <a:ea typeface="+mn-ea"/>
                 <a:cs typeface="+mn-cs"/>
               </a:rPr>
-              <a:t>碼器</a:t>
-            </a:r>
-            <a:r>
-              <a:rPr lang="zh-TW" altLang="zh-TW" sz="900" kern="1200" dirty="0" smtClean="0">
-                <a:solidFill>
-                  <a:schemeClr val="tx1"/>
-                </a:solidFill>
-                <a:effectLst/>
-                <a:latin typeface="+mn-lt"/>
-                <a:ea typeface="+mn-ea"/>
-                <a:cs typeface="+mn-cs"/>
-              </a:rPr>
-              <a:t>則由</a:t>
+              <a:t>碼器則由</a:t>
             </a:r>
             <a:r>
               <a:rPr lang="en-US" altLang="zh-TW" sz="900" kern="1200" dirty="0" smtClean="0">
@@ -7705,77 +7469,8 @@
                 <a:ea typeface="+mn-ea"/>
                 <a:cs typeface="+mn-cs"/>
               </a:rPr>
-              <a:t>室內設計的概念起源於美國，於經濟發展的需求演化而來，</a:t>
-            </a:r>
-            <a:r>
-              <a:rPr lang="zh-TW" altLang="zh-TW" sz="900" kern="1200" dirty="0" smtClean="0">
-                <a:solidFill>
-                  <a:schemeClr val="tx1"/>
-                </a:solidFill>
-                <a:effectLst/>
-                <a:latin typeface="+mn-lt"/>
-                <a:ea typeface="+mn-ea"/>
-                <a:cs typeface="+mn-cs"/>
-              </a:rPr>
-              <a:t>原本人們蓋</a:t>
-            </a:r>
-            <a:r>
-              <a:rPr lang="zh-TW" altLang="zh-TW" sz="900" kern="1200" dirty="0" smtClean="0">
-                <a:solidFill>
-                  <a:schemeClr val="tx1"/>
-                </a:solidFill>
-                <a:effectLst/>
-                <a:latin typeface="+mn-lt"/>
-                <a:ea typeface="+mn-ea"/>
-                <a:cs typeface="+mn-cs"/>
-              </a:rPr>
-              <a:t>建築物的目的只是為求居住，而之後慢慢延伸出使用者的需求或為了更改內部環境而開始考量室內設計。後來室內裝潢逐漸延伸出考慮到生活品質、居住品質、心理層面、視覺等因素，使人類能在生活、起居、心理、視覺等各方面得到無比的滿足，現在每個人住的家裡</a:t>
-            </a:r>
-            <a:r>
-              <a:rPr lang="zh-TW" altLang="zh-TW" sz="900" kern="1200" dirty="0" smtClean="0">
-                <a:solidFill>
-                  <a:schemeClr val="tx1"/>
-                </a:solidFill>
-                <a:effectLst/>
-                <a:latin typeface="+mn-lt"/>
-                <a:ea typeface="+mn-ea"/>
-                <a:cs typeface="+mn-cs"/>
-              </a:rPr>
-              <a:t>，成長</a:t>
-            </a:r>
-            <a:r>
-              <a:rPr lang="zh-TW" altLang="zh-TW" sz="900" kern="1200" dirty="0" smtClean="0">
-                <a:solidFill>
-                  <a:schemeClr val="tx1"/>
-                </a:solidFill>
-                <a:effectLst/>
-                <a:latin typeface="+mn-lt"/>
-                <a:ea typeface="+mn-ea"/>
-                <a:cs typeface="+mn-cs"/>
-              </a:rPr>
-              <a:t>過程都扮演著重要的腳色，因此室內設計在現今的社會上已成了無法缺少的一塊產業</a:t>
-            </a:r>
-            <a:r>
-              <a:rPr lang="zh-TW" altLang="zh-TW" sz="900" kern="1200" dirty="0" smtClean="0">
-                <a:solidFill>
-                  <a:schemeClr val="tx1"/>
-                </a:solidFill>
-                <a:effectLst/>
-                <a:latin typeface="+mn-lt"/>
-                <a:ea typeface="+mn-ea"/>
-                <a:cs typeface="+mn-cs"/>
-              </a:rPr>
-              <a:t>。裝潢前都有通過室內設計來設計出滿足各種層面需求的家，而家的安定，對每個人的生活或是</a:t>
-            </a:r>
-            <a:endParaRPr lang="zh-TW" altLang="zh-TW" sz="900" kern="1200" dirty="0" smtClean="0">
-              <a:solidFill>
-                <a:schemeClr val="tx1"/>
-              </a:solidFill>
-              <a:effectLst/>
-              <a:latin typeface="+mn-lt"/>
-              <a:ea typeface="+mn-ea"/>
-              <a:cs typeface="+mn-cs"/>
-            </a:endParaRPr>
+              <a:t>室內設計的概念起源於美國，於經濟發展的需求演化而來，原本人們蓋建築物的目的只是為求居住，而之後慢慢延伸出使用者的需求或為了更改內部環境而開始考量室內設計。後來室內裝潢逐漸延伸出考慮到生活品質、居住品質、心理層面、視覺等因素，使人類能在生活、起居、心理、視覺等各方面得到無比的滿足，現在每個人住的家裡，成長過程都扮演著重要的腳色，因此室內設計在現今的社會上已成了無法缺少的一塊產業。裝潢前都有通過室內設計來設計出滿足各種層面需求的家，而家的安定，對每個人的生活或是</a:t>
+            </a:r>
           </a:p>
           <a:p>
             <a:endParaRPr lang="zh-TW" altLang="zh-TW" sz="900" kern="1200" dirty="0">
@@ -8552,7 +8247,19 @@
                 <a:ea typeface="+mn-ea"/>
                 <a:cs typeface="+mn-cs"/>
               </a:rPr>
-              <a:t>再來是三維模型的介紹，</a:t>
+              <a:t>再來是三維模型的介紹，早期室內設計會運用手繪</a:t>
+            </a:r>
+            <a:r>
+              <a:rPr lang="en-US" altLang="zh-TW" sz="900" kern="1200" dirty="0" smtClean="0">
+                <a:solidFill>
+                  <a:schemeClr val="tx1"/>
+                </a:solidFill>
+                <a:effectLst/>
+                <a:latin typeface="+mn-lt"/>
+                <a:ea typeface="+mn-ea"/>
+                <a:cs typeface="+mn-cs"/>
+              </a:rPr>
+              <a:t> 2D </a:t>
             </a:r>
             <a:r>
               <a:rPr lang="zh-TW" altLang="zh-TW" sz="900" kern="1200" dirty="0" smtClean="0">
@@ -8564,7 +8271,19 @@
                 <a:ea typeface="+mn-ea"/>
                 <a:cs typeface="+mn-cs"/>
               </a:rPr>
-              <a:t>早期室內設計</a:t>
+              <a:t>設計圖、透視圖、等方式進行設計表現時，雖然能夠正確的表達設計師的設計構想，但仍有相當大的部分需要靠</a:t>
+            </a:r>
+            <a:r>
+              <a:rPr lang="zh-TW" altLang="en-US" sz="900" kern="1200" dirty="0" smtClean="0">
+                <a:solidFill>
+                  <a:schemeClr val="tx1"/>
+                </a:solidFill>
+                <a:effectLst/>
+                <a:latin typeface="+mn-lt"/>
+                <a:ea typeface="+mn-ea"/>
+                <a:cs typeface="+mn-cs"/>
+              </a:rPr>
+              <a:t>客戶</a:t>
             </a:r>
             <a:r>
               <a:rPr lang="zh-TW" altLang="zh-TW" sz="900" kern="1200" dirty="0" smtClean="0">
@@ -8576,7 +8295,57 @@
                 <a:ea typeface="+mn-ea"/>
                 <a:cs typeface="+mn-cs"/>
               </a:rPr>
-              <a:t>會運用手繪</a:t>
+              <a:t>自身的想像力，來綜合判斷完工後的實際樣態。但往往在工程完成後，發現與當初的想像有相當大的落差，造成設計師及</a:t>
+            </a:r>
+            <a:r>
+              <a:rPr lang="zh-TW" altLang="en-US" sz="900" kern="1200" dirty="0" smtClean="0">
+                <a:solidFill>
+                  <a:schemeClr val="tx1"/>
+                </a:solidFill>
+                <a:effectLst/>
+                <a:latin typeface="+mn-lt"/>
+                <a:ea typeface="+mn-ea"/>
+                <a:cs typeface="+mn-cs"/>
+              </a:rPr>
+              <a:t>客戶</a:t>
+            </a:r>
+            <a:r>
+              <a:rPr lang="zh-TW" altLang="zh-TW" sz="900" kern="1200" dirty="0" smtClean="0">
+                <a:solidFill>
+                  <a:schemeClr val="tx1"/>
+                </a:solidFill>
+                <a:effectLst/>
+                <a:latin typeface="+mn-lt"/>
+                <a:ea typeface="+mn-ea"/>
+                <a:cs typeface="+mn-cs"/>
+              </a:rPr>
+              <a:t>雙方的困擾，嚴重的話甚至產生法律糾紛。</a:t>
+            </a:r>
+          </a:p>
+          <a:p>
+            <a:r>
+              <a:rPr lang="zh-TW" altLang="zh-TW" sz="900" kern="1200" dirty="0" smtClean="0">
+                <a:solidFill>
+                  <a:schemeClr val="tx1"/>
+                </a:solidFill>
+                <a:effectLst/>
+                <a:latin typeface="+mn-lt"/>
+                <a:ea typeface="+mn-ea"/>
+                <a:cs typeface="+mn-cs"/>
+              </a:rPr>
+              <a:t>因此室內設計業也一直不斷的進步，不斷尋求新的設計表達方式，過程中有</a:t>
+            </a:r>
+            <a:r>
+              <a:rPr lang="zh-TW" altLang="en-US" sz="900" kern="1200" dirty="0" smtClean="0">
+                <a:solidFill>
+                  <a:schemeClr val="tx1"/>
+                </a:solidFill>
+                <a:effectLst/>
+                <a:latin typeface="+mn-lt"/>
+                <a:ea typeface="+mn-ea"/>
+                <a:cs typeface="+mn-cs"/>
+              </a:rPr>
+              <a:t>再</a:t>
             </a:r>
             <a:r>
               <a:rPr lang="en-US" altLang="zh-TW" sz="900" kern="1200" dirty="0" smtClean="0">
@@ -8588,7 +8357,19 @@
                 <a:ea typeface="+mn-ea"/>
                 <a:cs typeface="+mn-cs"/>
               </a:rPr>
-              <a:t> 2D </a:t>
+              <a:t>2D</a:t>
+            </a:r>
+            <a:r>
+              <a:rPr lang="zh-TW" altLang="en-US" sz="900" kern="1200" dirty="0" smtClean="0">
+                <a:solidFill>
+                  <a:schemeClr val="tx1"/>
+                </a:solidFill>
+                <a:effectLst/>
+                <a:latin typeface="+mn-lt"/>
+                <a:ea typeface="+mn-ea"/>
+                <a:cs typeface="+mn-cs"/>
+              </a:rPr>
+              <a:t>加入</a:t>
             </a:r>
             <a:r>
               <a:rPr lang="zh-TW" altLang="zh-TW" sz="900" kern="1200" dirty="0" smtClean="0">
@@ -8600,7 +8381,79 @@
                 <a:ea typeface="+mn-ea"/>
                 <a:cs typeface="+mn-cs"/>
               </a:rPr>
-              <a:t>設計圖、透視圖、等方式進行設計表現時，雖然能夠正確的表達設計師的設計構想，但仍有相當大的部分需要靠</a:t>
+              <a:t>合成影像，到現在三維模型的展現，也稱作</a:t>
+            </a:r>
+            <a:r>
+              <a:rPr lang="en-US" altLang="zh-TW" sz="900" kern="1200" dirty="0" smtClean="0">
+                <a:solidFill>
+                  <a:schemeClr val="tx1"/>
+                </a:solidFill>
+                <a:effectLst/>
+                <a:latin typeface="+mn-lt"/>
+                <a:ea typeface="+mn-ea"/>
+                <a:cs typeface="+mn-cs"/>
+              </a:rPr>
+              <a:t>3D</a:t>
+            </a:r>
+            <a:r>
+              <a:rPr lang="zh-TW" altLang="zh-TW" sz="900" kern="1200" dirty="0" smtClean="0">
+                <a:solidFill>
+                  <a:schemeClr val="tx1"/>
+                </a:solidFill>
+                <a:effectLst/>
+                <a:latin typeface="+mn-lt"/>
+                <a:ea typeface="+mn-ea"/>
+                <a:cs typeface="+mn-cs"/>
+              </a:rPr>
+              <a:t>模型</a:t>
+            </a:r>
+            <a:r>
+              <a:rPr lang="en-US" altLang="zh-TW" sz="900" kern="1200" dirty="0" smtClean="0">
+                <a:solidFill>
+                  <a:schemeClr val="tx1"/>
+                </a:solidFill>
+                <a:effectLst/>
+                <a:latin typeface="+mn-lt"/>
+                <a:ea typeface="+mn-ea"/>
+                <a:cs typeface="+mn-cs"/>
+              </a:rPr>
+              <a:t>(3D</a:t>
+            </a:r>
+            <a:r>
+              <a:rPr lang="zh-TW" altLang="zh-TW" sz="900" kern="1200" dirty="0" smtClean="0">
+                <a:solidFill>
+                  <a:schemeClr val="tx1"/>
+                </a:solidFill>
+                <a:effectLst/>
+                <a:latin typeface="+mn-lt"/>
+                <a:ea typeface="+mn-ea"/>
+                <a:cs typeface="+mn-cs"/>
+              </a:rPr>
+              <a:t>草圖</a:t>
+            </a:r>
+            <a:r>
+              <a:rPr lang="en-US" altLang="zh-TW" sz="900" kern="1200" dirty="0" smtClean="0">
+                <a:solidFill>
+                  <a:schemeClr val="tx1"/>
+                </a:solidFill>
+                <a:effectLst/>
+                <a:latin typeface="+mn-lt"/>
+                <a:ea typeface="+mn-ea"/>
+                <a:cs typeface="+mn-cs"/>
+              </a:rPr>
+              <a:t>)</a:t>
+            </a:r>
+            <a:r>
+              <a:rPr lang="zh-TW" altLang="zh-TW" sz="900" kern="1200" dirty="0" smtClean="0">
+                <a:solidFill>
+                  <a:schemeClr val="tx1"/>
+                </a:solidFill>
+                <a:effectLst/>
+                <a:latin typeface="+mn-lt"/>
+                <a:ea typeface="+mn-ea"/>
+                <a:cs typeface="+mn-cs"/>
+              </a:rPr>
+              <a:t>，而至今也有大量的</a:t>
             </a:r>
             <a:r>
               <a:rPr lang="zh-TW" altLang="en-US" sz="900" kern="1200" dirty="0" smtClean="0">
@@ -8612,7 +8465,7 @@
                 <a:ea typeface="+mn-ea"/>
                 <a:cs typeface="+mn-cs"/>
               </a:rPr>
-              <a:t>客戶</a:t>
+              <a:t>建模</a:t>
             </a:r>
             <a:r>
               <a:rPr lang="zh-TW" altLang="zh-TW" sz="900" kern="1200" dirty="0" smtClean="0">
@@ -8624,10 +8477,10 @@
                 <a:ea typeface="+mn-ea"/>
                 <a:cs typeface="+mn-cs"/>
               </a:rPr>
-              <a:t>自身的想像力，來綜合判斷完工後的實際樣態。但往往在工程完成後，發現與當初的想像有相當大的落差，造成設計師及</a:t>
-            </a:r>
-            <a:r>
-              <a:rPr lang="zh-TW" altLang="en-US" sz="900" kern="1200" dirty="0" smtClean="0">
+              <a:t>軟體能讓輕鬆地生成</a:t>
+            </a:r>
+            <a:r>
+              <a:rPr lang="en-US" altLang="zh-TW" sz="900" kern="1200" dirty="0" smtClean="0">
                 <a:solidFill>
                   <a:schemeClr val="tx1"/>
                 </a:solidFill>
@@ -8636,7 +8489,7 @@
                 <a:ea typeface="+mn-ea"/>
                 <a:cs typeface="+mn-cs"/>
               </a:rPr>
-              <a:t>客戶</a:t>
+              <a:t>3D</a:t>
             </a:r>
             <a:r>
               <a:rPr lang="zh-TW" altLang="zh-TW" sz="900" kern="1200" dirty="0" smtClean="0">
@@ -8648,237 +8501,7 @@
                 <a:ea typeface="+mn-ea"/>
                 <a:cs typeface="+mn-cs"/>
               </a:rPr>
-              <a:t>雙方的困擾，嚴重的話甚至產生法律糾紛。</a:t>
-            </a:r>
-          </a:p>
-          <a:p>
-            <a:r>
-              <a:rPr lang="zh-TW" altLang="zh-TW" sz="900" kern="1200" dirty="0" smtClean="0">
-                <a:solidFill>
-                  <a:schemeClr val="tx1"/>
-                </a:solidFill>
-                <a:effectLst/>
-                <a:latin typeface="+mn-lt"/>
-                <a:ea typeface="+mn-ea"/>
-                <a:cs typeface="+mn-cs"/>
-              </a:rPr>
-              <a:t>因此室內設計業也一直不斷的進步，不斷尋求新的設計表達方式，過程中有</a:t>
-            </a:r>
-            <a:r>
-              <a:rPr lang="zh-TW" altLang="en-US" sz="900" kern="1200" dirty="0" smtClean="0">
-                <a:solidFill>
-                  <a:schemeClr val="tx1"/>
-                </a:solidFill>
-                <a:effectLst/>
-                <a:latin typeface="+mn-lt"/>
-                <a:ea typeface="+mn-ea"/>
-                <a:cs typeface="+mn-cs"/>
-              </a:rPr>
-              <a:t>再</a:t>
-            </a:r>
-            <a:r>
-              <a:rPr lang="en-US" altLang="zh-TW" sz="900" kern="1200" dirty="0" smtClean="0">
-                <a:solidFill>
-                  <a:schemeClr val="tx1"/>
-                </a:solidFill>
-                <a:effectLst/>
-                <a:latin typeface="+mn-lt"/>
-                <a:ea typeface="+mn-ea"/>
-                <a:cs typeface="+mn-cs"/>
-              </a:rPr>
-              <a:t>2D</a:t>
-            </a:r>
-            <a:r>
-              <a:rPr lang="zh-TW" altLang="en-US" sz="900" kern="1200" dirty="0" smtClean="0">
-                <a:solidFill>
-                  <a:schemeClr val="tx1"/>
-                </a:solidFill>
-                <a:effectLst/>
-                <a:latin typeface="+mn-lt"/>
-                <a:ea typeface="+mn-ea"/>
-                <a:cs typeface="+mn-cs"/>
-              </a:rPr>
-              <a:t>加入</a:t>
-            </a:r>
-            <a:r>
-              <a:rPr lang="zh-TW" altLang="zh-TW" sz="900" kern="1200" dirty="0" smtClean="0">
-                <a:solidFill>
-                  <a:schemeClr val="tx1"/>
-                </a:solidFill>
-                <a:effectLst/>
-                <a:latin typeface="+mn-lt"/>
-                <a:ea typeface="+mn-ea"/>
-                <a:cs typeface="+mn-cs"/>
-              </a:rPr>
-              <a:t>合成影像，到現在三維模型的展現，也稱作</a:t>
-            </a:r>
-            <a:r>
-              <a:rPr lang="en-US" altLang="zh-TW" sz="900" kern="1200" dirty="0" smtClean="0">
-                <a:solidFill>
-                  <a:schemeClr val="tx1"/>
-                </a:solidFill>
-                <a:effectLst/>
-                <a:latin typeface="+mn-lt"/>
-                <a:ea typeface="+mn-ea"/>
-                <a:cs typeface="+mn-cs"/>
-              </a:rPr>
-              <a:t>3D</a:t>
-            </a:r>
-            <a:r>
-              <a:rPr lang="zh-TW" altLang="zh-TW" sz="900" kern="1200" dirty="0" smtClean="0">
-                <a:solidFill>
-                  <a:schemeClr val="tx1"/>
-                </a:solidFill>
-                <a:effectLst/>
-                <a:latin typeface="+mn-lt"/>
-                <a:ea typeface="+mn-ea"/>
-                <a:cs typeface="+mn-cs"/>
-              </a:rPr>
-              <a:t>模型</a:t>
-            </a:r>
-            <a:r>
-              <a:rPr lang="en-US" altLang="zh-TW" sz="900" kern="1200" dirty="0" smtClean="0">
-                <a:solidFill>
-                  <a:schemeClr val="tx1"/>
-                </a:solidFill>
-                <a:effectLst/>
-                <a:latin typeface="+mn-lt"/>
-                <a:ea typeface="+mn-ea"/>
-                <a:cs typeface="+mn-cs"/>
-              </a:rPr>
-              <a:t>(3D</a:t>
-            </a:r>
-            <a:r>
-              <a:rPr lang="zh-TW" altLang="zh-TW" sz="900" kern="1200" dirty="0" smtClean="0">
-                <a:solidFill>
-                  <a:schemeClr val="tx1"/>
-                </a:solidFill>
-                <a:effectLst/>
-                <a:latin typeface="+mn-lt"/>
-                <a:ea typeface="+mn-ea"/>
-                <a:cs typeface="+mn-cs"/>
-              </a:rPr>
-              <a:t>草圖</a:t>
-            </a:r>
-            <a:r>
-              <a:rPr lang="en-US" altLang="zh-TW" sz="900" kern="1200" dirty="0" smtClean="0">
-                <a:solidFill>
-                  <a:schemeClr val="tx1"/>
-                </a:solidFill>
-                <a:effectLst/>
-                <a:latin typeface="+mn-lt"/>
-                <a:ea typeface="+mn-ea"/>
-                <a:cs typeface="+mn-cs"/>
-              </a:rPr>
-              <a:t>)</a:t>
-            </a:r>
-            <a:r>
-              <a:rPr lang="zh-TW" altLang="zh-TW" sz="900" kern="1200" dirty="0" smtClean="0">
-                <a:solidFill>
-                  <a:schemeClr val="tx1"/>
-                </a:solidFill>
-                <a:effectLst/>
-                <a:latin typeface="+mn-lt"/>
-                <a:ea typeface="+mn-ea"/>
-                <a:cs typeface="+mn-cs"/>
-              </a:rPr>
-              <a:t>，而至今也有大量</a:t>
-            </a:r>
-            <a:r>
-              <a:rPr lang="zh-TW" altLang="zh-TW" sz="900" kern="1200" dirty="0" smtClean="0">
-                <a:solidFill>
-                  <a:schemeClr val="tx1"/>
-                </a:solidFill>
-                <a:effectLst/>
-                <a:latin typeface="+mn-lt"/>
-                <a:ea typeface="+mn-ea"/>
-                <a:cs typeface="+mn-cs"/>
-              </a:rPr>
-              <a:t>的</a:t>
-            </a:r>
-            <a:r>
-              <a:rPr lang="zh-TW" altLang="en-US" sz="900" kern="1200" dirty="0" smtClean="0">
-                <a:solidFill>
-                  <a:schemeClr val="tx1"/>
-                </a:solidFill>
-                <a:effectLst/>
-                <a:latin typeface="+mn-lt"/>
-                <a:ea typeface="+mn-ea"/>
-                <a:cs typeface="+mn-cs"/>
-              </a:rPr>
-              <a:t>建模</a:t>
-            </a:r>
-            <a:r>
-              <a:rPr lang="zh-TW" altLang="zh-TW" sz="900" kern="1200" dirty="0" smtClean="0">
-                <a:solidFill>
-                  <a:schemeClr val="tx1"/>
-                </a:solidFill>
-                <a:effectLst/>
-                <a:latin typeface="+mn-lt"/>
-                <a:ea typeface="+mn-ea"/>
-                <a:cs typeface="+mn-cs"/>
-              </a:rPr>
-              <a:t>軟體</a:t>
-            </a:r>
-            <a:r>
-              <a:rPr lang="zh-TW" altLang="zh-TW" sz="900" kern="1200" dirty="0" smtClean="0">
-                <a:solidFill>
-                  <a:schemeClr val="tx1"/>
-                </a:solidFill>
-                <a:effectLst/>
-                <a:latin typeface="+mn-lt"/>
-                <a:ea typeface="+mn-ea"/>
-                <a:cs typeface="+mn-cs"/>
-              </a:rPr>
-              <a:t>能讓輕鬆地生成</a:t>
-            </a:r>
-            <a:r>
-              <a:rPr lang="en-US" altLang="zh-TW" sz="900" kern="1200" dirty="0" smtClean="0">
-                <a:solidFill>
-                  <a:schemeClr val="tx1"/>
-                </a:solidFill>
-                <a:effectLst/>
-                <a:latin typeface="+mn-lt"/>
-                <a:ea typeface="+mn-ea"/>
-                <a:cs typeface="+mn-cs"/>
-              </a:rPr>
-              <a:t>3D</a:t>
-            </a:r>
-            <a:r>
-              <a:rPr lang="zh-TW" altLang="zh-TW" sz="900" kern="1200" dirty="0" smtClean="0">
-                <a:solidFill>
-                  <a:schemeClr val="tx1"/>
-                </a:solidFill>
-                <a:effectLst/>
-                <a:latin typeface="+mn-lt"/>
-                <a:ea typeface="+mn-ea"/>
-                <a:cs typeface="+mn-cs"/>
-              </a:rPr>
-              <a:t>模型，像是網路上非常火紅</a:t>
-            </a:r>
-            <a:r>
-              <a:rPr lang="zh-TW" altLang="zh-TW" sz="900" kern="1200" dirty="0" smtClean="0">
-                <a:solidFill>
-                  <a:schemeClr val="tx1"/>
-                </a:solidFill>
-                <a:effectLst/>
-                <a:latin typeface="+mn-lt"/>
-                <a:ea typeface="+mn-ea"/>
-                <a:cs typeface="+mn-cs"/>
-              </a:rPr>
-              <a:t>的建</a:t>
-            </a:r>
-            <a:r>
-              <a:rPr lang="zh-TW" altLang="zh-TW" sz="900" kern="1200" dirty="0" smtClean="0">
-                <a:solidFill>
-                  <a:schemeClr val="tx1"/>
-                </a:solidFill>
-                <a:effectLst/>
-                <a:latin typeface="+mn-lt"/>
-                <a:ea typeface="+mn-ea"/>
-                <a:cs typeface="+mn-cs"/>
-              </a:rPr>
-              <a:t>模工具</a:t>
+              <a:t>模型，像是網路上非常火紅的建模工具</a:t>
             </a:r>
             <a:r>
               <a:rPr lang="en-US" altLang="zh-TW" sz="900" kern="1200" dirty="0" err="1" smtClean="0">
@@ -9116,31 +8739,7 @@
                 <a:ea typeface="+mn-ea"/>
                 <a:cs typeface="+mn-cs"/>
               </a:rPr>
-              <a:t>再來是我的研究動機</a:t>
-            </a:r>
-            <a:r>
-              <a:rPr lang="zh-TW" altLang="zh-TW" sz="900" kern="1200" dirty="0" smtClean="0">
-                <a:solidFill>
-                  <a:schemeClr val="tx1"/>
-                </a:solidFill>
-                <a:effectLst/>
-                <a:latin typeface="+mn-lt"/>
-                <a:ea typeface="+mn-ea"/>
-                <a:cs typeface="+mn-cs"/>
-              </a:rPr>
-              <a:t>，許多時候，在房子裝潢之前，客戶總有想要預先看到自己房子的真實樣貌之需求，而一般而言，在裝潢前能看到最真實的房間照片</a:t>
-            </a:r>
-            <a:r>
-              <a:rPr lang="zh-TW" altLang="zh-TW" sz="900" kern="1200" dirty="0" smtClean="0">
-                <a:solidFill>
-                  <a:schemeClr val="tx1"/>
-                </a:solidFill>
-                <a:effectLst/>
-                <a:latin typeface="+mn-lt"/>
-                <a:ea typeface="+mn-ea"/>
-                <a:cs typeface="+mn-cs"/>
-              </a:rPr>
-              <a:t>能透過</a:t>
+              <a:t>再來是我的研究動機，許多時候，在房子裝潢之前，客戶總有想要預先看到自己房子的真實樣貌之需求，而一般而言，在裝潢前能看到最真實的房間照片能透過</a:t>
             </a:r>
             <a:r>
               <a:rPr lang="en-US" altLang="zh-TW" sz="900" kern="1200" dirty="0" smtClean="0">
@@ -9424,31 +9023,7 @@
                 <a:ea typeface="+mn-ea"/>
                 <a:cs typeface="+mn-cs"/>
               </a:rPr>
-              <a:t>可以看到右邊那張圖是用人工智慧生成出來的假照片</a:t>
-            </a:r>
-            <a:r>
-              <a:rPr lang="zh-TW" altLang="en-US" sz="900" kern="1200" dirty="0" smtClean="0">
-                <a:solidFill>
-                  <a:schemeClr val="tx1"/>
-                </a:solidFill>
-                <a:effectLst/>
-                <a:latin typeface="+mn-lt"/>
-                <a:ea typeface="+mn-ea"/>
-                <a:cs typeface="+mn-cs"/>
-              </a:rPr>
-              <a:t>，可以看到 跟</a:t>
-            </a:r>
-            <a:r>
-              <a:rPr lang="zh-TW" altLang="en-US" sz="900" kern="1200" dirty="0" smtClean="0">
-                <a:solidFill>
-                  <a:schemeClr val="tx1"/>
-                </a:solidFill>
-                <a:effectLst/>
-                <a:latin typeface="+mn-lt"/>
-                <a:ea typeface="+mn-ea"/>
-                <a:cs typeface="+mn-cs"/>
-              </a:rPr>
-              <a:t>我們現在拍出來的的真實照片有</a:t>
+              <a:t>可以看到右邊那張圖是用人工智慧生成出來的假照片，可以看到 跟我們現在拍出來的的真實照片有</a:t>
             </a:r>
             <a:r>
               <a:rPr lang="en-US" altLang="zh-TW" sz="900" kern="1200" dirty="0" smtClean="0">
@@ -9797,10 +9372,10 @@
                 <a:ea typeface="+mn-ea"/>
                 <a:cs typeface="+mn-cs"/>
               </a:rPr>
-              <a:t>另外因室內設計的房間照片中會存在多個傢俱，屬於多物件類別的照片，因此此研究將嘗試在訓練前對圖片進行語義分割，將圖片中的前景如傢俱</a:t>
-            </a:r>
-            <a:r>
-              <a:rPr lang="zh-TW" altLang="zh-TW" sz="900" kern="1200" dirty="0" smtClean="0">
+              <a:t>另外因室內設計的房間照片中會存在多個傢俱，屬於多物件類別的照片，因此此研究將嘗試在訓練前對圖片進行語義分割，將圖片中的前景如傢俱獨立分割出來，產生出新的圖片，目的是希望在訓練的過程連同前景物件也單獨抓出來訓練，將室內設計房間照片能夠保留所有前景物件</a:t>
+            </a:r>
+            <a:r>
+              <a:rPr lang="zh-TW" altLang="en-US" sz="900" kern="1200" dirty="0" smtClean="0">
                 <a:solidFill>
                   <a:schemeClr val="tx1"/>
                 </a:solidFill>
@@ -9809,55 +9384,7 @@
                 <a:ea typeface="+mn-ea"/>
                 <a:cs typeface="+mn-cs"/>
               </a:rPr>
-              <a:t>獨立分割</a:t>
-            </a:r>
-            <a:r>
-              <a:rPr lang="zh-TW" altLang="zh-TW" sz="900" kern="1200" dirty="0" smtClean="0">
-                <a:solidFill>
-                  <a:schemeClr val="tx1"/>
-                </a:solidFill>
-                <a:effectLst/>
-                <a:latin typeface="+mn-lt"/>
-                <a:ea typeface="+mn-ea"/>
-                <a:cs typeface="+mn-cs"/>
-              </a:rPr>
-              <a:t>出來，產生出新的圖片，目的是希望在訓練的過程連同前景物件也單獨抓出來訓練</a:t>
-            </a:r>
-            <a:r>
-              <a:rPr lang="zh-TW" altLang="zh-TW" sz="900" kern="1200" dirty="0" smtClean="0">
-                <a:solidFill>
-                  <a:schemeClr val="tx1"/>
-                </a:solidFill>
-                <a:effectLst/>
-                <a:latin typeface="+mn-lt"/>
-                <a:ea typeface="+mn-ea"/>
-                <a:cs typeface="+mn-cs"/>
-              </a:rPr>
-              <a:t>，將室內設計房間照片能夠保留所有前景物件</a:t>
-            </a:r>
-            <a:r>
-              <a:rPr lang="zh-TW" altLang="en-US" sz="900" kern="1200" dirty="0" smtClean="0">
-                <a:solidFill>
-                  <a:schemeClr val="tx1"/>
-                </a:solidFill>
-                <a:effectLst/>
-                <a:latin typeface="+mn-lt"/>
-                <a:ea typeface="+mn-ea"/>
-                <a:cs typeface="+mn-cs"/>
-              </a:rPr>
-              <a:t>，</a:t>
-            </a:r>
-            <a:r>
-              <a:rPr lang="zh-TW" altLang="en-US" sz="900" kern="1200" dirty="0" smtClean="0">
-                <a:solidFill>
-                  <a:schemeClr val="tx1"/>
-                </a:solidFill>
-                <a:effectLst/>
-                <a:latin typeface="+mn-lt"/>
-                <a:ea typeface="+mn-ea"/>
-                <a:cs typeface="+mn-cs"/>
-              </a:rPr>
-              <a:t>避免在訓練的過程中丟失家具等細節</a:t>
+              <a:t>，避免在訓練的過程中丟失家具等細節</a:t>
             </a:r>
             <a:r>
               <a:rPr lang="zh-TW" altLang="zh-TW" sz="900" kern="1200" dirty="0" smtClean="0">
@@ -13045,23 +12572,7 @@
             </a:r>
             <a:r>
               <a:rPr lang="zh-TW" altLang="en-US" sz="2000" dirty="0" smtClean="0"/>
-              <a:t> 訓練</a:t>
-            </a:r>
-            <a:r>
-              <a:rPr lang="zh-TW" altLang="en-US" sz="2000" dirty="0" smtClean="0"/>
-              <a:t>前將資料進行語義</a:t>
-            </a:r>
-            <a:r>
-              <a:rPr lang="zh-TW" altLang="en-US" sz="2000" dirty="0" smtClean="0"/>
-              <a:t>分割，避免在訓練過程丟失細節</a:t>
-            </a:r>
-            <a:r>
-              <a:rPr lang="zh-TW" altLang="en-US" sz="2000" dirty="0" smtClean="0"/>
-              <a:t>，觀察</a:t>
-            </a:r>
-            <a:r>
-              <a:rPr lang="zh-TW" altLang="en-US" sz="2000" dirty="0" smtClean="0"/>
-              <a:t>訓練結果</a:t>
+              <a:t> 訓練前將資料進行語義分割，避免在訓練過程丟失細節，觀察訓練結果</a:t>
             </a:r>
             <a:endParaRPr lang="en-US" altLang="zh-TW" sz="2000" dirty="0" smtClean="0"/>
           </a:p>
@@ -13523,506 +13034,229 @@
           </a:fontRef>
         </p:style>
       </p:cxnSp>
-      <p:graphicFrame>
-        <p:nvGraphicFramePr>
-          <p:cNvPr id="11" name="表格 5">
-            <a:extLst>
-              <a:ext uri="{FF2B5EF4-FFF2-40B4-BE49-F238E27FC236}">
-                <a16:creationId xmlns="" xmlns:a16="http://schemas.microsoft.com/office/drawing/2014/main" id="{202A9B48-7C02-4B9F-A694-D9D167DDE433}"/>
-              </a:ext>
-            </a:extLst>
-          </p:cNvPr>
-          <p:cNvGraphicFramePr>
-            <a:graphicFrameLocks noGrp="1"/>
-          </p:cNvGraphicFramePr>
-          <p:nvPr>
-            <p:extLst>
-              <p:ext uri="{D42A27DB-BD31-4B8C-83A1-F6EECF244321}">
-                <p14:modId xmlns:p14="http://schemas.microsoft.com/office/powerpoint/2010/main" val="67645060"/>
-              </p:ext>
-            </p:extLst>
-          </p:nvPr>
-        </p:nvGraphicFramePr>
-        <p:xfrm>
-          <a:off x="1254737" y="1546860"/>
-          <a:ext cx="6377544" cy="1371600"/>
-        </p:xfrm>
-        <a:graphic>
-          <a:graphicData uri="http://schemas.openxmlformats.org/drawingml/2006/table">
-            <a:tbl>
-              <a:tblPr firstRow="1" bandRow="1"/>
-              <a:tblGrid>
-                <a:gridCol w="4881957">
-                  <a:extLst>
-                    <a:ext uri="{9D8B030D-6E8A-4147-A177-3AD203B41FA5}">
-                      <a16:colId xmlns="" xmlns:a16="http://schemas.microsoft.com/office/drawing/2014/main" val="3498442498"/>
-                    </a:ext>
-                  </a:extLst>
-                </a:gridCol>
-                <a:gridCol w="1495587">
-                  <a:extLst>
-                    <a:ext uri="{9D8B030D-6E8A-4147-A177-3AD203B41FA5}">
-                      <a16:colId xmlns="" xmlns:a16="http://schemas.microsoft.com/office/drawing/2014/main" val="2798367762"/>
-                    </a:ext>
-                  </a:extLst>
-                </a:gridCol>
-              </a:tblGrid>
-              <a:tr h="370840">
-                <a:tc>
-                  <a:txBody>
-                    <a:bodyPr/>
-                    <a:lstStyle/>
-                    <a:p>
-                      <a:r>
-                        <a:rPr lang="zh-TW" altLang="zh-TW" sz="1400" kern="1200" dirty="0" smtClean="0">
-                          <a:solidFill>
-                            <a:schemeClr val="tx1"/>
-                          </a:solidFill>
-                          <a:effectLst/>
-                          <a:latin typeface="+mn-lt"/>
-                          <a:ea typeface="+mn-ea"/>
-                          <a:cs typeface="+mn-cs"/>
-                        </a:rPr>
-                        <a:t>三維模型為一個物體以三維的方式表現，通常使用電腦或其他影像裝置進行顯示，顯示的物體可以是現實的物體，也可以是虛構的東西。現今三維模型已運用於許多產業，例如醫療行業製作器官的模型、電子遊戲業用於虛擬場景等，室內設計業也不例外</a:t>
-                      </a:r>
-                      <a:endParaRPr lang="en-US" altLang="zh-TW" sz="1400" kern="1200" dirty="0" smtClean="0">
-                        <a:solidFill>
-                          <a:schemeClr val="tx1"/>
-                        </a:solidFill>
-                        <a:effectLst/>
-                        <a:latin typeface="+mn-lt"/>
-                        <a:ea typeface="+mn-ea"/>
-                        <a:cs typeface="+mn-cs"/>
-                      </a:endParaRPr>
-                    </a:p>
-                    <a:p>
-                      <a:endParaRPr lang="zh-TW" altLang="en-US" b="0" cap="none" spc="0" dirty="0">
-                        <a:ln>
-                          <a:noFill/>
-                        </a:ln>
-                        <a:solidFill>
-                          <a:schemeClr val="tx1"/>
-                        </a:solidFill>
-                        <a:effectLst/>
-                      </a:endParaRPr>
-                    </a:p>
-                  </a:txBody>
-                  <a:tcPr/>
-                </a:tc>
-                <a:tc>
-                  <a:txBody>
-                    <a:bodyPr/>
-                    <a:lstStyle/>
-                    <a:p>
-                      <a:r>
-                        <a:rPr lang="zh-TW" altLang="en-US" sz="1600" b="0" cap="none" spc="0" dirty="0" smtClean="0">
-                          <a:ln>
-                            <a:noFill/>
-                          </a:ln>
-                          <a:solidFill>
-                            <a:schemeClr val="tx1"/>
-                          </a:solidFill>
-                          <a:effectLst/>
-                          <a:latin typeface="Times New Roman" panose="02020603050405020304" pitchFamily="18" charset="0"/>
-                          <a:ea typeface="標楷體" panose="03000509000000000000" pitchFamily="65" charset="-120"/>
-                          <a:cs typeface="Times New Roman" panose="02020603050405020304" pitchFamily="18" charset="0"/>
-                        </a:rPr>
-                        <a:t>冷翊</a:t>
-                      </a:r>
-                      <a:r>
-                        <a:rPr lang="en-US" altLang="zh-TW" sz="1600" b="0" cap="none" spc="0" dirty="0" smtClean="0">
-                          <a:ln>
-                            <a:noFill/>
-                          </a:ln>
-                          <a:solidFill>
-                            <a:schemeClr val="tx1"/>
-                          </a:solidFill>
-                          <a:effectLst/>
-                          <a:latin typeface="Times New Roman" panose="02020603050405020304" pitchFamily="18" charset="0"/>
-                          <a:ea typeface="標楷體" panose="03000509000000000000" pitchFamily="65" charset="-120"/>
-                          <a:cs typeface="Times New Roman" panose="02020603050405020304" pitchFamily="18" charset="0"/>
-                        </a:rPr>
-                        <a:t>(2018)</a:t>
-                      </a:r>
-                      <a:endParaRPr lang="zh-TW" altLang="en-US" sz="1600" b="0" cap="none" spc="0" dirty="0">
-                        <a:ln>
-                          <a:noFill/>
-                        </a:ln>
-                        <a:solidFill>
-                          <a:schemeClr val="tx1"/>
-                        </a:solidFill>
-                        <a:effectLst/>
-                        <a:latin typeface="標楷體" panose="03000509000000000000" pitchFamily="65" charset="-120"/>
-                        <a:ea typeface="標楷體" panose="03000509000000000000" pitchFamily="65" charset="-120"/>
-                      </a:endParaRPr>
-                    </a:p>
-                  </a:txBody>
-                  <a:tcPr/>
-                </a:tc>
-                <a:extLst>
-                  <a:ext uri="{0D108BD9-81ED-4DB2-BD59-A6C34878D82A}">
-                    <a16:rowId xmlns="" xmlns:a16="http://schemas.microsoft.com/office/drawing/2014/main" val="43767920"/>
-                  </a:ext>
-                </a:extLst>
-              </a:tr>
-            </a:tbl>
-          </a:graphicData>
-        </a:graphic>
-      </p:graphicFrame>
-      <p:graphicFrame>
-        <p:nvGraphicFramePr>
-          <p:cNvPr id="13" name="表格 5">
-            <a:extLst>
-              <a:ext uri="{FF2B5EF4-FFF2-40B4-BE49-F238E27FC236}">
-                <a16:creationId xmlns="" xmlns:a16="http://schemas.microsoft.com/office/drawing/2014/main" id="{202A9B48-7C02-4B9F-A694-D9D167DDE433}"/>
-              </a:ext>
-            </a:extLst>
-          </p:cNvPr>
-          <p:cNvGraphicFramePr>
-            <a:graphicFrameLocks noGrp="1"/>
-          </p:cNvGraphicFramePr>
-          <p:nvPr>
-            <p:extLst>
-              <p:ext uri="{D42A27DB-BD31-4B8C-83A1-F6EECF244321}">
-                <p14:modId xmlns:p14="http://schemas.microsoft.com/office/powerpoint/2010/main" val="3604578633"/>
-              </p:ext>
-            </p:extLst>
-          </p:nvPr>
-        </p:nvGraphicFramePr>
-        <p:xfrm>
-          <a:off x="1254737" y="2911120"/>
-          <a:ext cx="6377544" cy="1798320"/>
-        </p:xfrm>
-        <a:graphic>
-          <a:graphicData uri="http://schemas.openxmlformats.org/drawingml/2006/table">
-            <a:tbl>
-              <a:tblPr firstRow="1" bandRow="1"/>
-              <a:tblGrid>
-                <a:gridCol w="4881957">
-                  <a:extLst>
-                    <a:ext uri="{9D8B030D-6E8A-4147-A177-3AD203B41FA5}">
-                      <a16:colId xmlns="" xmlns:a16="http://schemas.microsoft.com/office/drawing/2014/main" val="3498442498"/>
-                    </a:ext>
-                  </a:extLst>
-                </a:gridCol>
-                <a:gridCol w="1495587">
-                  <a:extLst>
-                    <a:ext uri="{9D8B030D-6E8A-4147-A177-3AD203B41FA5}">
-                      <a16:colId xmlns="" xmlns:a16="http://schemas.microsoft.com/office/drawing/2014/main" val="2798367762"/>
-                    </a:ext>
-                  </a:extLst>
-                </a:gridCol>
-              </a:tblGrid>
-              <a:tr h="370840">
-                <a:tc>
-                  <a:txBody>
-                    <a:bodyPr/>
-                    <a:lstStyle/>
-                    <a:p>
-                      <a:pPr marL="0" marR="0" lvl="0" indent="0" algn="l" defTabSz="685800" rtl="0" eaLnBrk="1" fontAlgn="auto" latinLnBrk="0" hangingPunct="1">
-                        <a:lnSpc>
-                          <a:spcPct val="100000"/>
-                        </a:lnSpc>
-                        <a:spcBef>
-                          <a:spcPts val="0"/>
-                        </a:spcBef>
-                        <a:spcAft>
-                          <a:spcPts val="0"/>
-                        </a:spcAft>
-                        <a:buClrTx/>
-                        <a:buSzTx/>
-                        <a:buFontTx/>
-                        <a:buNone/>
-                        <a:tabLst/>
-                        <a:defRPr/>
-                      </a:pPr>
-                      <a:r>
-                        <a:rPr lang="zh-TW" altLang="zh-TW" sz="1400" kern="1200" dirty="0" smtClean="0">
-                          <a:solidFill>
-                            <a:schemeClr val="tx1"/>
-                          </a:solidFill>
-                          <a:effectLst/>
-                          <a:latin typeface="+mn-lt"/>
-                          <a:ea typeface="+mn-ea"/>
-                          <a:cs typeface="+mn-cs"/>
-                        </a:rPr>
-                        <a:t>三維模型能夠具有多個特徵，而三維模型主要以</a:t>
-                      </a:r>
-                      <a:r>
-                        <a:rPr lang="en-US" altLang="zh-TW" sz="1400" kern="1200" dirty="0" smtClean="0">
-                          <a:solidFill>
-                            <a:schemeClr val="tx1"/>
-                          </a:solidFill>
-                          <a:effectLst/>
-                          <a:latin typeface="+mn-lt"/>
-                          <a:ea typeface="+mn-ea"/>
-                          <a:cs typeface="+mn-cs"/>
-                        </a:rPr>
-                        <a:t>3D</a:t>
-                      </a:r>
-                      <a:r>
-                        <a:rPr lang="zh-TW" altLang="zh-TW" sz="1400" kern="1200" dirty="0" smtClean="0">
-                          <a:solidFill>
-                            <a:schemeClr val="tx1"/>
-                          </a:solidFill>
-                          <a:effectLst/>
-                          <a:latin typeface="+mn-lt"/>
-                          <a:ea typeface="+mn-ea"/>
-                          <a:cs typeface="+mn-cs"/>
-                        </a:rPr>
-                        <a:t>建模軟體來繪製，如</a:t>
-                      </a:r>
-                      <a:r>
-                        <a:rPr lang="en-US" altLang="zh-TW" sz="1400" kern="1200" dirty="0" err="1" smtClean="0">
-                          <a:solidFill>
-                            <a:schemeClr val="tx1"/>
-                          </a:solidFill>
-                          <a:effectLst/>
-                          <a:latin typeface="+mn-lt"/>
-                          <a:ea typeface="+mn-ea"/>
-                          <a:cs typeface="+mn-cs"/>
-                        </a:rPr>
-                        <a:t>SketchUp</a:t>
-                      </a:r>
-                      <a:r>
-                        <a:rPr lang="en-US" altLang="zh-TW" sz="1400" kern="1200" dirty="0" smtClean="0">
-                          <a:solidFill>
-                            <a:schemeClr val="tx1"/>
-                          </a:solidFill>
-                          <a:effectLst/>
-                          <a:latin typeface="+mn-lt"/>
-                          <a:ea typeface="+mn-ea"/>
-                          <a:cs typeface="+mn-cs"/>
-                        </a:rPr>
-                        <a:t>(SKP)</a:t>
-                      </a:r>
-                      <a:r>
-                        <a:rPr lang="zh-TW" altLang="zh-TW" sz="1400" kern="1200" dirty="0" smtClean="0">
-                          <a:solidFill>
-                            <a:schemeClr val="tx1"/>
-                          </a:solidFill>
-                          <a:effectLst/>
-                          <a:latin typeface="+mn-lt"/>
-                          <a:ea typeface="+mn-ea"/>
-                          <a:cs typeface="+mn-cs"/>
-                        </a:rPr>
-                        <a:t>、</a:t>
-                      </a:r>
-                      <a:r>
-                        <a:rPr lang="en-US" altLang="zh-TW" sz="1400" kern="1200" dirty="0" smtClean="0">
-                          <a:solidFill>
-                            <a:schemeClr val="tx1"/>
-                          </a:solidFill>
-                          <a:effectLst/>
-                          <a:latin typeface="+mn-lt"/>
-                          <a:ea typeface="+mn-ea"/>
-                          <a:cs typeface="+mn-cs"/>
-                        </a:rPr>
-                        <a:t>3ds Max</a:t>
-                      </a:r>
-                      <a:r>
-                        <a:rPr lang="zh-TW" altLang="zh-TW" sz="1400" kern="1200" dirty="0" smtClean="0">
-                          <a:solidFill>
-                            <a:schemeClr val="tx1"/>
-                          </a:solidFill>
-                          <a:effectLst/>
-                          <a:latin typeface="+mn-lt"/>
-                          <a:ea typeface="+mn-ea"/>
-                          <a:cs typeface="+mn-cs"/>
-                        </a:rPr>
-                        <a:t>等</a:t>
-                      </a:r>
-                      <a:endParaRPr lang="en-US" altLang="zh-TW" sz="1400" kern="1200" dirty="0" smtClean="0">
-                        <a:solidFill>
-                          <a:schemeClr val="tx1"/>
-                        </a:solidFill>
-                        <a:effectLst/>
-                        <a:latin typeface="+mn-lt"/>
-                        <a:ea typeface="+mn-ea"/>
-                        <a:cs typeface="+mn-cs"/>
-                      </a:endParaRPr>
-                    </a:p>
-                    <a:p>
-                      <a:pPr marL="0" marR="0" lvl="0" indent="0" algn="l" defTabSz="685800" rtl="0" eaLnBrk="1" fontAlgn="auto" latinLnBrk="0" hangingPunct="1">
-                        <a:lnSpc>
-                          <a:spcPct val="100000"/>
-                        </a:lnSpc>
-                        <a:spcBef>
-                          <a:spcPts val="0"/>
-                        </a:spcBef>
-                        <a:spcAft>
-                          <a:spcPts val="0"/>
-                        </a:spcAft>
-                        <a:buClrTx/>
-                        <a:buSzTx/>
-                        <a:buFontTx/>
-                        <a:buNone/>
-                        <a:tabLst/>
-                        <a:defRPr/>
-                      </a:pPr>
-                      <a:r>
-                        <a:rPr lang="zh-TW" altLang="zh-TW" sz="1400" kern="1200" dirty="0" smtClean="0">
-                          <a:solidFill>
-                            <a:schemeClr val="tx1"/>
-                          </a:solidFill>
-                          <a:effectLst/>
-                          <a:latin typeface="+mn-lt"/>
-                          <a:ea typeface="+mn-ea"/>
-                          <a:cs typeface="+mn-cs"/>
-                        </a:rPr>
-                        <a:t>通常在建置完</a:t>
-                      </a:r>
-                      <a:r>
-                        <a:rPr lang="en-US" altLang="zh-TW" sz="1400" kern="1200" dirty="0" smtClean="0">
-                          <a:solidFill>
-                            <a:schemeClr val="tx1"/>
-                          </a:solidFill>
-                          <a:effectLst/>
-                          <a:latin typeface="+mn-lt"/>
-                          <a:ea typeface="+mn-ea"/>
-                          <a:cs typeface="+mn-cs"/>
-                        </a:rPr>
-                        <a:t>3D</a:t>
-                      </a:r>
-                      <a:r>
-                        <a:rPr lang="zh-TW" altLang="zh-TW" sz="1400" kern="1200" dirty="0" smtClean="0">
-                          <a:solidFill>
-                            <a:schemeClr val="tx1"/>
-                          </a:solidFill>
-                          <a:effectLst/>
-                          <a:latin typeface="+mn-lt"/>
-                          <a:ea typeface="+mn-ea"/>
-                          <a:cs typeface="+mn-cs"/>
-                        </a:rPr>
-                        <a:t>模型後會再經過一道渲染程序，將原先建置的三維模型透過渲染引擎渲染成更接近真實</a:t>
-                      </a:r>
-                      <a:r>
-                        <a:rPr lang="en-US" altLang="zh-TW" sz="1400" kern="1200" dirty="0" smtClean="0">
-                          <a:solidFill>
-                            <a:schemeClr val="tx1"/>
-                          </a:solidFill>
-                          <a:effectLst/>
-                          <a:latin typeface="+mn-lt"/>
-                          <a:ea typeface="+mn-ea"/>
-                          <a:cs typeface="+mn-cs"/>
-                        </a:rPr>
-                        <a:t>3D</a:t>
-                      </a:r>
-                      <a:r>
-                        <a:rPr lang="zh-TW" altLang="zh-TW" sz="1400" kern="1200" dirty="0" smtClean="0">
-                          <a:solidFill>
-                            <a:schemeClr val="tx1"/>
-                          </a:solidFill>
-                          <a:effectLst/>
-                          <a:latin typeface="+mn-lt"/>
-                          <a:ea typeface="+mn-ea"/>
-                          <a:cs typeface="+mn-cs"/>
-                        </a:rPr>
-                        <a:t>場景的圖片，稱為</a:t>
-                      </a:r>
-                      <a:r>
-                        <a:rPr lang="en-US" altLang="zh-TW" sz="1400" kern="1200" dirty="0" smtClean="0">
-                          <a:solidFill>
-                            <a:schemeClr val="tx1"/>
-                          </a:solidFill>
-                          <a:effectLst/>
-                          <a:latin typeface="+mn-lt"/>
-                          <a:ea typeface="+mn-ea"/>
-                          <a:cs typeface="+mn-cs"/>
-                        </a:rPr>
-                        <a:t>3D</a:t>
-                      </a:r>
-                      <a:r>
-                        <a:rPr lang="zh-TW" altLang="zh-TW" sz="1400" kern="1200" dirty="0" smtClean="0">
-                          <a:solidFill>
-                            <a:schemeClr val="tx1"/>
-                          </a:solidFill>
-                          <a:effectLst/>
-                          <a:latin typeface="+mn-lt"/>
-                          <a:ea typeface="+mn-ea"/>
-                          <a:cs typeface="+mn-cs"/>
-                        </a:rPr>
-                        <a:t>擬真圖。渲染的過程能夠將模型進行著色，也能因應不同材質做調整，更能顯示出建築的紋理、光源等，使得照片更為真實。</a:t>
-                      </a:r>
-                    </a:p>
-                    <a:p>
-                      <a:endParaRPr lang="zh-TW" altLang="en-US" b="0" cap="none" spc="0" dirty="0">
-                        <a:ln>
-                          <a:noFill/>
-                        </a:ln>
-                        <a:solidFill>
-                          <a:schemeClr val="tx1"/>
-                        </a:solidFill>
-                        <a:effectLst/>
-                      </a:endParaRPr>
-                    </a:p>
-                  </a:txBody>
-                  <a:tcPr/>
-                </a:tc>
-                <a:tc>
-                  <a:txBody>
-                    <a:bodyPr/>
-                    <a:lstStyle/>
-                    <a:p>
-                      <a:r>
-                        <a:rPr lang="zh-TW" altLang="en-US" sz="1600" b="0" cap="none" spc="0" dirty="0" smtClean="0">
-                          <a:ln>
-                            <a:noFill/>
-                          </a:ln>
-                          <a:solidFill>
-                            <a:schemeClr val="tx1"/>
-                          </a:solidFill>
-                          <a:effectLst/>
-                          <a:latin typeface="Times New Roman" panose="02020603050405020304" pitchFamily="18" charset="0"/>
-                          <a:ea typeface="標楷體" panose="03000509000000000000" pitchFamily="65" charset="-120"/>
-                          <a:cs typeface="Times New Roman" panose="02020603050405020304" pitchFamily="18" charset="0"/>
-                        </a:rPr>
-                        <a:t>張峻偉</a:t>
-                      </a:r>
-                      <a:r>
-                        <a:rPr lang="en-US" altLang="zh-TW" sz="1600" b="0" cap="none" spc="0" dirty="0" smtClean="0">
-                          <a:ln>
-                            <a:noFill/>
-                          </a:ln>
-                          <a:solidFill>
-                            <a:schemeClr val="tx1"/>
-                          </a:solidFill>
-                          <a:effectLst/>
-                          <a:latin typeface="Times New Roman" panose="02020603050405020304" pitchFamily="18" charset="0"/>
-                          <a:ea typeface="標楷體" panose="03000509000000000000" pitchFamily="65" charset="-120"/>
-                          <a:cs typeface="Times New Roman" panose="02020603050405020304" pitchFamily="18" charset="0"/>
-                        </a:rPr>
-                        <a:t>(2019)</a:t>
-                      </a:r>
-                      <a:endParaRPr lang="zh-TW" altLang="en-US" sz="1600" b="0" cap="none" spc="0" dirty="0">
-                        <a:ln>
-                          <a:noFill/>
-                        </a:ln>
-                        <a:solidFill>
-                          <a:schemeClr val="tx1"/>
-                        </a:solidFill>
-                        <a:effectLst/>
-                        <a:latin typeface="標楷體" panose="03000509000000000000" pitchFamily="65" charset="-120"/>
-                        <a:ea typeface="標楷體" panose="03000509000000000000" pitchFamily="65" charset="-120"/>
-                      </a:endParaRPr>
-                    </a:p>
-                  </a:txBody>
-                  <a:tcPr/>
-                </a:tc>
-                <a:extLst>
-                  <a:ext uri="{0D108BD9-81ED-4DB2-BD59-A6C34878D82A}">
-                    <a16:rowId xmlns="" xmlns:a16="http://schemas.microsoft.com/office/drawing/2014/main" val="43767920"/>
-                  </a:ext>
-                </a:extLst>
-              </a:tr>
-            </a:tbl>
-          </a:graphicData>
-        </a:graphic>
-      </p:graphicFrame>
+      <p:sp>
+        <p:nvSpPr>
+          <p:cNvPr id="2" name="矩形 1"/>
+          <p:cNvSpPr/>
+          <p:nvPr/>
+        </p:nvSpPr>
+        <p:spPr>
+          <a:xfrm>
+            <a:off x="871788" y="1659804"/>
+            <a:ext cx="8003988" cy="738664"/>
+          </a:xfrm>
+          <a:prstGeom prst="rect">
+            <a:avLst/>
+          </a:prstGeom>
+        </p:spPr>
+        <p:txBody>
+          <a:bodyPr wrap="square">
+            <a:spAutoFit/>
+          </a:bodyPr>
+          <a:lstStyle/>
+          <a:p>
+            <a:pPr marL="285750" indent="-285750">
+              <a:buFont typeface="Wingdings" panose="05000000000000000000" pitchFamily="2" charset="2"/>
+              <a:buChar char="Ø"/>
+            </a:pPr>
+            <a:r>
+              <a:rPr lang="zh-TW" altLang="en-US" dirty="0">
+                <a:latin typeface="+mn-ea"/>
+                <a:cs typeface="Times New Roman" panose="02020603050405020304" pitchFamily="18" charset="0"/>
+              </a:rPr>
+              <a:t>冷翊</a:t>
+            </a:r>
+            <a:r>
+              <a:rPr lang="en-US" altLang="zh-TW" dirty="0">
+                <a:latin typeface="+mn-ea"/>
+                <a:cs typeface="Times New Roman" panose="02020603050405020304" pitchFamily="18" charset="0"/>
+              </a:rPr>
+              <a:t>(2018</a:t>
+            </a:r>
+            <a:r>
+              <a:rPr lang="en-US" altLang="zh-TW" dirty="0" smtClean="0">
+                <a:latin typeface="+mn-ea"/>
+                <a:cs typeface="Times New Roman" panose="02020603050405020304" pitchFamily="18" charset="0"/>
+              </a:rPr>
+              <a:t>)</a:t>
+            </a:r>
+            <a:r>
+              <a:rPr lang="zh-TW" altLang="en-US" dirty="0" smtClean="0">
+                <a:latin typeface="+mn-ea"/>
+                <a:cs typeface="Times New Roman" panose="02020603050405020304" pitchFamily="18" charset="0"/>
+              </a:rPr>
+              <a:t>提到</a:t>
+            </a:r>
+            <a:r>
+              <a:rPr lang="zh-TW" altLang="zh-TW" dirty="0" smtClean="0">
+                <a:latin typeface="+mn-ea"/>
+              </a:rPr>
+              <a:t>三</a:t>
+            </a:r>
+            <a:r>
+              <a:rPr lang="zh-TW" altLang="zh-TW" dirty="0">
+                <a:latin typeface="+mn-ea"/>
+              </a:rPr>
+              <a:t>維模型為一個物體以三維的方式表現，通常使用電腦或其他影像裝置進行顯示，顯示的物體可以是現實的物體，也可以是虛構的東西。現今三維模型已運用於許多產業，例如醫療行業製作器官的模型、電子遊戲業用於虛擬場景等，室內設計業也不例外</a:t>
+            </a:r>
+            <a:endParaRPr lang="en-US" altLang="zh-TW" dirty="0">
+              <a:latin typeface="+mn-ea"/>
+            </a:endParaRPr>
+          </a:p>
+        </p:txBody>
+      </p:sp>
+      <p:sp>
+        <p:nvSpPr>
+          <p:cNvPr id="3" name="矩形 2"/>
+          <p:cNvSpPr/>
+          <p:nvPr/>
+        </p:nvSpPr>
+        <p:spPr>
+          <a:xfrm>
+            <a:off x="871788" y="2685931"/>
+            <a:ext cx="8003988" cy="954107"/>
+          </a:xfrm>
+          <a:prstGeom prst="rect">
+            <a:avLst/>
+          </a:prstGeom>
+        </p:spPr>
+        <p:txBody>
+          <a:bodyPr wrap="square">
+            <a:spAutoFit/>
+          </a:bodyPr>
+          <a:lstStyle/>
+          <a:p>
+            <a:pPr marL="285750" indent="-285750">
+              <a:buFont typeface="Wingdings" panose="05000000000000000000" pitchFamily="2" charset="2"/>
+              <a:buChar char="Ø"/>
+              <a:defRPr/>
+            </a:pPr>
+            <a:r>
+              <a:rPr lang="zh-TW" altLang="en-US" dirty="0" smtClean="0">
+                <a:latin typeface="+mn-ea"/>
+                <a:cs typeface="Times New Roman" panose="02020603050405020304" pitchFamily="18" charset="0"/>
+              </a:rPr>
+              <a:t>張峻偉</a:t>
+            </a:r>
+            <a:r>
+              <a:rPr lang="en-US" altLang="zh-TW" dirty="0" smtClean="0">
+                <a:latin typeface="+mn-ea"/>
+                <a:cs typeface="Times New Roman" panose="02020603050405020304" pitchFamily="18" charset="0"/>
+              </a:rPr>
+              <a:t>(2019)</a:t>
+            </a:r>
+            <a:r>
+              <a:rPr lang="zh-TW" altLang="en-US" dirty="0" smtClean="0">
+                <a:latin typeface="+mn-ea"/>
+              </a:rPr>
+              <a:t>提到</a:t>
+            </a:r>
+            <a:r>
+              <a:rPr lang="zh-TW" altLang="zh-TW" dirty="0" smtClean="0">
+                <a:latin typeface="+mn-ea"/>
+              </a:rPr>
+              <a:t>三維模型能夠具有多個特徵，而三維模型主要以</a:t>
+            </a:r>
+            <a:r>
+              <a:rPr lang="en-US" altLang="zh-TW" dirty="0" smtClean="0">
+                <a:latin typeface="+mn-ea"/>
+              </a:rPr>
+              <a:t>3D</a:t>
+            </a:r>
+            <a:r>
+              <a:rPr lang="zh-TW" altLang="zh-TW" dirty="0" smtClean="0">
+                <a:latin typeface="+mn-ea"/>
+              </a:rPr>
+              <a:t>建模軟體來繪製，如</a:t>
+            </a:r>
+            <a:r>
+              <a:rPr lang="en-US" altLang="zh-TW" dirty="0" err="1" smtClean="0">
+                <a:latin typeface="+mn-ea"/>
+              </a:rPr>
+              <a:t>SketchUp</a:t>
+            </a:r>
+            <a:r>
+              <a:rPr lang="en-US" altLang="zh-TW" dirty="0" smtClean="0">
+                <a:latin typeface="+mn-ea"/>
+              </a:rPr>
+              <a:t>(SKP)</a:t>
+            </a:r>
+            <a:r>
+              <a:rPr lang="zh-TW" altLang="zh-TW" dirty="0" smtClean="0">
+                <a:latin typeface="+mn-ea"/>
+              </a:rPr>
+              <a:t>、</a:t>
+            </a:r>
+            <a:r>
+              <a:rPr lang="en-US" altLang="zh-TW" dirty="0" smtClean="0">
+                <a:latin typeface="+mn-ea"/>
+              </a:rPr>
+              <a:t>3ds Max</a:t>
+            </a:r>
+            <a:r>
+              <a:rPr lang="zh-TW" altLang="zh-TW" dirty="0" smtClean="0">
+                <a:latin typeface="+mn-ea"/>
+              </a:rPr>
+              <a:t>等</a:t>
+            </a:r>
+            <a:r>
+              <a:rPr lang="zh-TW" altLang="en-US" dirty="0" smtClean="0">
+                <a:latin typeface="+mn-ea"/>
+              </a:rPr>
+              <a:t>，</a:t>
+            </a:r>
+            <a:r>
+              <a:rPr lang="zh-TW" altLang="zh-TW" dirty="0" smtClean="0">
+                <a:latin typeface="+mn-ea"/>
+              </a:rPr>
+              <a:t>通常在建置完</a:t>
+            </a:r>
+            <a:r>
+              <a:rPr lang="en-US" altLang="zh-TW" dirty="0" smtClean="0">
+                <a:latin typeface="+mn-ea"/>
+              </a:rPr>
+              <a:t>3D</a:t>
+            </a:r>
+            <a:r>
+              <a:rPr lang="zh-TW" altLang="zh-TW" dirty="0" smtClean="0">
+                <a:latin typeface="+mn-ea"/>
+              </a:rPr>
+              <a:t>模型後會再經過一道渲染程序，將原先建置的三維模型透過渲染引擎渲染成更接近真實</a:t>
+            </a:r>
+            <a:r>
+              <a:rPr lang="en-US" altLang="zh-TW" dirty="0" smtClean="0">
+                <a:latin typeface="+mn-ea"/>
+              </a:rPr>
+              <a:t>3D</a:t>
+            </a:r>
+            <a:r>
+              <a:rPr lang="zh-TW" altLang="zh-TW" dirty="0" smtClean="0">
+                <a:latin typeface="+mn-ea"/>
+              </a:rPr>
+              <a:t>場景的圖片，稱為</a:t>
+            </a:r>
+            <a:r>
+              <a:rPr lang="en-US" altLang="zh-TW" dirty="0" smtClean="0">
+                <a:latin typeface="+mn-ea"/>
+              </a:rPr>
+              <a:t>3D</a:t>
+            </a:r>
+            <a:r>
+              <a:rPr lang="zh-TW" altLang="zh-TW" dirty="0" smtClean="0">
+                <a:latin typeface="+mn-ea"/>
+              </a:rPr>
+              <a:t>擬真圖。渲染的過程能夠將模型進行著色，也能因應不同材質做調整，更能顯示出建築的紋理、光源等，使得照片更為真實。</a:t>
+            </a:r>
+            <a:endParaRPr lang="zh-TW" altLang="zh-TW" dirty="0">
+              <a:latin typeface="+mn-ea"/>
+            </a:endParaRPr>
+          </a:p>
+        </p:txBody>
+      </p:sp>
     </p:spTree>
     <p:extLst>
       <p:ext uri="{BB962C8B-B14F-4D97-AF65-F5344CB8AC3E}">
-        <p14:creationId xmlns:p14="http://schemas.microsoft.com/office/powerpoint/2010/main" val="527655496"/>
+        <p14:creationId xmlns:p14="http://schemas.microsoft.com/office/powerpoint/2010/main" val="2814069190"/>
       </p:ext>
     </p:extLst>
   </p:cSld>
@@ -14202,186 +13436,143 @@
           </a:fontRef>
         </p:style>
       </p:cxnSp>
-      <p:graphicFrame>
-        <p:nvGraphicFramePr>
-          <p:cNvPr id="9" name="表格 5">
-            <a:extLst>
-              <a:ext uri="{FF2B5EF4-FFF2-40B4-BE49-F238E27FC236}">
-                <a16:creationId xmlns="" xmlns:a16="http://schemas.microsoft.com/office/drawing/2014/main" id="{202A9B48-7C02-4B9F-A694-D9D167DDE433}"/>
-              </a:ext>
-            </a:extLst>
-          </p:cNvPr>
-          <p:cNvGraphicFramePr>
-            <a:graphicFrameLocks noGrp="1"/>
-          </p:cNvGraphicFramePr>
-          <p:nvPr>
-            <p:extLst>
-              <p:ext uri="{D42A27DB-BD31-4B8C-83A1-F6EECF244321}">
-                <p14:modId xmlns:p14="http://schemas.microsoft.com/office/powerpoint/2010/main" val="190298839"/>
-              </p:ext>
-            </p:extLst>
-          </p:nvPr>
-        </p:nvGraphicFramePr>
-        <p:xfrm>
-          <a:off x="871788" y="1770394"/>
-          <a:ext cx="6377544" cy="1371600"/>
-        </p:xfrm>
-        <a:graphic>
-          <a:graphicData uri="http://schemas.openxmlformats.org/drawingml/2006/table">
-            <a:tbl>
-              <a:tblPr firstRow="1" bandRow="1"/>
-              <a:tblGrid>
-                <a:gridCol w="4881957">
-                  <a:extLst>
-                    <a:ext uri="{9D8B030D-6E8A-4147-A177-3AD203B41FA5}">
-                      <a16:colId xmlns="" xmlns:a16="http://schemas.microsoft.com/office/drawing/2014/main" val="3498442498"/>
-                    </a:ext>
-                  </a:extLst>
-                </a:gridCol>
-                <a:gridCol w="1495587">
-                  <a:extLst>
-                    <a:ext uri="{9D8B030D-6E8A-4147-A177-3AD203B41FA5}">
-                      <a16:colId xmlns="" xmlns:a16="http://schemas.microsoft.com/office/drawing/2014/main" val="2798367762"/>
-                    </a:ext>
-                  </a:extLst>
-                </a:gridCol>
-              </a:tblGrid>
-              <a:tr h="370840">
-                <a:tc>
-                  <a:txBody>
-                    <a:bodyPr/>
-                    <a:lstStyle/>
-                    <a:p>
-                      <a:r>
-                        <a:rPr lang="zh-TW" altLang="en-US" dirty="0" smtClean="0"/>
-                        <a:t>語義分割的做法就是對影像中的每格像素進行分類，歸類每格像素的種類，從而進行區域劃分。語義分割需要分類每格像素的類別，進行精確的分割。</a:t>
-                      </a:r>
-                      <a:endParaRPr lang="en-US" altLang="zh-TW" dirty="0" smtClean="0"/>
-                    </a:p>
-                    <a:p>
-                      <a:endParaRPr lang="en-US" altLang="zh-TW" dirty="0" smtClean="0"/>
-                    </a:p>
-                    <a:p>
-                      <a:r>
-                        <a:rPr lang="zh-TW" altLang="zh-TW" sz="1400" kern="1200" dirty="0" smtClean="0">
-                          <a:solidFill>
-                            <a:schemeClr val="tx1"/>
-                          </a:solidFill>
-                          <a:effectLst/>
-                          <a:latin typeface="+mn-lt"/>
-                          <a:ea typeface="+mn-ea"/>
-                          <a:cs typeface="+mn-cs"/>
-                        </a:rPr>
-                        <a:t>語義分割主要的思想為</a:t>
-                      </a:r>
-                      <a:endParaRPr lang="en-US" altLang="zh-TW" sz="1400" kern="1200" dirty="0" smtClean="0">
-                        <a:solidFill>
-                          <a:schemeClr val="tx1"/>
-                        </a:solidFill>
-                        <a:effectLst/>
-                        <a:latin typeface="+mn-lt"/>
-                        <a:ea typeface="+mn-ea"/>
-                        <a:cs typeface="+mn-cs"/>
-                      </a:endParaRPr>
-                    </a:p>
-                    <a:p>
-                      <a:r>
-                        <a:rPr lang="zh-TW" altLang="en-US" sz="1400" kern="1200" dirty="0" smtClean="0">
-                          <a:solidFill>
-                            <a:schemeClr val="tx1"/>
-                          </a:solidFill>
-                          <a:effectLst/>
-                          <a:latin typeface="+mn-lt"/>
-                          <a:ea typeface="+mn-ea"/>
-                          <a:cs typeface="+mn-cs"/>
-                        </a:rPr>
-                        <a:t>全卷積</a:t>
-                      </a:r>
-                      <a:r>
-                        <a:rPr lang="en-US" altLang="zh-TW" sz="1400" kern="1200" dirty="0" smtClean="0">
-                          <a:solidFill>
-                            <a:schemeClr val="tx1"/>
-                          </a:solidFill>
-                          <a:effectLst/>
-                          <a:latin typeface="+mn-lt"/>
-                          <a:ea typeface="+mn-ea"/>
-                          <a:cs typeface="+mn-cs"/>
-                        </a:rPr>
-                        <a:t>(Fully Convolutional Networks , FCN)</a:t>
-                      </a:r>
-                      <a:endParaRPr lang="zh-TW" altLang="en-US" b="0" cap="none" spc="0" dirty="0">
-                        <a:ln>
-                          <a:noFill/>
-                        </a:ln>
-                        <a:solidFill>
-                          <a:schemeClr val="tx1"/>
-                        </a:solidFill>
-                        <a:effectLst/>
-                      </a:endParaRPr>
-                    </a:p>
-                  </a:txBody>
-                  <a:tcPr/>
-                </a:tc>
-                <a:tc>
-                  <a:txBody>
-                    <a:bodyPr/>
-                    <a:lstStyle/>
-                    <a:p>
-                      <a:r>
-                        <a:rPr lang="zh-TW" altLang="en-US" sz="1600" b="0" cap="none" spc="0" dirty="0" smtClean="0">
-                          <a:ln>
-                            <a:noFill/>
-                          </a:ln>
-                          <a:solidFill>
-                            <a:schemeClr val="tx1"/>
-                          </a:solidFill>
-                          <a:effectLst/>
-                          <a:latin typeface="Times New Roman" panose="02020603050405020304" pitchFamily="18" charset="0"/>
-                          <a:ea typeface="標楷體" panose="03000509000000000000" pitchFamily="65" charset="-120"/>
-                          <a:cs typeface="Times New Roman" panose="02020603050405020304" pitchFamily="18" charset="0"/>
-                        </a:rPr>
-                        <a:t>施旻岳</a:t>
-                      </a:r>
-                      <a:r>
-                        <a:rPr lang="en-US" altLang="zh-TW" sz="1600" b="0" cap="none" spc="0" dirty="0" smtClean="0">
-                          <a:ln>
-                            <a:noFill/>
-                          </a:ln>
-                          <a:solidFill>
-                            <a:schemeClr val="tx1"/>
-                          </a:solidFill>
-                          <a:effectLst/>
-                          <a:latin typeface="Times New Roman" panose="02020603050405020304" pitchFamily="18" charset="0"/>
-                          <a:ea typeface="標楷體" panose="03000509000000000000" pitchFamily="65" charset="-120"/>
-                          <a:cs typeface="Times New Roman" panose="02020603050405020304" pitchFamily="18" charset="0"/>
-                        </a:rPr>
-                        <a:t>(2021)</a:t>
-                      </a:r>
-                      <a:endParaRPr lang="zh-TW" altLang="en-US" sz="1600" b="0" cap="none" spc="0" dirty="0">
-                        <a:ln>
-                          <a:noFill/>
-                        </a:ln>
-                        <a:solidFill>
-                          <a:schemeClr val="tx1"/>
-                        </a:solidFill>
-                        <a:effectLst/>
-                        <a:latin typeface="標楷體" panose="03000509000000000000" pitchFamily="65" charset="-120"/>
-                        <a:ea typeface="標楷體" panose="03000509000000000000" pitchFamily="65" charset="-120"/>
-                      </a:endParaRPr>
-                    </a:p>
-                  </a:txBody>
-                  <a:tcPr/>
-                </a:tc>
-                <a:extLst>
-                  <a:ext uri="{0D108BD9-81ED-4DB2-BD59-A6C34878D82A}">
-                    <a16:rowId xmlns="" xmlns:a16="http://schemas.microsoft.com/office/drawing/2014/main" val="43767920"/>
-                  </a:ext>
-                </a:extLst>
-              </a:tr>
-            </a:tbl>
-          </a:graphicData>
-        </a:graphic>
-      </p:graphicFrame>
+      <p:sp>
+        <p:nvSpPr>
+          <p:cNvPr id="2" name="矩形 1"/>
+          <p:cNvSpPr/>
+          <p:nvPr/>
+        </p:nvSpPr>
+        <p:spPr>
+          <a:xfrm>
+            <a:off x="838180" y="1753255"/>
+            <a:ext cx="7433313" cy="1169551"/>
+          </a:xfrm>
+          <a:prstGeom prst="rect">
+            <a:avLst/>
+          </a:prstGeom>
+        </p:spPr>
+        <p:txBody>
+          <a:bodyPr wrap="square">
+            <a:spAutoFit/>
+          </a:bodyPr>
+          <a:lstStyle/>
+          <a:p>
+            <a:pPr marL="285750" indent="-285750">
+              <a:buFont typeface="Wingdings" panose="05000000000000000000" pitchFamily="2" charset="2"/>
+              <a:buChar char="Ø"/>
+            </a:pPr>
+            <a:r>
+              <a:rPr lang="zh-TW" altLang="en-US" dirty="0">
+                <a:latin typeface="+mn-ea"/>
+                <a:cs typeface="Times New Roman" panose="02020603050405020304" pitchFamily="18" charset="0"/>
+              </a:rPr>
+              <a:t>施旻岳</a:t>
+            </a:r>
+            <a:r>
+              <a:rPr lang="en-US" altLang="zh-TW" dirty="0">
+                <a:latin typeface="+mn-ea"/>
+                <a:cs typeface="Times New Roman" panose="02020603050405020304" pitchFamily="18" charset="0"/>
+              </a:rPr>
+              <a:t>(2021</a:t>
+            </a:r>
+            <a:r>
+              <a:rPr lang="en-US" altLang="zh-TW" dirty="0" smtClean="0">
+                <a:latin typeface="+mn-ea"/>
+                <a:cs typeface="Times New Roman" panose="02020603050405020304" pitchFamily="18" charset="0"/>
+              </a:rPr>
+              <a:t>)</a:t>
+            </a:r>
+            <a:r>
+              <a:rPr lang="zh-TW" altLang="en-US" dirty="0" smtClean="0">
+                <a:latin typeface="+mn-ea"/>
+              </a:rPr>
+              <a:t>提到語義</a:t>
+            </a:r>
+            <a:r>
+              <a:rPr lang="zh-TW" altLang="en-US" dirty="0">
+                <a:latin typeface="+mn-ea"/>
+              </a:rPr>
+              <a:t>分割的做法就是對影像中的每格像素進行分類，歸類每格像素的種類，從而進行區域劃分。語義分割需要分類每格像素的類別，進行精確的分割</a:t>
+            </a:r>
+            <a:r>
+              <a:rPr lang="zh-TW" altLang="en-US" dirty="0" smtClean="0">
+                <a:latin typeface="+mn-ea"/>
+              </a:rPr>
+              <a:t>。</a:t>
+            </a:r>
+            <a:endParaRPr lang="en-US" altLang="zh-TW" dirty="0" smtClean="0">
+              <a:latin typeface="+mn-ea"/>
+            </a:endParaRPr>
+          </a:p>
+          <a:p>
+            <a:pPr marL="285750" indent="-285750">
+              <a:buFont typeface="Wingdings" panose="05000000000000000000" pitchFamily="2" charset="2"/>
+              <a:buChar char="Ø"/>
+            </a:pPr>
+            <a:endParaRPr lang="en-US" altLang="zh-TW" dirty="0">
+              <a:latin typeface="+mn-ea"/>
+            </a:endParaRPr>
+          </a:p>
+          <a:p>
+            <a:pPr marL="285750" indent="-285750">
+              <a:buFont typeface="Wingdings" panose="05000000000000000000" pitchFamily="2" charset="2"/>
+              <a:buChar char="Ø"/>
+            </a:pPr>
+            <a:r>
+              <a:rPr lang="zh-TW" altLang="en-US" dirty="0" smtClean="0">
+                <a:latin typeface="+mn-ea"/>
+              </a:rPr>
+              <a:t>而</a:t>
+            </a:r>
+            <a:r>
+              <a:rPr lang="zh-TW" altLang="zh-TW" dirty="0" smtClean="0">
+                <a:latin typeface="+mn-ea"/>
+              </a:rPr>
+              <a:t>語義</a:t>
+            </a:r>
+            <a:r>
+              <a:rPr lang="zh-TW" altLang="zh-TW" dirty="0">
+                <a:latin typeface="+mn-ea"/>
+              </a:rPr>
+              <a:t>分割主要的思想</a:t>
+            </a:r>
+            <a:r>
+              <a:rPr lang="zh-TW" altLang="zh-TW" dirty="0" smtClean="0">
+                <a:latin typeface="+mn-ea"/>
+              </a:rPr>
+              <a:t>為</a:t>
+            </a:r>
+            <a:r>
+              <a:rPr lang="en-US" altLang="zh-TW" dirty="0">
+                <a:latin typeface="+mn-ea"/>
+              </a:rPr>
+              <a:t>-</a:t>
+            </a:r>
+            <a:r>
+              <a:rPr lang="zh-TW" altLang="en-US" dirty="0" smtClean="0">
+                <a:latin typeface="+mn-ea"/>
+              </a:rPr>
+              <a:t>全卷積</a:t>
+            </a:r>
+            <a:r>
+              <a:rPr lang="en-US" altLang="zh-TW" dirty="0" smtClean="0">
+                <a:latin typeface="+mn-ea"/>
+              </a:rPr>
+              <a:t>(Fully Convolutional Networks , FCN)</a:t>
+            </a:r>
+            <a:endParaRPr lang="zh-TW" altLang="en-US" dirty="0" smtClean="0">
+              <a:latin typeface="+mn-ea"/>
+            </a:endParaRPr>
+          </a:p>
+          <a:p>
+            <a:pPr marL="285750" indent="-285750">
+              <a:buFont typeface="Wingdings" panose="05000000000000000000" pitchFamily="2" charset="2"/>
+              <a:buChar char="Ø"/>
+            </a:pPr>
+            <a:endParaRPr lang="en-US" altLang="zh-TW" dirty="0"/>
+          </a:p>
+        </p:txBody>
+      </p:sp>
     </p:spTree>
     <p:extLst>
       <p:ext uri="{BB962C8B-B14F-4D97-AF65-F5344CB8AC3E}">
@@ -14565,234 +13756,136 @@
           </a:fontRef>
         </p:style>
       </p:cxnSp>
-      <p:graphicFrame>
-        <p:nvGraphicFramePr>
-          <p:cNvPr id="6" name="表格 5">
-            <a:extLst>
-              <a:ext uri="{FF2B5EF4-FFF2-40B4-BE49-F238E27FC236}">
-                <a16:creationId xmlns="" xmlns:a16="http://schemas.microsoft.com/office/drawing/2014/main" id="{202A9B48-7C02-4B9F-A694-D9D167DDE433}"/>
-              </a:ext>
-            </a:extLst>
-          </p:cNvPr>
-          <p:cNvGraphicFramePr>
-            <a:graphicFrameLocks noGrp="1"/>
-          </p:cNvGraphicFramePr>
-          <p:nvPr>
-            <p:extLst>
-              <p:ext uri="{D42A27DB-BD31-4B8C-83A1-F6EECF244321}">
-                <p14:modId xmlns:p14="http://schemas.microsoft.com/office/powerpoint/2010/main" val="3475701613"/>
-              </p:ext>
-            </p:extLst>
-          </p:nvPr>
-        </p:nvGraphicFramePr>
-        <p:xfrm>
-          <a:off x="871788" y="1899727"/>
-          <a:ext cx="6377544" cy="1158240"/>
-        </p:xfrm>
-        <a:graphic>
-          <a:graphicData uri="http://schemas.openxmlformats.org/drawingml/2006/table">
-            <a:tbl>
-              <a:tblPr firstRow="1" bandRow="1"/>
-              <a:tblGrid>
-                <a:gridCol w="4881957">
-                  <a:extLst>
-                    <a:ext uri="{9D8B030D-6E8A-4147-A177-3AD203B41FA5}">
-                      <a16:colId xmlns="" xmlns:a16="http://schemas.microsoft.com/office/drawing/2014/main" val="3498442498"/>
-                    </a:ext>
-                  </a:extLst>
-                </a:gridCol>
-                <a:gridCol w="1495587">
-                  <a:extLst>
-                    <a:ext uri="{9D8B030D-6E8A-4147-A177-3AD203B41FA5}">
-                      <a16:colId xmlns="" xmlns:a16="http://schemas.microsoft.com/office/drawing/2014/main" val="2798367762"/>
-                    </a:ext>
-                  </a:extLst>
-                </a:gridCol>
-              </a:tblGrid>
-              <a:tr h="370840">
-                <a:tc>
-                  <a:txBody>
-                    <a:bodyPr/>
-                    <a:lstStyle/>
-                    <a:p>
-                      <a:r>
-                        <a:rPr lang="zh-TW" altLang="zh-TW" sz="1400" kern="1200" dirty="0" smtClean="0">
-                          <a:solidFill>
-                            <a:schemeClr val="tx1"/>
-                          </a:solidFill>
-                          <a:effectLst/>
-                          <a:latin typeface="+mn-lt"/>
-                          <a:ea typeface="+mn-ea"/>
-                          <a:cs typeface="+mn-cs"/>
-                        </a:rPr>
-                        <a:t>將</a:t>
-                      </a:r>
-                      <a:r>
-                        <a:rPr lang="zh-TW" altLang="en-US" sz="1400" kern="1200" dirty="0" smtClean="0">
-                          <a:solidFill>
-                            <a:schemeClr val="tx1"/>
-                          </a:solidFill>
-                          <a:effectLst/>
-                          <a:latin typeface="+mn-lt"/>
-                          <a:ea typeface="+mn-ea"/>
-                          <a:cs typeface="+mn-cs"/>
-                        </a:rPr>
-                        <a:t>神經網路的</a:t>
-                      </a:r>
-                      <a:r>
-                        <a:rPr lang="zh-TW" altLang="zh-TW" sz="1400" kern="1200" dirty="0" smtClean="0">
-                          <a:solidFill>
-                            <a:schemeClr val="tx1"/>
-                          </a:solidFill>
-                          <a:effectLst/>
-                          <a:latin typeface="+mn-lt"/>
-                          <a:ea typeface="+mn-ea"/>
-                          <a:cs typeface="+mn-cs"/>
-                        </a:rPr>
-                        <a:t>全連接層替換為卷積層。由於進行語義分割輸入的影像尺寸與輸出的影像尺寸必須為一樣，但卷積層的池化會使圖像尺寸縮小，於是</a:t>
-                      </a:r>
-                      <a:r>
-                        <a:rPr lang="en-US" altLang="zh-TW" sz="1400" kern="1200" dirty="0" smtClean="0">
-                          <a:solidFill>
-                            <a:schemeClr val="tx1"/>
-                          </a:solidFill>
-                          <a:effectLst/>
-                          <a:latin typeface="+mn-lt"/>
-                          <a:ea typeface="+mn-ea"/>
-                          <a:cs typeface="+mn-cs"/>
-                        </a:rPr>
-                        <a:t>FCN</a:t>
-                      </a:r>
-                      <a:r>
-                        <a:rPr lang="zh-TW" altLang="zh-TW" sz="1400" kern="1200" dirty="0" smtClean="0">
-                          <a:solidFill>
-                            <a:schemeClr val="tx1"/>
-                          </a:solidFill>
-                          <a:effectLst/>
-                          <a:latin typeface="+mn-lt"/>
-                          <a:ea typeface="+mn-ea"/>
-                          <a:cs typeface="+mn-cs"/>
-                        </a:rPr>
-                        <a:t>使用反卷積的操作，對縮小的圖片進行上採樣</a:t>
-                      </a:r>
-                      <a:r>
-                        <a:rPr lang="en-US" altLang="zh-TW" sz="1400" kern="1200" dirty="0" smtClean="0">
-                          <a:solidFill>
-                            <a:schemeClr val="tx1"/>
-                          </a:solidFill>
-                          <a:effectLst/>
-                          <a:latin typeface="+mn-lt"/>
-                          <a:ea typeface="+mn-ea"/>
-                          <a:cs typeface="+mn-cs"/>
-                        </a:rPr>
-                        <a:t>(</a:t>
-                      </a:r>
-                      <a:r>
-                        <a:rPr lang="en-US" altLang="zh-TW" sz="1400" kern="1200" dirty="0" err="1" smtClean="0">
-                          <a:solidFill>
-                            <a:schemeClr val="tx1"/>
-                          </a:solidFill>
-                          <a:effectLst/>
-                          <a:latin typeface="+mn-lt"/>
-                          <a:ea typeface="+mn-ea"/>
-                          <a:cs typeface="+mn-cs"/>
-                        </a:rPr>
-                        <a:t>upsampling</a:t>
-                      </a:r>
-                      <a:r>
-                        <a:rPr lang="en-US" altLang="zh-TW" sz="1400" kern="1200" dirty="0" smtClean="0">
-                          <a:solidFill>
-                            <a:schemeClr val="tx1"/>
-                          </a:solidFill>
-                          <a:effectLst/>
-                          <a:latin typeface="+mn-lt"/>
-                          <a:ea typeface="+mn-ea"/>
-                          <a:cs typeface="+mn-cs"/>
-                        </a:rPr>
-                        <a:t>)</a:t>
-                      </a:r>
-                      <a:r>
-                        <a:rPr lang="zh-TW" altLang="zh-TW" sz="1400" kern="1200" dirty="0" smtClean="0">
-                          <a:solidFill>
-                            <a:schemeClr val="tx1"/>
-                          </a:solidFill>
-                          <a:effectLst/>
-                          <a:latin typeface="+mn-lt"/>
-                          <a:ea typeface="+mn-ea"/>
-                          <a:cs typeface="+mn-cs"/>
-                        </a:rPr>
-                        <a:t>，直到與原來的輸入為相同的大小，簡單來說就是把池化後縮小的尺寸再放大回去</a:t>
-                      </a:r>
-                      <a:endParaRPr lang="zh-TW" altLang="en-US" b="0" cap="none" spc="0" dirty="0">
-                        <a:ln>
-                          <a:noFill/>
-                        </a:ln>
-                        <a:solidFill>
-                          <a:schemeClr val="tx1"/>
-                        </a:solidFill>
-                        <a:effectLst/>
-                      </a:endParaRPr>
-                    </a:p>
-                  </a:txBody>
-                  <a:tcPr/>
-                </a:tc>
-                <a:tc>
-                  <a:txBody>
-                    <a:bodyPr/>
-                    <a:lstStyle/>
-                    <a:p>
-                      <a:r>
-                        <a:rPr lang="en-US" altLang="zh-TW" sz="1400" b="0" i="0" kern="1200" dirty="0" smtClean="0">
-                          <a:solidFill>
-                            <a:schemeClr val="tx1"/>
-                          </a:solidFill>
-                          <a:effectLst/>
-                          <a:latin typeface="+mn-lt"/>
-                          <a:ea typeface="+mn-ea"/>
-                          <a:cs typeface="+mn-cs"/>
-                        </a:rPr>
-                        <a:t>Long, J</a:t>
-                      </a:r>
-                      <a:r>
-                        <a:rPr lang="en-US" altLang="zh-TW" sz="1600" b="0" cap="none" spc="0" dirty="0" smtClean="0">
-                          <a:ln>
-                            <a:noFill/>
-                          </a:ln>
-                          <a:solidFill>
-                            <a:schemeClr val="tx1"/>
-                          </a:solidFill>
-                          <a:effectLst/>
-                          <a:latin typeface="Times New Roman" panose="02020603050405020304" pitchFamily="18" charset="0"/>
-                          <a:ea typeface="標楷體" panose="03000509000000000000" pitchFamily="65" charset="-120"/>
-                          <a:cs typeface="Times New Roman" panose="02020603050405020304" pitchFamily="18" charset="0"/>
-                        </a:rPr>
-                        <a:t>(2015)</a:t>
-                      </a:r>
-                      <a:endParaRPr lang="zh-TW" altLang="en-US" sz="1600" b="0" cap="none" spc="0" dirty="0">
-                        <a:ln>
-                          <a:noFill/>
-                        </a:ln>
-                        <a:solidFill>
-                          <a:schemeClr val="tx1"/>
-                        </a:solidFill>
-                        <a:effectLst/>
-                        <a:latin typeface="標楷體" panose="03000509000000000000" pitchFamily="65" charset="-120"/>
-                        <a:ea typeface="標楷體" panose="03000509000000000000" pitchFamily="65" charset="-120"/>
-                      </a:endParaRPr>
-                    </a:p>
-                  </a:txBody>
-                  <a:tcPr/>
-                </a:tc>
-                <a:extLst>
-                  <a:ext uri="{0D108BD9-81ED-4DB2-BD59-A6C34878D82A}">
-                    <a16:rowId xmlns="" xmlns:a16="http://schemas.microsoft.com/office/drawing/2014/main" val="43767920"/>
-                  </a:ext>
-                </a:extLst>
-              </a:tr>
-            </a:tbl>
-          </a:graphicData>
-        </a:graphic>
-      </p:graphicFrame>
+      <p:sp>
+        <p:nvSpPr>
+          <p:cNvPr id="3" name="矩形 2"/>
+          <p:cNvSpPr/>
+          <p:nvPr/>
+        </p:nvSpPr>
+        <p:spPr>
+          <a:xfrm>
+            <a:off x="871788" y="1757587"/>
+            <a:ext cx="7072586" cy="984885"/>
+          </a:xfrm>
+          <a:prstGeom prst="rect">
+            <a:avLst/>
+          </a:prstGeom>
+        </p:spPr>
+        <p:txBody>
+          <a:bodyPr wrap="square">
+            <a:spAutoFit/>
+          </a:bodyPr>
+          <a:lstStyle/>
+          <a:p>
+            <a:pPr marL="285750" indent="-285750">
+              <a:buFont typeface="Wingdings" panose="05000000000000000000" pitchFamily="2" charset="2"/>
+              <a:buChar char="Ø"/>
+            </a:pPr>
+            <a:r>
+              <a:rPr lang="zh-TW" altLang="en-US" dirty="0" smtClean="0">
+                <a:latin typeface="+mn-ea"/>
+              </a:rPr>
+              <a:t>由</a:t>
+            </a:r>
+            <a:r>
+              <a:rPr lang="en-US" altLang="zh-TW" dirty="0" smtClean="0">
+                <a:latin typeface="+mn-ea"/>
+              </a:rPr>
+              <a:t>Long</a:t>
+            </a:r>
+            <a:r>
+              <a:rPr lang="en-US" altLang="zh-TW" dirty="0">
+                <a:latin typeface="+mn-ea"/>
+              </a:rPr>
+              <a:t>, J</a:t>
+            </a:r>
+            <a:r>
+              <a:rPr lang="en-US" altLang="zh-TW" sz="1600" dirty="0">
+                <a:latin typeface="+mn-ea"/>
+                <a:cs typeface="Times New Roman" panose="02020603050405020304" pitchFamily="18" charset="0"/>
+              </a:rPr>
+              <a:t>(2015</a:t>
+            </a:r>
+            <a:r>
+              <a:rPr lang="en-US" altLang="zh-TW" sz="1600" dirty="0" smtClean="0">
+                <a:latin typeface="+mn-ea"/>
+                <a:cs typeface="Times New Roman" panose="02020603050405020304" pitchFamily="18" charset="0"/>
+              </a:rPr>
+              <a:t>)</a:t>
+            </a:r>
+            <a:r>
+              <a:rPr lang="zh-TW" altLang="en-US" sz="1600" dirty="0" smtClean="0">
+                <a:latin typeface="+mn-ea"/>
+                <a:cs typeface="Times New Roman" panose="02020603050405020304" pitchFamily="18" charset="0"/>
+              </a:rPr>
+              <a:t>所</a:t>
+            </a:r>
+            <a:r>
+              <a:rPr lang="zh-TW" altLang="en-US" sz="1600" dirty="0" smtClean="0">
+                <a:latin typeface="+mn-ea"/>
+              </a:rPr>
+              <a:t>提出，主要思想為</a:t>
+            </a:r>
+            <a:r>
+              <a:rPr lang="zh-TW" altLang="zh-TW" dirty="0" smtClean="0">
+                <a:latin typeface="+mn-ea"/>
+              </a:rPr>
+              <a:t>將</a:t>
+            </a:r>
+            <a:r>
+              <a:rPr lang="zh-TW" altLang="en-US" dirty="0">
+                <a:latin typeface="+mn-ea"/>
+              </a:rPr>
+              <a:t>神經網路的</a:t>
+            </a:r>
+            <a:r>
+              <a:rPr lang="zh-TW" altLang="zh-TW" dirty="0">
+                <a:latin typeface="+mn-ea"/>
+              </a:rPr>
+              <a:t>全連接層替換為卷積層。由於進行語義分割輸入的影像尺寸與輸出的影像尺寸必須為一樣，但卷積層的池化會使圖像尺寸縮小，於是</a:t>
+            </a:r>
+            <a:r>
+              <a:rPr lang="en-US" altLang="zh-TW" dirty="0">
+                <a:latin typeface="+mn-ea"/>
+              </a:rPr>
+              <a:t>FCN</a:t>
+            </a:r>
+            <a:r>
+              <a:rPr lang="zh-TW" altLang="zh-TW" dirty="0">
+                <a:latin typeface="+mn-ea"/>
+              </a:rPr>
+              <a:t>使用反卷積的操作，對縮小的圖片進行上採樣</a:t>
+            </a:r>
+            <a:r>
+              <a:rPr lang="en-US" altLang="zh-TW" dirty="0">
+                <a:latin typeface="+mn-ea"/>
+              </a:rPr>
+              <a:t>(</a:t>
+            </a:r>
+            <a:r>
+              <a:rPr lang="en-US" altLang="zh-TW" dirty="0" err="1">
+                <a:latin typeface="+mn-ea"/>
+              </a:rPr>
+              <a:t>upsampling</a:t>
+            </a:r>
+            <a:r>
+              <a:rPr lang="en-US" altLang="zh-TW" dirty="0">
+                <a:latin typeface="+mn-ea"/>
+              </a:rPr>
+              <a:t>)</a:t>
+            </a:r>
+            <a:r>
+              <a:rPr lang="zh-TW" altLang="zh-TW" dirty="0">
+                <a:latin typeface="+mn-ea"/>
+              </a:rPr>
+              <a:t>，直到與原來的輸入為相同的大小，簡單來說就是把池化後縮小的尺寸再放大回去</a:t>
+            </a:r>
+            <a:endParaRPr lang="zh-TW" altLang="en-US" dirty="0">
+              <a:latin typeface="+mn-ea"/>
+            </a:endParaRPr>
+          </a:p>
+        </p:txBody>
+      </p:sp>
     </p:spTree>
     <p:extLst>
       <p:ext uri="{BB962C8B-B14F-4D97-AF65-F5344CB8AC3E}">
@@ -18662,22 +17755,7 @@
                           <a:ea typeface="標楷體" panose="03000509000000000000" pitchFamily="65" charset="-120"/>
                           <a:cs typeface="Times New Roman" panose="02020603050405020304" pitchFamily="18" charset="0"/>
                         </a:rPr>
-                        <a:t>Face Aging With Conditional Generative Adversarial </a:t>
-                      </a:r>
-                      <a:r>
-                        <a:rPr lang="en-US" altLang="zh-TW" sz="1400" b="0" cap="none" spc="0" baseline="0" dirty="0" smtClean="0">
-                          <a:ln>
-                            <a:noFill/>
-                          </a:ln>
-                          <a:solidFill>
-                            <a:schemeClr val="tx1"/>
-                          </a:solidFill>
-                          <a:effectLst/>
-                          <a:latin typeface="Times New Roman" panose="02020603050405020304" pitchFamily="18" charset="0"/>
-                          <a:ea typeface="標楷體" panose="03000509000000000000" pitchFamily="65" charset="-120"/>
-                          <a:cs typeface="Times New Roman" panose="02020603050405020304" pitchFamily="18" charset="0"/>
-                        </a:rPr>
-                        <a:t>Networks</a:t>
+                        <a:t>Face Aging With Conditional Generative Adversarial Networks</a:t>
                       </a:r>
                     </a:p>
                     <a:p>
@@ -18745,18 +17823,6 @@
                         </a:rPr>
                         <a:t>)</a:t>
                       </a:r>
-                      <a:endParaRPr lang="en-US" altLang="zh-TW" sz="1400" b="0" cap="none" spc="0" baseline="0" dirty="0" smtClean="0">
-                        <a:ln>
-                          <a:noFill/>
-                        </a:ln>
-                        <a:solidFill>
-                          <a:schemeClr val="tx1"/>
-                        </a:solidFill>
-                        <a:effectLst/>
-                        <a:latin typeface="Times New Roman" panose="02020603050405020304" pitchFamily="18" charset="0"/>
-                        <a:ea typeface="標楷體" panose="03000509000000000000" pitchFamily="65" charset="-120"/>
-                        <a:cs typeface="Times New Roman" panose="02020603050405020304" pitchFamily="18" charset="0"/>
-                      </a:endParaRPr>
                     </a:p>
                   </a:txBody>
                   <a:tcPr/>
@@ -18929,20 +17995,7 @@
                           <a:cs typeface="Arial"/>
                           <a:sym typeface="Arial"/>
                         </a:rPr>
-                        <a:t>Image-to-image translation with conditional adversarial </a:t>
-                      </a:r>
-                      <a:r>
-                        <a:rPr lang="en-US" altLang="zh-TW" sz="1400" b="0" i="0" u="none" strike="noStrike" cap="none" baseline="0" dirty="0" smtClean="0">
-                          <a:solidFill>
-                            <a:schemeClr val="tx1"/>
-                          </a:solidFill>
-                          <a:effectLst/>
-                          <a:latin typeface="Times New Roman" panose="02020603050405020304" pitchFamily="18" charset="0"/>
-                          <a:ea typeface="標楷體" panose="03000509000000000000" pitchFamily="65" charset="-120"/>
-                          <a:cs typeface="Arial"/>
-                          <a:sym typeface="Arial"/>
-                        </a:rPr>
-                        <a:t>networks</a:t>
+                        <a:t>Image-to-image translation with conditional adversarial networks</a:t>
                       </a:r>
                     </a:p>
                     <a:p>
@@ -19840,7 +18893,6 @@
               <a:rPr lang="en-US" altLang="zh-TW" sz="1600" dirty="0" smtClean="0"/>
               <a:t>U-net</a:t>
             </a:r>
-            <a:endParaRPr lang="en-US" altLang="zh-TW" sz="1600" dirty="0" smtClean="0"/>
           </a:p>
           <a:p>
             <a:pPr marL="285750" indent="-285750">
@@ -20073,301 +19125,164 @@
           </a:fontRef>
         </p:style>
       </p:cxnSp>
-      <p:graphicFrame>
-        <p:nvGraphicFramePr>
-          <p:cNvPr id="6" name="表格 5">
-            <a:extLst>
-              <a:ext uri="{FF2B5EF4-FFF2-40B4-BE49-F238E27FC236}">
-                <a16:creationId xmlns="" xmlns:a16="http://schemas.microsoft.com/office/drawing/2014/main" id="{202A9B48-7C02-4B9F-A694-D9D167DDE433}"/>
-              </a:ext>
-            </a:extLst>
-          </p:cNvPr>
-          <p:cNvGraphicFramePr>
-            <a:graphicFrameLocks noGrp="1"/>
-          </p:cNvGraphicFramePr>
-          <p:nvPr>
-            <p:extLst>
-              <p:ext uri="{D42A27DB-BD31-4B8C-83A1-F6EECF244321}">
-                <p14:modId xmlns:p14="http://schemas.microsoft.com/office/powerpoint/2010/main" val="2642823814"/>
-              </p:ext>
-            </p:extLst>
-          </p:nvPr>
-        </p:nvGraphicFramePr>
-        <p:xfrm>
-          <a:off x="1027773" y="1740543"/>
-          <a:ext cx="6377544" cy="1724110"/>
-        </p:xfrm>
-        <a:graphic>
-          <a:graphicData uri="http://schemas.openxmlformats.org/drawingml/2006/table">
-            <a:tbl>
-              <a:tblPr firstRow="1" bandRow="1"/>
-              <a:tblGrid>
-                <a:gridCol w="4881957">
-                  <a:extLst>
-                    <a:ext uri="{9D8B030D-6E8A-4147-A177-3AD203B41FA5}">
-                      <a16:colId xmlns="" xmlns:a16="http://schemas.microsoft.com/office/drawing/2014/main" val="3498442498"/>
-                    </a:ext>
-                  </a:extLst>
-                </a:gridCol>
-                <a:gridCol w="1495587">
-                  <a:extLst>
-                    <a:ext uri="{9D8B030D-6E8A-4147-A177-3AD203B41FA5}">
-                      <a16:colId xmlns="" xmlns:a16="http://schemas.microsoft.com/office/drawing/2014/main" val="2798367762"/>
-                    </a:ext>
-                  </a:extLst>
-                </a:gridCol>
-              </a:tblGrid>
-              <a:tr h="1724110">
-                <a:tc>
-                  <a:txBody>
-                    <a:bodyPr/>
-                    <a:lstStyle/>
-                    <a:p>
-                      <a:pPr marL="0" marR="0" lvl="0" indent="0" algn="l" defTabSz="914400" rtl="0" eaLnBrk="1" fontAlgn="auto" latinLnBrk="0" hangingPunct="1">
-                        <a:lnSpc>
-                          <a:spcPct val="100000"/>
-                        </a:lnSpc>
-                        <a:spcBef>
-                          <a:spcPts val="0"/>
-                        </a:spcBef>
-                        <a:spcAft>
-                          <a:spcPts val="0"/>
-                        </a:spcAft>
-                        <a:buClr>
-                          <a:srgbClr val="000000"/>
-                        </a:buClr>
-                        <a:buSzTx/>
-                        <a:buFont typeface="Arial"/>
-                        <a:buNone/>
-                        <a:tabLst/>
-                        <a:defRPr/>
-                      </a:pPr>
-                      <a:r>
-                        <a:rPr lang="en-US" altLang="zh-TW" sz="1600" b="0" cap="none" spc="0" dirty="0" smtClean="0">
-                          <a:ln>
-                            <a:noFill/>
-                          </a:ln>
-                          <a:solidFill>
-                            <a:schemeClr val="tx1"/>
-                          </a:solidFill>
-                          <a:effectLst/>
-                          <a:latin typeface="+mn-ea"/>
-                          <a:ea typeface="+mn-ea"/>
-                        </a:rPr>
-                        <a:t>U-net</a:t>
-                      </a:r>
-                      <a:r>
-                        <a:rPr lang="zh-TW" altLang="en-US" sz="1600" b="0" cap="none" spc="0" dirty="0" smtClean="0">
-                          <a:ln>
-                            <a:noFill/>
-                          </a:ln>
-                          <a:solidFill>
-                            <a:schemeClr val="tx1"/>
-                          </a:solidFill>
-                          <a:effectLst/>
-                          <a:latin typeface="+mn-ea"/>
-                          <a:ea typeface="+mn-ea"/>
-                        </a:rPr>
-                        <a:t>與傳統的自動編碼器結構相似，不同的點是</a:t>
-                      </a:r>
-                      <a:endParaRPr lang="en-US" altLang="zh-TW" sz="1600" b="0" cap="none" spc="0" dirty="0" smtClean="0">
-                        <a:ln>
-                          <a:noFill/>
-                        </a:ln>
-                        <a:solidFill>
-                          <a:schemeClr val="tx1"/>
-                        </a:solidFill>
-                        <a:effectLst/>
-                        <a:latin typeface="+mn-ea"/>
-                        <a:ea typeface="+mn-ea"/>
-                      </a:endParaRPr>
-                    </a:p>
-                    <a:p>
-                      <a:pPr marL="0" marR="0" lvl="0" indent="0" algn="l" defTabSz="914400" rtl="0" eaLnBrk="1" fontAlgn="auto" latinLnBrk="0" hangingPunct="1">
-                        <a:lnSpc>
-                          <a:spcPct val="100000"/>
-                        </a:lnSpc>
-                        <a:spcBef>
-                          <a:spcPts val="0"/>
-                        </a:spcBef>
-                        <a:spcAft>
-                          <a:spcPts val="0"/>
-                        </a:spcAft>
-                        <a:buClr>
-                          <a:srgbClr val="000000"/>
-                        </a:buClr>
-                        <a:buSzTx/>
-                        <a:buFont typeface="Arial"/>
-                        <a:buNone/>
-                        <a:tabLst/>
-                        <a:defRPr/>
-                      </a:pPr>
-                      <a:r>
-                        <a:rPr lang="en-US" altLang="zh-TW" sz="1600" dirty="0" smtClean="0">
-                          <a:latin typeface="+mn-ea"/>
-                          <a:ea typeface="+mn-ea"/>
-                        </a:rPr>
-                        <a:t>U-net </a:t>
-                      </a:r>
-                      <a:r>
-                        <a:rPr lang="zh-TW" altLang="en-US" sz="1600" dirty="0" smtClean="0">
-                          <a:latin typeface="+mn-ea"/>
-                          <a:ea typeface="+mn-ea"/>
-                        </a:rPr>
-                        <a:t>為了使底層的特徵資訊更好的被保留下來，</a:t>
-                      </a:r>
-                      <a:r>
-                        <a:rPr lang="zh-TW" altLang="en-US" sz="1600" dirty="0" smtClean="0">
-                          <a:latin typeface="+mn-ea"/>
-                          <a:ea typeface="+mn-ea"/>
-                        </a:rPr>
-                        <a:t>讓解碼器在重建</a:t>
-                      </a:r>
-                      <a:r>
-                        <a:rPr lang="zh-TW" altLang="en-US" sz="1600" dirty="0" smtClean="0">
-                          <a:latin typeface="+mn-ea"/>
-                          <a:ea typeface="+mn-ea"/>
-                        </a:rPr>
-                        <a:t>的過程比較不會遺失重要資訊，增加了拼接的概念，將從 </a:t>
-                      </a:r>
-                      <a:r>
-                        <a:rPr lang="en-US" altLang="zh-TW" sz="1600" dirty="0" err="1" smtClean="0">
-                          <a:latin typeface="+mn-ea"/>
-                          <a:ea typeface="+mn-ea"/>
-                        </a:rPr>
-                        <a:t>i</a:t>
-                      </a:r>
-                      <a:r>
-                        <a:rPr lang="en-US" altLang="zh-TW" sz="1600" dirty="0" smtClean="0">
-                          <a:latin typeface="+mn-ea"/>
-                          <a:ea typeface="+mn-ea"/>
-                        </a:rPr>
-                        <a:t> </a:t>
-                      </a:r>
-                      <a:r>
-                        <a:rPr lang="zh-TW" altLang="en-US" sz="1600" dirty="0" smtClean="0">
-                          <a:latin typeface="+mn-ea"/>
-                          <a:ea typeface="+mn-ea"/>
-                        </a:rPr>
-                        <a:t>層資訊跳過傳輸至 </a:t>
-                      </a:r>
-                      <a:r>
-                        <a:rPr lang="en-US" altLang="zh-TW" sz="1600" dirty="0" smtClean="0">
-                          <a:latin typeface="+mn-ea"/>
-                          <a:ea typeface="+mn-ea"/>
-                        </a:rPr>
-                        <a:t>n-</a:t>
-                      </a:r>
-                      <a:r>
-                        <a:rPr lang="en-US" altLang="zh-TW" sz="1600" dirty="0" err="1" smtClean="0">
-                          <a:latin typeface="+mn-ea"/>
-                          <a:ea typeface="+mn-ea"/>
-                        </a:rPr>
-                        <a:t>i</a:t>
-                      </a:r>
-                      <a:r>
-                        <a:rPr lang="en-US" altLang="zh-TW" sz="1600" dirty="0" smtClean="0">
-                          <a:latin typeface="+mn-ea"/>
-                          <a:ea typeface="+mn-ea"/>
-                        </a:rPr>
-                        <a:t> </a:t>
-                      </a:r>
-                      <a:r>
-                        <a:rPr lang="zh-TW" altLang="en-US" sz="1600" dirty="0" smtClean="0">
-                          <a:latin typeface="+mn-ea"/>
-                          <a:ea typeface="+mn-ea"/>
-                        </a:rPr>
-                        <a:t>層，其中 </a:t>
-                      </a:r>
-                      <a:r>
-                        <a:rPr lang="en-US" altLang="zh-TW" sz="1600" dirty="0" smtClean="0">
-                          <a:latin typeface="+mn-ea"/>
-                          <a:ea typeface="+mn-ea"/>
-                        </a:rPr>
-                        <a:t>n </a:t>
-                      </a:r>
-                      <a:r>
-                        <a:rPr lang="zh-TW" altLang="en-US" sz="1600" dirty="0" smtClean="0">
-                          <a:latin typeface="+mn-ea"/>
-                          <a:ea typeface="+mn-ea"/>
-                        </a:rPr>
-                        <a:t>是總網路層數，即為每一層反卷積層的輸入都為前一層的輸出加上與該層對稱的卷積層的輸出</a:t>
-                      </a:r>
-                      <a:endParaRPr lang="zh-TW" altLang="en-US" sz="1600" b="0" cap="none" spc="0" dirty="0">
-                        <a:ln>
-                          <a:noFill/>
-                        </a:ln>
-                        <a:solidFill>
-                          <a:schemeClr val="tx1"/>
-                        </a:solidFill>
-                        <a:effectLst/>
-                        <a:latin typeface="+mn-ea"/>
-                        <a:ea typeface="+mn-ea"/>
-                      </a:endParaRPr>
-                    </a:p>
-                  </a:txBody>
-                  <a:tcPr/>
-                </a:tc>
-                <a:tc>
-                  <a:txBody>
-                    <a:bodyPr/>
-                    <a:lstStyle/>
-                    <a:p>
-                      <a:r>
-                        <a:rPr lang="zh-TW" altLang="en-US" sz="1600" b="0" cap="none" spc="0" dirty="0" smtClean="0">
-                          <a:ln>
-                            <a:noFill/>
-                          </a:ln>
-                          <a:solidFill>
-                            <a:schemeClr val="tx1"/>
-                          </a:solidFill>
-                          <a:effectLst/>
-                          <a:latin typeface="+mn-ea"/>
-                          <a:ea typeface="+mn-ea"/>
-                          <a:cs typeface="Times New Roman" panose="02020603050405020304" pitchFamily="18" charset="0"/>
-                        </a:rPr>
-                        <a:t>林庭生 </a:t>
-                      </a:r>
-                      <a:r>
-                        <a:rPr lang="en-US" altLang="zh-TW" sz="1600" b="0" cap="none" spc="0" dirty="0" smtClean="0">
-                          <a:ln>
-                            <a:noFill/>
-                          </a:ln>
-                          <a:solidFill>
-                            <a:schemeClr val="tx1"/>
-                          </a:solidFill>
-                          <a:effectLst/>
-                          <a:latin typeface="+mn-ea"/>
-                          <a:ea typeface="+mn-ea"/>
-                          <a:cs typeface="Times New Roman" panose="02020603050405020304" pitchFamily="18" charset="0"/>
-                        </a:rPr>
-                        <a:t>(2021)</a:t>
-                      </a:r>
-                      <a:endParaRPr lang="zh-TW" altLang="en-US" sz="1600" b="0" cap="none" spc="0" dirty="0">
-                        <a:ln>
-                          <a:noFill/>
-                        </a:ln>
-                        <a:solidFill>
-                          <a:schemeClr val="tx1"/>
-                        </a:solidFill>
-                        <a:effectLst/>
-                        <a:latin typeface="+mn-ea"/>
-                        <a:ea typeface="+mn-ea"/>
-                      </a:endParaRPr>
-                    </a:p>
-                  </a:txBody>
-                  <a:tcPr/>
-                </a:tc>
-                <a:extLst>
-                  <a:ext uri="{0D108BD9-81ED-4DB2-BD59-A6C34878D82A}">
-                    <a16:rowId xmlns="" xmlns:a16="http://schemas.microsoft.com/office/drawing/2014/main" val="43767920"/>
-                  </a:ext>
-                </a:extLst>
-              </a:tr>
-            </a:tbl>
-          </a:graphicData>
-        </a:graphic>
-      </p:graphicFrame>
+      <p:sp>
+        <p:nvSpPr>
+          <p:cNvPr id="2" name="矩形 1"/>
+          <p:cNvSpPr/>
+          <p:nvPr/>
+        </p:nvSpPr>
+        <p:spPr>
+          <a:xfrm>
+            <a:off x="871787" y="1828919"/>
+            <a:ext cx="7349423" cy="954107"/>
+          </a:xfrm>
+          <a:prstGeom prst="rect">
+            <a:avLst/>
+          </a:prstGeom>
+        </p:spPr>
+        <p:txBody>
+          <a:bodyPr wrap="square">
+            <a:spAutoFit/>
+          </a:bodyPr>
+          <a:lstStyle/>
+          <a:p>
+            <a:pPr marL="285750" indent="-285750" defTabSz="914400">
+              <a:buClr>
+                <a:srgbClr val="000000"/>
+              </a:buClr>
+              <a:buFont typeface="Wingdings" panose="05000000000000000000" pitchFamily="2" charset="2"/>
+              <a:buChar char="Ø"/>
+              <a:defRPr/>
+            </a:pPr>
+            <a:r>
+              <a:rPr lang="zh-TW" altLang="en-US" dirty="0">
+                <a:latin typeface="+mn-ea"/>
+                <a:cs typeface="Times New Roman" panose="02020603050405020304" pitchFamily="18" charset="0"/>
+              </a:rPr>
+              <a:t>林庭生 </a:t>
+            </a:r>
+            <a:r>
+              <a:rPr lang="en-US" altLang="zh-TW" dirty="0">
+                <a:latin typeface="+mn-ea"/>
+                <a:cs typeface="Times New Roman" panose="02020603050405020304" pitchFamily="18" charset="0"/>
+              </a:rPr>
+              <a:t>(</a:t>
+            </a:r>
+            <a:r>
+              <a:rPr lang="en-US" altLang="zh-TW" dirty="0" smtClean="0">
+                <a:latin typeface="+mn-ea"/>
+                <a:cs typeface="Times New Roman" panose="02020603050405020304" pitchFamily="18" charset="0"/>
+              </a:rPr>
+              <a:t>2021)</a:t>
+            </a:r>
+            <a:r>
+              <a:rPr lang="zh-TW" altLang="en-US" dirty="0" smtClean="0">
+                <a:latin typeface="+mn-ea"/>
+              </a:rPr>
+              <a:t>提到</a:t>
+            </a:r>
+            <a:r>
+              <a:rPr lang="en-US" altLang="zh-TW" dirty="0" smtClean="0">
+                <a:latin typeface="+mn-ea"/>
+              </a:rPr>
+              <a:t>U-net</a:t>
+            </a:r>
+            <a:r>
+              <a:rPr lang="zh-TW" altLang="en-US" dirty="0">
+                <a:latin typeface="+mn-ea"/>
+              </a:rPr>
+              <a:t>與傳統的自動編碼器結構相似，不同的點</a:t>
+            </a:r>
+            <a:r>
+              <a:rPr lang="zh-TW" altLang="en-US" dirty="0" smtClean="0">
+                <a:latin typeface="+mn-ea"/>
+              </a:rPr>
+              <a:t>是</a:t>
+            </a:r>
+            <a:r>
+              <a:rPr lang="zh-TW" altLang="en-US" dirty="0">
+                <a:latin typeface="+mn-ea"/>
+              </a:rPr>
+              <a:t>，</a:t>
+            </a:r>
+            <a:r>
+              <a:rPr lang="en-US" altLang="zh-TW" dirty="0" smtClean="0">
+                <a:latin typeface="+mn-ea"/>
+              </a:rPr>
+              <a:t>U-net </a:t>
+            </a:r>
+            <a:r>
+              <a:rPr lang="zh-TW" altLang="en-US" dirty="0">
+                <a:latin typeface="+mn-ea"/>
+              </a:rPr>
+              <a:t>為了使底層的特徵資訊更好的被保留下來，讓解碼器在重建的過程比較不會遺失重要資訊，增加了拼接的概念，將從 </a:t>
+            </a:r>
+            <a:r>
+              <a:rPr lang="en-US" altLang="zh-TW" dirty="0" err="1">
+                <a:latin typeface="+mn-ea"/>
+              </a:rPr>
+              <a:t>i</a:t>
+            </a:r>
+            <a:r>
+              <a:rPr lang="en-US" altLang="zh-TW" dirty="0">
+                <a:latin typeface="+mn-ea"/>
+              </a:rPr>
+              <a:t> </a:t>
+            </a:r>
+            <a:r>
+              <a:rPr lang="zh-TW" altLang="en-US" dirty="0">
+                <a:latin typeface="+mn-ea"/>
+              </a:rPr>
+              <a:t>層資訊跳過傳輸至 </a:t>
+            </a:r>
+            <a:r>
+              <a:rPr lang="en-US" altLang="zh-TW" dirty="0">
+                <a:latin typeface="+mn-ea"/>
+              </a:rPr>
+              <a:t>n-</a:t>
+            </a:r>
+            <a:r>
+              <a:rPr lang="en-US" altLang="zh-TW" dirty="0" err="1">
+                <a:latin typeface="+mn-ea"/>
+              </a:rPr>
+              <a:t>i</a:t>
+            </a:r>
+            <a:r>
+              <a:rPr lang="en-US" altLang="zh-TW" dirty="0">
+                <a:latin typeface="+mn-ea"/>
+              </a:rPr>
+              <a:t> </a:t>
+            </a:r>
+            <a:r>
+              <a:rPr lang="zh-TW" altLang="en-US" dirty="0">
+                <a:latin typeface="+mn-ea"/>
+              </a:rPr>
+              <a:t>層，其中 </a:t>
+            </a:r>
+            <a:r>
+              <a:rPr lang="en-US" altLang="zh-TW" dirty="0">
+                <a:latin typeface="+mn-ea"/>
+              </a:rPr>
+              <a:t>n </a:t>
+            </a:r>
+            <a:r>
+              <a:rPr lang="zh-TW" altLang="en-US" dirty="0">
+                <a:latin typeface="+mn-ea"/>
+              </a:rPr>
+              <a:t>是總網路層數，即為每一層反卷積層的輸入都為前一層的輸出加上與該層對稱的卷積層的</a:t>
+            </a:r>
+            <a:r>
+              <a:rPr lang="zh-TW" altLang="en-US" dirty="0" smtClean="0">
+                <a:latin typeface="+mn-ea"/>
+              </a:rPr>
+              <a:t>輸出。</a:t>
+            </a:r>
+            <a:endParaRPr lang="zh-TW" altLang="en-US" dirty="0">
+              <a:latin typeface="+mn-ea"/>
+            </a:endParaRPr>
+          </a:p>
+        </p:txBody>
+      </p:sp>
     </p:spTree>
     <p:extLst>
       <p:ext uri="{BB962C8B-B14F-4D97-AF65-F5344CB8AC3E}">
@@ -20798,178 +19713,69 @@
           </a:fontRef>
         </p:style>
       </p:cxnSp>
-      <p:graphicFrame>
-        <p:nvGraphicFramePr>
-          <p:cNvPr id="6" name="表格 5">
-            <a:extLst>
-              <a:ext uri="{FF2B5EF4-FFF2-40B4-BE49-F238E27FC236}">
-                <a16:creationId xmlns="" xmlns:a16="http://schemas.microsoft.com/office/drawing/2014/main" id="{202A9B48-7C02-4B9F-A694-D9D167DDE433}"/>
-              </a:ext>
-            </a:extLst>
-          </p:cNvPr>
-          <p:cNvGraphicFramePr>
-            <a:graphicFrameLocks noGrp="1"/>
-          </p:cNvGraphicFramePr>
-          <p:nvPr>
-            <p:extLst>
-              <p:ext uri="{D42A27DB-BD31-4B8C-83A1-F6EECF244321}">
-                <p14:modId xmlns:p14="http://schemas.microsoft.com/office/powerpoint/2010/main" val="540386460"/>
-              </p:ext>
-            </p:extLst>
-          </p:nvPr>
-        </p:nvGraphicFramePr>
-        <p:xfrm>
-          <a:off x="1027773" y="1740543"/>
-          <a:ext cx="6377544" cy="1724110"/>
-        </p:xfrm>
-        <a:graphic>
-          <a:graphicData uri="http://schemas.openxmlformats.org/drawingml/2006/table">
-            <a:tbl>
-              <a:tblPr firstRow="1" bandRow="1"/>
-              <a:tblGrid>
-                <a:gridCol w="4881957">
-                  <a:extLst>
-                    <a:ext uri="{9D8B030D-6E8A-4147-A177-3AD203B41FA5}">
-                      <a16:colId xmlns="" xmlns:a16="http://schemas.microsoft.com/office/drawing/2014/main" val="3498442498"/>
-                    </a:ext>
-                  </a:extLst>
-                </a:gridCol>
-                <a:gridCol w="1495587">
-                  <a:extLst>
-                    <a:ext uri="{9D8B030D-6E8A-4147-A177-3AD203B41FA5}">
-                      <a16:colId xmlns="" xmlns:a16="http://schemas.microsoft.com/office/drawing/2014/main" val="2798367762"/>
-                    </a:ext>
-                  </a:extLst>
-                </a:gridCol>
-              </a:tblGrid>
-              <a:tr h="1724110">
-                <a:tc>
-                  <a:txBody>
-                    <a:bodyPr/>
-                    <a:lstStyle/>
-                    <a:p>
-                      <a:pPr marL="0" marR="0" lvl="0" indent="0" algn="l" defTabSz="914400" rtl="0" eaLnBrk="1" fontAlgn="auto" latinLnBrk="0" hangingPunct="1">
-                        <a:lnSpc>
-                          <a:spcPct val="100000"/>
-                        </a:lnSpc>
-                        <a:spcBef>
-                          <a:spcPts val="0"/>
-                        </a:spcBef>
-                        <a:spcAft>
-                          <a:spcPts val="0"/>
-                        </a:spcAft>
-                        <a:buClr>
-                          <a:srgbClr val="000000"/>
-                        </a:buClr>
-                        <a:buSzTx/>
-                        <a:buFont typeface="Arial"/>
-                        <a:buNone/>
-                        <a:tabLst/>
-                        <a:defRPr/>
-                      </a:pPr>
-                      <a:r>
-                        <a:rPr lang="en-US" altLang="zh-TW" sz="1600" dirty="0" err="1" smtClean="0"/>
-                        <a:t>PatchGAN</a:t>
-                      </a:r>
-                      <a:r>
-                        <a:rPr lang="en-US" altLang="zh-TW" sz="1600" dirty="0" smtClean="0"/>
-                        <a:t> </a:t>
-                      </a:r>
-                      <a:r>
-                        <a:rPr lang="zh-TW" altLang="en-US" sz="1600" dirty="0" smtClean="0"/>
-                        <a:t>指的是判別器的網路架構，由 </a:t>
-                      </a:r>
-                      <a:r>
-                        <a:rPr lang="en-US" altLang="zh-TW" sz="1600" dirty="0" smtClean="0"/>
-                        <a:t>Isola(2017) </a:t>
-                      </a:r>
-                      <a:r>
-                        <a:rPr lang="zh-TW" altLang="en-US" sz="1600" dirty="0" smtClean="0"/>
-                        <a:t>等人所提出，此判別器會先將圖片切割成多張</a:t>
-                      </a:r>
-                      <a:r>
-                        <a:rPr lang="en-US" altLang="zh-TW" sz="1600" dirty="0" smtClean="0"/>
-                        <a:t>N*N</a:t>
-                      </a:r>
-                      <a:r>
-                        <a:rPr lang="zh-TW" altLang="en-US" sz="1600" dirty="0" smtClean="0"/>
-                        <a:t>大小的圖片，再分別判斷每一個區域的真假，最後取平均值做為判別器的輸出。</a:t>
-                      </a:r>
-                      <a:endParaRPr lang="zh-TW" altLang="en-US" sz="1600" b="0" cap="none" spc="0" dirty="0">
-                        <a:ln>
-                          <a:noFill/>
-                        </a:ln>
-                        <a:solidFill>
-                          <a:schemeClr val="tx1"/>
-                        </a:solidFill>
-                        <a:effectLst/>
-                        <a:latin typeface="+mn-ea"/>
-                        <a:ea typeface="+mn-ea"/>
-                      </a:endParaRPr>
-                    </a:p>
-                  </a:txBody>
-                  <a:tcPr/>
-                </a:tc>
-                <a:tc>
-                  <a:txBody>
-                    <a:bodyPr/>
-                    <a:lstStyle/>
-                    <a:p>
-                      <a:r>
-                        <a:rPr lang="zh-TW" altLang="en-US" sz="1600" b="0" cap="none" spc="0" dirty="0" smtClean="0">
-                          <a:ln>
-                            <a:noFill/>
-                          </a:ln>
-                          <a:solidFill>
-                            <a:schemeClr val="tx1"/>
-                          </a:solidFill>
-                          <a:effectLst/>
-                          <a:latin typeface="+mn-ea"/>
-                          <a:ea typeface="+mn-ea"/>
-                          <a:cs typeface="Times New Roman" panose="02020603050405020304" pitchFamily="18" charset="0"/>
-                        </a:rPr>
-                        <a:t>林庭生 </a:t>
-                      </a:r>
-                      <a:r>
-                        <a:rPr lang="en-US" altLang="zh-TW" sz="1600" b="0" cap="none" spc="0" dirty="0" smtClean="0">
-                          <a:ln>
-                            <a:noFill/>
-                          </a:ln>
-                          <a:solidFill>
-                            <a:schemeClr val="tx1"/>
-                          </a:solidFill>
-                          <a:effectLst/>
-                          <a:latin typeface="+mn-ea"/>
-                          <a:ea typeface="+mn-ea"/>
-                          <a:cs typeface="Times New Roman" panose="02020603050405020304" pitchFamily="18" charset="0"/>
-                        </a:rPr>
-                        <a:t>(2021)</a:t>
-                      </a:r>
-                      <a:endParaRPr lang="zh-TW" altLang="en-US" sz="1600" b="0" cap="none" spc="0" dirty="0">
-                        <a:ln>
-                          <a:noFill/>
-                        </a:ln>
-                        <a:solidFill>
-                          <a:schemeClr val="tx1"/>
-                        </a:solidFill>
-                        <a:effectLst/>
-                        <a:latin typeface="+mn-ea"/>
-                        <a:ea typeface="+mn-ea"/>
-                      </a:endParaRPr>
-                    </a:p>
-                  </a:txBody>
-                  <a:tcPr/>
-                </a:tc>
-                <a:extLst>
-                  <a:ext uri="{0D108BD9-81ED-4DB2-BD59-A6C34878D82A}">
-                    <a16:rowId xmlns="" xmlns:a16="http://schemas.microsoft.com/office/drawing/2014/main" val="43767920"/>
-                  </a:ext>
-                </a:extLst>
-              </a:tr>
-            </a:tbl>
-          </a:graphicData>
-        </a:graphic>
-      </p:graphicFrame>
+      <p:sp>
+        <p:nvSpPr>
+          <p:cNvPr id="2" name="矩形 1"/>
+          <p:cNvSpPr/>
+          <p:nvPr/>
+        </p:nvSpPr>
+        <p:spPr>
+          <a:xfrm>
+            <a:off x="871788" y="1899727"/>
+            <a:ext cx="7424924" cy="738664"/>
+          </a:xfrm>
+          <a:prstGeom prst="rect">
+            <a:avLst/>
+          </a:prstGeom>
+        </p:spPr>
+        <p:txBody>
+          <a:bodyPr wrap="square">
+            <a:spAutoFit/>
+          </a:bodyPr>
+          <a:lstStyle/>
+          <a:p>
+            <a:pPr marL="285750" lvl="0" indent="-285750" defTabSz="914400">
+              <a:buClr>
+                <a:srgbClr val="000000"/>
+              </a:buClr>
+              <a:buFont typeface="Wingdings" panose="05000000000000000000" pitchFamily="2" charset="2"/>
+              <a:buChar char="Ø"/>
+              <a:defRPr/>
+            </a:pPr>
+            <a:r>
+              <a:rPr lang="en-US" altLang="zh-TW" dirty="0" err="1" smtClean="0"/>
+              <a:t>PatchGAN</a:t>
+            </a:r>
+            <a:r>
+              <a:rPr lang="en-US" altLang="zh-TW" dirty="0" smtClean="0"/>
+              <a:t> </a:t>
+            </a:r>
+            <a:r>
+              <a:rPr lang="zh-TW" altLang="en-US" dirty="0"/>
+              <a:t>指的是判別器的網路架構，由 </a:t>
+            </a:r>
+            <a:r>
+              <a:rPr lang="en-US" altLang="zh-TW" dirty="0"/>
+              <a:t>Isola(2017) </a:t>
+            </a:r>
+            <a:r>
+              <a:rPr lang="zh-TW" altLang="en-US" dirty="0"/>
+              <a:t>等人所提出，此判別器會先將圖片切割成多張</a:t>
+            </a:r>
+            <a:r>
+              <a:rPr lang="en-US" altLang="zh-TW" dirty="0"/>
+              <a:t>N*N</a:t>
+            </a:r>
+            <a:r>
+              <a:rPr lang="zh-TW" altLang="en-US" dirty="0"/>
+              <a:t>大小的圖片，再分別判斷每一個區域的真假，最後取平均值做為判別器的輸出。</a:t>
+            </a:r>
+            <a:endParaRPr lang="zh-TW" altLang="en-US" dirty="0">
+              <a:latin typeface="+mn-ea"/>
+            </a:endParaRPr>
+          </a:p>
+        </p:txBody>
+      </p:sp>
     </p:spTree>
     <p:extLst>
       <p:ext uri="{BB962C8B-B14F-4D97-AF65-F5344CB8AC3E}">
@@ -21380,317 +20186,142 @@
           </a:fontRef>
         </p:style>
       </p:cxnSp>
-      <p:graphicFrame>
-        <p:nvGraphicFramePr>
-          <p:cNvPr id="6" name="表格 5">
-            <a:extLst>
-              <a:ext uri="{FF2B5EF4-FFF2-40B4-BE49-F238E27FC236}">
-                <a16:creationId xmlns="" xmlns:a16="http://schemas.microsoft.com/office/drawing/2014/main" id="{202A9B48-7C02-4B9F-A694-D9D167DDE433}"/>
-              </a:ext>
-            </a:extLst>
-          </p:cNvPr>
-          <p:cNvGraphicFramePr>
-            <a:graphicFrameLocks noGrp="1"/>
-          </p:cNvGraphicFramePr>
-          <p:nvPr>
-            <p:extLst>
-              <p:ext uri="{D42A27DB-BD31-4B8C-83A1-F6EECF244321}">
-                <p14:modId xmlns:p14="http://schemas.microsoft.com/office/powerpoint/2010/main" val="3511899369"/>
-              </p:ext>
-            </p:extLst>
-          </p:nvPr>
-        </p:nvGraphicFramePr>
-        <p:xfrm>
-          <a:off x="1027773" y="1740543"/>
-          <a:ext cx="6377544" cy="1554480"/>
-        </p:xfrm>
-        <a:graphic>
-          <a:graphicData uri="http://schemas.openxmlformats.org/drawingml/2006/table">
-            <a:tbl>
-              <a:tblPr firstRow="1" bandRow="1"/>
-              <a:tblGrid>
-                <a:gridCol w="4881957">
-                  <a:extLst>
-                    <a:ext uri="{9D8B030D-6E8A-4147-A177-3AD203B41FA5}">
-                      <a16:colId xmlns="" xmlns:a16="http://schemas.microsoft.com/office/drawing/2014/main" val="3498442498"/>
-                    </a:ext>
-                  </a:extLst>
-                </a:gridCol>
-                <a:gridCol w="1495587">
-                  <a:extLst>
-                    <a:ext uri="{9D8B030D-6E8A-4147-A177-3AD203B41FA5}">
-                      <a16:colId xmlns="" xmlns:a16="http://schemas.microsoft.com/office/drawing/2014/main" val="2798367762"/>
-                    </a:ext>
-                  </a:extLst>
-                </a:gridCol>
-              </a:tblGrid>
-              <a:tr h="1413718">
-                <a:tc>
-                  <a:txBody>
-                    <a:bodyPr/>
-                    <a:lstStyle/>
-                    <a:p>
-                      <a:pPr marL="0" marR="0" lvl="0" indent="0" algn="l" defTabSz="914400" rtl="0" eaLnBrk="1" fontAlgn="auto" latinLnBrk="0" hangingPunct="1">
-                        <a:lnSpc>
-                          <a:spcPct val="100000"/>
-                        </a:lnSpc>
-                        <a:spcBef>
-                          <a:spcPts val="0"/>
-                        </a:spcBef>
-                        <a:spcAft>
-                          <a:spcPts val="0"/>
-                        </a:spcAft>
-                        <a:buClr>
-                          <a:srgbClr val="000000"/>
-                        </a:buClr>
-                        <a:buSzTx/>
-                        <a:buFont typeface="Arial"/>
-                        <a:buNone/>
-                        <a:tabLst/>
-                        <a:defRPr/>
-                      </a:pPr>
-                      <a:r>
-                        <a:rPr lang="zh-TW" altLang="en-US" sz="1600" b="0" cap="none" spc="0" dirty="0" smtClean="0">
-                          <a:ln>
-                            <a:noFill/>
-                          </a:ln>
-                          <a:solidFill>
-                            <a:schemeClr val="tx1"/>
-                          </a:solidFill>
-                          <a:effectLst/>
-                          <a:latin typeface="+mn-ea"/>
-                          <a:ea typeface="+mn-ea"/>
-                        </a:rPr>
-                        <a:t>引導影像濾波器為一種能將影像保持平滑或是銳化的濾波器。</a:t>
-                      </a:r>
-                      <a:endParaRPr lang="en-US" altLang="zh-TW" sz="1600" b="0" cap="none" spc="0" dirty="0" smtClean="0">
-                        <a:ln>
-                          <a:noFill/>
-                        </a:ln>
-                        <a:solidFill>
-                          <a:schemeClr val="tx1"/>
-                        </a:solidFill>
-                        <a:effectLst/>
-                        <a:latin typeface="+mn-ea"/>
-                        <a:ea typeface="+mn-ea"/>
-                      </a:endParaRPr>
-                    </a:p>
-                    <a:p>
-                      <a:pPr marL="0" marR="0" lvl="0" indent="0" algn="l" defTabSz="914400" rtl="0" eaLnBrk="1" fontAlgn="auto" latinLnBrk="0" hangingPunct="1">
-                        <a:lnSpc>
-                          <a:spcPct val="100000"/>
-                        </a:lnSpc>
-                        <a:spcBef>
-                          <a:spcPts val="0"/>
-                        </a:spcBef>
-                        <a:spcAft>
-                          <a:spcPts val="0"/>
-                        </a:spcAft>
-                        <a:buClr>
-                          <a:srgbClr val="000000"/>
-                        </a:buClr>
-                        <a:buSzTx/>
-                        <a:buFont typeface="Arial"/>
-                        <a:buNone/>
-                        <a:tabLst/>
-                        <a:defRPr/>
-                      </a:pPr>
-                      <a:r>
-                        <a:rPr lang="zh-TW" altLang="en-US" sz="1600" b="0" cap="none" spc="0" dirty="0" smtClean="0">
-                          <a:ln>
-                            <a:noFill/>
-                          </a:ln>
-                          <a:solidFill>
-                            <a:schemeClr val="tx1"/>
-                          </a:solidFill>
-                          <a:effectLst/>
-                          <a:latin typeface="+mn-ea"/>
-                          <a:ea typeface="+mn-ea"/>
-                        </a:rPr>
-                        <a:t>引導影像濾波器即為一個需要引導圖的濾波器，引導濾波器的運作方式為通過一張引導圖對初始影像</a:t>
-                      </a:r>
-                      <a:r>
-                        <a:rPr lang="en-US" altLang="zh-TW" sz="1600" b="0" cap="none" spc="0" dirty="0" smtClean="0">
-                          <a:ln>
-                            <a:noFill/>
-                          </a:ln>
-                          <a:solidFill>
-                            <a:schemeClr val="tx1"/>
-                          </a:solidFill>
-                          <a:effectLst/>
-                          <a:latin typeface="+mn-ea"/>
-                          <a:ea typeface="+mn-ea"/>
-                        </a:rPr>
-                        <a:t>p(</a:t>
-                      </a:r>
-                      <a:r>
-                        <a:rPr lang="zh-TW" altLang="en-US" sz="1600" b="0" cap="none" spc="0" dirty="0" smtClean="0">
-                          <a:ln>
-                            <a:noFill/>
-                          </a:ln>
-                          <a:solidFill>
-                            <a:schemeClr val="tx1"/>
-                          </a:solidFill>
-                          <a:effectLst/>
-                          <a:latin typeface="+mn-ea"/>
-                          <a:ea typeface="+mn-ea"/>
-                        </a:rPr>
-                        <a:t>輸入影像</a:t>
-                      </a:r>
-                      <a:r>
-                        <a:rPr lang="en-US" altLang="zh-TW" sz="1600" b="0" cap="none" spc="0" dirty="0" smtClean="0">
-                          <a:ln>
-                            <a:noFill/>
-                          </a:ln>
-                          <a:solidFill>
-                            <a:schemeClr val="tx1"/>
-                          </a:solidFill>
-                          <a:effectLst/>
-                          <a:latin typeface="+mn-ea"/>
-                          <a:ea typeface="+mn-ea"/>
-                        </a:rPr>
-                        <a:t>)</a:t>
-                      </a:r>
-                      <a:r>
-                        <a:rPr lang="zh-TW" altLang="en-US" sz="1600" b="0" cap="none" spc="0" dirty="0" smtClean="0">
-                          <a:ln>
-                            <a:noFill/>
-                          </a:ln>
-                          <a:solidFill>
-                            <a:schemeClr val="tx1"/>
-                          </a:solidFill>
-                          <a:effectLst/>
-                          <a:latin typeface="+mn-ea"/>
-                          <a:ea typeface="+mn-ea"/>
-                        </a:rPr>
-                        <a:t>進行濾波的處理，使得最終輸出的影像大致上與初始影像</a:t>
-                      </a:r>
-                      <a:r>
-                        <a:rPr lang="en-US" altLang="zh-TW" sz="1600" b="0" cap="none" spc="0" dirty="0" smtClean="0">
-                          <a:ln>
-                            <a:noFill/>
-                          </a:ln>
-                          <a:solidFill>
-                            <a:schemeClr val="tx1"/>
-                          </a:solidFill>
-                          <a:effectLst/>
-                          <a:latin typeface="+mn-ea"/>
-                          <a:ea typeface="+mn-ea"/>
-                        </a:rPr>
-                        <a:t>p</a:t>
-                      </a:r>
-                      <a:r>
-                        <a:rPr lang="zh-TW" altLang="en-US" sz="1600" b="0" cap="none" spc="0" dirty="0" smtClean="0">
-                          <a:ln>
-                            <a:noFill/>
-                          </a:ln>
-                          <a:solidFill>
-                            <a:schemeClr val="tx1"/>
-                          </a:solidFill>
-                          <a:effectLst/>
-                          <a:latin typeface="+mn-ea"/>
-                          <a:ea typeface="+mn-ea"/>
-                        </a:rPr>
-                        <a:t>相似，但紋理部分與引導圖相似。</a:t>
-                      </a:r>
-                      <a:endParaRPr lang="en-US" altLang="zh-TW" sz="1600" b="0" cap="none" spc="0" dirty="0" smtClean="0">
-                        <a:ln>
-                          <a:noFill/>
-                        </a:ln>
-                        <a:solidFill>
-                          <a:schemeClr val="tx1"/>
-                        </a:solidFill>
-                        <a:effectLst/>
-                        <a:latin typeface="+mn-ea"/>
-                        <a:ea typeface="+mn-ea"/>
-                      </a:endParaRPr>
-                    </a:p>
-                  </a:txBody>
-                  <a:tcPr/>
-                </a:tc>
-                <a:tc>
-                  <a:txBody>
-                    <a:bodyPr/>
-                    <a:lstStyle/>
-                    <a:p>
-                      <a:r>
-                        <a:rPr lang="en-US" altLang="zh-TW" sz="1400" kern="1200" dirty="0" err="1" smtClean="0">
-                          <a:solidFill>
-                            <a:schemeClr val="tx1"/>
-                          </a:solidFill>
-                          <a:effectLst/>
-                          <a:latin typeface="+mn-lt"/>
-                          <a:ea typeface="+mn-ea"/>
-                          <a:cs typeface="+mn-cs"/>
-                        </a:rPr>
-                        <a:t>Kaiming</a:t>
-                      </a:r>
-                      <a:r>
-                        <a:rPr lang="zh-TW" altLang="en-US" sz="1400" kern="1200" dirty="0" smtClean="0">
-                          <a:solidFill>
-                            <a:schemeClr val="tx1"/>
-                          </a:solidFill>
-                          <a:effectLst/>
-                          <a:latin typeface="+mn-lt"/>
-                          <a:ea typeface="+mn-ea"/>
-                          <a:cs typeface="+mn-cs"/>
-                        </a:rPr>
-                        <a:t> </a:t>
-                      </a:r>
-                      <a:r>
-                        <a:rPr lang="en-US" altLang="zh-TW" sz="1400" kern="1200" dirty="0" smtClean="0">
-                          <a:solidFill>
-                            <a:schemeClr val="tx1"/>
-                          </a:solidFill>
-                          <a:effectLst/>
-                          <a:latin typeface="+mn-lt"/>
-                          <a:ea typeface="+mn-ea"/>
-                          <a:cs typeface="+mn-cs"/>
-                        </a:rPr>
-                        <a:t>He</a:t>
-                      </a:r>
-                    </a:p>
-                    <a:p>
-                      <a:r>
-                        <a:rPr lang="en-US" altLang="zh-TW" sz="1600" b="0" cap="none" spc="0" dirty="0" smtClean="0">
-                          <a:ln>
-                            <a:noFill/>
-                          </a:ln>
-                          <a:solidFill>
-                            <a:schemeClr val="tx1"/>
-                          </a:solidFill>
-                          <a:effectLst/>
-                          <a:latin typeface="+mn-ea"/>
-                          <a:ea typeface="+mn-ea"/>
-                          <a:cs typeface="Times New Roman" panose="02020603050405020304" pitchFamily="18" charset="0"/>
-                        </a:rPr>
-                        <a:t>(2017)</a:t>
-                      </a:r>
-                      <a:endParaRPr lang="zh-TW" altLang="en-US" sz="1600" b="0" cap="none" spc="0" dirty="0">
-                        <a:ln>
-                          <a:noFill/>
-                        </a:ln>
-                        <a:solidFill>
-                          <a:schemeClr val="tx1"/>
-                        </a:solidFill>
-                        <a:effectLst/>
-                        <a:latin typeface="+mn-ea"/>
-                        <a:ea typeface="+mn-ea"/>
-                      </a:endParaRPr>
-                    </a:p>
-                  </a:txBody>
-                  <a:tcPr/>
-                </a:tc>
-                <a:extLst>
-                  <a:ext uri="{0D108BD9-81ED-4DB2-BD59-A6C34878D82A}">
-                    <a16:rowId xmlns="" xmlns:a16="http://schemas.microsoft.com/office/drawing/2014/main" val="43767920"/>
-                  </a:ext>
-                </a:extLst>
-              </a:tr>
-            </a:tbl>
-          </a:graphicData>
-        </a:graphic>
-      </p:graphicFrame>
+      <p:sp>
+        <p:nvSpPr>
+          <p:cNvPr id="2" name="矩形 1"/>
+          <p:cNvSpPr/>
+          <p:nvPr/>
+        </p:nvSpPr>
+        <p:spPr>
+          <a:xfrm>
+            <a:off x="871788" y="1851365"/>
+            <a:ext cx="7528500" cy="1200329"/>
+          </a:xfrm>
+          <a:prstGeom prst="rect">
+            <a:avLst/>
+          </a:prstGeom>
+        </p:spPr>
+        <p:txBody>
+          <a:bodyPr wrap="square">
+            <a:spAutoFit/>
+          </a:bodyPr>
+          <a:lstStyle/>
+          <a:p>
+            <a:pPr marL="285750" indent="-285750">
+              <a:buFont typeface="Wingdings" panose="05000000000000000000" pitchFamily="2" charset="2"/>
+              <a:buChar char="Ø"/>
+            </a:pPr>
+            <a:r>
+              <a:rPr lang="zh-TW" altLang="en-US" dirty="0" smtClean="0">
+                <a:latin typeface="+mn-ea"/>
+              </a:rPr>
+              <a:t>由</a:t>
+            </a:r>
+            <a:r>
+              <a:rPr lang="en-US" altLang="zh-TW" dirty="0" err="1" smtClean="0">
+                <a:latin typeface="+mn-ea"/>
+              </a:rPr>
+              <a:t>Kaiming</a:t>
+            </a:r>
+            <a:r>
+              <a:rPr lang="zh-TW" altLang="en-US" dirty="0" smtClean="0">
+                <a:latin typeface="+mn-ea"/>
+              </a:rPr>
+              <a:t> </a:t>
+            </a:r>
+            <a:r>
+              <a:rPr lang="en-US" altLang="zh-TW" dirty="0" smtClean="0">
+                <a:latin typeface="+mn-ea"/>
+              </a:rPr>
+              <a:t>He</a:t>
+            </a:r>
+            <a:r>
+              <a:rPr lang="en-US" altLang="zh-TW" sz="1600" dirty="0" smtClean="0">
+                <a:latin typeface="+mn-ea"/>
+                <a:cs typeface="Times New Roman" panose="02020603050405020304" pitchFamily="18" charset="0"/>
+              </a:rPr>
+              <a:t>(2017)</a:t>
+            </a:r>
+            <a:r>
+              <a:rPr lang="zh-TW" altLang="en-US" sz="1600" dirty="0" smtClean="0">
+                <a:latin typeface="+mn-ea"/>
+                <a:cs typeface="Times New Roman" panose="02020603050405020304" pitchFamily="18" charset="0"/>
+              </a:rPr>
+              <a:t>所提出。</a:t>
+            </a:r>
+            <a:r>
+              <a:rPr lang="zh-TW" altLang="en-US" dirty="0" smtClean="0">
+                <a:latin typeface="+mn-ea"/>
+              </a:rPr>
+              <a:t>引導</a:t>
+            </a:r>
+            <a:r>
+              <a:rPr lang="zh-TW" altLang="en-US" dirty="0">
+                <a:latin typeface="+mn-ea"/>
+              </a:rPr>
+              <a:t>影像濾波器為一種能將影像保持平滑或是銳化的濾波器。</a:t>
+            </a:r>
+            <a:endParaRPr lang="en-US" altLang="zh-TW" dirty="0">
+              <a:latin typeface="+mn-ea"/>
+            </a:endParaRPr>
+          </a:p>
+          <a:p>
+            <a:pPr marL="285750" lvl="0" indent="-285750" defTabSz="914400">
+              <a:buClr>
+                <a:srgbClr val="000000"/>
+              </a:buClr>
+              <a:buFont typeface="Wingdings" panose="05000000000000000000" pitchFamily="2" charset="2"/>
+              <a:buChar char="Ø"/>
+              <a:defRPr/>
+            </a:pPr>
+            <a:r>
+              <a:rPr lang="zh-TW" altLang="en-US" dirty="0">
+                <a:latin typeface="+mn-ea"/>
+              </a:rPr>
+              <a:t>引導影像濾波器即為一個需要引導圖的濾波器，引導濾波器的運作方式為通過一張引導圖對初始影像</a:t>
+            </a:r>
+            <a:r>
+              <a:rPr lang="en-US" altLang="zh-TW" dirty="0">
+                <a:latin typeface="+mn-ea"/>
+              </a:rPr>
+              <a:t>p(</a:t>
+            </a:r>
+            <a:r>
+              <a:rPr lang="zh-TW" altLang="en-US" dirty="0">
+                <a:latin typeface="+mn-ea"/>
+              </a:rPr>
+              <a:t>輸入影像</a:t>
+            </a:r>
+            <a:r>
+              <a:rPr lang="en-US" altLang="zh-TW" dirty="0">
+                <a:latin typeface="+mn-ea"/>
+              </a:rPr>
+              <a:t>)</a:t>
+            </a:r>
+            <a:r>
+              <a:rPr lang="zh-TW" altLang="en-US" dirty="0">
+                <a:latin typeface="+mn-ea"/>
+              </a:rPr>
+              <a:t>進行濾波的處理，使得最終輸出的影像大致上與初始影像</a:t>
+            </a:r>
+            <a:r>
+              <a:rPr lang="en-US" altLang="zh-TW" dirty="0">
+                <a:latin typeface="+mn-ea"/>
+              </a:rPr>
+              <a:t>p</a:t>
+            </a:r>
+            <a:r>
+              <a:rPr lang="zh-TW" altLang="en-US" dirty="0">
+                <a:latin typeface="+mn-ea"/>
+              </a:rPr>
+              <a:t>相似，但紋理部分與引導圖相似。</a:t>
+            </a:r>
+            <a:endParaRPr lang="en-US" altLang="zh-TW" dirty="0">
+              <a:latin typeface="+mn-ea"/>
+            </a:endParaRPr>
+          </a:p>
+        </p:txBody>
+      </p:sp>
     </p:spTree>
     <p:extLst>
       <p:ext uri="{BB962C8B-B14F-4D97-AF65-F5344CB8AC3E}">
@@ -21775,17 +20406,7 @@
                 <a:cs typeface="+mn-ea"/>
                 <a:sym typeface="+mn-lt"/>
               </a:rPr>
-              <a:t>引導影像</a:t>
-            </a:r>
-            <a:r>
-              <a:rPr lang="zh-TW" altLang="en-US" sz="2000" b="1" dirty="0" smtClean="0">
-                <a:solidFill>
-                  <a:srgbClr val="1B4367"/>
-                </a:solidFill>
-                <a:cs typeface="+mn-ea"/>
-                <a:sym typeface="+mn-lt"/>
-              </a:rPr>
-              <a:t>濾波器引導圖</a:t>
+              <a:t>引導影像濾波器引導圖</a:t>
             </a:r>
             <a:endParaRPr lang="zh-CN" altLang="en-US" sz="2000" b="1" dirty="0">
               <a:solidFill>
@@ -25113,13 +23734,19 @@
               <a:rPr lang="en-US" altLang="zh-TW" sz="1600" dirty="0" smtClean="0">
                 <a:latin typeface="+mn-ea"/>
               </a:rPr>
-              <a:t>:Leaky-</a:t>
+              <a:t>:</a:t>
+            </a:r>
+            <a:r>
+              <a:rPr lang="en-US" altLang="zh-TW" sz="1600" dirty="0" smtClean="0">
+                <a:latin typeface="+mn-ea"/>
+              </a:rPr>
+              <a:t>Leaky-</a:t>
             </a:r>
             <a:r>
               <a:rPr lang="en-US" altLang="zh-TW" sz="1600" dirty="0" err="1" smtClean="0">
                 <a:latin typeface="+mn-ea"/>
               </a:rPr>
-              <a:t>RuLU</a:t>
+              <a:t>ReLU</a:t>
             </a:r>
             <a:endParaRPr lang="zh-TW" altLang="en-US" sz="1600" dirty="0">
               <a:latin typeface="+mn-ea"/>
@@ -25345,7 +23972,7 @@
               <a:rPr lang="en-US" altLang="zh-TW" sz="1600" dirty="0" err="1" smtClean="0">
                 <a:latin typeface="+mn-ea"/>
               </a:rPr>
-              <a:t>RuLU</a:t>
+              <a:t>ReLU</a:t>
             </a:r>
             <a:r>
               <a:rPr lang="zh-TW" altLang="en-US" sz="1600" dirty="0" smtClean="0">
@@ -25718,13 +24345,19 @@
               <a:rPr lang="en-US" altLang="zh-TW" sz="1600" dirty="0" smtClean="0">
                 <a:latin typeface="+mn-ea"/>
               </a:rPr>
-              <a:t>:Leaky-</a:t>
+              <a:t>:</a:t>
+            </a:r>
+            <a:r>
+              <a:rPr lang="en-US" altLang="zh-TW" sz="1600" dirty="0" smtClean="0">
+                <a:latin typeface="+mn-ea"/>
+              </a:rPr>
+              <a:t>Leaky-</a:t>
             </a:r>
             <a:r>
               <a:rPr lang="en-US" altLang="zh-TW" sz="1600" dirty="0" err="1" smtClean="0">
                 <a:latin typeface="+mn-ea"/>
               </a:rPr>
-              <a:t>RuLU</a:t>
+              <a:t>ReLU</a:t>
             </a:r>
             <a:r>
               <a:rPr lang="zh-TW" altLang="en-US" sz="1600" dirty="0" smtClean="0">
@@ -33702,11 +32335,7 @@
           <a:p>
             <a:r>
               <a:rPr lang="zh-TW" altLang="en-US" sz="1600" dirty="0" smtClean="0"/>
-              <a:t>在裝潢前想先預看自己未來房間的樣貌</a:t>
-            </a:r>
-            <a:r>
-              <a:rPr lang="zh-TW" altLang="en-US" sz="1600" dirty="0" smtClean="0"/>
-              <a:t>。能夠過</a:t>
+              <a:t>在裝潢前想先預看自己未來房間的樣貌。能夠過</a:t>
             </a:r>
             <a:r>
               <a:rPr lang="en-US" altLang="zh-TW" sz="1600" dirty="0" smtClean="0"/>
@@ -33929,15 +32558,7 @@
             </a:r>
             <a:r>
               <a:rPr lang="zh-TW" altLang="en-US" sz="1600" dirty="0" smtClean="0"/>
-              <a:t>擬真圖渲染須調整</a:t>
-            </a:r>
-            <a:r>
-              <a:rPr lang="zh-TW" altLang="en-US" sz="1600" dirty="0" smtClean="0"/>
-              <a:t>參數、燈光，</a:t>
-            </a:r>
-            <a:r>
-              <a:rPr lang="zh-TW" altLang="en-US" sz="1600" dirty="0" smtClean="0"/>
-              <a:t>需大量時間及技術要求</a:t>
+              <a:t>擬真圖渲染須調整參數、燈光，需大量時間及技術要求</a:t>
             </a:r>
             <a:endParaRPr lang="zh-TW" altLang="zh-TW" sz="1600" dirty="0"/>
           </a:p>

--- a/論文/論文寫作期末報告.pptx
+++ b/論文/論文寫作期末報告.pptx
@@ -257,7 +257,7 @@
           <a:p>
             <a:fld id="{0F9B84EA-7D68-4D60-9CB1-D50884785D1C}" type="datetimeFigureOut">
               <a:rPr lang="zh-CN" altLang="en-US" smtClean="0"/>
-              <a:t>2021/12/28</a:t>
+              <a:t>2021/12/29</a:t>
             </a:fld>
             <a:endParaRPr lang="zh-CN" altLang="en-US"/>
           </a:p>
@@ -422,7 +422,7 @@
           <a:p>
             <a:fld id="{D2A48B96-639E-45A3-A0BA-2464DFDB1FAA}" type="datetimeFigureOut">
               <a:rPr lang="zh-CN" altLang="en-US" smtClean="0"/>
-              <a:t>2021/12/28</a:t>
+              <a:t>2021/12/29</a:t>
             </a:fld>
             <a:endParaRPr lang="zh-CN" altLang="en-US"/>
           </a:p>
@@ -9746,7 +9746,7 @@
           <a:p>
             <a:fld id="{82F288E0-7875-42C4-84C8-98DBBD3BF4D2}" type="datetimeFigureOut">
               <a:rPr lang="zh-CN" altLang="en-US" smtClean="0"/>
-              <a:t>2021/12/28</a:t>
+              <a:t>2021/12/29</a:t>
             </a:fld>
             <a:endParaRPr lang="zh-CN" altLang="en-US"/>
           </a:p>
@@ -9900,7 +9900,7 @@
           <a:p>
             <a:fld id="{82F288E0-7875-42C4-84C8-98DBBD3BF4D2}" type="datetimeFigureOut">
               <a:rPr lang="zh-CN" altLang="en-US" smtClean="0"/>
-              <a:t>2021/12/28</a:t>
+              <a:t>2021/12/29</a:t>
             </a:fld>
             <a:endParaRPr lang="zh-CN" altLang="en-US"/>
           </a:p>
@@ -10187,7 +10187,7 @@
           <a:p>
             <a:fld id="{82F288E0-7875-42C4-84C8-98DBBD3BF4D2}" type="datetimeFigureOut">
               <a:rPr lang="zh-CN" altLang="en-US" smtClean="0"/>
-              <a:t>2021/12/28</a:t>
+              <a:t>2021/12/29</a:t>
             </a:fld>
             <a:endParaRPr lang="zh-CN" altLang="en-US"/>
           </a:p>
@@ -10421,7 +10421,7 @@
           <a:p>
             <a:fld id="{82F288E0-7875-42C4-84C8-98DBBD3BF4D2}" type="datetimeFigureOut">
               <a:rPr lang="zh-CN" altLang="en-US" smtClean="0"/>
-              <a:t>2021/12/28</a:t>
+              <a:t>2021/12/29</a:t>
             </a:fld>
             <a:endParaRPr lang="zh-CN" altLang="en-US"/>
           </a:p>
@@ -10783,7 +10783,7 @@
           <a:p>
             <a:fld id="{82F288E0-7875-42C4-84C8-98DBBD3BF4D2}" type="datetimeFigureOut">
               <a:rPr lang="zh-CN" altLang="en-US" smtClean="0"/>
-              <a:t>2021/12/28</a:t>
+              <a:t>2021/12/29</a:t>
             </a:fld>
             <a:endParaRPr lang="zh-CN" altLang="en-US"/>
           </a:p>
@@ -10896,7 +10896,7 @@
           <a:p>
             <a:fld id="{82F288E0-7875-42C4-84C8-98DBBD3BF4D2}" type="datetimeFigureOut">
               <a:rPr lang="zh-CN" altLang="en-US" smtClean="0"/>
-              <a:t>2021/12/28</a:t>
+              <a:t>2021/12/29</a:t>
             </a:fld>
             <a:endParaRPr lang="zh-CN" altLang="en-US"/>
           </a:p>
@@ -10986,7 +10986,7 @@
           <a:p>
             <a:fld id="{82F288E0-7875-42C4-84C8-98DBBD3BF4D2}" type="datetimeFigureOut">
               <a:rPr lang="zh-CN" altLang="en-US" smtClean="0"/>
-              <a:t>2021/12/28</a:t>
+              <a:t>2021/12/29</a:t>
             </a:fld>
             <a:endParaRPr lang="zh-CN" altLang="en-US"/>
           </a:p>
@@ -11234,7 +11234,7 @@
           <a:p>
             <a:fld id="{82F288E0-7875-42C4-84C8-98DBBD3BF4D2}" type="datetimeFigureOut">
               <a:rPr lang="zh-CN" altLang="en-US" smtClean="0"/>
-              <a:t>2021/12/28</a:t>
+              <a:t>2021/12/29</a:t>
             </a:fld>
             <a:endParaRPr lang="zh-CN" altLang="en-US"/>
           </a:p>
@@ -11409,7 +11409,7 @@
           <a:p>
             <a:fld id="{82F288E0-7875-42C4-84C8-98DBBD3BF4D2}" type="datetimeFigureOut">
               <a:rPr lang="zh-CN" altLang="en-US" smtClean="0"/>
-              <a:t>2021/12/28</a:t>
+              <a:t>2021/12/29</a:t>
             </a:fld>
             <a:endParaRPr lang="zh-CN" altLang="en-US"/>
           </a:p>
@@ -11622,7 +11622,7 @@
           <a:p>
             <a:fld id="{82F288E0-7875-42C4-84C8-98DBBD3BF4D2}" type="datetimeFigureOut">
               <a:rPr lang="zh-CN" altLang="en-US" smtClean="0"/>
-              <a:t>2021/12/28</a:t>
+              <a:t>2021/12/29</a:t>
             </a:fld>
             <a:endParaRPr lang="zh-CN" altLang="en-US"/>
           </a:p>
@@ -14064,7 +14064,7 @@
           <p:cNvPr id="7" name="表格 5">
             <a:extLst>
               <a:ext uri="{FF2B5EF4-FFF2-40B4-BE49-F238E27FC236}">
-                <a16:creationId xmlns:a16="http://schemas.microsoft.com/office/drawing/2014/main" xmlns="" id="{202A9B48-7C02-4B9F-A694-D9D167DDE433}"/>
+                <a16:creationId xmlns="" xmlns:a16="http://schemas.microsoft.com/office/drawing/2014/main" id="{202A9B48-7C02-4B9F-A694-D9D167DDE433}"/>
               </a:ext>
             </a:extLst>
           </p:cNvPr>
@@ -14091,21 +14091,21 @@
                 <a:gridCol w="1439100">
                   <a:extLst>
                     <a:ext uri="{9D8B030D-6E8A-4147-A177-3AD203B41FA5}">
-                      <a16:colId xmlns:a16="http://schemas.microsoft.com/office/drawing/2014/main" xmlns="" val="1313235057"/>
+                      <a16:colId xmlns="" xmlns:a16="http://schemas.microsoft.com/office/drawing/2014/main" val="1313235057"/>
                     </a:ext>
                   </a:extLst>
                 </a:gridCol>
                 <a:gridCol w="2365537">
                   <a:extLst>
                     <a:ext uri="{9D8B030D-6E8A-4147-A177-3AD203B41FA5}">
-                      <a16:colId xmlns:a16="http://schemas.microsoft.com/office/drawing/2014/main" xmlns="" val="3498442498"/>
+                      <a16:colId xmlns="" xmlns:a16="http://schemas.microsoft.com/office/drawing/2014/main" val="3498442498"/>
                     </a:ext>
                   </a:extLst>
                 </a:gridCol>
                 <a:gridCol w="3597777">
                   <a:extLst>
                     <a:ext uri="{9D8B030D-6E8A-4147-A177-3AD203B41FA5}">
-                      <a16:colId xmlns:a16="http://schemas.microsoft.com/office/drawing/2014/main" xmlns="" val="2798367762"/>
+                      <a16:colId xmlns="" xmlns:a16="http://schemas.microsoft.com/office/drawing/2014/main" val="2798367762"/>
                     </a:ext>
                   </a:extLst>
                 </a:gridCol>
@@ -14257,7 +14257,7 @@
                 </a:tc>
                 <a:extLst>
                   <a:ext uri="{0D108BD9-81ED-4DB2-BD59-A6C34878D82A}">
-                    <a16:rowId xmlns:a16="http://schemas.microsoft.com/office/drawing/2014/main" xmlns="" val="43767920"/>
+                    <a16:rowId xmlns="" xmlns:a16="http://schemas.microsoft.com/office/drawing/2014/main" val="43767920"/>
                   </a:ext>
                 </a:extLst>
               </a:tr>
@@ -14463,7 +14463,7 @@
                 </a:tc>
                 <a:extLst>
                   <a:ext uri="{0D108BD9-81ED-4DB2-BD59-A6C34878D82A}">
-                    <a16:rowId xmlns:a16="http://schemas.microsoft.com/office/drawing/2014/main" xmlns="" val="881114521"/>
+                    <a16:rowId xmlns="" xmlns:a16="http://schemas.microsoft.com/office/drawing/2014/main" val="881114521"/>
                   </a:ext>
                 </a:extLst>
               </a:tr>
@@ -14625,7 +14625,7 @@
                 </a:tc>
                 <a:extLst>
                   <a:ext uri="{0D108BD9-81ED-4DB2-BD59-A6C34878D82A}">
-                    <a16:rowId xmlns:a16="http://schemas.microsoft.com/office/drawing/2014/main" xmlns="" val="3889943358"/>
+                    <a16:rowId xmlns="" xmlns:a16="http://schemas.microsoft.com/office/drawing/2014/main" val="3889943358"/>
                   </a:ext>
                 </a:extLst>
               </a:tr>
@@ -17590,7 +17590,7 @@
           <p:cNvPr id="6" name="表格 5">
             <a:extLst>
               <a:ext uri="{FF2B5EF4-FFF2-40B4-BE49-F238E27FC236}">
-                <a16:creationId xmlns:a16="http://schemas.microsoft.com/office/drawing/2014/main" xmlns="" id="{202A9B48-7C02-4B9F-A694-D9D167DDE433}"/>
+                <a16:creationId xmlns="" xmlns:a16="http://schemas.microsoft.com/office/drawing/2014/main" id="{202A9B48-7C02-4B9F-A694-D9D167DDE433}"/>
               </a:ext>
             </a:extLst>
           </p:cNvPr>
@@ -17617,21 +17617,21 @@
                 <a:gridCol w="1728799">
                   <a:extLst>
                     <a:ext uri="{9D8B030D-6E8A-4147-A177-3AD203B41FA5}">
-                      <a16:colId xmlns:a16="http://schemas.microsoft.com/office/drawing/2014/main" xmlns="" val="1313235057"/>
+                      <a16:colId xmlns="" xmlns:a16="http://schemas.microsoft.com/office/drawing/2014/main" val="1313235057"/>
                     </a:ext>
                   </a:extLst>
                 </a:gridCol>
                 <a:gridCol w="2508718">
                   <a:extLst>
                     <a:ext uri="{9D8B030D-6E8A-4147-A177-3AD203B41FA5}">
-                      <a16:colId xmlns:a16="http://schemas.microsoft.com/office/drawing/2014/main" xmlns="" val="3498442498"/>
+                      <a16:colId xmlns="" xmlns:a16="http://schemas.microsoft.com/office/drawing/2014/main" val="3498442498"/>
                     </a:ext>
                   </a:extLst>
                 </a:gridCol>
                 <a:gridCol w="3597777">
                   <a:extLst>
                     <a:ext uri="{9D8B030D-6E8A-4147-A177-3AD203B41FA5}">
-                      <a16:colId xmlns:a16="http://schemas.microsoft.com/office/drawing/2014/main" xmlns="" val="2798367762"/>
+                      <a16:colId xmlns="" xmlns:a16="http://schemas.microsoft.com/office/drawing/2014/main" val="2798367762"/>
                     </a:ext>
                   </a:extLst>
                 </a:gridCol>
@@ -17933,7 +17933,7 @@
                 </a:tc>
                 <a:extLst>
                   <a:ext uri="{0D108BD9-81ED-4DB2-BD59-A6C34878D82A}">
-                    <a16:rowId xmlns:a16="http://schemas.microsoft.com/office/drawing/2014/main" xmlns="" val="43767920"/>
+                    <a16:rowId xmlns="" xmlns:a16="http://schemas.microsoft.com/office/drawing/2014/main" val="43767920"/>
                   </a:ext>
                 </a:extLst>
               </a:tr>
@@ -18182,7 +18182,7 @@
                 </a:tc>
                 <a:extLst>
                   <a:ext uri="{0D108BD9-81ED-4DB2-BD59-A6C34878D82A}">
-                    <a16:rowId xmlns:a16="http://schemas.microsoft.com/office/drawing/2014/main" xmlns="" val="881114521"/>
+                    <a16:rowId xmlns="" xmlns:a16="http://schemas.microsoft.com/office/drawing/2014/main" val="881114521"/>
                   </a:ext>
                 </a:extLst>
               </a:tr>
@@ -20965,7 +20965,7 @@
           <p:cNvPr id="5" name="表格 4">
             <a:extLst>
               <a:ext uri="{FF2B5EF4-FFF2-40B4-BE49-F238E27FC236}">
-                <a16:creationId xmlns:a16="http://schemas.microsoft.com/office/drawing/2014/main" xmlns="" id="{202A9B48-7C02-4B9F-A694-D9D167DDE433}"/>
+                <a16:creationId xmlns="" xmlns:a16="http://schemas.microsoft.com/office/drawing/2014/main" id="{202A9B48-7C02-4B9F-A694-D9D167DDE433}"/>
               </a:ext>
             </a:extLst>
           </p:cNvPr>
@@ -20992,21 +20992,21 @@
                 <a:gridCol w="1728799">
                   <a:extLst>
                     <a:ext uri="{9D8B030D-6E8A-4147-A177-3AD203B41FA5}">
-                      <a16:colId xmlns:a16="http://schemas.microsoft.com/office/drawing/2014/main" xmlns="" val="1313235057"/>
+                      <a16:colId xmlns="" xmlns:a16="http://schemas.microsoft.com/office/drawing/2014/main" val="1313235057"/>
                     </a:ext>
                   </a:extLst>
                 </a:gridCol>
                 <a:gridCol w="2508718">
                   <a:extLst>
                     <a:ext uri="{9D8B030D-6E8A-4147-A177-3AD203B41FA5}">
-                      <a16:colId xmlns:a16="http://schemas.microsoft.com/office/drawing/2014/main" xmlns="" val="3498442498"/>
+                      <a16:colId xmlns="" xmlns:a16="http://schemas.microsoft.com/office/drawing/2014/main" val="3498442498"/>
                     </a:ext>
                   </a:extLst>
                 </a:gridCol>
                 <a:gridCol w="3597777">
                   <a:extLst>
                     <a:ext uri="{9D8B030D-6E8A-4147-A177-3AD203B41FA5}">
-                      <a16:colId xmlns:a16="http://schemas.microsoft.com/office/drawing/2014/main" xmlns="" val="2798367762"/>
+                      <a16:colId xmlns="" xmlns:a16="http://schemas.microsoft.com/office/drawing/2014/main" val="2798367762"/>
                     </a:ext>
                   </a:extLst>
                 </a:gridCol>
@@ -21188,7 +21188,7 @@
                 </a:tc>
                 <a:extLst>
                   <a:ext uri="{0D108BD9-81ED-4DB2-BD59-A6C34878D82A}">
-                    <a16:rowId xmlns:a16="http://schemas.microsoft.com/office/drawing/2014/main" xmlns="" val="43767920"/>
+                    <a16:rowId xmlns="" xmlns:a16="http://schemas.microsoft.com/office/drawing/2014/main" val="43767920"/>
                   </a:ext>
                 </a:extLst>
               </a:tr>
@@ -21493,7 +21493,7 @@
                 </a:tc>
                 <a:extLst>
                   <a:ext uri="{0D108BD9-81ED-4DB2-BD59-A6C34878D82A}">
-                    <a16:rowId xmlns:a16="http://schemas.microsoft.com/office/drawing/2014/main" xmlns="" val="881114521"/>
+                    <a16:rowId xmlns="" xmlns:a16="http://schemas.microsoft.com/office/drawing/2014/main" val="881114521"/>
                   </a:ext>
                 </a:extLst>
               </a:tr>
@@ -23734,13 +23734,7 @@
               <a:rPr lang="en-US" altLang="zh-TW" sz="1600" dirty="0" smtClean="0">
                 <a:latin typeface="+mn-ea"/>
               </a:rPr>
-              <a:t>:</a:t>
-            </a:r>
-            <a:r>
-              <a:rPr lang="en-US" altLang="zh-TW" sz="1600" dirty="0" smtClean="0">
-                <a:latin typeface="+mn-ea"/>
-              </a:rPr>
-              <a:t>Leaky-</a:t>
+              <a:t>:Leaky-</a:t>
             </a:r>
             <a:r>
               <a:rPr lang="en-US" altLang="zh-TW" sz="1600" dirty="0" err="1" smtClean="0">
@@ -24345,13 +24339,7 @@
               <a:rPr lang="en-US" altLang="zh-TW" sz="1600" dirty="0" smtClean="0">
                 <a:latin typeface="+mn-ea"/>
               </a:rPr>
-              <a:t>:</a:t>
-            </a:r>
-            <a:r>
-              <a:rPr lang="en-US" altLang="zh-TW" sz="1600" dirty="0" smtClean="0">
-                <a:latin typeface="+mn-ea"/>
-              </a:rPr>
-              <a:t>Leaky-</a:t>
+              <a:t>:Leaky-</a:t>
             </a:r>
             <a:r>
               <a:rPr lang="en-US" altLang="zh-TW" sz="1600" dirty="0" err="1" smtClean="0">
